--- a/doc/TFPyModeller Project Presentation.pptx
+++ b/doc/TFPyModeller Project Presentation.pptx
@@ -17,9 +17,12 @@
     <p:sldId id="263" r:id="rId11"/>
     <p:sldId id="264" r:id="rId12"/>
     <p:sldId id="265" r:id="rId13"/>
-    <p:sldId id="270" r:id="rId14"/>
-    <p:sldId id="266" r:id="rId15"/>
-    <p:sldId id="267" r:id="rId16"/>
+    <p:sldId id="273" r:id="rId14"/>
+    <p:sldId id="270" r:id="rId15"/>
+    <p:sldId id="271" r:id="rId16"/>
+    <p:sldId id="272" r:id="rId17"/>
+    <p:sldId id="266" r:id="rId18"/>
+    <p:sldId id="267" r:id="rId19"/>
   </p:sldIdLst>
   <p:sldSz cx="12192000" cy="6858000"/>
   <p:notesSz cx="6858000" cy="9144000"/>
@@ -176,7 +179,11 @@
             </a:r>
             <a:r>
               <a:rPr lang="en-US" baseline="0" dirty="0" smtClean="0"/>
-              <a:t> Annealing using Consensus</a:t>
+              <a:t> Annealing using </a:t>
+            </a:r>
+            <a:r>
+              <a:rPr lang="en-US" baseline="0" dirty="0" smtClean="0"/>
+              <a:t>Consensus (not actual ranges)</a:t>
             </a:r>
             <a:endParaRPr lang="en-US" dirty="0"/>
           </a:p>
@@ -3432,11 +3439,11 @@
           <c:showBubbleSize val="0"/>
         </c:dLbls>
         <c:smooth val="0"/>
-        <c:axId val="566127480"/>
-        <c:axId val="566127872"/>
+        <c:axId val="365241016"/>
+        <c:axId val="365241800"/>
       </c:lineChart>
       <c:catAx>
-        <c:axId val="566127480"/>
+        <c:axId val="365241016"/>
         <c:scaling>
           <c:orientation val="minMax"/>
         </c:scaling>
@@ -3536,7 +3543,7 @@
             <a:endParaRPr lang="en-US"/>
           </a:p>
         </c:txPr>
-        <c:crossAx val="566127872"/>
+        <c:crossAx val="365241800"/>
         <c:crosses val="autoZero"/>
         <c:auto val="1"/>
         <c:lblAlgn val="ctr"/>
@@ -3544,7 +3551,7 @@
         <c:noMultiLvlLbl val="0"/>
       </c:catAx>
       <c:valAx>
-        <c:axId val="566127872"/>
+        <c:axId val="365241800"/>
         <c:scaling>
           <c:orientation val="minMax"/>
         </c:scaling>
@@ -3652,7 +3659,7 @@
             <a:endParaRPr lang="en-US"/>
           </a:p>
         </c:txPr>
-        <c:crossAx val="566127480"/>
+        <c:crossAx val="365241016"/>
         <c:crosses val="autoZero"/>
         <c:crossBetween val="between"/>
       </c:valAx>
@@ -6899,6 +6906,13 @@
         </dgm:presLayoutVars>
       </dgm:prSet>
       <dgm:spPr/>
+      <dgm:t>
+        <a:bodyPr/>
+        <a:lstStyle/>
+        <a:p>
+          <a:endParaRPr lang="en-US"/>
+        </a:p>
+      </dgm:t>
     </dgm:pt>
     <dgm:pt modelId="{F2B86460-2792-4D76-82E2-A6560A296B24}" type="pres">
       <dgm:prSet presAssocID="{42CA1C21-58FF-42C3-B352-FA38811AC95C}" presName="horFlow" presStyleCnt="0"/>
@@ -6907,6 +6921,13 @@
     <dgm:pt modelId="{3179E677-4E5D-4DE2-999F-36859368CC84}" type="pres">
       <dgm:prSet presAssocID="{42CA1C21-58FF-42C3-B352-FA38811AC95C}" presName="bigChev" presStyleLbl="node1" presStyleIdx="0" presStyleCnt="3"/>
       <dgm:spPr/>
+      <dgm:t>
+        <a:bodyPr/>
+        <a:lstStyle/>
+        <a:p>
+          <a:endParaRPr lang="en-US"/>
+        </a:p>
+      </dgm:t>
     </dgm:pt>
     <dgm:pt modelId="{F327D508-9B55-49A4-BB39-F5CDBB139B55}" type="pres">
       <dgm:prSet presAssocID="{42CA1C21-58FF-42C3-B352-FA38811AC95C}" presName="vSp" presStyleCnt="0"/>
@@ -6919,6 +6940,13 @@
     <dgm:pt modelId="{BFFCCB52-61F7-4AEC-93FC-D8A8B0FFF248}" type="pres">
       <dgm:prSet presAssocID="{E14EC32A-4450-4C32-BE39-3F1C17C74B64}" presName="bigChev" presStyleLbl="node1" presStyleIdx="1" presStyleCnt="3"/>
       <dgm:spPr/>
+      <dgm:t>
+        <a:bodyPr/>
+        <a:lstStyle/>
+        <a:p>
+          <a:endParaRPr lang="en-US"/>
+        </a:p>
+      </dgm:t>
     </dgm:pt>
     <dgm:pt modelId="{DF862222-3626-4F15-9533-9C6E9E7879E0}" type="pres">
       <dgm:prSet presAssocID="{EA602E21-36C8-43B9-9BF5-23FF61DB1AA6}" presName="parTrans" presStyleCnt="0"/>
@@ -6931,6 +6959,13 @@
         </dgm:presLayoutVars>
       </dgm:prSet>
       <dgm:spPr/>
+      <dgm:t>
+        <a:bodyPr/>
+        <a:lstStyle/>
+        <a:p>
+          <a:endParaRPr lang="en-US"/>
+        </a:p>
+      </dgm:t>
     </dgm:pt>
     <dgm:pt modelId="{838E9F44-790D-43DC-8086-FAA927C1EA89}" type="pres">
       <dgm:prSet presAssocID="{84EC448D-EB56-457A-B9BA-23FDB0320694}" presName="sibTrans" presStyleCnt="0"/>
@@ -6943,6 +6978,13 @@
         </dgm:presLayoutVars>
       </dgm:prSet>
       <dgm:spPr/>
+      <dgm:t>
+        <a:bodyPr/>
+        <a:lstStyle/>
+        <a:p>
+          <a:endParaRPr lang="en-US"/>
+        </a:p>
+      </dgm:t>
     </dgm:pt>
     <dgm:pt modelId="{CF8C3636-5DBE-4BB0-B0CF-862135E6F97B}" type="pres">
       <dgm:prSet presAssocID="{A3FBDFF5-EB36-4CB3-B78E-A8C19F89EF33}" presName="sibTrans" presStyleCnt="0"/>
@@ -6955,6 +6997,13 @@
         </dgm:presLayoutVars>
       </dgm:prSet>
       <dgm:spPr/>
+      <dgm:t>
+        <a:bodyPr/>
+        <a:lstStyle/>
+        <a:p>
+          <a:endParaRPr lang="en-US"/>
+        </a:p>
+      </dgm:t>
     </dgm:pt>
     <dgm:pt modelId="{35A402D6-49A0-4B77-B62C-53C47D860A47}" type="pres">
       <dgm:prSet presAssocID="{D8FF0D9E-DCFF-4231-9A01-510B333858E8}" presName="sibTrans" presStyleCnt="0"/>
@@ -6967,6 +7016,13 @@
         </dgm:presLayoutVars>
       </dgm:prSet>
       <dgm:spPr/>
+      <dgm:t>
+        <a:bodyPr/>
+        <a:lstStyle/>
+        <a:p>
+          <a:endParaRPr lang="en-US"/>
+        </a:p>
+      </dgm:t>
     </dgm:pt>
     <dgm:pt modelId="{C026D695-4D65-4062-8EE9-C786A2E4A3AC}" type="pres">
       <dgm:prSet presAssocID="{E14EC32A-4450-4C32-BE39-3F1C17C74B64}" presName="vSp" presStyleCnt="0"/>
@@ -6989,21 +7045,21 @@
     </dgm:pt>
   </dgm:ptLst>
   <dgm:cxnLst>
-    <dgm:cxn modelId="{8B7AF6F7-FA55-4600-8174-013A3536E13C}" srcId="{E14EC32A-4450-4C32-BE39-3F1C17C74B64}" destId="{401623E2-2AA8-4502-9D51-7EF44838916F}" srcOrd="2" destOrd="0" parTransId="{C2EB3181-B899-481D-907F-6D81103FAE5A}" sibTransId="{D8FF0D9E-DCFF-4231-9A01-510B333858E8}"/>
+    <dgm:cxn modelId="{981BD852-E0CB-41CE-856B-0F6F299622F2}" srcId="{6DCE9A2F-68A3-4FC4-A6A2-1723864425D8}" destId="{E14EC32A-4450-4C32-BE39-3F1C17C74B64}" srcOrd="1" destOrd="0" parTransId="{6B637C09-E3C5-41B3-B04E-B63902739182}" sibTransId="{C0B94013-047F-4E01-B2DE-0582D5120C82}"/>
+    <dgm:cxn modelId="{2D73CDC8-9969-484E-9F1A-876877AE469A}" type="presOf" srcId="{42CA1C21-58FF-42C3-B352-FA38811AC95C}" destId="{3179E677-4E5D-4DE2-999F-36859368CC84}" srcOrd="0" destOrd="0" presId="urn:microsoft.com/office/officeart/2005/8/layout/lProcess3"/>
+    <dgm:cxn modelId="{C05275AB-B9A2-4352-9D41-A97BBF7C7BBB}" srcId="{6DCE9A2F-68A3-4FC4-A6A2-1723864425D8}" destId="{42CA1C21-58FF-42C3-B352-FA38811AC95C}" srcOrd="0" destOrd="0" parTransId="{BE3F3C55-45AB-48E5-AD28-B5ABC2FB687E}" sibTransId="{5EADDE2A-ADFC-420B-B20E-BC809C3AD909}"/>
+    <dgm:cxn modelId="{007A0F4F-39AB-450C-A6CF-94F3AC9C910E}" srcId="{6DCE9A2F-68A3-4FC4-A6A2-1723864425D8}" destId="{37E02DEE-D6BD-4EF9-8601-D5683FCEB1FD}" srcOrd="2" destOrd="0" parTransId="{B30D0F5E-50AA-43AF-A58A-81DA86CB9AD6}" sibTransId="{C1962595-136B-42E9-AD9D-CB61E7C8EEC8}"/>
     <dgm:cxn modelId="{CDF4111F-C497-44D9-9FDD-0AA9E774A7E4}" type="presOf" srcId="{E14EC32A-4450-4C32-BE39-3F1C17C74B64}" destId="{BFFCCB52-61F7-4AEC-93FC-D8A8B0FFF248}" srcOrd="0" destOrd="0" presId="urn:microsoft.com/office/officeart/2005/8/layout/lProcess3"/>
-    <dgm:cxn modelId="{B36701F7-219B-4756-9963-481790666FEA}" type="presOf" srcId="{401623E2-2AA8-4502-9D51-7EF44838916F}" destId="{E8AEBF80-7DA8-4505-B00B-9C6BAC7A9D58}" srcOrd="0" destOrd="0" presId="urn:microsoft.com/office/officeart/2005/8/layout/lProcess3"/>
+    <dgm:cxn modelId="{5A1E4216-6228-422D-9A18-BB7119F141CB}" srcId="{E14EC32A-4450-4C32-BE39-3F1C17C74B64}" destId="{A67D9117-922A-43AD-8F50-FC93F5C9DF2D}" srcOrd="0" destOrd="0" parTransId="{EA602E21-36C8-43B9-9BF5-23FF61DB1AA6}" sibTransId="{84EC448D-EB56-457A-B9BA-23FDB0320694}"/>
     <dgm:cxn modelId="{7E0120BE-BD2C-46AB-A94C-447A27A52C46}" type="presOf" srcId="{D8985794-857C-4998-8555-F4874A26D9E9}" destId="{EA8D1806-CAEE-4346-8E6D-92B2C3273859}" srcOrd="0" destOrd="0" presId="urn:microsoft.com/office/officeart/2005/8/layout/lProcess3"/>
     <dgm:cxn modelId="{AF1E53E0-AD22-440A-ADA4-E987BDFE89F0}" type="presOf" srcId="{A67D9117-922A-43AD-8F50-FC93F5C9DF2D}" destId="{195104EC-1F94-47CC-BF85-520C1FFAF437}" srcOrd="0" destOrd="0" presId="urn:microsoft.com/office/officeart/2005/8/layout/lProcess3"/>
+    <dgm:cxn modelId="{C811CAF4-4E92-4CCC-9D21-0015135FA1F2}" type="presOf" srcId="{37E02DEE-D6BD-4EF9-8601-D5683FCEB1FD}" destId="{BDEF8731-0750-4209-A3D5-189EE8741F4C}" srcOrd="0" destOrd="0" presId="urn:microsoft.com/office/officeart/2005/8/layout/lProcess3"/>
     <dgm:cxn modelId="{038BBAD6-73C3-4FFE-84DB-C6289ED58BC8}" type="presOf" srcId="{E7659000-716C-4A3C-869C-A7AD7AD6882C}" destId="{77E12061-C52D-44EC-B12B-E60073B0BA79}" srcOrd="0" destOrd="0" presId="urn:microsoft.com/office/officeart/2005/8/layout/lProcess3"/>
-    <dgm:cxn modelId="{007A0F4F-39AB-450C-A6CF-94F3AC9C910E}" srcId="{6DCE9A2F-68A3-4FC4-A6A2-1723864425D8}" destId="{37E02DEE-D6BD-4EF9-8601-D5683FCEB1FD}" srcOrd="2" destOrd="0" parTransId="{B30D0F5E-50AA-43AF-A58A-81DA86CB9AD6}" sibTransId="{C1962595-136B-42E9-AD9D-CB61E7C8EEC8}"/>
-    <dgm:cxn modelId="{C05275AB-B9A2-4352-9D41-A97BBF7C7BBB}" srcId="{6DCE9A2F-68A3-4FC4-A6A2-1723864425D8}" destId="{42CA1C21-58FF-42C3-B352-FA38811AC95C}" srcOrd="0" destOrd="0" parTransId="{BE3F3C55-45AB-48E5-AD28-B5ABC2FB687E}" sibTransId="{5EADDE2A-ADFC-420B-B20E-BC809C3AD909}"/>
-    <dgm:cxn modelId="{981BD852-E0CB-41CE-856B-0F6F299622F2}" srcId="{6DCE9A2F-68A3-4FC4-A6A2-1723864425D8}" destId="{E14EC32A-4450-4C32-BE39-3F1C17C74B64}" srcOrd="1" destOrd="0" parTransId="{6B637C09-E3C5-41B3-B04E-B63902739182}" sibTransId="{C0B94013-047F-4E01-B2DE-0582D5120C82}"/>
-    <dgm:cxn modelId="{C811CAF4-4E92-4CCC-9D21-0015135FA1F2}" type="presOf" srcId="{37E02DEE-D6BD-4EF9-8601-D5683FCEB1FD}" destId="{BDEF8731-0750-4209-A3D5-189EE8741F4C}" srcOrd="0" destOrd="0" presId="urn:microsoft.com/office/officeart/2005/8/layout/lProcess3"/>
+    <dgm:cxn modelId="{1005043E-1B38-4A73-9983-B34FCFF292A8}" type="presOf" srcId="{6DCE9A2F-68A3-4FC4-A6A2-1723864425D8}" destId="{1054CB6F-31D8-4EA2-94F8-F1A1E40950CE}" srcOrd="0" destOrd="0" presId="urn:microsoft.com/office/officeart/2005/8/layout/lProcess3"/>
+    <dgm:cxn modelId="{8B7AF6F7-FA55-4600-8174-013A3536E13C}" srcId="{E14EC32A-4450-4C32-BE39-3F1C17C74B64}" destId="{401623E2-2AA8-4502-9D51-7EF44838916F}" srcOrd="2" destOrd="0" parTransId="{C2EB3181-B899-481D-907F-6D81103FAE5A}" sibTransId="{D8FF0D9E-DCFF-4231-9A01-510B333858E8}"/>
     <dgm:cxn modelId="{22783E7C-846F-45A8-B66C-3DEA1BA46A2D}" srcId="{E14EC32A-4450-4C32-BE39-3F1C17C74B64}" destId="{D8985794-857C-4998-8555-F4874A26D9E9}" srcOrd="1" destOrd="0" parTransId="{C9DC9331-CE0F-4FF8-970C-1046CAE871C7}" sibTransId="{A3FBDFF5-EB36-4CB3-B78E-A8C19F89EF33}"/>
-    <dgm:cxn modelId="{5A1E4216-6228-422D-9A18-BB7119F141CB}" srcId="{E14EC32A-4450-4C32-BE39-3F1C17C74B64}" destId="{A67D9117-922A-43AD-8F50-FC93F5C9DF2D}" srcOrd="0" destOrd="0" parTransId="{EA602E21-36C8-43B9-9BF5-23FF61DB1AA6}" sibTransId="{84EC448D-EB56-457A-B9BA-23FDB0320694}"/>
     <dgm:cxn modelId="{94C763EF-7D3A-4D33-9B7E-722EDC45E0F2}" srcId="{E14EC32A-4450-4C32-BE39-3F1C17C74B64}" destId="{E7659000-716C-4A3C-869C-A7AD7AD6882C}" srcOrd="3" destOrd="0" parTransId="{635231BE-56B5-47AE-8522-F75607B02F51}" sibTransId="{62A7984B-246A-4FD5-A610-B3DC8CFCD7B6}"/>
-    <dgm:cxn modelId="{2D73CDC8-9969-484E-9F1A-876877AE469A}" type="presOf" srcId="{42CA1C21-58FF-42C3-B352-FA38811AC95C}" destId="{3179E677-4E5D-4DE2-999F-36859368CC84}" srcOrd="0" destOrd="0" presId="urn:microsoft.com/office/officeart/2005/8/layout/lProcess3"/>
-    <dgm:cxn modelId="{1005043E-1B38-4A73-9983-B34FCFF292A8}" type="presOf" srcId="{6DCE9A2F-68A3-4FC4-A6A2-1723864425D8}" destId="{1054CB6F-31D8-4EA2-94F8-F1A1E40950CE}" srcOrd="0" destOrd="0" presId="urn:microsoft.com/office/officeart/2005/8/layout/lProcess3"/>
+    <dgm:cxn modelId="{B36701F7-219B-4756-9963-481790666FEA}" type="presOf" srcId="{401623E2-2AA8-4502-9D51-7EF44838916F}" destId="{E8AEBF80-7DA8-4505-B00B-9C6BAC7A9D58}" srcOrd="0" destOrd="0" presId="urn:microsoft.com/office/officeart/2005/8/layout/lProcess3"/>
     <dgm:cxn modelId="{9593F8BE-E197-41D2-ADD9-B2A187855613}" type="presParOf" srcId="{1054CB6F-31D8-4EA2-94F8-F1A1E40950CE}" destId="{F2B86460-2792-4D76-82E2-A6560A296B24}" srcOrd="0" destOrd="0" presId="urn:microsoft.com/office/officeart/2005/8/layout/lProcess3"/>
     <dgm:cxn modelId="{78FA2D8D-9B27-41EE-9315-BDEF5C168897}" type="presParOf" srcId="{F2B86460-2792-4D76-82E2-A6560A296B24}" destId="{3179E677-4E5D-4DE2-999F-36859368CC84}" srcOrd="0" destOrd="0" presId="urn:microsoft.com/office/officeart/2005/8/layout/lProcess3"/>
     <dgm:cxn modelId="{27BCB1E4-EBB3-4A78-B6B6-3CF3442B23E8}" type="presParOf" srcId="{1054CB6F-31D8-4EA2-94F8-F1A1E40950CE}" destId="{F327D508-9B55-49A4-BB39-F5CDBB139B55}" srcOrd="1" destOrd="0" presId="urn:microsoft.com/office/officeart/2005/8/layout/lProcess3"/>
@@ -7202,6 +7258,13 @@
         </dgm:presLayoutVars>
       </dgm:prSet>
       <dgm:spPr/>
+      <dgm:t>
+        <a:bodyPr/>
+        <a:lstStyle/>
+        <a:p>
+          <a:endParaRPr lang="en-US"/>
+        </a:p>
+      </dgm:t>
     </dgm:pt>
     <dgm:pt modelId="{5292AAAD-FE35-48A6-A026-3195E7CE5BCA}" type="pres">
       <dgm:prSet presAssocID="{C79A39E4-174A-4799-AC0D-72269752F613}" presName="parTxOnly" presStyleLbl="node1" presStyleIdx="0" presStyleCnt="4">
@@ -7212,6 +7275,13 @@
         </dgm:presLayoutVars>
       </dgm:prSet>
       <dgm:spPr/>
+      <dgm:t>
+        <a:bodyPr/>
+        <a:lstStyle/>
+        <a:p>
+          <a:endParaRPr lang="en-US"/>
+        </a:p>
+      </dgm:t>
     </dgm:pt>
     <dgm:pt modelId="{C6E6F5E5-F77D-42D5-870E-537014FC070D}" type="pres">
       <dgm:prSet presAssocID="{FE2A3EAB-9C47-4848-9614-63A107A20715}" presName="parTxOnlySpace" presStyleCnt="0"/>
@@ -7226,6 +7296,13 @@
         </dgm:presLayoutVars>
       </dgm:prSet>
       <dgm:spPr/>
+      <dgm:t>
+        <a:bodyPr/>
+        <a:lstStyle/>
+        <a:p>
+          <a:endParaRPr lang="en-US"/>
+        </a:p>
+      </dgm:t>
     </dgm:pt>
     <dgm:pt modelId="{350F8066-FECB-4A0D-A87C-4FD3BFA08E5C}" type="pres">
       <dgm:prSet presAssocID="{AA1B450F-0019-4F4D-A093-D24F55730030}" presName="parTxOnlySpace" presStyleCnt="0"/>
@@ -7240,6 +7317,13 @@
         </dgm:presLayoutVars>
       </dgm:prSet>
       <dgm:spPr/>
+      <dgm:t>
+        <a:bodyPr/>
+        <a:lstStyle/>
+        <a:p>
+          <a:endParaRPr lang="en-US"/>
+        </a:p>
+      </dgm:t>
     </dgm:pt>
     <dgm:pt modelId="{A7F36071-1E15-47A6-BA9D-ADAC313AEFB5}" type="pres">
       <dgm:prSet presAssocID="{56390224-70A9-4A6C-AA91-433A0C2574E2}" presName="parTxOnlySpace" presStyleCnt="0"/>
@@ -7254,18 +7338,25 @@
         </dgm:presLayoutVars>
       </dgm:prSet>
       <dgm:spPr/>
+      <dgm:t>
+        <a:bodyPr/>
+        <a:lstStyle/>
+        <a:p>
+          <a:endParaRPr lang="en-US"/>
+        </a:p>
+      </dgm:t>
     </dgm:pt>
   </dgm:ptLst>
   <dgm:cxnLst>
+    <dgm:cxn modelId="{E3042876-BE18-47BC-B136-51030449666F}" srcId="{4400E540-E772-43A2-A3D3-7F120C82F2CA}" destId="{C79A39E4-174A-4799-AC0D-72269752F613}" srcOrd="0" destOrd="0" parTransId="{B0C8E0E7-7EF6-4ED3-A422-15D81BB51952}" sibTransId="{FE2A3EAB-9C47-4848-9614-63A107A20715}"/>
+    <dgm:cxn modelId="{53CEF7AA-373A-4C43-940D-9B86B1BACA58}" srcId="{4400E540-E772-43A2-A3D3-7F120C82F2CA}" destId="{0FC0C798-C1BB-4DBB-BD73-5D3DFC2E5FBD}" srcOrd="3" destOrd="0" parTransId="{B74DD82F-22F8-428C-A8AB-3289AA12C08C}" sibTransId="{811D74CA-9D2E-4FCC-A2B2-F8713663BE7B}"/>
+    <dgm:cxn modelId="{F989FA93-E625-4D53-B675-7F50E08B699E}" type="presOf" srcId="{4400E540-E772-43A2-A3D3-7F120C82F2CA}" destId="{4FE1CDBC-0160-4FC0-B96F-827B39775619}" srcOrd="0" destOrd="0" presId="urn:microsoft.com/office/officeart/2005/8/layout/chevron1"/>
+    <dgm:cxn modelId="{D8EE7F63-1FB4-4E52-AD34-324188BC0CA5}" srcId="{4400E540-E772-43A2-A3D3-7F120C82F2CA}" destId="{BFD41821-8D74-4C66-BA9E-A0C6D9A1B751}" srcOrd="1" destOrd="0" parTransId="{9157A3C0-855C-475F-AD05-629885FE6299}" sibTransId="{AA1B450F-0019-4F4D-A093-D24F55730030}"/>
+    <dgm:cxn modelId="{D0C0B44D-0AFF-426F-898D-464FFB16D901}" type="presOf" srcId="{BFD41821-8D74-4C66-BA9E-A0C6D9A1B751}" destId="{594D59BB-6DD5-4C71-A809-7040351CBA1E}" srcOrd="0" destOrd="0" presId="urn:microsoft.com/office/officeart/2005/8/layout/chevron1"/>
+    <dgm:cxn modelId="{6A594AC5-5E2C-46E7-BD40-67F80C95629F}" type="presOf" srcId="{A0EF2B06-D79E-49EE-A41A-FF70CD3D626A}" destId="{CD6D8B89-912E-4CDE-8547-CACF3A1E0D3E}" srcOrd="0" destOrd="0" presId="urn:microsoft.com/office/officeart/2005/8/layout/chevron1"/>
+    <dgm:cxn modelId="{30C00ABA-9307-4545-ACC7-D21FBCAF825B}" type="presOf" srcId="{0FC0C798-C1BB-4DBB-BD73-5D3DFC2E5FBD}" destId="{E3285919-594E-4279-8082-BB35709866D9}" srcOrd="0" destOrd="0" presId="urn:microsoft.com/office/officeart/2005/8/layout/chevron1"/>
     <dgm:cxn modelId="{14831AC7-AB10-49CB-A66C-99A8100770F7}" type="presOf" srcId="{C79A39E4-174A-4799-AC0D-72269752F613}" destId="{5292AAAD-FE35-48A6-A026-3195E7CE5BCA}" srcOrd="0" destOrd="0" presId="urn:microsoft.com/office/officeart/2005/8/layout/chevron1"/>
-    <dgm:cxn modelId="{53CEF7AA-373A-4C43-940D-9B86B1BACA58}" srcId="{4400E540-E772-43A2-A3D3-7F120C82F2CA}" destId="{0FC0C798-C1BB-4DBB-BD73-5D3DFC2E5FBD}" srcOrd="3" destOrd="0" parTransId="{B74DD82F-22F8-428C-A8AB-3289AA12C08C}" sibTransId="{811D74CA-9D2E-4FCC-A2B2-F8713663BE7B}"/>
-    <dgm:cxn modelId="{E3042876-BE18-47BC-B136-51030449666F}" srcId="{4400E540-E772-43A2-A3D3-7F120C82F2CA}" destId="{C79A39E4-174A-4799-AC0D-72269752F613}" srcOrd="0" destOrd="0" parTransId="{B0C8E0E7-7EF6-4ED3-A422-15D81BB51952}" sibTransId="{FE2A3EAB-9C47-4848-9614-63A107A20715}"/>
-    <dgm:cxn modelId="{30C00ABA-9307-4545-ACC7-D21FBCAF825B}" type="presOf" srcId="{0FC0C798-C1BB-4DBB-BD73-5D3DFC2E5FBD}" destId="{E3285919-594E-4279-8082-BB35709866D9}" srcOrd="0" destOrd="0" presId="urn:microsoft.com/office/officeart/2005/8/layout/chevron1"/>
     <dgm:cxn modelId="{91683B57-1DDF-4118-8689-E518A7FFAE7C}" srcId="{4400E540-E772-43A2-A3D3-7F120C82F2CA}" destId="{A0EF2B06-D79E-49EE-A41A-FF70CD3D626A}" srcOrd="2" destOrd="0" parTransId="{E7879C63-15CC-4889-8E13-830D37EB3829}" sibTransId="{56390224-70A9-4A6C-AA91-433A0C2574E2}"/>
-    <dgm:cxn modelId="{D0C0B44D-0AFF-426F-898D-464FFB16D901}" type="presOf" srcId="{BFD41821-8D74-4C66-BA9E-A0C6D9A1B751}" destId="{594D59BB-6DD5-4C71-A809-7040351CBA1E}" srcOrd="0" destOrd="0" presId="urn:microsoft.com/office/officeart/2005/8/layout/chevron1"/>
-    <dgm:cxn modelId="{D8EE7F63-1FB4-4E52-AD34-324188BC0CA5}" srcId="{4400E540-E772-43A2-A3D3-7F120C82F2CA}" destId="{BFD41821-8D74-4C66-BA9E-A0C6D9A1B751}" srcOrd="1" destOrd="0" parTransId="{9157A3C0-855C-475F-AD05-629885FE6299}" sibTransId="{AA1B450F-0019-4F4D-A093-D24F55730030}"/>
-    <dgm:cxn modelId="{F989FA93-E625-4D53-B675-7F50E08B699E}" type="presOf" srcId="{4400E540-E772-43A2-A3D3-7F120C82F2CA}" destId="{4FE1CDBC-0160-4FC0-B96F-827B39775619}" srcOrd="0" destOrd="0" presId="urn:microsoft.com/office/officeart/2005/8/layout/chevron1"/>
-    <dgm:cxn modelId="{6A594AC5-5E2C-46E7-BD40-67F80C95629F}" type="presOf" srcId="{A0EF2B06-D79E-49EE-A41A-FF70CD3D626A}" destId="{CD6D8B89-912E-4CDE-8547-CACF3A1E0D3E}" srcOrd="0" destOrd="0" presId="urn:microsoft.com/office/officeart/2005/8/layout/chevron1"/>
     <dgm:cxn modelId="{B07D2D8F-0DE9-49F5-B42D-388D33E6FCC8}" type="presParOf" srcId="{4FE1CDBC-0160-4FC0-B96F-827B39775619}" destId="{5292AAAD-FE35-48A6-A026-3195E7CE5BCA}" srcOrd="0" destOrd="0" presId="urn:microsoft.com/office/officeart/2005/8/layout/chevron1"/>
     <dgm:cxn modelId="{F45D01DE-D3DD-4AFB-B256-EB5A1AA6810B}" type="presParOf" srcId="{4FE1CDBC-0160-4FC0-B96F-827B39775619}" destId="{C6E6F5E5-F77D-42D5-870E-537014FC070D}" srcOrd="1" destOrd="0" presId="urn:microsoft.com/office/officeart/2005/8/layout/chevron1"/>
     <dgm:cxn modelId="{B9A0D004-33C9-4232-AD2F-FA15221B4F93}" type="presParOf" srcId="{4FE1CDBC-0160-4FC0-B96F-827B39775619}" destId="{594D59BB-6DD5-4C71-A809-7040351CBA1E}" srcOrd="2" destOrd="0" presId="urn:microsoft.com/office/officeart/2005/8/layout/chevron1"/>
@@ -7570,6 +7661,13 @@
         </dgm:presLayoutVars>
       </dgm:prSet>
       <dgm:spPr/>
+      <dgm:t>
+        <a:bodyPr/>
+        <a:lstStyle/>
+        <a:p>
+          <a:endParaRPr lang="en-US"/>
+        </a:p>
+      </dgm:t>
     </dgm:pt>
     <dgm:pt modelId="{9376F4BF-898D-4E5A-991D-3C455802BF80}" type="pres">
       <dgm:prSet presAssocID="{2BC30D8A-BD7B-48A3-987B-E002B3FBEBB7}" presName="composite" presStyleCnt="0"/>
@@ -7584,10 +7682,24 @@
         </dgm:presLayoutVars>
       </dgm:prSet>
       <dgm:spPr/>
+      <dgm:t>
+        <a:bodyPr/>
+        <a:lstStyle/>
+        <a:p>
+          <a:endParaRPr lang="en-US"/>
+        </a:p>
+      </dgm:t>
     </dgm:pt>
     <dgm:pt modelId="{4C29549F-4433-48B4-9CB5-DAEB8EBAAF40}" type="pres">
       <dgm:prSet presAssocID="{2BC30D8A-BD7B-48A3-987B-E002B3FBEBB7}" presName="parSh" presStyleLbl="node1" presStyleIdx="0" presStyleCnt="4"/>
       <dgm:spPr/>
+      <dgm:t>
+        <a:bodyPr/>
+        <a:lstStyle/>
+        <a:p>
+          <a:endParaRPr lang="en-US"/>
+        </a:p>
+      </dgm:t>
     </dgm:pt>
     <dgm:pt modelId="{7E1A340F-1D6E-4DDA-A554-533D62DFDA45}" type="pres">
       <dgm:prSet presAssocID="{2BC30D8A-BD7B-48A3-987B-E002B3FBEBB7}" presName="desTx" presStyleLbl="fgAcc1" presStyleIdx="0" presStyleCnt="4" custFlipHor="1" custScaleX="4008" custScaleY="6414">
@@ -7600,10 +7712,24 @@
     <dgm:pt modelId="{866565D4-2941-4043-BC87-E8BEC1EF5879}" type="pres">
       <dgm:prSet presAssocID="{F94C123F-85B8-49D8-B851-1B6603A66C6B}" presName="sibTrans" presStyleLbl="sibTrans2D1" presStyleIdx="0" presStyleCnt="3"/>
       <dgm:spPr/>
+      <dgm:t>
+        <a:bodyPr/>
+        <a:lstStyle/>
+        <a:p>
+          <a:endParaRPr lang="en-US"/>
+        </a:p>
+      </dgm:t>
     </dgm:pt>
     <dgm:pt modelId="{5F69E32D-EEEB-4259-97FB-069060F9F331}" type="pres">
       <dgm:prSet presAssocID="{F94C123F-85B8-49D8-B851-1B6603A66C6B}" presName="connTx" presStyleLbl="sibTrans2D1" presStyleIdx="0" presStyleCnt="3"/>
       <dgm:spPr/>
+      <dgm:t>
+        <a:bodyPr/>
+        <a:lstStyle/>
+        <a:p>
+          <a:endParaRPr lang="en-US"/>
+        </a:p>
+      </dgm:t>
     </dgm:pt>
     <dgm:pt modelId="{9E88BC42-E967-4198-A93E-18176BBA010E}" type="pres">
       <dgm:prSet presAssocID="{7BD1C587-0058-4EA7-A7CA-1F4C0F02A798}" presName="composite" presStyleCnt="0"/>
@@ -7618,10 +7744,24 @@
         </dgm:presLayoutVars>
       </dgm:prSet>
       <dgm:spPr/>
+      <dgm:t>
+        <a:bodyPr/>
+        <a:lstStyle/>
+        <a:p>
+          <a:endParaRPr lang="en-US"/>
+        </a:p>
+      </dgm:t>
     </dgm:pt>
     <dgm:pt modelId="{6E742AD6-81C8-4CF1-9C33-E1D3205CCEDF}" type="pres">
       <dgm:prSet presAssocID="{7BD1C587-0058-4EA7-A7CA-1F4C0F02A798}" presName="parSh" presStyleLbl="node1" presStyleIdx="1" presStyleCnt="4"/>
       <dgm:spPr/>
+      <dgm:t>
+        <a:bodyPr/>
+        <a:lstStyle/>
+        <a:p>
+          <a:endParaRPr lang="en-US"/>
+        </a:p>
+      </dgm:t>
     </dgm:pt>
     <dgm:pt modelId="{D8A03765-CFAC-4DDD-8B4F-CBFFE545AC12}" type="pres">
       <dgm:prSet presAssocID="{7BD1C587-0058-4EA7-A7CA-1F4C0F02A798}" presName="desTx" presStyleLbl="fgAcc1" presStyleIdx="1" presStyleCnt="4">
@@ -7630,14 +7770,35 @@
         </dgm:presLayoutVars>
       </dgm:prSet>
       <dgm:spPr/>
+      <dgm:t>
+        <a:bodyPr/>
+        <a:lstStyle/>
+        <a:p>
+          <a:endParaRPr lang="en-US"/>
+        </a:p>
+      </dgm:t>
     </dgm:pt>
     <dgm:pt modelId="{3EBC4BFA-2D0E-4C8D-9AFB-3D23A5DF49E8}" type="pres">
       <dgm:prSet presAssocID="{AE1E220D-F46C-4B62-9B58-942F28FFAF81}" presName="sibTrans" presStyleLbl="sibTrans2D1" presStyleIdx="1" presStyleCnt="3"/>
       <dgm:spPr/>
+      <dgm:t>
+        <a:bodyPr/>
+        <a:lstStyle/>
+        <a:p>
+          <a:endParaRPr lang="en-US"/>
+        </a:p>
+      </dgm:t>
     </dgm:pt>
     <dgm:pt modelId="{8CB93DBC-9E39-4159-B882-2F245BF617B0}" type="pres">
       <dgm:prSet presAssocID="{AE1E220D-F46C-4B62-9B58-942F28FFAF81}" presName="connTx" presStyleLbl="sibTrans2D1" presStyleIdx="1" presStyleCnt="3"/>
       <dgm:spPr/>
+      <dgm:t>
+        <a:bodyPr/>
+        <a:lstStyle/>
+        <a:p>
+          <a:endParaRPr lang="en-US"/>
+        </a:p>
+      </dgm:t>
     </dgm:pt>
     <dgm:pt modelId="{02415A0B-FAFC-49D9-A6C0-37DC365DB533}" type="pres">
       <dgm:prSet presAssocID="{BF3B14DD-E781-488B-A42D-3F4CCD37CB15}" presName="composite" presStyleCnt="0"/>
@@ -7652,10 +7813,24 @@
         </dgm:presLayoutVars>
       </dgm:prSet>
       <dgm:spPr/>
+      <dgm:t>
+        <a:bodyPr/>
+        <a:lstStyle/>
+        <a:p>
+          <a:endParaRPr lang="en-US"/>
+        </a:p>
+      </dgm:t>
     </dgm:pt>
     <dgm:pt modelId="{413A0298-E899-46A6-8384-BC8E01A6AD81}" type="pres">
       <dgm:prSet presAssocID="{BF3B14DD-E781-488B-A42D-3F4CCD37CB15}" presName="parSh" presStyleLbl="node1" presStyleIdx="2" presStyleCnt="4"/>
       <dgm:spPr/>
+      <dgm:t>
+        <a:bodyPr/>
+        <a:lstStyle/>
+        <a:p>
+          <a:endParaRPr lang="en-US"/>
+        </a:p>
+      </dgm:t>
     </dgm:pt>
     <dgm:pt modelId="{4FB96499-22A6-4A99-9D1D-94970B7E90A3}" type="pres">
       <dgm:prSet presAssocID="{BF3B14DD-E781-488B-A42D-3F4CCD37CB15}" presName="desTx" presStyleLbl="fgAcc1" presStyleIdx="2" presStyleCnt="4" custFlipHor="1" custScaleX="4008" custScaleY="6414">
@@ -7668,10 +7843,24 @@
     <dgm:pt modelId="{B12E8693-D81F-4CC0-B349-128D3C45BB81}" type="pres">
       <dgm:prSet presAssocID="{2A72F3CA-C579-414D-912F-121E3CB4A15C}" presName="sibTrans" presStyleLbl="sibTrans2D1" presStyleIdx="2" presStyleCnt="3"/>
       <dgm:spPr/>
+      <dgm:t>
+        <a:bodyPr/>
+        <a:lstStyle/>
+        <a:p>
+          <a:endParaRPr lang="en-US"/>
+        </a:p>
+      </dgm:t>
     </dgm:pt>
     <dgm:pt modelId="{D20796BD-504F-44E9-BA89-0448CED4C89C}" type="pres">
       <dgm:prSet presAssocID="{2A72F3CA-C579-414D-912F-121E3CB4A15C}" presName="connTx" presStyleLbl="sibTrans2D1" presStyleIdx="2" presStyleCnt="3"/>
       <dgm:spPr/>
+      <dgm:t>
+        <a:bodyPr/>
+        <a:lstStyle/>
+        <a:p>
+          <a:endParaRPr lang="en-US"/>
+        </a:p>
+      </dgm:t>
     </dgm:pt>
     <dgm:pt modelId="{2E1E9B7F-AF51-4985-AF48-B00B3DC040C2}" type="pres">
       <dgm:prSet presAssocID="{48B31159-F60B-4FE7-BD4D-FABFB01539D2}" presName="composite" presStyleCnt="0"/>
@@ -7686,10 +7875,24 @@
         </dgm:presLayoutVars>
       </dgm:prSet>
       <dgm:spPr/>
+      <dgm:t>
+        <a:bodyPr/>
+        <a:lstStyle/>
+        <a:p>
+          <a:endParaRPr lang="en-US"/>
+        </a:p>
+      </dgm:t>
     </dgm:pt>
     <dgm:pt modelId="{A846DABC-20C8-4BE8-B319-F031703CEA23}" type="pres">
       <dgm:prSet presAssocID="{48B31159-F60B-4FE7-BD4D-FABFB01539D2}" presName="parSh" presStyleLbl="node1" presStyleIdx="3" presStyleCnt="4"/>
       <dgm:spPr/>
+      <dgm:t>
+        <a:bodyPr/>
+        <a:lstStyle/>
+        <a:p>
+          <a:endParaRPr lang="en-US"/>
+        </a:p>
+      </dgm:t>
     </dgm:pt>
     <dgm:pt modelId="{3C691E95-ED6C-43D8-AA33-A4D4B0485E10}" type="pres">
       <dgm:prSet presAssocID="{48B31159-F60B-4FE7-BD4D-FABFB01539D2}" presName="desTx" presStyleLbl="fgAcc1" presStyleIdx="3" presStyleCnt="4" custFlipHor="1" custScaleX="4008" custScaleY="6414">
@@ -7701,31 +7904,31 @@
     </dgm:pt>
   </dgm:ptLst>
   <dgm:cxnLst>
+    <dgm:cxn modelId="{336894EC-193A-4D13-99AC-143496FA0427}" type="presOf" srcId="{7BD1C587-0058-4EA7-A7CA-1F4C0F02A798}" destId="{E607DF9B-E1CF-423A-82C5-F296F247AC30}" srcOrd="0" destOrd="0" presId="urn:microsoft.com/office/officeart/2005/8/layout/process3"/>
+    <dgm:cxn modelId="{86C133B7-8369-4C86-AC17-798B7F63392F}" srcId="{B6C81FFA-7B81-4C3F-BC87-1766E8F7D872}" destId="{48B31159-F60B-4FE7-BD4D-FABFB01539D2}" srcOrd="3" destOrd="0" parTransId="{5C618568-6B88-4E0C-98A9-BA9E7E16A9D5}" sibTransId="{1FE5F703-CB86-4C5E-B575-B0530E71762B}"/>
+    <dgm:cxn modelId="{8AA6BE5C-078F-48DB-A6D3-5F1559D1A11C}" srcId="{B6C81FFA-7B81-4C3F-BC87-1766E8F7D872}" destId="{7BD1C587-0058-4EA7-A7CA-1F4C0F02A798}" srcOrd="1" destOrd="0" parTransId="{0EEB4097-0A04-4573-B9AC-F1B366EE69AD}" sibTransId="{AE1E220D-F46C-4B62-9B58-942F28FFAF81}"/>
+    <dgm:cxn modelId="{E2EFA025-DFE3-4BE1-BAC4-7B94763E5947}" type="presOf" srcId="{AE1E220D-F46C-4B62-9B58-942F28FFAF81}" destId="{8CB93DBC-9E39-4159-B882-2F245BF617B0}" srcOrd="1" destOrd="0" presId="urn:microsoft.com/office/officeart/2005/8/layout/process3"/>
+    <dgm:cxn modelId="{A47E70DE-45E9-487C-AC31-57EC85169FFD}" type="presOf" srcId="{439CF2B5-57BD-4828-9D8E-9F820883BE98}" destId="{D8A03765-CFAC-4DDD-8B4F-CBFFE545AC12}" srcOrd="0" destOrd="0" presId="urn:microsoft.com/office/officeart/2005/8/layout/process3"/>
     <dgm:cxn modelId="{025EF43F-48FD-4FC8-9050-4A0051BD32E7}" type="presOf" srcId="{48B31159-F60B-4FE7-BD4D-FABFB01539D2}" destId="{6613041E-FB1A-4E48-A891-F8C9ED006240}" srcOrd="0" destOrd="0" presId="urn:microsoft.com/office/officeart/2005/8/layout/process3"/>
-    <dgm:cxn modelId="{B0D60153-A3C4-47BA-80AE-7DBE8F6AC200}" type="presOf" srcId="{B6C81FFA-7B81-4C3F-BC87-1766E8F7D872}" destId="{902C8AAD-87C5-4772-9012-93F0CBF59D2A}" srcOrd="0" destOrd="0" presId="urn:microsoft.com/office/officeart/2005/8/layout/process3"/>
-    <dgm:cxn modelId="{D79D3205-F191-415C-8B85-05CFF2871D17}" srcId="{7BD1C587-0058-4EA7-A7CA-1F4C0F02A798}" destId="{439CF2B5-57BD-4828-9D8E-9F820883BE98}" srcOrd="0" destOrd="0" parTransId="{006415FB-BFC9-45CB-BEAC-0FE79442D071}" sibTransId="{66187009-214B-41CF-A40B-84A324C7E577}"/>
-    <dgm:cxn modelId="{DE654FB2-8A86-480F-A2DA-0CAA11FD73CD}" srcId="{B6C81FFA-7B81-4C3F-BC87-1766E8F7D872}" destId="{2BC30D8A-BD7B-48A3-987B-E002B3FBEBB7}" srcOrd="0" destOrd="0" parTransId="{F61E34C6-EC5F-4AA2-96BB-DC30758C790A}" sibTransId="{F94C123F-85B8-49D8-B851-1B6603A66C6B}"/>
-    <dgm:cxn modelId="{086F6BF3-1AE2-48D6-91C1-C0B9F943F3C2}" type="presOf" srcId="{AEB3B67A-9C4B-4581-964C-F975B5F4AB6F}" destId="{D8A03765-CFAC-4DDD-8B4F-CBFFE545AC12}" srcOrd="0" destOrd="1" presId="urn:microsoft.com/office/officeart/2005/8/layout/process3"/>
+    <dgm:cxn modelId="{1C2C93FC-3F52-44B9-9879-B152BDA66323}" type="presOf" srcId="{48B31159-F60B-4FE7-BD4D-FABFB01539D2}" destId="{A846DABC-20C8-4BE8-B319-F031703CEA23}" srcOrd="1" destOrd="0" presId="urn:microsoft.com/office/officeart/2005/8/layout/process3"/>
     <dgm:cxn modelId="{122C2D6E-6185-4638-869D-60B45B7B8969}" srcId="{B6C81FFA-7B81-4C3F-BC87-1766E8F7D872}" destId="{BF3B14DD-E781-488B-A42D-3F4CCD37CB15}" srcOrd="2" destOrd="0" parTransId="{9B220DC1-AD99-498C-8C73-8DE2D73A892F}" sibTransId="{2A72F3CA-C579-414D-912F-121E3CB4A15C}"/>
-    <dgm:cxn modelId="{86C133B7-8369-4C86-AC17-798B7F63392F}" srcId="{B6C81FFA-7B81-4C3F-BC87-1766E8F7D872}" destId="{48B31159-F60B-4FE7-BD4D-FABFB01539D2}" srcOrd="3" destOrd="0" parTransId="{5C618568-6B88-4E0C-98A9-BA9E7E16A9D5}" sibTransId="{1FE5F703-CB86-4C5E-B575-B0530E71762B}"/>
-    <dgm:cxn modelId="{3153F698-FC74-4079-B068-548989743EDD}" srcId="{7BD1C587-0058-4EA7-A7CA-1F4C0F02A798}" destId="{AEB3B67A-9C4B-4581-964C-F975B5F4AB6F}" srcOrd="1" destOrd="0" parTransId="{EDAFDCEA-C7D2-416E-B47A-64C585363076}" sibTransId="{B5F0E27F-FA4D-4EB6-B491-3E5551064D57}"/>
-    <dgm:cxn modelId="{336894EC-193A-4D13-99AC-143496FA0427}" type="presOf" srcId="{7BD1C587-0058-4EA7-A7CA-1F4C0F02A798}" destId="{E607DF9B-E1CF-423A-82C5-F296F247AC30}" srcOrd="0" destOrd="0" presId="urn:microsoft.com/office/officeart/2005/8/layout/process3"/>
-    <dgm:cxn modelId="{AC118B5C-85C5-4E72-9E2A-7B714856E399}" type="presOf" srcId="{2BC30D8A-BD7B-48A3-987B-E002B3FBEBB7}" destId="{E4270B18-D743-4811-B526-B162689139D5}" srcOrd="0" destOrd="0" presId="urn:microsoft.com/office/officeart/2005/8/layout/process3"/>
+    <dgm:cxn modelId="{0BD414EC-3DF0-4D72-8510-9E87B725AAB5}" type="presOf" srcId="{F94C123F-85B8-49D8-B851-1B6603A66C6B}" destId="{5F69E32D-EEEB-4259-97FB-069060F9F331}" srcOrd="1" destOrd="0" presId="urn:microsoft.com/office/officeart/2005/8/layout/process3"/>
     <dgm:cxn modelId="{E9E05E77-512E-4ADF-8606-1C56EC88BFAD}" srcId="{7BD1C587-0058-4EA7-A7CA-1F4C0F02A798}" destId="{6B85D295-8D0E-4A39-B18E-022A838BF0DB}" srcOrd="2" destOrd="0" parTransId="{E71E63F2-0A9F-409A-87AE-1B8501A0E8AF}" sibTransId="{FA382604-58FD-4DD5-A451-0B9A76D5A3FF}"/>
     <dgm:cxn modelId="{FE55DC07-7851-4E4C-9E1B-AC61C71DD431}" type="presOf" srcId="{F94C123F-85B8-49D8-B851-1B6603A66C6B}" destId="{866565D4-2941-4043-BC87-E8BEC1EF5879}" srcOrd="0" destOrd="0" presId="urn:microsoft.com/office/officeart/2005/8/layout/process3"/>
+    <dgm:cxn modelId="{086F6BF3-1AE2-48D6-91C1-C0B9F943F3C2}" type="presOf" srcId="{AEB3B67A-9C4B-4581-964C-F975B5F4AB6F}" destId="{D8A03765-CFAC-4DDD-8B4F-CBFFE545AC12}" srcOrd="0" destOrd="1" presId="urn:microsoft.com/office/officeart/2005/8/layout/process3"/>
+    <dgm:cxn modelId="{15CAB3F0-F32B-4FAE-AD3A-E74C6173E6B2}" type="presOf" srcId="{6B85D295-8D0E-4A39-B18E-022A838BF0DB}" destId="{D8A03765-CFAC-4DDD-8B4F-CBFFE545AC12}" srcOrd="0" destOrd="2" presId="urn:microsoft.com/office/officeart/2005/8/layout/process3"/>
+    <dgm:cxn modelId="{735ABC3E-90C2-4E2C-AC3A-CD03394C20D2}" type="presOf" srcId="{AE1E220D-F46C-4B62-9B58-942F28FFAF81}" destId="{3EBC4BFA-2D0E-4C8D-9AFB-3D23A5DF49E8}" srcOrd="0" destOrd="0" presId="urn:microsoft.com/office/officeart/2005/8/layout/process3"/>
     <dgm:cxn modelId="{646D56DC-61AF-4F25-8EA2-2107BBE02358}" type="presOf" srcId="{2A72F3CA-C579-414D-912F-121E3CB4A15C}" destId="{D20796BD-504F-44E9-BA89-0448CED4C89C}" srcOrd="1" destOrd="0" presId="urn:microsoft.com/office/officeart/2005/8/layout/process3"/>
+    <dgm:cxn modelId="{B0D60153-A3C4-47BA-80AE-7DBE8F6AC200}" type="presOf" srcId="{B6C81FFA-7B81-4C3F-BC87-1766E8F7D872}" destId="{902C8AAD-87C5-4772-9012-93F0CBF59D2A}" srcOrd="0" destOrd="0" presId="urn:microsoft.com/office/officeart/2005/8/layout/process3"/>
     <dgm:cxn modelId="{75F5177B-8CD1-417D-B06E-BE5FDE958FC7}" type="presOf" srcId="{BF3B14DD-E781-488B-A42D-3F4CCD37CB15}" destId="{413A0298-E899-46A6-8384-BC8E01A6AD81}" srcOrd="1" destOrd="0" presId="urn:microsoft.com/office/officeart/2005/8/layout/process3"/>
-    <dgm:cxn modelId="{A47E70DE-45E9-487C-AC31-57EC85169FFD}" type="presOf" srcId="{439CF2B5-57BD-4828-9D8E-9F820883BE98}" destId="{D8A03765-CFAC-4DDD-8B4F-CBFFE545AC12}" srcOrd="0" destOrd="0" presId="urn:microsoft.com/office/officeart/2005/8/layout/process3"/>
+    <dgm:cxn modelId="{D79D3205-F191-415C-8B85-05CFF2871D17}" srcId="{7BD1C587-0058-4EA7-A7CA-1F4C0F02A798}" destId="{439CF2B5-57BD-4828-9D8E-9F820883BE98}" srcOrd="0" destOrd="0" parTransId="{006415FB-BFC9-45CB-BEAC-0FE79442D071}" sibTransId="{66187009-214B-41CF-A40B-84A324C7E577}"/>
+    <dgm:cxn modelId="{3153F698-FC74-4079-B068-548989743EDD}" srcId="{7BD1C587-0058-4EA7-A7CA-1F4C0F02A798}" destId="{AEB3B67A-9C4B-4581-964C-F975B5F4AB6F}" srcOrd="1" destOrd="0" parTransId="{EDAFDCEA-C7D2-416E-B47A-64C585363076}" sibTransId="{B5F0E27F-FA4D-4EB6-B491-3E5551064D57}"/>
+    <dgm:cxn modelId="{1E53434E-00A0-41AF-B084-BCF284D89F17}" type="presOf" srcId="{7BD1C587-0058-4EA7-A7CA-1F4C0F02A798}" destId="{6E742AD6-81C8-4CF1-9C33-E1D3205CCEDF}" srcOrd="1" destOrd="0" presId="urn:microsoft.com/office/officeart/2005/8/layout/process3"/>
+    <dgm:cxn modelId="{AC118B5C-85C5-4E72-9E2A-7B714856E399}" type="presOf" srcId="{2BC30D8A-BD7B-48A3-987B-E002B3FBEBB7}" destId="{E4270B18-D743-4811-B526-B162689139D5}" srcOrd="0" destOrd="0" presId="urn:microsoft.com/office/officeart/2005/8/layout/process3"/>
     <dgm:cxn modelId="{1FA67192-75DA-45E4-B5FF-536853D05A78}" type="presOf" srcId="{2BC30D8A-BD7B-48A3-987B-E002B3FBEBB7}" destId="{4C29549F-4433-48B4-9CB5-DAEB8EBAAF40}" srcOrd="1" destOrd="0" presId="urn:microsoft.com/office/officeart/2005/8/layout/process3"/>
-    <dgm:cxn modelId="{8AA6BE5C-078F-48DB-A6D3-5F1559D1A11C}" srcId="{B6C81FFA-7B81-4C3F-BC87-1766E8F7D872}" destId="{7BD1C587-0058-4EA7-A7CA-1F4C0F02A798}" srcOrd="1" destOrd="0" parTransId="{0EEB4097-0A04-4573-B9AC-F1B366EE69AD}" sibTransId="{AE1E220D-F46C-4B62-9B58-942F28FFAF81}"/>
-    <dgm:cxn modelId="{15CAB3F0-F32B-4FAE-AD3A-E74C6173E6B2}" type="presOf" srcId="{6B85D295-8D0E-4A39-B18E-022A838BF0DB}" destId="{D8A03765-CFAC-4DDD-8B4F-CBFFE545AC12}" srcOrd="0" destOrd="2" presId="urn:microsoft.com/office/officeart/2005/8/layout/process3"/>
-    <dgm:cxn modelId="{1C2C93FC-3F52-44B9-9879-B152BDA66323}" type="presOf" srcId="{48B31159-F60B-4FE7-BD4D-FABFB01539D2}" destId="{A846DABC-20C8-4BE8-B319-F031703CEA23}" srcOrd="1" destOrd="0" presId="urn:microsoft.com/office/officeart/2005/8/layout/process3"/>
+    <dgm:cxn modelId="{C511DCD3-43EA-4F28-8E28-8B49C3E684C6}" type="presOf" srcId="{BF3B14DD-E781-488B-A42D-3F4CCD37CB15}" destId="{0142B752-9CC4-4634-888B-21D49EC4BA63}" srcOrd="0" destOrd="0" presId="urn:microsoft.com/office/officeart/2005/8/layout/process3"/>
     <dgm:cxn modelId="{D641AF1D-8136-4873-98A0-0FFA7B628CD7}" type="presOf" srcId="{2A72F3CA-C579-414D-912F-121E3CB4A15C}" destId="{B12E8693-D81F-4CC0-B349-128D3C45BB81}" srcOrd="0" destOrd="0" presId="urn:microsoft.com/office/officeart/2005/8/layout/process3"/>
-    <dgm:cxn modelId="{0BD414EC-3DF0-4D72-8510-9E87B725AAB5}" type="presOf" srcId="{F94C123F-85B8-49D8-B851-1B6603A66C6B}" destId="{5F69E32D-EEEB-4259-97FB-069060F9F331}" srcOrd="1" destOrd="0" presId="urn:microsoft.com/office/officeart/2005/8/layout/process3"/>
-    <dgm:cxn modelId="{735ABC3E-90C2-4E2C-AC3A-CD03394C20D2}" type="presOf" srcId="{AE1E220D-F46C-4B62-9B58-942F28FFAF81}" destId="{3EBC4BFA-2D0E-4C8D-9AFB-3D23A5DF49E8}" srcOrd="0" destOrd="0" presId="urn:microsoft.com/office/officeart/2005/8/layout/process3"/>
-    <dgm:cxn modelId="{E2EFA025-DFE3-4BE1-BAC4-7B94763E5947}" type="presOf" srcId="{AE1E220D-F46C-4B62-9B58-942F28FFAF81}" destId="{8CB93DBC-9E39-4159-B882-2F245BF617B0}" srcOrd="1" destOrd="0" presId="urn:microsoft.com/office/officeart/2005/8/layout/process3"/>
-    <dgm:cxn modelId="{1E53434E-00A0-41AF-B084-BCF284D89F17}" type="presOf" srcId="{7BD1C587-0058-4EA7-A7CA-1F4C0F02A798}" destId="{6E742AD6-81C8-4CF1-9C33-E1D3205CCEDF}" srcOrd="1" destOrd="0" presId="urn:microsoft.com/office/officeart/2005/8/layout/process3"/>
-    <dgm:cxn modelId="{C511DCD3-43EA-4F28-8E28-8B49C3E684C6}" type="presOf" srcId="{BF3B14DD-E781-488B-A42D-3F4CCD37CB15}" destId="{0142B752-9CC4-4634-888B-21D49EC4BA63}" srcOrd="0" destOrd="0" presId="urn:microsoft.com/office/officeart/2005/8/layout/process3"/>
+    <dgm:cxn modelId="{DE654FB2-8A86-480F-A2DA-0CAA11FD73CD}" srcId="{B6C81FFA-7B81-4C3F-BC87-1766E8F7D872}" destId="{2BC30D8A-BD7B-48A3-987B-E002B3FBEBB7}" srcOrd="0" destOrd="0" parTransId="{F61E34C6-EC5F-4AA2-96BB-DC30758C790A}" sibTransId="{F94C123F-85B8-49D8-B851-1B6603A66C6B}"/>
     <dgm:cxn modelId="{09062752-3FB1-44DE-A9A0-54D0EFD17C97}" type="presParOf" srcId="{902C8AAD-87C5-4772-9012-93F0CBF59D2A}" destId="{9376F4BF-898D-4E5A-991D-3C455802BF80}" srcOrd="0" destOrd="0" presId="urn:microsoft.com/office/officeart/2005/8/layout/process3"/>
     <dgm:cxn modelId="{7F2CDA3C-6D3B-4327-BFD3-6090D82D7973}" type="presParOf" srcId="{9376F4BF-898D-4E5A-991D-3C455802BF80}" destId="{E4270B18-D743-4811-B526-B162689139D5}" srcOrd="0" destOrd="0" presId="urn:microsoft.com/office/officeart/2005/8/layout/process3"/>
     <dgm:cxn modelId="{B8E260AD-C3D9-4692-8410-4194CF8C077D}" type="presParOf" srcId="{9376F4BF-898D-4E5A-991D-3C455802BF80}" destId="{4C29549F-4433-48B4-9CB5-DAEB8EBAAF40}" srcOrd="1" destOrd="0" presId="urn:microsoft.com/office/officeart/2005/8/layout/process3"/>
@@ -17577,7 +17780,7 @@
           <p:nvPr>
             <p:extLst>
               <p:ext uri="{D42A27DB-BD31-4B8C-83A1-F6EECF244321}">
-                <p14:modId xmlns:p14="http://schemas.microsoft.com/office/powerpoint/2010/main" val="2855715143"/>
+                <p14:modId xmlns:p14="http://schemas.microsoft.com/office/powerpoint/2010/main" val="1147504520"/>
               </p:ext>
             </p:extLst>
           </p:nvPr>
@@ -17613,6 +17816,176 @@
 </file>
 
 <file path=ppt/slides/slide13.xml><?xml version="1.0" encoding="utf-8"?>
+<p:sld xmlns:a="http://schemas.openxmlformats.org/drawingml/2006/main" xmlns:r="http://schemas.openxmlformats.org/officeDocument/2006/relationships" xmlns:p="http://schemas.openxmlformats.org/presentationml/2006/main">
+  <p:cSld>
+    <p:spTree>
+      <p:nvGrpSpPr>
+        <p:cNvPr id="1" name=""/>
+        <p:cNvGrpSpPr/>
+        <p:nvPr/>
+      </p:nvGrpSpPr>
+      <p:grpSpPr>
+        <a:xfrm>
+          <a:off x="0" y="0"/>
+          <a:ext cx="0" cy="0"/>
+          <a:chOff x="0" y="0"/>
+          <a:chExt cx="0" cy="0"/>
+        </a:xfrm>
+      </p:grpSpPr>
+      <p:sp>
+        <p:nvSpPr>
+          <p:cNvPr id="2" name="Title 1"/>
+          <p:cNvSpPr>
+            <a:spLocks noGrp="1"/>
+          </p:cNvSpPr>
+          <p:nvPr>
+            <p:ph type="title"/>
+          </p:nvPr>
+        </p:nvSpPr>
+        <p:spPr/>
+        <p:txBody>
+          <a:bodyPr/>
+          <a:lstStyle/>
+          <a:p>
+            <a:r>
+              <a:rPr lang="en-US" dirty="0" smtClean="0"/>
+              <a:t>Visualization</a:t>
+            </a:r>
+            <a:endParaRPr lang="en-US" dirty="0"/>
+          </a:p>
+        </p:txBody>
+      </p:sp>
+      <p:sp>
+        <p:nvSpPr>
+          <p:cNvPr id="3" name="Content Placeholder 2"/>
+          <p:cNvSpPr>
+            <a:spLocks noGrp="1"/>
+          </p:cNvSpPr>
+          <p:nvPr>
+            <p:ph idx="1"/>
+          </p:nvPr>
+        </p:nvSpPr>
+        <p:spPr/>
+        <p:txBody>
+          <a:bodyPr/>
+          <a:lstStyle/>
+          <a:p>
+            <a:r>
+              <a:rPr lang="en-US" dirty="0" smtClean="0"/>
+              <a:t>Movie from PDBs</a:t>
+            </a:r>
+          </a:p>
+          <a:p>
+            <a:r>
+              <a:rPr lang="en-US" dirty="0" smtClean="0"/>
+              <a:t>Save off every 100</a:t>
+            </a:r>
+            <a:r>
+              <a:rPr lang="en-US" baseline="30000" dirty="0" smtClean="0"/>
+              <a:t>th</a:t>
+            </a:r>
+            <a:r>
+              <a:rPr lang="en-US" dirty="0" smtClean="0"/>
+              <a:t> PDB (out of 10,000 created)</a:t>
+            </a:r>
+            <a:br>
+              <a:rPr lang="en-US" dirty="0" smtClean="0"/>
+            </a:br>
+            <a:r>
+              <a:rPr lang="en-US" dirty="0" smtClean="0"/>
+              <a:t>and store it off</a:t>
+            </a:r>
+          </a:p>
+          <a:p>
+            <a:r>
+              <a:rPr lang="en-US" dirty="0" smtClean="0"/>
+              <a:t>After sorting, use tools to create a movie of the</a:t>
+            </a:r>
+            <a:br>
+              <a:rPr lang="en-US" dirty="0" smtClean="0"/>
+            </a:br>
+            <a:r>
+              <a:rPr lang="en-US" dirty="0" smtClean="0"/>
+              <a:t>top-scoring protein</a:t>
+            </a:r>
+          </a:p>
+          <a:p>
+            <a:r>
+              <a:rPr lang="en-US" dirty="0" smtClean="0"/>
+              <a:t>End with an overlay of it and its native structure</a:t>
+            </a:r>
+            <a:br>
+              <a:rPr lang="en-US" dirty="0" smtClean="0"/>
+            </a:br>
+            <a:r>
+              <a:rPr lang="en-US" dirty="0" smtClean="0"/>
+              <a:t>along with the RMSD/TM-score for comparison</a:t>
+            </a:r>
+          </a:p>
+        </p:txBody>
+      </p:sp>
+      <p:pic>
+        <p:nvPicPr>
+          <p:cNvPr id="1026" name="Picture 2" descr="http://idp1.force.cs.is.nagoya-u.ac.jp/pscdb/img/jmol_566_1.png"/>
+          <p:cNvPicPr>
+            <a:picLocks noChangeAspect="1" noChangeArrowheads="1"/>
+          </p:cNvPicPr>
+          <p:nvPr/>
+        </p:nvPicPr>
+        <p:blipFill>
+          <a:blip r:embed="rId2">
+            <a:extLst>
+              <a:ext uri="{28A0092B-C50C-407E-A947-70E740481C1C}">
+                <a14:useLocalDpi xmlns:a14="http://schemas.microsoft.com/office/drawing/2010/main" val="0"/>
+              </a:ext>
+            </a:extLst>
+          </a:blip>
+          <a:srcRect/>
+          <a:stretch>
+            <a:fillRect/>
+          </a:stretch>
+        </p:blipFill>
+        <p:spPr bwMode="auto">
+          <a:xfrm>
+            <a:off x="7162800" y="1981200"/>
+            <a:ext cx="3505200" cy="3505200"/>
+          </a:xfrm>
+          <a:prstGeom prst="rect">
+            <a:avLst/>
+          </a:prstGeom>
+          <a:noFill/>
+          <a:extLst>
+            <a:ext uri="{909E8E84-426E-40DD-AFC4-6F175D3DCCD1}">
+              <a14:hiddenFill xmlns:a14="http://schemas.microsoft.com/office/drawing/2010/main">
+                <a:solidFill>
+                  <a:srgbClr val="FFFFFF"/>
+                </a:solidFill>
+              </a14:hiddenFill>
+            </a:ext>
+          </a:extLst>
+        </p:spPr>
+      </p:pic>
+    </p:spTree>
+    <p:extLst>
+      <p:ext uri="{BB962C8B-B14F-4D97-AF65-F5344CB8AC3E}">
+        <p14:creationId xmlns:p14="http://schemas.microsoft.com/office/powerpoint/2010/main" val="4114958391"/>
+      </p:ext>
+    </p:extLst>
+  </p:cSld>
+  <p:clrMapOvr>
+    <a:masterClrMapping/>
+  </p:clrMapOvr>
+  <p:timing>
+    <p:tnLst>
+      <p:par>
+        <p:cTn id="1" dur="indefinite" restart="never" nodeType="tmRoot"/>
+      </p:par>
+    </p:tnLst>
+  </p:timing>
+</p:sld>
+</file>
+
+<file path=ppt/slides/slide14.xml><?xml version="1.0" encoding="utf-8"?>
 <p:sld xmlns:a="http://schemas.openxmlformats.org/drawingml/2006/main" xmlns:r="http://schemas.openxmlformats.org/officeDocument/2006/relationships" xmlns:p="http://schemas.openxmlformats.org/presentationml/2006/main">
   <p:cSld>
     <p:spTree>
@@ -18025,7 +18398,327 @@
 </p:sld>
 </file>
 
-<file path=ppt/slides/slide14.xml><?xml version="1.0" encoding="utf-8"?>
+<file path=ppt/slides/slide15.xml><?xml version="1.0" encoding="utf-8"?>
+<p:sld xmlns:a="http://schemas.openxmlformats.org/drawingml/2006/main" xmlns:r="http://schemas.openxmlformats.org/officeDocument/2006/relationships" xmlns:p="http://schemas.openxmlformats.org/presentationml/2006/main">
+  <p:cSld>
+    <p:spTree>
+      <p:nvGrpSpPr>
+        <p:cNvPr id="1" name=""/>
+        <p:cNvGrpSpPr/>
+        <p:nvPr/>
+      </p:nvGrpSpPr>
+      <p:grpSpPr>
+        <a:xfrm>
+          <a:off x="0" y="0"/>
+          <a:ext cx="0" cy="0"/>
+          <a:chOff x="0" y="0"/>
+          <a:chExt cx="0" cy="0"/>
+        </a:xfrm>
+      </p:grpSpPr>
+      <p:sp>
+        <p:nvSpPr>
+          <p:cNvPr id="2" name="Title 1"/>
+          <p:cNvSpPr>
+            <a:spLocks noGrp="1"/>
+          </p:cNvSpPr>
+          <p:nvPr>
+            <p:ph type="title"/>
+          </p:nvPr>
+        </p:nvSpPr>
+        <p:spPr/>
+        <p:txBody>
+          <a:bodyPr/>
+          <a:lstStyle/>
+          <a:p>
+            <a:r>
+              <a:rPr lang="en-US" dirty="0" smtClean="0"/>
+              <a:t>Implementation</a:t>
+            </a:r>
+            <a:endParaRPr lang="en-US" dirty="0"/>
+          </a:p>
+        </p:txBody>
+      </p:sp>
+      <p:sp>
+        <p:nvSpPr>
+          <p:cNvPr id="3" name="Content Placeholder 2"/>
+          <p:cNvSpPr>
+            <a:spLocks noGrp="1"/>
+          </p:cNvSpPr>
+          <p:nvPr>
+            <p:ph idx="1"/>
+          </p:nvPr>
+        </p:nvSpPr>
+        <p:spPr/>
+        <p:txBody>
+          <a:bodyPr/>
+          <a:lstStyle/>
+          <a:p>
+            <a:r>
+              <a:rPr lang="en-US" b="1" dirty="0" smtClean="0"/>
+              <a:t>Language</a:t>
+            </a:r>
+            <a:r>
+              <a:rPr lang="en-US" dirty="0" smtClean="0"/>
+              <a:t>: Python 3.3 x86</a:t>
+            </a:r>
+          </a:p>
+          <a:p>
+            <a:r>
+              <a:rPr lang="en-US" b="1" dirty="0" smtClean="0"/>
+              <a:t>Temperature/Cycles</a:t>
+            </a:r>
+            <a:r>
+              <a:rPr lang="en-US" dirty="0" smtClean="0"/>
+              <a:t>: 25,000/10,000</a:t>
+            </a:r>
+          </a:p>
+          <a:p>
+            <a:r>
+              <a:rPr lang="en-US" b="1" dirty="0" smtClean="0"/>
+              <a:t>Tools</a:t>
+            </a:r>
+            <a:r>
+              <a:rPr lang="en-US" dirty="0" smtClean="0"/>
+              <a:t>: </a:t>
+            </a:r>
+            <a:r>
+              <a:rPr lang="en-US" dirty="0" err="1" smtClean="0"/>
+              <a:t>Dfire</a:t>
+            </a:r>
+            <a:r>
+              <a:rPr lang="en-US" dirty="0" smtClean="0"/>
+              <a:t>, Rosetta, </a:t>
+            </a:r>
+            <a:r>
+              <a:rPr lang="en-US" dirty="0" err="1" smtClean="0"/>
+              <a:t>rama</a:t>
+            </a:r>
+            <a:r>
+              <a:rPr lang="en-US" dirty="0" smtClean="0"/>
+              <a:t>/</a:t>
+            </a:r>
+            <a:r>
+              <a:rPr lang="en-US" dirty="0" err="1" smtClean="0"/>
+              <a:t>lipa</a:t>
+            </a:r>
+            <a:r>
+              <a:rPr lang="en-US" dirty="0"/>
+              <a:t> </a:t>
+            </a:r>
+            <a:r>
+              <a:rPr lang="en-US" dirty="0" smtClean="0"/>
+              <a:t>for torsion angle/</a:t>
+            </a:r>
+            <a:r>
+              <a:rPr lang="en-US" dirty="0" err="1" smtClean="0"/>
+              <a:t>pdb</a:t>
+            </a:r>
+            <a:r>
+              <a:rPr lang="en-US" dirty="0" smtClean="0"/>
+              <a:t> conversion, TM-score, RW-potential</a:t>
+            </a:r>
+          </a:p>
+          <a:p>
+            <a:r>
+              <a:rPr lang="en-US" b="1" dirty="0" smtClean="0"/>
+              <a:t>Libraries</a:t>
+            </a:r>
+            <a:r>
+              <a:rPr lang="en-US" dirty="0" smtClean="0"/>
+              <a:t>: </a:t>
+            </a:r>
+            <a:r>
+              <a:rPr lang="en-US" dirty="0" err="1" smtClean="0"/>
+              <a:t>biopython</a:t>
+            </a:r>
+            <a:r>
+              <a:rPr lang="en-US" dirty="0" smtClean="0"/>
+              <a:t>, </a:t>
+            </a:r>
+            <a:r>
+              <a:rPr lang="en-US" dirty="0" err="1" smtClean="0"/>
+              <a:t>numpy</a:t>
+            </a:r>
+            <a:r>
+              <a:rPr lang="en-US" dirty="0" smtClean="0"/>
+              <a:t>, </a:t>
+            </a:r>
+            <a:r>
+              <a:rPr lang="en-US" dirty="0" err="1" smtClean="0"/>
+              <a:t>scipy</a:t>
+            </a:r>
+            <a:r>
+              <a:rPr lang="en-US" dirty="0" smtClean="0"/>
+              <a:t>, sqlite3</a:t>
+            </a:r>
+            <a:endParaRPr lang="en-US" b="1" dirty="0" smtClean="0"/>
+          </a:p>
+          <a:p>
+            <a:endParaRPr lang="en-US" dirty="0"/>
+          </a:p>
+        </p:txBody>
+      </p:sp>
+    </p:spTree>
+    <p:extLst>
+      <p:ext uri="{BB962C8B-B14F-4D97-AF65-F5344CB8AC3E}">
+        <p14:creationId xmlns:p14="http://schemas.microsoft.com/office/powerpoint/2010/main" val="1830499968"/>
+      </p:ext>
+    </p:extLst>
+  </p:cSld>
+  <p:clrMapOvr>
+    <a:masterClrMapping/>
+  </p:clrMapOvr>
+  <p:timing>
+    <p:tnLst>
+      <p:par>
+        <p:cTn id="1" dur="indefinite" restart="never" nodeType="tmRoot"/>
+      </p:par>
+    </p:tnLst>
+  </p:timing>
+</p:sld>
+</file>
+
+<file path=ppt/slides/slide16.xml><?xml version="1.0" encoding="utf-8"?>
+<p:sld xmlns:a="http://schemas.openxmlformats.org/drawingml/2006/main" xmlns:r="http://schemas.openxmlformats.org/officeDocument/2006/relationships" xmlns:p="http://schemas.openxmlformats.org/presentationml/2006/main">
+  <p:cSld>
+    <p:spTree>
+      <p:nvGrpSpPr>
+        <p:cNvPr id="1" name=""/>
+        <p:cNvGrpSpPr/>
+        <p:nvPr/>
+      </p:nvGrpSpPr>
+      <p:grpSpPr>
+        <a:xfrm>
+          <a:off x="0" y="0"/>
+          <a:ext cx="0" cy="0"/>
+          <a:chOff x="0" y="0"/>
+          <a:chExt cx="0" cy="0"/>
+        </a:xfrm>
+      </p:grpSpPr>
+      <p:sp>
+        <p:nvSpPr>
+          <p:cNvPr id="2" name="Title 1"/>
+          <p:cNvSpPr>
+            <a:spLocks noGrp="1"/>
+          </p:cNvSpPr>
+          <p:nvPr>
+            <p:ph type="title"/>
+          </p:nvPr>
+        </p:nvSpPr>
+        <p:spPr/>
+        <p:txBody>
+          <a:bodyPr/>
+          <a:lstStyle/>
+          <a:p>
+            <a:r>
+              <a:rPr lang="en-US" dirty="0" smtClean="0"/>
+              <a:t>Potential Issues/Solutions</a:t>
+            </a:r>
+            <a:endParaRPr lang="en-US" dirty="0"/>
+          </a:p>
+        </p:txBody>
+      </p:sp>
+      <p:sp>
+        <p:nvSpPr>
+          <p:cNvPr id="3" name="Content Placeholder 2"/>
+          <p:cNvSpPr>
+            <a:spLocks noGrp="1"/>
+          </p:cNvSpPr>
+          <p:nvPr>
+            <p:ph idx="1"/>
+          </p:nvPr>
+        </p:nvSpPr>
+        <p:spPr/>
+        <p:txBody>
+          <a:bodyPr/>
+          <a:lstStyle/>
+          <a:p>
+            <a:r>
+              <a:rPr lang="en-US" b="1" dirty="0" smtClean="0"/>
+              <a:t>Issue</a:t>
+            </a:r>
+            <a:r>
+              <a:rPr lang="en-US" dirty="0" smtClean="0"/>
+              <a:t>: Fragment DB too difficult to create:</a:t>
+            </a:r>
+          </a:p>
+          <a:p>
+            <a:pPr lvl="1"/>
+            <a:r>
+              <a:rPr lang="en-US" b="1" dirty="0" smtClean="0"/>
+              <a:t>Reason</a:t>
+            </a:r>
+            <a:r>
+              <a:rPr lang="en-US" dirty="0" smtClean="0"/>
+              <a:t>: Gathering enough PDBs to create a large enough database may not be possible. Organization/access may be too complicated.</a:t>
+            </a:r>
+          </a:p>
+          <a:p>
+            <a:pPr lvl="1"/>
+            <a:r>
+              <a:rPr lang="en-US" b="1" dirty="0" smtClean="0"/>
+              <a:t>Solution</a:t>
+            </a:r>
+            <a:r>
+              <a:rPr lang="en-US" dirty="0" smtClean="0"/>
+              <a:t>: Use pre-built fragment database created by Rosetta</a:t>
+            </a:r>
+          </a:p>
+          <a:p>
+            <a:r>
+              <a:rPr lang="en-US" b="1" dirty="0" smtClean="0"/>
+              <a:t>Issue</a:t>
+            </a:r>
+            <a:r>
+              <a:rPr lang="en-US" dirty="0" smtClean="0"/>
+              <a:t>: Normalization between multiple scores not possible</a:t>
+            </a:r>
+          </a:p>
+          <a:p>
+            <a:pPr lvl="1"/>
+            <a:r>
+              <a:rPr lang="en-US" b="1" dirty="0" smtClean="0"/>
+              <a:t>Reason</a:t>
+            </a:r>
+            <a:r>
+              <a:rPr lang="en-US" dirty="0" smtClean="0"/>
+              <a:t>: Open-ended scores (not a set range) may keep ranges from being normalized.</a:t>
+            </a:r>
+          </a:p>
+          <a:p>
+            <a:pPr lvl="1"/>
+            <a:r>
+              <a:rPr lang="en-US" b="1" dirty="0" smtClean="0"/>
+              <a:t>Solution</a:t>
+            </a:r>
+            <a:r>
+              <a:rPr lang="en-US" dirty="0" smtClean="0"/>
+              <a:t>: Remove those scores and either keep them out or replace them. Worst case scenario we go to a single score</a:t>
+            </a:r>
+          </a:p>
+        </p:txBody>
+      </p:sp>
+    </p:spTree>
+    <p:extLst>
+      <p:ext uri="{BB962C8B-B14F-4D97-AF65-F5344CB8AC3E}">
+        <p14:creationId xmlns:p14="http://schemas.microsoft.com/office/powerpoint/2010/main" val="1743425537"/>
+      </p:ext>
+    </p:extLst>
+  </p:cSld>
+  <p:clrMapOvr>
+    <a:masterClrMapping/>
+  </p:clrMapOvr>
+  <p:timing>
+    <p:tnLst>
+      <p:par>
+        <p:cTn id="1" dur="indefinite" restart="never" nodeType="tmRoot"/>
+      </p:par>
+    </p:tnLst>
+  </p:timing>
+</p:sld>
+</file>
+
+<file path=ppt/slides/slide17.xml><?xml version="1.0" encoding="utf-8"?>
 <p:sld xmlns:a="http://schemas.openxmlformats.org/drawingml/2006/main" xmlns:r="http://schemas.openxmlformats.org/officeDocument/2006/relationships" xmlns:p="http://schemas.openxmlformats.org/presentationml/2006/main">
   <p:cSld>
     <p:spTree>
@@ -18691,7 +19384,7 @@
 </p:sld>
 </file>
 
-<file path=ppt/slides/slide15.xml><?xml version="1.0" encoding="utf-8"?>
+<file path=ppt/slides/slide18.xml><?xml version="1.0" encoding="utf-8"?>
 <p:sld xmlns:a="http://schemas.openxmlformats.org/drawingml/2006/main" xmlns:r="http://schemas.openxmlformats.org/officeDocument/2006/relationships" xmlns:p="http://schemas.openxmlformats.org/presentationml/2006/main">
   <p:cSld>
     <p:spTree>
@@ -23194,7 +23887,19 @@
             </a:br>
             <a:r>
               <a:rPr lang="en-US" dirty="0" smtClean="0"/>
-              <a:t>to minimize, e^(-change/temperature)</a:t>
+              <a:t>to minimize, </a:t>
+            </a:r>
+            <a:r>
+              <a:rPr lang="en-US" smtClean="0"/>
+              <a:t>e</a:t>
+            </a:r>
+            <a:r>
+              <a:rPr lang="en-US" smtClean="0"/>
+              <a:t>^(change/temperature</a:t>
+            </a:r>
+            <a:r>
+              <a:rPr lang="en-US" dirty="0" smtClean="0"/>
+              <a:t>)</a:t>
             </a:r>
             <a:br>
               <a:rPr lang="en-US" dirty="0" smtClean="0"/>

--- a/doc/TFPyModeller Project Presentation.pptx
+++ b/doc/TFPyModeller Project Presentation.pptx
@@ -19,10 +19,11 @@
     <p:sldId id="265" r:id="rId13"/>
     <p:sldId id="273" r:id="rId14"/>
     <p:sldId id="270" r:id="rId15"/>
-    <p:sldId id="271" r:id="rId16"/>
-    <p:sldId id="272" r:id="rId17"/>
-    <p:sldId id="266" r:id="rId18"/>
-    <p:sldId id="267" r:id="rId19"/>
+    <p:sldId id="274" r:id="rId16"/>
+    <p:sldId id="271" r:id="rId17"/>
+    <p:sldId id="272" r:id="rId18"/>
+    <p:sldId id="266" r:id="rId19"/>
+    <p:sldId id="267" r:id="rId20"/>
   </p:sldIdLst>
   <p:sldSz cx="12192000" cy="6858000"/>
   <p:notesSz cx="6858000" cy="9144000"/>
@@ -179,17 +180,12 @@
             </a:r>
             <a:r>
               <a:rPr lang="en-US" baseline="0" dirty="0" smtClean="0"/>
-              <a:t> Annealing using </a:t>
-            </a:r>
-            <a:r>
-              <a:rPr lang="en-US" baseline="0" dirty="0" smtClean="0"/>
-              <a:t>Consensus (not actual ranges)</a:t>
+              <a:t> Annealing using Consensus (not actual ranges)</a:t>
             </a:r>
             <a:endParaRPr lang="en-US" dirty="0"/>
           </a:p>
         </c:rich>
       </c:tx>
-      <c:layout/>
       <c:overlay val="0"/>
       <c:spPr>
         <a:noFill/>
@@ -3439,11 +3435,11 @@
           <c:showBubbleSize val="0"/>
         </c:dLbls>
         <c:smooth val="0"/>
-        <c:axId val="365241016"/>
-        <c:axId val="365241800"/>
+        <c:axId val="229638296"/>
+        <c:axId val="229643392"/>
       </c:lineChart>
       <c:catAx>
-        <c:axId val="365241016"/>
+        <c:axId val="229638296"/>
         <c:scaling>
           <c:orientation val="minMax"/>
         </c:scaling>
@@ -3476,7 +3472,6 @@
               </a:p>
             </c:rich>
           </c:tx>
-          <c:layout/>
           <c:overlay val="0"/>
           <c:spPr>
             <a:noFill/>
@@ -3543,7 +3538,7 @@
             <a:endParaRPr lang="en-US"/>
           </a:p>
         </c:txPr>
-        <c:crossAx val="365241800"/>
+        <c:crossAx val="229643392"/>
         <c:crosses val="autoZero"/>
         <c:auto val="1"/>
         <c:lblAlgn val="ctr"/>
@@ -3551,7 +3546,7 @@
         <c:noMultiLvlLbl val="0"/>
       </c:catAx>
       <c:valAx>
-        <c:axId val="365241800"/>
+        <c:axId val="229643392"/>
         <c:scaling>
           <c:orientation val="minMax"/>
         </c:scaling>
@@ -3598,7 +3593,6 @@
               </a:p>
             </c:rich>
           </c:tx>
-          <c:layout/>
           <c:overlay val="0"/>
           <c:spPr>
             <a:noFill/>
@@ -3659,7 +3653,7 @@
             <a:endParaRPr lang="en-US"/>
           </a:p>
         </c:txPr>
-        <c:crossAx val="365241016"/>
+        <c:crossAx val="229638296"/>
         <c:crosses val="autoZero"/>
         <c:crossBetween val="between"/>
       </c:valAx>
@@ -5877,6 +5871,2375 @@
 </file>
 
 <file path=ppt/diagrams/colors3.xml><?xml version="1.0" encoding="utf-8"?>
+<dgm:colorsDef xmlns:dgm="http://schemas.openxmlformats.org/drawingml/2006/diagram" xmlns:a="http://schemas.openxmlformats.org/drawingml/2006/main" uniqueId="urn:microsoft.com/office/officeart/2005/8/colors/accent3_2">
+  <dgm:title val=""/>
+  <dgm:desc val=""/>
+  <dgm:catLst>
+    <dgm:cat type="accent3" pri="11200"/>
+  </dgm:catLst>
+  <dgm:styleLbl name="node0">
+    <dgm:fillClrLst meth="repeat">
+      <a:schemeClr val="accent3"/>
+    </dgm:fillClrLst>
+    <dgm:linClrLst meth="repeat">
+      <a:schemeClr val="lt1"/>
+    </dgm:linClrLst>
+    <dgm:effectClrLst/>
+    <dgm:txLinClrLst/>
+    <dgm:txFillClrLst/>
+    <dgm:txEffectClrLst/>
+  </dgm:styleLbl>
+  <dgm:styleLbl name="node1">
+    <dgm:fillClrLst meth="repeat">
+      <a:schemeClr val="accent3"/>
+    </dgm:fillClrLst>
+    <dgm:linClrLst meth="repeat">
+      <a:schemeClr val="lt1"/>
+    </dgm:linClrLst>
+    <dgm:effectClrLst/>
+    <dgm:txLinClrLst/>
+    <dgm:txFillClrLst/>
+    <dgm:txEffectClrLst/>
+  </dgm:styleLbl>
+  <dgm:styleLbl name="alignNode1">
+    <dgm:fillClrLst meth="repeat">
+      <a:schemeClr val="accent3"/>
+    </dgm:fillClrLst>
+    <dgm:linClrLst meth="repeat">
+      <a:schemeClr val="accent3"/>
+    </dgm:linClrLst>
+    <dgm:effectClrLst/>
+    <dgm:txLinClrLst/>
+    <dgm:txFillClrLst/>
+    <dgm:txEffectClrLst/>
+  </dgm:styleLbl>
+  <dgm:styleLbl name="lnNode1">
+    <dgm:fillClrLst meth="repeat">
+      <a:schemeClr val="accent3"/>
+    </dgm:fillClrLst>
+    <dgm:linClrLst meth="repeat">
+      <a:schemeClr val="lt1"/>
+    </dgm:linClrLst>
+    <dgm:effectClrLst/>
+    <dgm:txLinClrLst/>
+    <dgm:txFillClrLst/>
+    <dgm:txEffectClrLst/>
+  </dgm:styleLbl>
+  <dgm:styleLbl name="vennNode1">
+    <dgm:fillClrLst meth="repeat">
+      <a:schemeClr val="accent3">
+        <a:alpha val="50000"/>
+      </a:schemeClr>
+    </dgm:fillClrLst>
+    <dgm:linClrLst meth="repeat">
+      <a:schemeClr val="lt1"/>
+    </dgm:linClrLst>
+    <dgm:effectClrLst/>
+    <dgm:txLinClrLst/>
+    <dgm:txFillClrLst/>
+    <dgm:txEffectClrLst/>
+  </dgm:styleLbl>
+  <dgm:styleLbl name="node2">
+    <dgm:fillClrLst meth="repeat">
+      <a:schemeClr val="accent3"/>
+    </dgm:fillClrLst>
+    <dgm:linClrLst meth="repeat">
+      <a:schemeClr val="lt1"/>
+    </dgm:linClrLst>
+    <dgm:effectClrLst/>
+    <dgm:txLinClrLst/>
+    <dgm:txFillClrLst/>
+    <dgm:txEffectClrLst/>
+  </dgm:styleLbl>
+  <dgm:styleLbl name="node3">
+    <dgm:fillClrLst meth="repeat">
+      <a:schemeClr val="accent3"/>
+    </dgm:fillClrLst>
+    <dgm:linClrLst meth="repeat">
+      <a:schemeClr val="lt1"/>
+    </dgm:linClrLst>
+    <dgm:effectClrLst/>
+    <dgm:txLinClrLst/>
+    <dgm:txFillClrLst/>
+    <dgm:txEffectClrLst/>
+  </dgm:styleLbl>
+  <dgm:styleLbl name="node4">
+    <dgm:fillClrLst meth="repeat">
+      <a:schemeClr val="accent3"/>
+    </dgm:fillClrLst>
+    <dgm:linClrLst meth="repeat">
+      <a:schemeClr val="lt1"/>
+    </dgm:linClrLst>
+    <dgm:effectClrLst/>
+    <dgm:txLinClrLst/>
+    <dgm:txFillClrLst/>
+    <dgm:txEffectClrLst/>
+  </dgm:styleLbl>
+  <dgm:styleLbl name="fgImgPlace1">
+    <dgm:fillClrLst meth="repeat">
+      <a:schemeClr val="accent3">
+        <a:tint val="50000"/>
+      </a:schemeClr>
+    </dgm:fillClrLst>
+    <dgm:linClrLst meth="repeat">
+      <a:schemeClr val="lt1"/>
+    </dgm:linClrLst>
+    <dgm:effectClrLst/>
+    <dgm:txLinClrLst/>
+    <dgm:txFillClrLst meth="repeat">
+      <a:schemeClr val="lt1"/>
+    </dgm:txFillClrLst>
+    <dgm:txEffectClrLst/>
+  </dgm:styleLbl>
+  <dgm:styleLbl name="alignImgPlace1">
+    <dgm:fillClrLst meth="repeat">
+      <a:schemeClr val="accent3">
+        <a:tint val="50000"/>
+      </a:schemeClr>
+    </dgm:fillClrLst>
+    <dgm:linClrLst meth="repeat">
+      <a:schemeClr val="lt1"/>
+    </dgm:linClrLst>
+    <dgm:effectClrLst/>
+    <dgm:txLinClrLst/>
+    <dgm:txFillClrLst meth="repeat">
+      <a:schemeClr val="lt1"/>
+    </dgm:txFillClrLst>
+    <dgm:txEffectClrLst/>
+  </dgm:styleLbl>
+  <dgm:styleLbl name="bgImgPlace1">
+    <dgm:fillClrLst meth="repeat">
+      <a:schemeClr val="accent3">
+        <a:tint val="50000"/>
+      </a:schemeClr>
+    </dgm:fillClrLst>
+    <dgm:linClrLst meth="repeat">
+      <a:schemeClr val="lt1"/>
+    </dgm:linClrLst>
+    <dgm:effectClrLst/>
+    <dgm:txLinClrLst/>
+    <dgm:txFillClrLst meth="repeat">
+      <a:schemeClr val="lt1"/>
+    </dgm:txFillClrLst>
+    <dgm:txEffectClrLst/>
+  </dgm:styleLbl>
+  <dgm:styleLbl name="sibTrans2D1">
+    <dgm:fillClrLst meth="repeat">
+      <a:schemeClr val="accent3">
+        <a:tint val="60000"/>
+      </a:schemeClr>
+    </dgm:fillClrLst>
+    <dgm:linClrLst meth="repeat">
+      <a:schemeClr val="accent3">
+        <a:tint val="60000"/>
+      </a:schemeClr>
+    </dgm:linClrLst>
+    <dgm:effectClrLst/>
+    <dgm:txLinClrLst/>
+    <dgm:txFillClrLst/>
+    <dgm:txEffectClrLst/>
+  </dgm:styleLbl>
+  <dgm:styleLbl name="fgSibTrans2D1">
+    <dgm:fillClrLst meth="repeat">
+      <a:schemeClr val="accent3">
+        <a:tint val="60000"/>
+      </a:schemeClr>
+    </dgm:fillClrLst>
+    <dgm:linClrLst meth="repeat">
+      <a:schemeClr val="accent3">
+        <a:tint val="60000"/>
+      </a:schemeClr>
+    </dgm:linClrLst>
+    <dgm:effectClrLst/>
+    <dgm:txLinClrLst/>
+    <dgm:txFillClrLst/>
+    <dgm:txEffectClrLst/>
+  </dgm:styleLbl>
+  <dgm:styleLbl name="bgSibTrans2D1">
+    <dgm:fillClrLst meth="repeat">
+      <a:schemeClr val="accent3">
+        <a:tint val="60000"/>
+      </a:schemeClr>
+    </dgm:fillClrLst>
+    <dgm:linClrLst meth="repeat">
+      <a:schemeClr val="accent3">
+        <a:tint val="60000"/>
+      </a:schemeClr>
+    </dgm:linClrLst>
+    <dgm:effectClrLst/>
+    <dgm:txLinClrLst/>
+    <dgm:txFillClrLst/>
+    <dgm:txEffectClrLst/>
+  </dgm:styleLbl>
+  <dgm:styleLbl name="sibTrans1D1">
+    <dgm:fillClrLst meth="repeat">
+      <a:schemeClr val="accent3"/>
+    </dgm:fillClrLst>
+    <dgm:linClrLst meth="repeat">
+      <a:schemeClr val="accent3"/>
+    </dgm:linClrLst>
+    <dgm:effectClrLst/>
+    <dgm:txLinClrLst/>
+    <dgm:txFillClrLst meth="repeat">
+      <a:schemeClr val="tx1"/>
+    </dgm:txFillClrLst>
+    <dgm:txEffectClrLst/>
+  </dgm:styleLbl>
+  <dgm:styleLbl name="callout">
+    <dgm:fillClrLst meth="repeat">
+      <a:schemeClr val="accent3"/>
+    </dgm:fillClrLst>
+    <dgm:linClrLst meth="repeat">
+      <a:schemeClr val="accent3">
+        <a:tint val="50000"/>
+      </a:schemeClr>
+    </dgm:linClrLst>
+    <dgm:effectClrLst/>
+    <dgm:txLinClrLst/>
+    <dgm:txFillClrLst meth="repeat">
+      <a:schemeClr val="tx1"/>
+    </dgm:txFillClrLst>
+    <dgm:txEffectClrLst/>
+  </dgm:styleLbl>
+  <dgm:styleLbl name="asst0">
+    <dgm:fillClrLst meth="repeat">
+      <a:schemeClr val="accent3"/>
+    </dgm:fillClrLst>
+    <dgm:linClrLst meth="repeat">
+      <a:schemeClr val="lt1"/>
+    </dgm:linClrLst>
+    <dgm:effectClrLst/>
+    <dgm:txLinClrLst/>
+    <dgm:txFillClrLst/>
+    <dgm:txEffectClrLst/>
+  </dgm:styleLbl>
+  <dgm:styleLbl name="asst1">
+    <dgm:fillClrLst meth="repeat">
+      <a:schemeClr val="accent3"/>
+    </dgm:fillClrLst>
+    <dgm:linClrLst meth="repeat">
+      <a:schemeClr val="lt1"/>
+    </dgm:linClrLst>
+    <dgm:effectClrLst/>
+    <dgm:txLinClrLst/>
+    <dgm:txFillClrLst/>
+    <dgm:txEffectClrLst/>
+  </dgm:styleLbl>
+  <dgm:styleLbl name="asst2">
+    <dgm:fillClrLst meth="repeat">
+      <a:schemeClr val="accent3"/>
+    </dgm:fillClrLst>
+    <dgm:linClrLst meth="repeat">
+      <a:schemeClr val="lt1"/>
+    </dgm:linClrLst>
+    <dgm:effectClrLst/>
+    <dgm:txLinClrLst/>
+    <dgm:txFillClrLst/>
+    <dgm:txEffectClrLst/>
+  </dgm:styleLbl>
+  <dgm:styleLbl name="asst3">
+    <dgm:fillClrLst meth="repeat">
+      <a:schemeClr val="accent3"/>
+    </dgm:fillClrLst>
+    <dgm:linClrLst meth="repeat">
+      <a:schemeClr val="lt1"/>
+    </dgm:linClrLst>
+    <dgm:effectClrLst/>
+    <dgm:txLinClrLst/>
+    <dgm:txFillClrLst/>
+    <dgm:txEffectClrLst/>
+  </dgm:styleLbl>
+  <dgm:styleLbl name="asst4">
+    <dgm:fillClrLst meth="repeat">
+      <a:schemeClr val="accent3"/>
+    </dgm:fillClrLst>
+    <dgm:linClrLst meth="repeat">
+      <a:schemeClr val="lt1"/>
+    </dgm:linClrLst>
+    <dgm:effectClrLst/>
+    <dgm:txLinClrLst/>
+    <dgm:txFillClrLst/>
+    <dgm:txEffectClrLst/>
+  </dgm:styleLbl>
+  <dgm:styleLbl name="parChTrans2D1">
+    <dgm:fillClrLst meth="repeat">
+      <a:schemeClr val="accent3">
+        <a:tint val="60000"/>
+      </a:schemeClr>
+    </dgm:fillClrLst>
+    <dgm:linClrLst meth="repeat">
+      <a:schemeClr val="accent3">
+        <a:tint val="60000"/>
+      </a:schemeClr>
+    </dgm:linClrLst>
+    <dgm:effectClrLst/>
+    <dgm:txLinClrLst/>
+    <dgm:txFillClrLst meth="repeat">
+      <a:schemeClr val="lt1"/>
+    </dgm:txFillClrLst>
+    <dgm:txEffectClrLst/>
+  </dgm:styleLbl>
+  <dgm:styleLbl name="parChTrans2D2">
+    <dgm:fillClrLst meth="repeat">
+      <a:schemeClr val="accent3"/>
+    </dgm:fillClrLst>
+    <dgm:linClrLst meth="repeat">
+      <a:schemeClr val="accent3"/>
+    </dgm:linClrLst>
+    <dgm:effectClrLst/>
+    <dgm:txLinClrLst/>
+    <dgm:txFillClrLst meth="repeat">
+      <a:schemeClr val="lt1"/>
+    </dgm:txFillClrLst>
+    <dgm:txEffectClrLst/>
+  </dgm:styleLbl>
+  <dgm:styleLbl name="parChTrans2D3">
+    <dgm:fillClrLst meth="repeat">
+      <a:schemeClr val="accent3"/>
+    </dgm:fillClrLst>
+    <dgm:linClrLst meth="repeat">
+      <a:schemeClr val="accent3"/>
+    </dgm:linClrLst>
+    <dgm:effectClrLst/>
+    <dgm:txLinClrLst/>
+    <dgm:txFillClrLst meth="repeat">
+      <a:schemeClr val="lt1"/>
+    </dgm:txFillClrLst>
+    <dgm:txEffectClrLst/>
+  </dgm:styleLbl>
+  <dgm:styleLbl name="parChTrans2D4">
+    <dgm:fillClrLst meth="repeat">
+      <a:schemeClr val="accent3"/>
+    </dgm:fillClrLst>
+    <dgm:linClrLst meth="repeat">
+      <a:schemeClr val="accent3"/>
+    </dgm:linClrLst>
+    <dgm:effectClrLst/>
+    <dgm:txLinClrLst/>
+    <dgm:txFillClrLst meth="repeat">
+      <a:schemeClr val="lt1"/>
+    </dgm:txFillClrLst>
+    <dgm:txEffectClrLst/>
+  </dgm:styleLbl>
+  <dgm:styleLbl name="parChTrans1D1">
+    <dgm:fillClrLst meth="repeat">
+      <a:schemeClr val="accent3"/>
+    </dgm:fillClrLst>
+    <dgm:linClrLst meth="repeat">
+      <a:schemeClr val="accent3">
+        <a:shade val="60000"/>
+      </a:schemeClr>
+    </dgm:linClrLst>
+    <dgm:effectClrLst/>
+    <dgm:txLinClrLst/>
+    <dgm:txFillClrLst meth="repeat">
+      <a:schemeClr val="tx1"/>
+    </dgm:txFillClrLst>
+    <dgm:txEffectClrLst/>
+  </dgm:styleLbl>
+  <dgm:styleLbl name="parChTrans1D2">
+    <dgm:fillClrLst meth="repeat">
+      <a:schemeClr val="accent3"/>
+    </dgm:fillClrLst>
+    <dgm:linClrLst meth="repeat">
+      <a:schemeClr val="accent3">
+        <a:shade val="60000"/>
+      </a:schemeClr>
+    </dgm:linClrLst>
+    <dgm:effectClrLst/>
+    <dgm:txLinClrLst/>
+    <dgm:txFillClrLst meth="repeat">
+      <a:schemeClr val="tx1"/>
+    </dgm:txFillClrLst>
+    <dgm:txEffectClrLst/>
+  </dgm:styleLbl>
+  <dgm:styleLbl name="parChTrans1D3">
+    <dgm:fillClrLst meth="repeat">
+      <a:schemeClr val="accent3"/>
+    </dgm:fillClrLst>
+    <dgm:linClrLst meth="repeat">
+      <a:schemeClr val="accent3">
+        <a:shade val="80000"/>
+      </a:schemeClr>
+    </dgm:linClrLst>
+    <dgm:effectClrLst/>
+    <dgm:txLinClrLst/>
+    <dgm:txFillClrLst meth="repeat">
+      <a:schemeClr val="tx1"/>
+    </dgm:txFillClrLst>
+    <dgm:txEffectClrLst/>
+  </dgm:styleLbl>
+  <dgm:styleLbl name="parChTrans1D4">
+    <dgm:fillClrLst meth="repeat">
+      <a:schemeClr val="accent3"/>
+    </dgm:fillClrLst>
+    <dgm:linClrLst meth="repeat">
+      <a:schemeClr val="accent3">
+        <a:shade val="80000"/>
+      </a:schemeClr>
+    </dgm:linClrLst>
+    <dgm:effectClrLst/>
+    <dgm:txLinClrLst/>
+    <dgm:txFillClrLst meth="repeat">
+      <a:schemeClr val="tx1"/>
+    </dgm:txFillClrLst>
+    <dgm:txEffectClrLst/>
+  </dgm:styleLbl>
+  <dgm:styleLbl name="fgAcc1">
+    <dgm:fillClrLst meth="repeat">
+      <a:schemeClr val="lt1">
+        <a:alpha val="90000"/>
+      </a:schemeClr>
+    </dgm:fillClrLst>
+    <dgm:linClrLst meth="repeat">
+      <a:schemeClr val="accent3"/>
+    </dgm:linClrLst>
+    <dgm:effectClrLst/>
+    <dgm:txLinClrLst/>
+    <dgm:txFillClrLst meth="repeat">
+      <a:schemeClr val="dk1"/>
+    </dgm:txFillClrLst>
+    <dgm:txEffectClrLst/>
+  </dgm:styleLbl>
+  <dgm:styleLbl name="conFgAcc1">
+    <dgm:fillClrLst meth="repeat">
+      <a:schemeClr val="lt1">
+        <a:alpha val="90000"/>
+      </a:schemeClr>
+    </dgm:fillClrLst>
+    <dgm:linClrLst meth="repeat">
+      <a:schemeClr val="accent3"/>
+    </dgm:linClrLst>
+    <dgm:effectClrLst/>
+    <dgm:txLinClrLst/>
+    <dgm:txFillClrLst meth="repeat">
+      <a:schemeClr val="dk1"/>
+    </dgm:txFillClrLst>
+    <dgm:txEffectClrLst/>
+  </dgm:styleLbl>
+  <dgm:styleLbl name="alignAcc1">
+    <dgm:fillClrLst meth="repeat">
+      <a:schemeClr val="lt1">
+        <a:alpha val="90000"/>
+      </a:schemeClr>
+    </dgm:fillClrLst>
+    <dgm:linClrLst meth="repeat">
+      <a:schemeClr val="accent3"/>
+    </dgm:linClrLst>
+    <dgm:effectClrLst/>
+    <dgm:txLinClrLst/>
+    <dgm:txFillClrLst meth="repeat">
+      <a:schemeClr val="dk1"/>
+    </dgm:txFillClrLst>
+    <dgm:txEffectClrLst/>
+  </dgm:styleLbl>
+  <dgm:styleLbl name="trAlignAcc1">
+    <dgm:fillClrLst meth="repeat">
+      <a:schemeClr val="lt1">
+        <a:alpha val="40000"/>
+      </a:schemeClr>
+    </dgm:fillClrLst>
+    <dgm:linClrLst meth="repeat">
+      <a:schemeClr val="accent3"/>
+    </dgm:linClrLst>
+    <dgm:effectClrLst/>
+    <dgm:txLinClrLst/>
+    <dgm:txFillClrLst meth="repeat">
+      <a:schemeClr val="dk1"/>
+    </dgm:txFillClrLst>
+    <dgm:txEffectClrLst/>
+  </dgm:styleLbl>
+  <dgm:styleLbl name="bgAcc1">
+    <dgm:fillClrLst meth="repeat">
+      <a:schemeClr val="lt1">
+        <a:alpha val="90000"/>
+      </a:schemeClr>
+    </dgm:fillClrLst>
+    <dgm:linClrLst meth="repeat">
+      <a:schemeClr val="accent3"/>
+    </dgm:linClrLst>
+    <dgm:effectClrLst/>
+    <dgm:txLinClrLst/>
+    <dgm:txFillClrLst meth="repeat">
+      <a:schemeClr val="dk1"/>
+    </dgm:txFillClrLst>
+    <dgm:txEffectClrLst/>
+  </dgm:styleLbl>
+  <dgm:styleLbl name="solidFgAcc1">
+    <dgm:fillClrLst meth="repeat">
+      <a:schemeClr val="lt1"/>
+    </dgm:fillClrLst>
+    <dgm:linClrLst meth="repeat">
+      <a:schemeClr val="accent3"/>
+    </dgm:linClrLst>
+    <dgm:effectClrLst/>
+    <dgm:txLinClrLst/>
+    <dgm:txFillClrLst meth="repeat">
+      <a:schemeClr val="dk1"/>
+    </dgm:txFillClrLst>
+    <dgm:txEffectClrLst/>
+  </dgm:styleLbl>
+  <dgm:styleLbl name="solidAlignAcc1">
+    <dgm:fillClrLst meth="repeat">
+      <a:schemeClr val="lt1"/>
+    </dgm:fillClrLst>
+    <dgm:linClrLst meth="repeat">
+      <a:schemeClr val="accent3"/>
+    </dgm:linClrLst>
+    <dgm:effectClrLst/>
+    <dgm:txLinClrLst/>
+    <dgm:txFillClrLst meth="repeat">
+      <a:schemeClr val="dk1"/>
+    </dgm:txFillClrLst>
+    <dgm:txEffectClrLst/>
+  </dgm:styleLbl>
+  <dgm:styleLbl name="solidBgAcc1">
+    <dgm:fillClrLst meth="repeat">
+      <a:schemeClr val="lt1"/>
+    </dgm:fillClrLst>
+    <dgm:linClrLst meth="repeat">
+      <a:schemeClr val="accent3"/>
+    </dgm:linClrLst>
+    <dgm:effectClrLst/>
+    <dgm:txLinClrLst/>
+    <dgm:txFillClrLst meth="repeat">
+      <a:schemeClr val="dk1"/>
+    </dgm:txFillClrLst>
+    <dgm:txEffectClrLst/>
+  </dgm:styleLbl>
+  <dgm:styleLbl name="fgAccFollowNode1">
+    <dgm:fillClrLst meth="repeat">
+      <a:schemeClr val="accent3">
+        <a:alpha val="90000"/>
+        <a:tint val="40000"/>
+      </a:schemeClr>
+    </dgm:fillClrLst>
+    <dgm:linClrLst meth="repeat">
+      <a:schemeClr val="accent3">
+        <a:alpha val="90000"/>
+        <a:tint val="40000"/>
+      </a:schemeClr>
+    </dgm:linClrLst>
+    <dgm:effectClrLst/>
+    <dgm:txLinClrLst/>
+    <dgm:txFillClrLst meth="repeat">
+      <a:schemeClr val="dk1"/>
+    </dgm:txFillClrLst>
+    <dgm:txEffectClrLst/>
+  </dgm:styleLbl>
+  <dgm:styleLbl name="alignAccFollowNode1">
+    <dgm:fillClrLst meth="repeat">
+      <a:schemeClr val="accent3">
+        <a:alpha val="90000"/>
+        <a:tint val="40000"/>
+      </a:schemeClr>
+    </dgm:fillClrLst>
+    <dgm:linClrLst meth="repeat">
+      <a:schemeClr val="accent3">
+        <a:alpha val="90000"/>
+        <a:tint val="40000"/>
+      </a:schemeClr>
+    </dgm:linClrLst>
+    <dgm:effectClrLst/>
+    <dgm:txLinClrLst/>
+    <dgm:txFillClrLst meth="repeat">
+      <a:schemeClr val="dk1"/>
+    </dgm:txFillClrLst>
+    <dgm:txEffectClrLst/>
+  </dgm:styleLbl>
+  <dgm:styleLbl name="bgAccFollowNode1">
+    <dgm:fillClrLst meth="repeat">
+      <a:schemeClr val="accent3">
+        <a:alpha val="90000"/>
+        <a:tint val="40000"/>
+      </a:schemeClr>
+    </dgm:fillClrLst>
+    <dgm:linClrLst meth="repeat">
+      <a:schemeClr val="accent3">
+        <a:alpha val="90000"/>
+        <a:tint val="40000"/>
+      </a:schemeClr>
+    </dgm:linClrLst>
+    <dgm:effectClrLst/>
+    <dgm:txLinClrLst/>
+    <dgm:txFillClrLst meth="repeat">
+      <a:schemeClr val="dk1"/>
+    </dgm:txFillClrLst>
+    <dgm:txEffectClrLst/>
+  </dgm:styleLbl>
+  <dgm:styleLbl name="fgAcc0">
+    <dgm:fillClrLst meth="repeat">
+      <a:schemeClr val="lt1">
+        <a:alpha val="90000"/>
+      </a:schemeClr>
+    </dgm:fillClrLst>
+    <dgm:linClrLst meth="repeat">
+      <a:schemeClr val="accent3"/>
+    </dgm:linClrLst>
+    <dgm:effectClrLst/>
+    <dgm:txLinClrLst/>
+    <dgm:txFillClrLst meth="repeat">
+      <a:schemeClr val="dk1"/>
+    </dgm:txFillClrLst>
+    <dgm:txEffectClrLst/>
+  </dgm:styleLbl>
+  <dgm:styleLbl name="fgAcc2">
+    <dgm:fillClrLst meth="repeat">
+      <a:schemeClr val="lt1">
+        <a:alpha val="90000"/>
+      </a:schemeClr>
+    </dgm:fillClrLst>
+    <dgm:linClrLst meth="repeat">
+      <a:schemeClr val="accent3"/>
+    </dgm:linClrLst>
+    <dgm:effectClrLst/>
+    <dgm:txLinClrLst/>
+    <dgm:txFillClrLst meth="repeat">
+      <a:schemeClr val="dk1"/>
+    </dgm:txFillClrLst>
+    <dgm:txEffectClrLst/>
+  </dgm:styleLbl>
+  <dgm:styleLbl name="fgAcc3">
+    <dgm:fillClrLst meth="repeat">
+      <a:schemeClr val="lt1">
+        <a:alpha val="90000"/>
+      </a:schemeClr>
+    </dgm:fillClrLst>
+    <dgm:linClrLst meth="repeat">
+      <a:schemeClr val="accent3"/>
+    </dgm:linClrLst>
+    <dgm:effectClrLst/>
+    <dgm:txLinClrLst/>
+    <dgm:txFillClrLst meth="repeat">
+      <a:schemeClr val="dk1"/>
+    </dgm:txFillClrLst>
+    <dgm:txEffectClrLst/>
+  </dgm:styleLbl>
+  <dgm:styleLbl name="fgAcc4">
+    <dgm:fillClrLst meth="repeat">
+      <a:schemeClr val="lt1">
+        <a:alpha val="90000"/>
+      </a:schemeClr>
+    </dgm:fillClrLst>
+    <dgm:linClrLst meth="repeat">
+      <a:schemeClr val="accent3"/>
+    </dgm:linClrLst>
+    <dgm:effectClrLst/>
+    <dgm:txLinClrLst/>
+    <dgm:txFillClrLst meth="repeat">
+      <a:schemeClr val="dk1"/>
+    </dgm:txFillClrLst>
+    <dgm:txEffectClrLst/>
+  </dgm:styleLbl>
+  <dgm:styleLbl name="bgShp">
+    <dgm:fillClrLst meth="repeat">
+      <a:schemeClr val="accent3">
+        <a:tint val="40000"/>
+      </a:schemeClr>
+    </dgm:fillClrLst>
+    <dgm:linClrLst meth="repeat">
+      <a:schemeClr val="accent3"/>
+    </dgm:linClrLst>
+    <dgm:effectClrLst/>
+    <dgm:txLinClrLst/>
+    <dgm:txFillClrLst meth="repeat">
+      <a:schemeClr val="dk1"/>
+    </dgm:txFillClrLst>
+    <dgm:txEffectClrLst/>
+  </dgm:styleLbl>
+  <dgm:styleLbl name="dkBgShp">
+    <dgm:fillClrLst meth="repeat">
+      <a:schemeClr val="accent3">
+        <a:shade val="80000"/>
+      </a:schemeClr>
+    </dgm:fillClrLst>
+    <dgm:linClrLst meth="repeat">
+      <a:schemeClr val="accent3"/>
+    </dgm:linClrLst>
+    <dgm:effectClrLst/>
+    <dgm:txLinClrLst/>
+    <dgm:txFillClrLst meth="repeat">
+      <a:schemeClr val="lt1"/>
+    </dgm:txFillClrLst>
+    <dgm:txEffectClrLst/>
+  </dgm:styleLbl>
+  <dgm:styleLbl name="trBgShp">
+    <dgm:fillClrLst meth="repeat">
+      <a:schemeClr val="accent3">
+        <a:tint val="50000"/>
+        <a:alpha val="40000"/>
+      </a:schemeClr>
+    </dgm:fillClrLst>
+    <dgm:linClrLst meth="repeat">
+      <a:schemeClr val="accent3"/>
+    </dgm:linClrLst>
+    <dgm:effectClrLst/>
+    <dgm:txLinClrLst/>
+    <dgm:txFillClrLst meth="repeat">
+      <a:schemeClr val="lt1"/>
+    </dgm:txFillClrLst>
+    <dgm:txEffectClrLst/>
+  </dgm:styleLbl>
+  <dgm:styleLbl name="fgShp">
+    <dgm:fillClrLst meth="repeat">
+      <a:schemeClr val="accent3">
+        <a:tint val="60000"/>
+      </a:schemeClr>
+    </dgm:fillClrLst>
+    <dgm:linClrLst meth="repeat">
+      <a:schemeClr val="lt1"/>
+    </dgm:linClrLst>
+    <dgm:effectClrLst/>
+    <dgm:txLinClrLst/>
+    <dgm:txFillClrLst meth="repeat">
+      <a:schemeClr val="dk1"/>
+    </dgm:txFillClrLst>
+    <dgm:txEffectClrLst/>
+  </dgm:styleLbl>
+  <dgm:styleLbl name="revTx">
+    <dgm:fillClrLst meth="repeat">
+      <a:schemeClr val="lt1">
+        <a:alpha val="0"/>
+      </a:schemeClr>
+    </dgm:fillClrLst>
+    <dgm:linClrLst meth="repeat">
+      <a:schemeClr val="dk1">
+        <a:alpha val="0"/>
+      </a:schemeClr>
+    </dgm:linClrLst>
+    <dgm:effectClrLst/>
+    <dgm:txLinClrLst/>
+    <dgm:txFillClrLst meth="repeat">
+      <a:schemeClr val="tx1"/>
+    </dgm:txFillClrLst>
+    <dgm:txEffectClrLst/>
+  </dgm:styleLbl>
+</dgm:colorsDef>
+</file>
+
+<file path=ppt/diagrams/colors4.xml><?xml version="1.0" encoding="utf-8"?>
+<dgm:colorsDef xmlns:dgm="http://schemas.openxmlformats.org/drawingml/2006/diagram" xmlns:a="http://schemas.openxmlformats.org/drawingml/2006/main" uniqueId="urn:microsoft.com/office/officeart/2005/8/colors/accent1_2">
+  <dgm:title val=""/>
+  <dgm:desc val=""/>
+  <dgm:catLst>
+    <dgm:cat type="accent1" pri="11200"/>
+  </dgm:catLst>
+  <dgm:styleLbl name="node0">
+    <dgm:fillClrLst meth="repeat">
+      <a:schemeClr val="accent1"/>
+    </dgm:fillClrLst>
+    <dgm:linClrLst meth="repeat">
+      <a:schemeClr val="lt1"/>
+    </dgm:linClrLst>
+    <dgm:effectClrLst/>
+    <dgm:txLinClrLst/>
+    <dgm:txFillClrLst/>
+    <dgm:txEffectClrLst/>
+  </dgm:styleLbl>
+  <dgm:styleLbl name="alignNode1">
+    <dgm:fillClrLst meth="repeat">
+      <a:schemeClr val="accent1"/>
+    </dgm:fillClrLst>
+    <dgm:linClrLst meth="repeat">
+      <a:schemeClr val="accent1"/>
+    </dgm:linClrLst>
+    <dgm:effectClrLst/>
+    <dgm:txLinClrLst/>
+    <dgm:txFillClrLst/>
+    <dgm:txEffectClrLst/>
+  </dgm:styleLbl>
+  <dgm:styleLbl name="node1">
+    <dgm:fillClrLst meth="repeat">
+      <a:schemeClr val="accent1"/>
+    </dgm:fillClrLst>
+    <dgm:linClrLst meth="repeat">
+      <a:schemeClr val="lt1"/>
+    </dgm:linClrLst>
+    <dgm:effectClrLst/>
+    <dgm:txLinClrLst/>
+    <dgm:txFillClrLst/>
+    <dgm:txEffectClrLst/>
+  </dgm:styleLbl>
+  <dgm:styleLbl name="lnNode1">
+    <dgm:fillClrLst meth="repeat">
+      <a:schemeClr val="accent1"/>
+    </dgm:fillClrLst>
+    <dgm:linClrLst meth="repeat">
+      <a:schemeClr val="lt1"/>
+    </dgm:linClrLst>
+    <dgm:effectClrLst/>
+    <dgm:txLinClrLst/>
+    <dgm:txFillClrLst/>
+    <dgm:txEffectClrLst/>
+  </dgm:styleLbl>
+  <dgm:styleLbl name="vennNode1">
+    <dgm:fillClrLst meth="repeat">
+      <a:schemeClr val="accent1">
+        <a:alpha val="50000"/>
+      </a:schemeClr>
+    </dgm:fillClrLst>
+    <dgm:linClrLst meth="repeat">
+      <a:schemeClr val="lt1"/>
+    </dgm:linClrLst>
+    <dgm:effectClrLst/>
+    <dgm:txLinClrLst/>
+    <dgm:txFillClrLst/>
+    <dgm:txEffectClrLst/>
+  </dgm:styleLbl>
+  <dgm:styleLbl name="node2">
+    <dgm:fillClrLst meth="repeat">
+      <a:schemeClr val="accent1"/>
+    </dgm:fillClrLst>
+    <dgm:linClrLst meth="repeat">
+      <a:schemeClr val="lt1"/>
+    </dgm:linClrLst>
+    <dgm:effectClrLst/>
+    <dgm:txLinClrLst/>
+    <dgm:txFillClrLst/>
+    <dgm:txEffectClrLst/>
+  </dgm:styleLbl>
+  <dgm:styleLbl name="node3">
+    <dgm:fillClrLst meth="repeat">
+      <a:schemeClr val="accent1"/>
+    </dgm:fillClrLst>
+    <dgm:linClrLst meth="repeat">
+      <a:schemeClr val="lt1"/>
+    </dgm:linClrLst>
+    <dgm:effectClrLst/>
+    <dgm:txLinClrLst/>
+    <dgm:txFillClrLst/>
+    <dgm:txEffectClrLst/>
+  </dgm:styleLbl>
+  <dgm:styleLbl name="node4">
+    <dgm:fillClrLst meth="repeat">
+      <a:schemeClr val="accent1"/>
+    </dgm:fillClrLst>
+    <dgm:linClrLst meth="repeat">
+      <a:schemeClr val="lt1"/>
+    </dgm:linClrLst>
+    <dgm:effectClrLst/>
+    <dgm:txLinClrLst/>
+    <dgm:txFillClrLst/>
+    <dgm:txEffectClrLst/>
+  </dgm:styleLbl>
+  <dgm:styleLbl name="fgImgPlace1">
+    <dgm:fillClrLst meth="repeat">
+      <a:schemeClr val="accent1">
+        <a:tint val="50000"/>
+      </a:schemeClr>
+    </dgm:fillClrLst>
+    <dgm:linClrLst meth="repeat">
+      <a:schemeClr val="lt1"/>
+    </dgm:linClrLst>
+    <dgm:effectClrLst/>
+    <dgm:txLinClrLst/>
+    <dgm:txFillClrLst meth="repeat">
+      <a:schemeClr val="lt1"/>
+    </dgm:txFillClrLst>
+    <dgm:txEffectClrLst/>
+  </dgm:styleLbl>
+  <dgm:styleLbl name="alignImgPlace1">
+    <dgm:fillClrLst meth="repeat">
+      <a:schemeClr val="accent1">
+        <a:tint val="50000"/>
+      </a:schemeClr>
+    </dgm:fillClrLst>
+    <dgm:linClrLst meth="repeat">
+      <a:schemeClr val="lt1"/>
+    </dgm:linClrLst>
+    <dgm:effectClrLst/>
+    <dgm:txLinClrLst/>
+    <dgm:txFillClrLst meth="repeat">
+      <a:schemeClr val="lt1"/>
+    </dgm:txFillClrLst>
+    <dgm:txEffectClrLst/>
+  </dgm:styleLbl>
+  <dgm:styleLbl name="bgImgPlace1">
+    <dgm:fillClrLst meth="repeat">
+      <a:schemeClr val="accent1">
+        <a:tint val="50000"/>
+      </a:schemeClr>
+    </dgm:fillClrLst>
+    <dgm:linClrLst meth="repeat">
+      <a:schemeClr val="lt1"/>
+    </dgm:linClrLst>
+    <dgm:effectClrLst/>
+    <dgm:txLinClrLst/>
+    <dgm:txFillClrLst meth="repeat">
+      <a:schemeClr val="lt1"/>
+    </dgm:txFillClrLst>
+    <dgm:txEffectClrLst/>
+  </dgm:styleLbl>
+  <dgm:styleLbl name="sibTrans2D1">
+    <dgm:fillClrLst meth="repeat">
+      <a:schemeClr val="accent1">
+        <a:tint val="60000"/>
+      </a:schemeClr>
+    </dgm:fillClrLst>
+    <dgm:linClrLst meth="repeat">
+      <a:schemeClr val="accent1">
+        <a:tint val="60000"/>
+      </a:schemeClr>
+    </dgm:linClrLst>
+    <dgm:effectClrLst/>
+    <dgm:txLinClrLst/>
+    <dgm:txFillClrLst/>
+    <dgm:txEffectClrLst/>
+  </dgm:styleLbl>
+  <dgm:styleLbl name="fgSibTrans2D1">
+    <dgm:fillClrLst meth="repeat">
+      <a:schemeClr val="accent1">
+        <a:tint val="60000"/>
+      </a:schemeClr>
+    </dgm:fillClrLst>
+    <dgm:linClrLst meth="repeat">
+      <a:schemeClr val="accent1">
+        <a:tint val="60000"/>
+      </a:schemeClr>
+    </dgm:linClrLst>
+    <dgm:effectClrLst/>
+    <dgm:txLinClrLst/>
+    <dgm:txFillClrLst/>
+    <dgm:txEffectClrLst/>
+  </dgm:styleLbl>
+  <dgm:styleLbl name="bgSibTrans2D1">
+    <dgm:fillClrLst meth="repeat">
+      <a:schemeClr val="accent1">
+        <a:tint val="60000"/>
+      </a:schemeClr>
+    </dgm:fillClrLst>
+    <dgm:linClrLst meth="repeat">
+      <a:schemeClr val="accent1">
+        <a:tint val="60000"/>
+      </a:schemeClr>
+    </dgm:linClrLst>
+    <dgm:effectClrLst/>
+    <dgm:txLinClrLst/>
+    <dgm:txFillClrLst/>
+    <dgm:txEffectClrLst/>
+  </dgm:styleLbl>
+  <dgm:styleLbl name="sibTrans1D1">
+    <dgm:fillClrLst meth="repeat">
+      <a:schemeClr val="accent1"/>
+    </dgm:fillClrLst>
+    <dgm:linClrLst meth="repeat">
+      <a:schemeClr val="accent1"/>
+    </dgm:linClrLst>
+    <dgm:effectClrLst/>
+    <dgm:txLinClrLst/>
+    <dgm:txFillClrLst meth="repeat">
+      <a:schemeClr val="tx1"/>
+    </dgm:txFillClrLst>
+    <dgm:txEffectClrLst/>
+  </dgm:styleLbl>
+  <dgm:styleLbl name="callout">
+    <dgm:fillClrLst meth="repeat">
+      <a:schemeClr val="accent1"/>
+    </dgm:fillClrLst>
+    <dgm:linClrLst meth="repeat">
+      <a:schemeClr val="accent1">
+        <a:tint val="50000"/>
+      </a:schemeClr>
+    </dgm:linClrLst>
+    <dgm:effectClrLst/>
+    <dgm:txLinClrLst/>
+    <dgm:txFillClrLst meth="repeat">
+      <a:schemeClr val="tx1"/>
+    </dgm:txFillClrLst>
+    <dgm:txEffectClrLst/>
+  </dgm:styleLbl>
+  <dgm:styleLbl name="asst0">
+    <dgm:fillClrLst meth="repeat">
+      <a:schemeClr val="accent1"/>
+    </dgm:fillClrLst>
+    <dgm:linClrLst meth="repeat">
+      <a:schemeClr val="lt1"/>
+    </dgm:linClrLst>
+    <dgm:effectClrLst/>
+    <dgm:txLinClrLst/>
+    <dgm:txFillClrLst/>
+    <dgm:txEffectClrLst/>
+  </dgm:styleLbl>
+  <dgm:styleLbl name="asst1">
+    <dgm:fillClrLst meth="repeat">
+      <a:schemeClr val="accent1"/>
+    </dgm:fillClrLst>
+    <dgm:linClrLst meth="repeat">
+      <a:schemeClr val="lt1"/>
+    </dgm:linClrLst>
+    <dgm:effectClrLst/>
+    <dgm:txLinClrLst/>
+    <dgm:txFillClrLst/>
+    <dgm:txEffectClrLst/>
+  </dgm:styleLbl>
+  <dgm:styleLbl name="asst2">
+    <dgm:fillClrLst meth="repeat">
+      <a:schemeClr val="accent1"/>
+    </dgm:fillClrLst>
+    <dgm:linClrLst meth="repeat">
+      <a:schemeClr val="lt1"/>
+    </dgm:linClrLst>
+    <dgm:effectClrLst/>
+    <dgm:txLinClrLst/>
+    <dgm:txFillClrLst/>
+    <dgm:txEffectClrLst/>
+  </dgm:styleLbl>
+  <dgm:styleLbl name="asst3">
+    <dgm:fillClrLst meth="repeat">
+      <a:schemeClr val="accent1"/>
+    </dgm:fillClrLst>
+    <dgm:linClrLst meth="repeat">
+      <a:schemeClr val="lt1"/>
+    </dgm:linClrLst>
+    <dgm:effectClrLst/>
+    <dgm:txLinClrLst/>
+    <dgm:txFillClrLst/>
+    <dgm:txEffectClrLst/>
+  </dgm:styleLbl>
+  <dgm:styleLbl name="asst4">
+    <dgm:fillClrLst meth="repeat">
+      <a:schemeClr val="accent1"/>
+    </dgm:fillClrLst>
+    <dgm:linClrLst meth="repeat">
+      <a:schemeClr val="lt1"/>
+    </dgm:linClrLst>
+    <dgm:effectClrLst/>
+    <dgm:txLinClrLst/>
+    <dgm:txFillClrLst/>
+    <dgm:txEffectClrLst/>
+  </dgm:styleLbl>
+  <dgm:styleLbl name="parChTrans2D1">
+    <dgm:fillClrLst meth="repeat">
+      <a:schemeClr val="accent1">
+        <a:tint val="60000"/>
+      </a:schemeClr>
+    </dgm:fillClrLst>
+    <dgm:linClrLst meth="repeat">
+      <a:schemeClr val="accent1">
+        <a:tint val="60000"/>
+      </a:schemeClr>
+    </dgm:linClrLst>
+    <dgm:effectClrLst/>
+    <dgm:txLinClrLst/>
+    <dgm:txFillClrLst meth="repeat">
+      <a:schemeClr val="lt1"/>
+    </dgm:txFillClrLst>
+    <dgm:txEffectClrLst/>
+  </dgm:styleLbl>
+  <dgm:styleLbl name="parChTrans2D2">
+    <dgm:fillClrLst meth="repeat">
+      <a:schemeClr val="accent1"/>
+    </dgm:fillClrLst>
+    <dgm:linClrLst meth="repeat">
+      <a:schemeClr val="accent1"/>
+    </dgm:linClrLst>
+    <dgm:effectClrLst/>
+    <dgm:txLinClrLst/>
+    <dgm:txFillClrLst meth="repeat">
+      <a:schemeClr val="lt1"/>
+    </dgm:txFillClrLst>
+    <dgm:txEffectClrLst/>
+  </dgm:styleLbl>
+  <dgm:styleLbl name="parChTrans2D3">
+    <dgm:fillClrLst meth="repeat">
+      <a:schemeClr val="accent1"/>
+    </dgm:fillClrLst>
+    <dgm:linClrLst meth="repeat">
+      <a:schemeClr val="accent1"/>
+    </dgm:linClrLst>
+    <dgm:effectClrLst/>
+    <dgm:txLinClrLst/>
+    <dgm:txFillClrLst meth="repeat">
+      <a:schemeClr val="lt1"/>
+    </dgm:txFillClrLst>
+    <dgm:txEffectClrLst/>
+  </dgm:styleLbl>
+  <dgm:styleLbl name="parChTrans2D4">
+    <dgm:fillClrLst meth="repeat">
+      <a:schemeClr val="accent1"/>
+    </dgm:fillClrLst>
+    <dgm:linClrLst meth="repeat">
+      <a:schemeClr val="accent1"/>
+    </dgm:linClrLst>
+    <dgm:effectClrLst/>
+    <dgm:txLinClrLst/>
+    <dgm:txFillClrLst meth="repeat">
+      <a:schemeClr val="lt1"/>
+    </dgm:txFillClrLst>
+    <dgm:txEffectClrLst/>
+  </dgm:styleLbl>
+  <dgm:styleLbl name="parChTrans1D1">
+    <dgm:fillClrLst meth="repeat">
+      <a:schemeClr val="accent1"/>
+    </dgm:fillClrLst>
+    <dgm:linClrLst meth="repeat">
+      <a:schemeClr val="accent1">
+        <a:shade val="60000"/>
+      </a:schemeClr>
+    </dgm:linClrLst>
+    <dgm:effectClrLst/>
+    <dgm:txLinClrLst/>
+    <dgm:txFillClrLst meth="repeat">
+      <a:schemeClr val="tx1"/>
+    </dgm:txFillClrLst>
+    <dgm:txEffectClrLst/>
+  </dgm:styleLbl>
+  <dgm:styleLbl name="parChTrans1D2">
+    <dgm:fillClrLst meth="repeat">
+      <a:schemeClr val="accent1"/>
+    </dgm:fillClrLst>
+    <dgm:linClrLst meth="repeat">
+      <a:schemeClr val="accent1">
+        <a:shade val="60000"/>
+      </a:schemeClr>
+    </dgm:linClrLst>
+    <dgm:effectClrLst/>
+    <dgm:txLinClrLst/>
+    <dgm:txFillClrLst meth="repeat">
+      <a:schemeClr val="tx1"/>
+    </dgm:txFillClrLst>
+    <dgm:txEffectClrLst/>
+  </dgm:styleLbl>
+  <dgm:styleLbl name="parChTrans1D3">
+    <dgm:fillClrLst meth="repeat">
+      <a:schemeClr val="accent1"/>
+    </dgm:fillClrLst>
+    <dgm:linClrLst meth="repeat">
+      <a:schemeClr val="accent1">
+        <a:shade val="80000"/>
+      </a:schemeClr>
+    </dgm:linClrLst>
+    <dgm:effectClrLst/>
+    <dgm:txLinClrLst/>
+    <dgm:txFillClrLst meth="repeat">
+      <a:schemeClr val="tx1"/>
+    </dgm:txFillClrLst>
+    <dgm:txEffectClrLst/>
+  </dgm:styleLbl>
+  <dgm:styleLbl name="parChTrans1D4">
+    <dgm:fillClrLst meth="repeat">
+      <a:schemeClr val="accent1"/>
+    </dgm:fillClrLst>
+    <dgm:linClrLst meth="repeat">
+      <a:schemeClr val="accent1">
+        <a:shade val="80000"/>
+      </a:schemeClr>
+    </dgm:linClrLst>
+    <dgm:effectClrLst/>
+    <dgm:txLinClrLst/>
+    <dgm:txFillClrLst meth="repeat">
+      <a:schemeClr val="tx1"/>
+    </dgm:txFillClrLst>
+    <dgm:txEffectClrLst/>
+  </dgm:styleLbl>
+  <dgm:styleLbl name="fgAcc1">
+    <dgm:fillClrLst meth="repeat">
+      <a:schemeClr val="lt1">
+        <a:alpha val="90000"/>
+      </a:schemeClr>
+    </dgm:fillClrLst>
+    <dgm:linClrLst meth="repeat">
+      <a:schemeClr val="accent1"/>
+    </dgm:linClrLst>
+    <dgm:effectClrLst/>
+    <dgm:txLinClrLst/>
+    <dgm:txFillClrLst meth="repeat">
+      <a:schemeClr val="dk1"/>
+    </dgm:txFillClrLst>
+    <dgm:txEffectClrLst/>
+  </dgm:styleLbl>
+  <dgm:styleLbl name="conFgAcc1">
+    <dgm:fillClrLst meth="repeat">
+      <a:schemeClr val="lt1">
+        <a:alpha val="90000"/>
+      </a:schemeClr>
+    </dgm:fillClrLst>
+    <dgm:linClrLst meth="repeat">
+      <a:schemeClr val="accent1"/>
+    </dgm:linClrLst>
+    <dgm:effectClrLst/>
+    <dgm:txLinClrLst/>
+    <dgm:txFillClrLst meth="repeat">
+      <a:schemeClr val="dk1"/>
+    </dgm:txFillClrLst>
+    <dgm:txEffectClrLst/>
+  </dgm:styleLbl>
+  <dgm:styleLbl name="alignAcc1">
+    <dgm:fillClrLst meth="repeat">
+      <a:schemeClr val="lt1">
+        <a:alpha val="90000"/>
+      </a:schemeClr>
+    </dgm:fillClrLst>
+    <dgm:linClrLst meth="repeat">
+      <a:schemeClr val="accent1"/>
+    </dgm:linClrLst>
+    <dgm:effectClrLst/>
+    <dgm:txLinClrLst/>
+    <dgm:txFillClrLst meth="repeat">
+      <a:schemeClr val="dk1"/>
+    </dgm:txFillClrLst>
+    <dgm:txEffectClrLst/>
+  </dgm:styleLbl>
+  <dgm:styleLbl name="trAlignAcc1">
+    <dgm:fillClrLst meth="repeat">
+      <a:schemeClr val="lt1">
+        <a:alpha val="40000"/>
+      </a:schemeClr>
+    </dgm:fillClrLst>
+    <dgm:linClrLst meth="repeat">
+      <a:schemeClr val="accent1"/>
+    </dgm:linClrLst>
+    <dgm:effectClrLst/>
+    <dgm:txLinClrLst/>
+    <dgm:txFillClrLst meth="repeat">
+      <a:schemeClr val="dk1"/>
+    </dgm:txFillClrLst>
+    <dgm:txEffectClrLst/>
+  </dgm:styleLbl>
+  <dgm:styleLbl name="bgAcc1">
+    <dgm:fillClrLst meth="repeat">
+      <a:schemeClr val="lt1">
+        <a:alpha val="90000"/>
+      </a:schemeClr>
+    </dgm:fillClrLst>
+    <dgm:linClrLst meth="repeat">
+      <a:schemeClr val="accent1"/>
+    </dgm:linClrLst>
+    <dgm:effectClrLst/>
+    <dgm:txLinClrLst/>
+    <dgm:txFillClrLst meth="repeat">
+      <a:schemeClr val="dk1"/>
+    </dgm:txFillClrLst>
+    <dgm:txEffectClrLst/>
+  </dgm:styleLbl>
+  <dgm:styleLbl name="solidFgAcc1">
+    <dgm:fillClrLst meth="repeat">
+      <a:schemeClr val="lt1"/>
+    </dgm:fillClrLst>
+    <dgm:linClrLst meth="repeat">
+      <a:schemeClr val="accent1"/>
+    </dgm:linClrLst>
+    <dgm:effectClrLst/>
+    <dgm:txLinClrLst/>
+    <dgm:txFillClrLst meth="repeat">
+      <a:schemeClr val="dk1"/>
+    </dgm:txFillClrLst>
+    <dgm:txEffectClrLst/>
+  </dgm:styleLbl>
+  <dgm:styleLbl name="solidAlignAcc1">
+    <dgm:fillClrLst meth="repeat">
+      <a:schemeClr val="lt1"/>
+    </dgm:fillClrLst>
+    <dgm:linClrLst meth="repeat">
+      <a:schemeClr val="accent1"/>
+    </dgm:linClrLst>
+    <dgm:effectClrLst/>
+    <dgm:txLinClrLst/>
+    <dgm:txFillClrLst meth="repeat">
+      <a:schemeClr val="dk1"/>
+    </dgm:txFillClrLst>
+    <dgm:txEffectClrLst/>
+  </dgm:styleLbl>
+  <dgm:styleLbl name="solidBgAcc1">
+    <dgm:fillClrLst meth="repeat">
+      <a:schemeClr val="lt1"/>
+    </dgm:fillClrLst>
+    <dgm:linClrLst meth="repeat">
+      <a:schemeClr val="accent1"/>
+    </dgm:linClrLst>
+    <dgm:effectClrLst/>
+    <dgm:txLinClrLst/>
+    <dgm:txFillClrLst meth="repeat">
+      <a:schemeClr val="dk1"/>
+    </dgm:txFillClrLst>
+    <dgm:txEffectClrLst/>
+  </dgm:styleLbl>
+  <dgm:styleLbl name="fgAccFollowNode1">
+    <dgm:fillClrLst meth="repeat">
+      <a:schemeClr val="accent1">
+        <a:alpha val="90000"/>
+        <a:tint val="40000"/>
+      </a:schemeClr>
+    </dgm:fillClrLst>
+    <dgm:linClrLst meth="repeat">
+      <a:schemeClr val="accent1">
+        <a:alpha val="90000"/>
+        <a:tint val="40000"/>
+      </a:schemeClr>
+    </dgm:linClrLst>
+    <dgm:effectClrLst/>
+    <dgm:txLinClrLst/>
+    <dgm:txFillClrLst meth="repeat">
+      <a:schemeClr val="dk1"/>
+    </dgm:txFillClrLst>
+    <dgm:txEffectClrLst/>
+  </dgm:styleLbl>
+  <dgm:styleLbl name="alignAccFollowNode1">
+    <dgm:fillClrLst meth="repeat">
+      <a:schemeClr val="accent1">
+        <a:alpha val="90000"/>
+        <a:tint val="40000"/>
+      </a:schemeClr>
+    </dgm:fillClrLst>
+    <dgm:linClrLst meth="repeat">
+      <a:schemeClr val="accent1">
+        <a:alpha val="90000"/>
+        <a:tint val="40000"/>
+      </a:schemeClr>
+    </dgm:linClrLst>
+    <dgm:effectClrLst/>
+    <dgm:txLinClrLst/>
+    <dgm:txFillClrLst meth="repeat">
+      <a:schemeClr val="dk1"/>
+    </dgm:txFillClrLst>
+    <dgm:txEffectClrLst/>
+  </dgm:styleLbl>
+  <dgm:styleLbl name="bgAccFollowNode1">
+    <dgm:fillClrLst meth="repeat">
+      <a:schemeClr val="accent1">
+        <a:alpha val="90000"/>
+        <a:tint val="40000"/>
+      </a:schemeClr>
+    </dgm:fillClrLst>
+    <dgm:linClrLst meth="repeat">
+      <a:schemeClr val="accent1">
+        <a:alpha val="90000"/>
+        <a:tint val="40000"/>
+      </a:schemeClr>
+    </dgm:linClrLst>
+    <dgm:effectClrLst/>
+    <dgm:txLinClrLst/>
+    <dgm:txFillClrLst meth="repeat">
+      <a:schemeClr val="dk1"/>
+    </dgm:txFillClrLst>
+    <dgm:txEffectClrLst/>
+  </dgm:styleLbl>
+  <dgm:styleLbl name="fgAcc0">
+    <dgm:fillClrLst meth="repeat">
+      <a:schemeClr val="lt1">
+        <a:alpha val="90000"/>
+      </a:schemeClr>
+    </dgm:fillClrLst>
+    <dgm:linClrLst meth="repeat">
+      <a:schemeClr val="accent1"/>
+    </dgm:linClrLst>
+    <dgm:effectClrLst/>
+    <dgm:txLinClrLst/>
+    <dgm:txFillClrLst meth="repeat">
+      <a:schemeClr val="dk1"/>
+    </dgm:txFillClrLst>
+    <dgm:txEffectClrLst/>
+  </dgm:styleLbl>
+  <dgm:styleLbl name="fgAcc2">
+    <dgm:fillClrLst meth="repeat">
+      <a:schemeClr val="lt1">
+        <a:alpha val="90000"/>
+      </a:schemeClr>
+    </dgm:fillClrLst>
+    <dgm:linClrLst meth="repeat">
+      <a:schemeClr val="accent1"/>
+    </dgm:linClrLst>
+    <dgm:effectClrLst/>
+    <dgm:txLinClrLst/>
+    <dgm:txFillClrLst meth="repeat">
+      <a:schemeClr val="dk1"/>
+    </dgm:txFillClrLst>
+    <dgm:txEffectClrLst/>
+  </dgm:styleLbl>
+  <dgm:styleLbl name="fgAcc3">
+    <dgm:fillClrLst meth="repeat">
+      <a:schemeClr val="lt1">
+        <a:alpha val="90000"/>
+      </a:schemeClr>
+    </dgm:fillClrLst>
+    <dgm:linClrLst meth="repeat">
+      <a:schemeClr val="accent1"/>
+    </dgm:linClrLst>
+    <dgm:effectClrLst/>
+    <dgm:txLinClrLst/>
+    <dgm:txFillClrLst meth="repeat">
+      <a:schemeClr val="dk1"/>
+    </dgm:txFillClrLst>
+    <dgm:txEffectClrLst/>
+  </dgm:styleLbl>
+  <dgm:styleLbl name="fgAcc4">
+    <dgm:fillClrLst meth="repeat">
+      <a:schemeClr val="lt1">
+        <a:alpha val="90000"/>
+      </a:schemeClr>
+    </dgm:fillClrLst>
+    <dgm:linClrLst meth="repeat">
+      <a:schemeClr val="accent1"/>
+    </dgm:linClrLst>
+    <dgm:effectClrLst/>
+    <dgm:txLinClrLst/>
+    <dgm:txFillClrLst meth="repeat">
+      <a:schemeClr val="dk1"/>
+    </dgm:txFillClrLst>
+    <dgm:txEffectClrLst/>
+  </dgm:styleLbl>
+  <dgm:styleLbl name="bgShp">
+    <dgm:fillClrLst meth="repeat">
+      <a:schemeClr val="accent1">
+        <a:tint val="40000"/>
+      </a:schemeClr>
+    </dgm:fillClrLst>
+    <dgm:linClrLst meth="repeat">
+      <a:schemeClr val="accent1"/>
+    </dgm:linClrLst>
+    <dgm:effectClrLst/>
+    <dgm:txLinClrLst/>
+    <dgm:txFillClrLst meth="repeat">
+      <a:schemeClr val="dk1"/>
+    </dgm:txFillClrLst>
+    <dgm:txEffectClrLst/>
+  </dgm:styleLbl>
+  <dgm:styleLbl name="dkBgShp">
+    <dgm:fillClrLst meth="repeat">
+      <a:schemeClr val="accent1">
+        <a:shade val="80000"/>
+      </a:schemeClr>
+    </dgm:fillClrLst>
+    <dgm:linClrLst meth="repeat">
+      <a:schemeClr val="accent1"/>
+    </dgm:linClrLst>
+    <dgm:effectClrLst/>
+    <dgm:txLinClrLst/>
+    <dgm:txFillClrLst meth="repeat">
+      <a:schemeClr val="lt1"/>
+    </dgm:txFillClrLst>
+    <dgm:txEffectClrLst/>
+  </dgm:styleLbl>
+  <dgm:styleLbl name="trBgShp">
+    <dgm:fillClrLst meth="repeat">
+      <a:schemeClr val="accent1">
+        <a:tint val="50000"/>
+        <a:alpha val="40000"/>
+      </a:schemeClr>
+    </dgm:fillClrLst>
+    <dgm:linClrLst meth="repeat">
+      <a:schemeClr val="accent1"/>
+    </dgm:linClrLst>
+    <dgm:effectClrLst/>
+    <dgm:txLinClrLst/>
+    <dgm:txFillClrLst meth="repeat">
+      <a:schemeClr val="lt1"/>
+    </dgm:txFillClrLst>
+    <dgm:txEffectClrLst/>
+  </dgm:styleLbl>
+  <dgm:styleLbl name="fgShp">
+    <dgm:fillClrLst meth="repeat">
+      <a:schemeClr val="accent1">
+        <a:tint val="60000"/>
+      </a:schemeClr>
+    </dgm:fillClrLst>
+    <dgm:linClrLst meth="repeat">
+      <a:schemeClr val="lt1"/>
+    </dgm:linClrLst>
+    <dgm:effectClrLst/>
+    <dgm:txLinClrLst/>
+    <dgm:txFillClrLst meth="repeat">
+      <a:schemeClr val="dk1"/>
+    </dgm:txFillClrLst>
+    <dgm:txEffectClrLst/>
+  </dgm:styleLbl>
+  <dgm:styleLbl name="revTx">
+    <dgm:fillClrLst meth="repeat">
+      <a:schemeClr val="lt1">
+        <a:alpha val="0"/>
+      </a:schemeClr>
+    </dgm:fillClrLst>
+    <dgm:linClrLst meth="repeat">
+      <a:schemeClr val="dk1">
+        <a:alpha val="0"/>
+      </a:schemeClr>
+    </dgm:linClrLst>
+    <dgm:effectClrLst/>
+    <dgm:txLinClrLst/>
+    <dgm:txFillClrLst meth="repeat">
+      <a:schemeClr val="tx1"/>
+    </dgm:txFillClrLst>
+    <dgm:txEffectClrLst/>
+  </dgm:styleLbl>
+</dgm:colorsDef>
+</file>
+
+<file path=ppt/diagrams/colors5.xml><?xml version="1.0" encoding="utf-8"?>
+<dgm:colorsDef xmlns:dgm="http://schemas.openxmlformats.org/drawingml/2006/diagram" xmlns:a="http://schemas.openxmlformats.org/drawingml/2006/main" uniqueId="urn:microsoft.com/office/officeart/2005/8/colors/accent6_3">
+  <dgm:title val=""/>
+  <dgm:desc val=""/>
+  <dgm:catLst>
+    <dgm:cat type="accent6" pri="11300"/>
+  </dgm:catLst>
+  <dgm:styleLbl name="node0">
+    <dgm:fillClrLst meth="repeat">
+      <a:schemeClr val="accent6">
+        <a:shade val="80000"/>
+      </a:schemeClr>
+    </dgm:fillClrLst>
+    <dgm:linClrLst meth="repeat">
+      <a:schemeClr val="lt1"/>
+    </dgm:linClrLst>
+    <dgm:effectClrLst/>
+    <dgm:txLinClrLst/>
+    <dgm:txFillClrLst/>
+    <dgm:txEffectClrLst/>
+  </dgm:styleLbl>
+  <dgm:styleLbl name="node1">
+    <dgm:fillClrLst>
+      <a:schemeClr val="accent6">
+        <a:shade val="80000"/>
+      </a:schemeClr>
+      <a:schemeClr val="accent6">
+        <a:tint val="70000"/>
+      </a:schemeClr>
+    </dgm:fillClrLst>
+    <dgm:linClrLst meth="repeat">
+      <a:schemeClr val="lt1"/>
+    </dgm:linClrLst>
+    <dgm:effectClrLst/>
+    <dgm:txLinClrLst/>
+    <dgm:txFillClrLst/>
+    <dgm:txEffectClrLst/>
+  </dgm:styleLbl>
+  <dgm:styleLbl name="alignNode1">
+    <dgm:fillClrLst>
+      <a:schemeClr val="accent6">
+        <a:shade val="80000"/>
+      </a:schemeClr>
+      <a:schemeClr val="accent6">
+        <a:tint val="70000"/>
+      </a:schemeClr>
+    </dgm:fillClrLst>
+    <dgm:linClrLst>
+      <a:schemeClr val="accent6">
+        <a:shade val="80000"/>
+      </a:schemeClr>
+      <a:schemeClr val="accent6">
+        <a:tint val="70000"/>
+      </a:schemeClr>
+    </dgm:linClrLst>
+    <dgm:effectClrLst/>
+    <dgm:txLinClrLst/>
+    <dgm:txFillClrLst/>
+    <dgm:txEffectClrLst/>
+  </dgm:styleLbl>
+  <dgm:styleLbl name="lnNode1">
+    <dgm:fillClrLst>
+      <a:schemeClr val="accent6">
+        <a:shade val="80000"/>
+      </a:schemeClr>
+      <a:schemeClr val="accent6">
+        <a:tint val="70000"/>
+      </a:schemeClr>
+    </dgm:fillClrLst>
+    <dgm:linClrLst meth="repeat">
+      <a:schemeClr val="lt1"/>
+    </dgm:linClrLst>
+    <dgm:effectClrLst/>
+    <dgm:txLinClrLst/>
+    <dgm:txFillClrLst/>
+    <dgm:txEffectClrLst/>
+  </dgm:styleLbl>
+  <dgm:styleLbl name="vennNode1">
+    <dgm:fillClrLst>
+      <a:schemeClr val="accent6">
+        <a:shade val="80000"/>
+        <a:alpha val="50000"/>
+      </a:schemeClr>
+      <a:schemeClr val="accent6">
+        <a:tint val="70000"/>
+        <a:alpha val="50000"/>
+      </a:schemeClr>
+    </dgm:fillClrLst>
+    <dgm:linClrLst meth="repeat">
+      <a:schemeClr val="lt1"/>
+    </dgm:linClrLst>
+    <dgm:effectClrLst/>
+    <dgm:txLinClrLst/>
+    <dgm:txFillClrLst/>
+    <dgm:txEffectClrLst/>
+  </dgm:styleLbl>
+  <dgm:styleLbl name="node2">
+    <dgm:fillClrLst>
+      <a:schemeClr val="accent6">
+        <a:tint val="99000"/>
+      </a:schemeClr>
+    </dgm:fillClrLst>
+    <dgm:linClrLst meth="repeat">
+      <a:schemeClr val="lt1"/>
+    </dgm:linClrLst>
+    <dgm:effectClrLst/>
+    <dgm:txLinClrLst/>
+    <dgm:txFillClrLst/>
+    <dgm:txEffectClrLst/>
+  </dgm:styleLbl>
+  <dgm:styleLbl name="node3">
+    <dgm:fillClrLst>
+      <a:schemeClr val="accent6">
+        <a:tint val="80000"/>
+      </a:schemeClr>
+    </dgm:fillClrLst>
+    <dgm:linClrLst meth="repeat">
+      <a:schemeClr val="lt1"/>
+    </dgm:linClrLst>
+    <dgm:effectClrLst/>
+    <dgm:txLinClrLst/>
+    <dgm:txFillClrLst/>
+    <dgm:txEffectClrLst/>
+  </dgm:styleLbl>
+  <dgm:styleLbl name="node4">
+    <dgm:fillClrLst>
+      <a:schemeClr val="accent6">
+        <a:tint val="70000"/>
+      </a:schemeClr>
+    </dgm:fillClrLst>
+    <dgm:linClrLst meth="repeat">
+      <a:schemeClr val="lt1"/>
+    </dgm:linClrLst>
+    <dgm:effectClrLst/>
+    <dgm:txLinClrLst/>
+    <dgm:txFillClrLst/>
+    <dgm:txEffectClrLst/>
+  </dgm:styleLbl>
+  <dgm:styleLbl name="fgImgPlace1">
+    <dgm:fillClrLst>
+      <a:schemeClr val="accent6">
+        <a:tint val="50000"/>
+      </a:schemeClr>
+      <a:schemeClr val="accent6">
+        <a:tint val="20000"/>
+      </a:schemeClr>
+    </dgm:fillClrLst>
+    <dgm:linClrLst meth="repeat">
+      <a:schemeClr val="lt1"/>
+    </dgm:linClrLst>
+    <dgm:effectClrLst/>
+    <dgm:txLinClrLst/>
+    <dgm:txFillClrLst meth="repeat">
+      <a:schemeClr val="lt1"/>
+    </dgm:txFillClrLst>
+    <dgm:txEffectClrLst/>
+  </dgm:styleLbl>
+  <dgm:styleLbl name="alignImgPlace1">
+    <dgm:fillClrLst>
+      <a:schemeClr val="accent6">
+        <a:tint val="50000"/>
+      </a:schemeClr>
+      <a:schemeClr val="accent6">
+        <a:tint val="20000"/>
+      </a:schemeClr>
+    </dgm:fillClrLst>
+    <dgm:linClrLst meth="repeat">
+      <a:schemeClr val="lt1"/>
+    </dgm:linClrLst>
+    <dgm:effectClrLst/>
+    <dgm:txLinClrLst/>
+    <dgm:txFillClrLst meth="repeat">
+      <a:schemeClr val="lt1"/>
+    </dgm:txFillClrLst>
+    <dgm:txEffectClrLst/>
+  </dgm:styleLbl>
+  <dgm:styleLbl name="bgImgPlace1">
+    <dgm:fillClrLst>
+      <a:schemeClr val="accent6">
+        <a:tint val="50000"/>
+      </a:schemeClr>
+      <a:schemeClr val="accent6">
+        <a:tint val="20000"/>
+      </a:schemeClr>
+    </dgm:fillClrLst>
+    <dgm:linClrLst meth="repeat">
+      <a:schemeClr val="lt1"/>
+    </dgm:linClrLst>
+    <dgm:effectClrLst/>
+    <dgm:txLinClrLst/>
+    <dgm:txFillClrLst meth="repeat">
+      <a:schemeClr val="lt1"/>
+    </dgm:txFillClrLst>
+    <dgm:txEffectClrLst/>
+  </dgm:styleLbl>
+  <dgm:styleLbl name="sibTrans2D1">
+    <dgm:fillClrLst>
+      <a:schemeClr val="accent6">
+        <a:shade val="90000"/>
+      </a:schemeClr>
+      <a:schemeClr val="accent6">
+        <a:tint val="70000"/>
+      </a:schemeClr>
+    </dgm:fillClrLst>
+    <dgm:linClrLst>
+      <a:schemeClr val="accent6">
+        <a:shade val="90000"/>
+      </a:schemeClr>
+      <a:schemeClr val="accent6">
+        <a:tint val="70000"/>
+      </a:schemeClr>
+    </dgm:linClrLst>
+    <dgm:effectClrLst/>
+    <dgm:txLinClrLst/>
+    <dgm:txFillClrLst/>
+    <dgm:txEffectClrLst/>
+  </dgm:styleLbl>
+  <dgm:styleLbl name="fgSibTrans2D1">
+    <dgm:fillClrLst>
+      <a:schemeClr val="accent6">
+        <a:shade val="90000"/>
+      </a:schemeClr>
+      <a:schemeClr val="accent6">
+        <a:tint val="70000"/>
+      </a:schemeClr>
+    </dgm:fillClrLst>
+    <dgm:linClrLst>
+      <a:schemeClr val="accent6">
+        <a:shade val="90000"/>
+      </a:schemeClr>
+      <a:schemeClr val="accent6">
+        <a:tint val="70000"/>
+      </a:schemeClr>
+    </dgm:linClrLst>
+    <dgm:effectClrLst/>
+    <dgm:txLinClrLst/>
+    <dgm:txFillClrLst meth="repeat">
+      <a:schemeClr val="lt1"/>
+    </dgm:txFillClrLst>
+    <dgm:txEffectClrLst/>
+  </dgm:styleLbl>
+  <dgm:styleLbl name="bgSibTrans2D1">
+    <dgm:fillClrLst>
+      <a:schemeClr val="accent6">
+        <a:shade val="90000"/>
+      </a:schemeClr>
+      <a:schemeClr val="accent6">
+        <a:tint val="70000"/>
+      </a:schemeClr>
+    </dgm:fillClrLst>
+    <dgm:linClrLst>
+      <a:schemeClr val="accent6">
+        <a:shade val="90000"/>
+      </a:schemeClr>
+      <a:schemeClr val="accent6">
+        <a:tint val="70000"/>
+      </a:schemeClr>
+    </dgm:linClrLst>
+    <dgm:effectClrLst/>
+    <dgm:txLinClrLst/>
+    <dgm:txFillClrLst meth="repeat">
+      <a:schemeClr val="lt1"/>
+    </dgm:txFillClrLst>
+    <dgm:txEffectClrLst/>
+  </dgm:styleLbl>
+  <dgm:styleLbl name="sibTrans1D1">
+    <dgm:fillClrLst>
+      <a:schemeClr val="accent6">
+        <a:shade val="90000"/>
+      </a:schemeClr>
+      <a:schemeClr val="accent6">
+        <a:tint val="70000"/>
+      </a:schemeClr>
+    </dgm:fillClrLst>
+    <dgm:linClrLst>
+      <a:schemeClr val="accent6">
+        <a:shade val="90000"/>
+      </a:schemeClr>
+      <a:schemeClr val="accent6">
+        <a:tint val="70000"/>
+      </a:schemeClr>
+    </dgm:linClrLst>
+    <dgm:effectClrLst/>
+    <dgm:txLinClrLst/>
+    <dgm:txFillClrLst meth="repeat">
+      <a:schemeClr val="tx1"/>
+    </dgm:txFillClrLst>
+    <dgm:txEffectClrLst/>
+  </dgm:styleLbl>
+  <dgm:styleLbl name="callout">
+    <dgm:fillClrLst meth="repeat">
+      <a:schemeClr val="accent6"/>
+    </dgm:fillClrLst>
+    <dgm:linClrLst meth="repeat">
+      <a:schemeClr val="accent6"/>
+    </dgm:linClrLst>
+    <dgm:effectClrLst/>
+    <dgm:txLinClrLst/>
+    <dgm:txFillClrLst meth="repeat">
+      <a:schemeClr val="tx1"/>
+    </dgm:txFillClrLst>
+    <dgm:txEffectClrLst/>
+  </dgm:styleLbl>
+  <dgm:styleLbl name="asst0">
+    <dgm:fillClrLst meth="repeat">
+      <a:schemeClr val="accent6">
+        <a:shade val="80000"/>
+      </a:schemeClr>
+    </dgm:fillClrLst>
+    <dgm:linClrLst meth="repeat">
+      <a:schemeClr val="lt1"/>
+    </dgm:linClrLst>
+    <dgm:effectClrLst/>
+    <dgm:txLinClrLst/>
+    <dgm:txFillClrLst/>
+    <dgm:txEffectClrLst/>
+  </dgm:styleLbl>
+  <dgm:styleLbl name="asst1">
+    <dgm:fillClrLst meth="repeat">
+      <a:schemeClr val="accent6">
+        <a:shade val="80000"/>
+      </a:schemeClr>
+    </dgm:fillClrLst>
+    <dgm:linClrLst meth="repeat">
+      <a:schemeClr val="lt1"/>
+    </dgm:linClrLst>
+    <dgm:effectClrLst/>
+    <dgm:txLinClrLst/>
+    <dgm:txFillClrLst/>
+    <dgm:txEffectClrLst/>
+  </dgm:styleLbl>
+  <dgm:styleLbl name="asst2">
+    <dgm:fillClrLst>
+      <a:schemeClr val="accent6">
+        <a:tint val="99000"/>
+      </a:schemeClr>
+    </dgm:fillClrLst>
+    <dgm:linClrLst meth="repeat">
+      <a:schemeClr val="lt1"/>
+    </dgm:linClrLst>
+    <dgm:effectClrLst/>
+    <dgm:txLinClrLst/>
+    <dgm:txFillClrLst/>
+    <dgm:txEffectClrLst/>
+  </dgm:styleLbl>
+  <dgm:styleLbl name="asst3">
+    <dgm:fillClrLst>
+      <a:schemeClr val="accent6">
+        <a:tint val="80000"/>
+      </a:schemeClr>
+    </dgm:fillClrLst>
+    <dgm:linClrLst meth="repeat">
+      <a:schemeClr val="lt1"/>
+    </dgm:linClrLst>
+    <dgm:effectClrLst/>
+    <dgm:txLinClrLst/>
+    <dgm:txFillClrLst/>
+    <dgm:txEffectClrLst/>
+  </dgm:styleLbl>
+  <dgm:styleLbl name="asst4">
+    <dgm:fillClrLst>
+      <a:schemeClr val="accent6">
+        <a:tint val="70000"/>
+      </a:schemeClr>
+    </dgm:fillClrLst>
+    <dgm:linClrLst meth="repeat">
+      <a:schemeClr val="lt1"/>
+    </dgm:linClrLst>
+    <dgm:effectClrLst/>
+    <dgm:txLinClrLst/>
+    <dgm:txFillClrLst/>
+    <dgm:txEffectClrLst/>
+  </dgm:styleLbl>
+  <dgm:styleLbl name="parChTrans2D1">
+    <dgm:fillClrLst meth="repeat">
+      <a:schemeClr val="accent6">
+        <a:tint val="60000"/>
+      </a:schemeClr>
+    </dgm:fillClrLst>
+    <dgm:linClrLst meth="repeat">
+      <a:schemeClr val="accent6">
+        <a:tint val="60000"/>
+      </a:schemeClr>
+    </dgm:linClrLst>
+    <dgm:effectClrLst/>
+    <dgm:txLinClrLst/>
+    <dgm:txFillClrLst meth="repeat">
+      <a:schemeClr val="lt1"/>
+    </dgm:txFillClrLst>
+    <dgm:txEffectClrLst/>
+  </dgm:styleLbl>
+  <dgm:styleLbl name="parChTrans2D2">
+    <dgm:fillClrLst meth="repeat">
+      <a:schemeClr val="accent6">
+        <a:tint val="90000"/>
+      </a:schemeClr>
+    </dgm:fillClrLst>
+    <dgm:linClrLst meth="repeat">
+      <a:schemeClr val="accent6">
+        <a:tint val="90000"/>
+      </a:schemeClr>
+    </dgm:linClrLst>
+    <dgm:effectClrLst/>
+    <dgm:txLinClrLst/>
+    <dgm:txFillClrLst/>
+    <dgm:txEffectClrLst/>
+  </dgm:styleLbl>
+  <dgm:styleLbl name="parChTrans2D3">
+    <dgm:fillClrLst meth="repeat">
+      <a:schemeClr val="accent6">
+        <a:tint val="70000"/>
+      </a:schemeClr>
+    </dgm:fillClrLst>
+    <dgm:linClrLst meth="repeat">
+      <a:schemeClr val="accent6">
+        <a:tint val="70000"/>
+      </a:schemeClr>
+    </dgm:linClrLst>
+    <dgm:effectClrLst/>
+    <dgm:txLinClrLst/>
+    <dgm:txFillClrLst/>
+    <dgm:txEffectClrLst/>
+  </dgm:styleLbl>
+  <dgm:styleLbl name="parChTrans2D4">
+    <dgm:fillClrLst meth="repeat">
+      <a:schemeClr val="accent6">
+        <a:tint val="50000"/>
+      </a:schemeClr>
+    </dgm:fillClrLst>
+    <dgm:linClrLst meth="repeat">
+      <a:schemeClr val="accent6">
+        <a:tint val="50000"/>
+      </a:schemeClr>
+    </dgm:linClrLst>
+    <dgm:effectClrLst/>
+    <dgm:txLinClrLst/>
+    <dgm:txFillClrLst meth="repeat">
+      <a:schemeClr val="lt1"/>
+    </dgm:txFillClrLst>
+    <dgm:txEffectClrLst/>
+  </dgm:styleLbl>
+  <dgm:styleLbl name="parChTrans1D1">
+    <dgm:fillClrLst meth="repeat">
+      <a:schemeClr val="accent6">
+        <a:shade val="80000"/>
+      </a:schemeClr>
+    </dgm:fillClrLst>
+    <dgm:linClrLst meth="repeat">
+      <a:schemeClr val="accent6">
+        <a:shade val="80000"/>
+      </a:schemeClr>
+    </dgm:linClrLst>
+    <dgm:effectClrLst/>
+    <dgm:txLinClrLst/>
+    <dgm:txFillClrLst meth="repeat">
+      <a:schemeClr val="tx1"/>
+    </dgm:txFillClrLst>
+    <dgm:txEffectClrLst/>
+  </dgm:styleLbl>
+  <dgm:styleLbl name="parChTrans1D2">
+    <dgm:fillClrLst meth="repeat">
+      <a:schemeClr val="accent6">
+        <a:tint val="99000"/>
+      </a:schemeClr>
+    </dgm:fillClrLst>
+    <dgm:linClrLst meth="repeat">
+      <a:schemeClr val="accent6">
+        <a:tint val="99000"/>
+      </a:schemeClr>
+    </dgm:linClrLst>
+    <dgm:effectClrLst/>
+    <dgm:txLinClrLst/>
+    <dgm:txFillClrLst meth="repeat">
+      <a:schemeClr val="tx1"/>
+    </dgm:txFillClrLst>
+    <dgm:txEffectClrLst/>
+  </dgm:styleLbl>
+  <dgm:styleLbl name="parChTrans1D3">
+    <dgm:fillClrLst meth="repeat">
+      <a:schemeClr val="accent6">
+        <a:tint val="80000"/>
+      </a:schemeClr>
+    </dgm:fillClrLst>
+    <dgm:linClrLst meth="repeat">
+      <a:schemeClr val="accent6">
+        <a:tint val="80000"/>
+      </a:schemeClr>
+    </dgm:linClrLst>
+    <dgm:effectClrLst/>
+    <dgm:txLinClrLst/>
+    <dgm:txFillClrLst meth="repeat">
+      <a:schemeClr val="tx1"/>
+    </dgm:txFillClrLst>
+    <dgm:txEffectClrLst/>
+  </dgm:styleLbl>
+  <dgm:styleLbl name="parChTrans1D4">
+    <dgm:fillClrLst meth="repeat">
+      <a:schemeClr val="accent6">
+        <a:tint val="70000"/>
+      </a:schemeClr>
+    </dgm:fillClrLst>
+    <dgm:linClrLst meth="repeat">
+      <a:schemeClr val="accent6">
+        <a:tint val="70000"/>
+      </a:schemeClr>
+    </dgm:linClrLst>
+    <dgm:effectClrLst/>
+    <dgm:txLinClrLst/>
+    <dgm:txFillClrLst meth="repeat">
+      <a:schemeClr val="tx1"/>
+    </dgm:txFillClrLst>
+    <dgm:txEffectClrLst/>
+  </dgm:styleLbl>
+  <dgm:styleLbl name="fgAcc1">
+    <dgm:fillClrLst meth="repeat">
+      <a:schemeClr val="lt1">
+        <a:alpha val="90000"/>
+      </a:schemeClr>
+    </dgm:fillClrLst>
+    <dgm:linClrLst>
+      <a:schemeClr val="accent6">
+        <a:shade val="80000"/>
+      </a:schemeClr>
+      <a:schemeClr val="accent6">
+        <a:tint val="70000"/>
+      </a:schemeClr>
+    </dgm:linClrLst>
+    <dgm:effectClrLst/>
+    <dgm:txLinClrLst/>
+    <dgm:txFillClrLst meth="repeat">
+      <a:schemeClr val="dk1"/>
+    </dgm:txFillClrLst>
+    <dgm:txEffectClrLst/>
+  </dgm:styleLbl>
+  <dgm:styleLbl name="conFgAcc1">
+    <dgm:fillClrLst meth="repeat">
+      <a:schemeClr val="lt1">
+        <a:alpha val="90000"/>
+      </a:schemeClr>
+    </dgm:fillClrLst>
+    <dgm:linClrLst>
+      <a:schemeClr val="accent6">
+        <a:shade val="80000"/>
+      </a:schemeClr>
+      <a:schemeClr val="accent6">
+        <a:tint val="70000"/>
+      </a:schemeClr>
+    </dgm:linClrLst>
+    <dgm:effectClrLst/>
+    <dgm:txLinClrLst/>
+    <dgm:txFillClrLst meth="repeat">
+      <a:schemeClr val="dk1"/>
+    </dgm:txFillClrLst>
+    <dgm:txEffectClrLst/>
+  </dgm:styleLbl>
+  <dgm:styleLbl name="alignAcc1">
+    <dgm:fillClrLst meth="repeat">
+      <a:schemeClr val="lt1">
+        <a:alpha val="90000"/>
+      </a:schemeClr>
+    </dgm:fillClrLst>
+    <dgm:linClrLst>
+      <a:schemeClr val="accent6">
+        <a:shade val="80000"/>
+      </a:schemeClr>
+      <a:schemeClr val="accent6">
+        <a:tint val="70000"/>
+      </a:schemeClr>
+    </dgm:linClrLst>
+    <dgm:effectClrLst/>
+    <dgm:txLinClrLst/>
+    <dgm:txFillClrLst meth="repeat">
+      <a:schemeClr val="dk1"/>
+    </dgm:txFillClrLst>
+    <dgm:txEffectClrLst/>
+  </dgm:styleLbl>
+  <dgm:styleLbl name="trAlignAcc1">
+    <dgm:fillClrLst meth="repeat">
+      <a:schemeClr val="lt1">
+        <a:alpha val="40000"/>
+      </a:schemeClr>
+    </dgm:fillClrLst>
+    <dgm:linClrLst meth="repeat">
+      <a:schemeClr val="accent6"/>
+    </dgm:linClrLst>
+    <dgm:effectClrLst/>
+    <dgm:txLinClrLst/>
+    <dgm:txFillClrLst meth="repeat">
+      <a:schemeClr val="dk1"/>
+    </dgm:txFillClrLst>
+    <dgm:txEffectClrLst/>
+  </dgm:styleLbl>
+  <dgm:styleLbl name="bgAcc1">
+    <dgm:fillClrLst meth="repeat">
+      <a:schemeClr val="lt1">
+        <a:alpha val="90000"/>
+      </a:schemeClr>
+    </dgm:fillClrLst>
+    <dgm:linClrLst>
+      <a:schemeClr val="accent6">
+        <a:shade val="80000"/>
+      </a:schemeClr>
+      <a:schemeClr val="accent6">
+        <a:tint val="70000"/>
+      </a:schemeClr>
+    </dgm:linClrLst>
+    <dgm:effectClrLst/>
+    <dgm:txLinClrLst/>
+    <dgm:txFillClrLst meth="repeat">
+      <a:schemeClr val="dk1"/>
+    </dgm:txFillClrLst>
+    <dgm:txEffectClrLst/>
+  </dgm:styleLbl>
+  <dgm:styleLbl name="solidFgAcc1">
+    <dgm:fillClrLst meth="repeat">
+      <a:schemeClr val="lt1"/>
+    </dgm:fillClrLst>
+    <dgm:linClrLst>
+      <a:schemeClr val="accent6">
+        <a:shade val="80000"/>
+      </a:schemeClr>
+      <a:schemeClr val="accent6">
+        <a:tint val="70000"/>
+      </a:schemeClr>
+    </dgm:linClrLst>
+    <dgm:effectClrLst/>
+    <dgm:txLinClrLst/>
+    <dgm:txFillClrLst meth="repeat">
+      <a:schemeClr val="dk1"/>
+    </dgm:txFillClrLst>
+    <dgm:txEffectClrLst/>
+  </dgm:styleLbl>
+  <dgm:styleLbl name="solidAlignAcc1">
+    <dgm:fillClrLst meth="repeat">
+      <a:schemeClr val="lt1"/>
+    </dgm:fillClrLst>
+    <dgm:linClrLst meth="repeat">
+      <a:schemeClr val="accent6"/>
+    </dgm:linClrLst>
+    <dgm:effectClrLst/>
+    <dgm:txLinClrLst/>
+    <dgm:txFillClrLst meth="repeat">
+      <a:schemeClr val="dk1"/>
+    </dgm:txFillClrLst>
+    <dgm:txEffectClrLst/>
+  </dgm:styleLbl>
+  <dgm:styleLbl name="solidBgAcc1">
+    <dgm:fillClrLst meth="repeat">
+      <a:schemeClr val="lt1"/>
+    </dgm:fillClrLst>
+    <dgm:linClrLst meth="repeat">
+      <a:schemeClr val="accent6"/>
+    </dgm:linClrLst>
+    <dgm:effectClrLst/>
+    <dgm:txLinClrLst/>
+    <dgm:txFillClrLst meth="repeat">
+      <a:schemeClr val="dk1"/>
+    </dgm:txFillClrLst>
+    <dgm:txEffectClrLst/>
+  </dgm:styleLbl>
+  <dgm:styleLbl name="fgAccFollowNode1">
+    <dgm:fillClrLst meth="repeat">
+      <a:schemeClr val="accent6">
+        <a:alpha val="90000"/>
+        <a:tint val="40000"/>
+      </a:schemeClr>
+    </dgm:fillClrLst>
+    <dgm:linClrLst meth="repeat">
+      <a:schemeClr val="accent6">
+        <a:alpha val="90000"/>
+        <a:tint val="40000"/>
+      </a:schemeClr>
+    </dgm:linClrLst>
+    <dgm:effectClrLst/>
+    <dgm:txLinClrLst/>
+    <dgm:txFillClrLst meth="repeat">
+      <a:schemeClr val="dk1"/>
+    </dgm:txFillClrLst>
+    <dgm:txEffectClrLst/>
+  </dgm:styleLbl>
+  <dgm:styleLbl name="alignAccFollowNode1">
+    <dgm:fillClrLst meth="repeat">
+      <a:schemeClr val="accent6">
+        <a:alpha val="90000"/>
+        <a:tint val="40000"/>
+      </a:schemeClr>
+    </dgm:fillClrLst>
+    <dgm:linClrLst meth="repeat">
+      <a:schemeClr val="accent6">
+        <a:alpha val="90000"/>
+        <a:tint val="40000"/>
+      </a:schemeClr>
+    </dgm:linClrLst>
+    <dgm:effectClrLst/>
+    <dgm:txLinClrLst/>
+    <dgm:txFillClrLst meth="repeat">
+      <a:schemeClr val="dk1"/>
+    </dgm:txFillClrLst>
+    <dgm:txEffectClrLst/>
+  </dgm:styleLbl>
+  <dgm:styleLbl name="bgAccFollowNode1">
+    <dgm:fillClrLst meth="repeat">
+      <a:schemeClr val="accent6">
+        <a:alpha val="90000"/>
+        <a:tint val="40000"/>
+      </a:schemeClr>
+    </dgm:fillClrLst>
+    <dgm:linClrLst meth="repeat">
+      <a:schemeClr val="lt1"/>
+    </dgm:linClrLst>
+    <dgm:effectClrLst/>
+    <dgm:txLinClrLst/>
+    <dgm:txFillClrLst meth="repeat">
+      <a:schemeClr val="dk1"/>
+    </dgm:txFillClrLst>
+    <dgm:txEffectClrLst/>
+  </dgm:styleLbl>
+  <dgm:styleLbl name="fgAcc0">
+    <dgm:fillClrLst meth="repeat">
+      <a:schemeClr val="lt1">
+        <a:alpha val="90000"/>
+      </a:schemeClr>
+    </dgm:fillClrLst>
+    <dgm:linClrLst meth="repeat">
+      <a:schemeClr val="accent6">
+        <a:shade val="80000"/>
+      </a:schemeClr>
+    </dgm:linClrLst>
+    <dgm:effectClrLst/>
+    <dgm:txLinClrLst/>
+    <dgm:txFillClrLst meth="repeat">
+      <a:schemeClr val="dk1"/>
+    </dgm:txFillClrLst>
+    <dgm:txEffectClrLst/>
+  </dgm:styleLbl>
+  <dgm:styleLbl name="fgAcc2">
+    <dgm:fillClrLst meth="repeat">
+      <a:schemeClr val="lt1">
+        <a:alpha val="90000"/>
+      </a:schemeClr>
+    </dgm:fillClrLst>
+    <dgm:linClrLst meth="repeat">
+      <a:schemeClr val="accent6">
+        <a:tint val="99000"/>
+      </a:schemeClr>
+    </dgm:linClrLst>
+    <dgm:effectClrLst/>
+    <dgm:txLinClrLst/>
+    <dgm:txFillClrLst meth="repeat">
+      <a:schemeClr val="dk1"/>
+    </dgm:txFillClrLst>
+    <dgm:txEffectClrLst/>
+  </dgm:styleLbl>
+  <dgm:styleLbl name="fgAcc3">
+    <dgm:fillClrLst meth="repeat">
+      <a:schemeClr val="lt1">
+        <a:alpha val="90000"/>
+      </a:schemeClr>
+    </dgm:fillClrLst>
+    <dgm:linClrLst meth="repeat">
+      <a:schemeClr val="accent6">
+        <a:tint val="80000"/>
+      </a:schemeClr>
+    </dgm:linClrLst>
+    <dgm:effectClrLst/>
+    <dgm:txLinClrLst/>
+    <dgm:txFillClrLst meth="repeat">
+      <a:schemeClr val="dk1"/>
+    </dgm:txFillClrLst>
+    <dgm:txEffectClrLst/>
+  </dgm:styleLbl>
+  <dgm:styleLbl name="fgAcc4">
+    <dgm:fillClrLst meth="repeat">
+      <a:schemeClr val="lt1">
+        <a:alpha val="90000"/>
+      </a:schemeClr>
+    </dgm:fillClrLst>
+    <dgm:linClrLst meth="repeat">
+      <a:schemeClr val="accent6">
+        <a:tint val="70000"/>
+      </a:schemeClr>
+    </dgm:linClrLst>
+    <dgm:effectClrLst/>
+    <dgm:txLinClrLst/>
+    <dgm:txFillClrLst meth="repeat">
+      <a:schemeClr val="dk1"/>
+    </dgm:txFillClrLst>
+    <dgm:txEffectClrLst/>
+  </dgm:styleLbl>
+  <dgm:styleLbl name="bgShp">
+    <dgm:fillClrLst meth="repeat">
+      <a:schemeClr val="accent6">
+        <a:tint val="40000"/>
+      </a:schemeClr>
+    </dgm:fillClrLst>
+    <dgm:linClrLst meth="repeat">
+      <a:schemeClr val="dk1"/>
+    </dgm:linClrLst>
+    <dgm:effectClrLst/>
+    <dgm:txLinClrLst/>
+    <dgm:txFillClrLst meth="repeat">
+      <a:schemeClr val="dk1"/>
+    </dgm:txFillClrLst>
+    <dgm:txEffectClrLst/>
+  </dgm:styleLbl>
+  <dgm:styleLbl name="dkBgShp">
+    <dgm:fillClrLst meth="repeat">
+      <a:schemeClr val="accent6">
+        <a:shade val="90000"/>
+      </a:schemeClr>
+    </dgm:fillClrLst>
+    <dgm:linClrLst meth="repeat">
+      <a:schemeClr val="dk1"/>
+    </dgm:linClrLst>
+    <dgm:effectClrLst/>
+    <dgm:txLinClrLst/>
+    <dgm:txFillClrLst meth="repeat">
+      <a:schemeClr val="lt1"/>
+    </dgm:txFillClrLst>
+    <dgm:txEffectClrLst/>
+  </dgm:styleLbl>
+  <dgm:styleLbl name="trBgShp">
+    <dgm:fillClrLst meth="repeat">
+      <a:schemeClr val="accent6">
+        <a:tint val="50000"/>
+        <a:alpha val="40000"/>
+      </a:schemeClr>
+    </dgm:fillClrLst>
+    <dgm:linClrLst meth="repeat">
+      <a:schemeClr val="accent6"/>
+    </dgm:linClrLst>
+    <dgm:effectClrLst/>
+    <dgm:txLinClrLst/>
+    <dgm:txFillClrLst meth="repeat">
+      <a:schemeClr val="lt1"/>
+    </dgm:txFillClrLst>
+    <dgm:txEffectClrLst/>
+  </dgm:styleLbl>
+  <dgm:styleLbl name="fgShp">
+    <dgm:fillClrLst meth="repeat">
+      <a:schemeClr val="accent6">
+        <a:tint val="40000"/>
+      </a:schemeClr>
+    </dgm:fillClrLst>
+    <dgm:linClrLst meth="repeat">
+      <a:schemeClr val="lt1"/>
+    </dgm:linClrLst>
+    <dgm:effectClrLst/>
+    <dgm:txLinClrLst/>
+    <dgm:txFillClrLst meth="repeat">
+      <a:schemeClr val="dk1"/>
+    </dgm:txFillClrLst>
+    <dgm:txEffectClrLst/>
+  </dgm:styleLbl>
+  <dgm:styleLbl name="revTx">
+    <dgm:fillClrLst meth="repeat">
+      <a:schemeClr val="lt1">
+        <a:alpha val="0"/>
+      </a:schemeClr>
+    </dgm:fillClrLst>
+    <dgm:linClrLst meth="repeat">
+      <a:schemeClr val="dk1">
+        <a:alpha val="0"/>
+      </a:schemeClr>
+    </dgm:linClrLst>
+    <dgm:effectClrLst/>
+    <dgm:txLinClrLst/>
+    <dgm:txFillClrLst meth="repeat">
+      <a:schemeClr val="tx1"/>
+    </dgm:txFillClrLst>
+    <dgm:txEffectClrLst/>
+  </dgm:styleLbl>
+</dgm:colorsDef>
+</file>
+
+<file path=ppt/diagrams/colors6.xml><?xml version="1.0" encoding="utf-8"?>
 <dgm:colorsDef xmlns:dgm="http://schemas.openxmlformats.org/drawingml/2006/diagram" xmlns:a="http://schemas.openxmlformats.org/drawingml/2006/main" uniqueId="urn:microsoft.com/office/officeart/2005/8/colors/accent3_2">
   <dgm:title val=""/>
   <dgm:desc val=""/>
@@ -7048,9 +9411,9 @@
     <dgm:cxn modelId="{981BD852-E0CB-41CE-856B-0F6F299622F2}" srcId="{6DCE9A2F-68A3-4FC4-A6A2-1723864425D8}" destId="{E14EC32A-4450-4C32-BE39-3F1C17C74B64}" srcOrd="1" destOrd="0" parTransId="{6B637C09-E3C5-41B3-B04E-B63902739182}" sibTransId="{C0B94013-047F-4E01-B2DE-0582D5120C82}"/>
     <dgm:cxn modelId="{2D73CDC8-9969-484E-9F1A-876877AE469A}" type="presOf" srcId="{42CA1C21-58FF-42C3-B352-FA38811AC95C}" destId="{3179E677-4E5D-4DE2-999F-36859368CC84}" srcOrd="0" destOrd="0" presId="urn:microsoft.com/office/officeart/2005/8/layout/lProcess3"/>
     <dgm:cxn modelId="{C05275AB-B9A2-4352-9D41-A97BBF7C7BBB}" srcId="{6DCE9A2F-68A3-4FC4-A6A2-1723864425D8}" destId="{42CA1C21-58FF-42C3-B352-FA38811AC95C}" srcOrd="0" destOrd="0" parTransId="{BE3F3C55-45AB-48E5-AD28-B5ABC2FB687E}" sibTransId="{5EADDE2A-ADFC-420B-B20E-BC809C3AD909}"/>
+    <dgm:cxn modelId="{5A1E4216-6228-422D-9A18-BB7119F141CB}" srcId="{E14EC32A-4450-4C32-BE39-3F1C17C74B64}" destId="{A67D9117-922A-43AD-8F50-FC93F5C9DF2D}" srcOrd="0" destOrd="0" parTransId="{EA602E21-36C8-43B9-9BF5-23FF61DB1AA6}" sibTransId="{84EC448D-EB56-457A-B9BA-23FDB0320694}"/>
+    <dgm:cxn modelId="{CDF4111F-C497-44D9-9FDD-0AA9E774A7E4}" type="presOf" srcId="{E14EC32A-4450-4C32-BE39-3F1C17C74B64}" destId="{BFFCCB52-61F7-4AEC-93FC-D8A8B0FFF248}" srcOrd="0" destOrd="0" presId="urn:microsoft.com/office/officeart/2005/8/layout/lProcess3"/>
     <dgm:cxn modelId="{007A0F4F-39AB-450C-A6CF-94F3AC9C910E}" srcId="{6DCE9A2F-68A3-4FC4-A6A2-1723864425D8}" destId="{37E02DEE-D6BD-4EF9-8601-D5683FCEB1FD}" srcOrd="2" destOrd="0" parTransId="{B30D0F5E-50AA-43AF-A58A-81DA86CB9AD6}" sibTransId="{C1962595-136B-42E9-AD9D-CB61E7C8EEC8}"/>
-    <dgm:cxn modelId="{CDF4111F-C497-44D9-9FDD-0AA9E774A7E4}" type="presOf" srcId="{E14EC32A-4450-4C32-BE39-3F1C17C74B64}" destId="{BFFCCB52-61F7-4AEC-93FC-D8A8B0FFF248}" srcOrd="0" destOrd="0" presId="urn:microsoft.com/office/officeart/2005/8/layout/lProcess3"/>
-    <dgm:cxn modelId="{5A1E4216-6228-422D-9A18-BB7119F141CB}" srcId="{E14EC32A-4450-4C32-BE39-3F1C17C74B64}" destId="{A67D9117-922A-43AD-8F50-FC93F5C9DF2D}" srcOrd="0" destOrd="0" parTransId="{EA602E21-36C8-43B9-9BF5-23FF61DB1AA6}" sibTransId="{84EC448D-EB56-457A-B9BA-23FDB0320694}"/>
     <dgm:cxn modelId="{7E0120BE-BD2C-46AB-A94C-447A27A52C46}" type="presOf" srcId="{D8985794-857C-4998-8555-F4874A26D9E9}" destId="{EA8D1806-CAEE-4346-8E6D-92B2C3273859}" srcOrd="0" destOrd="0" presId="urn:microsoft.com/office/officeart/2005/8/layout/lProcess3"/>
     <dgm:cxn modelId="{AF1E53E0-AD22-440A-ADA4-E987BDFE89F0}" type="presOf" srcId="{A67D9117-922A-43AD-8F50-FC93F5C9DF2D}" destId="{195104EC-1F94-47CC-BF85-520C1FFAF437}" srcOrd="0" destOrd="0" presId="urn:microsoft.com/office/officeart/2005/8/layout/lProcess3"/>
     <dgm:cxn modelId="{C811CAF4-4E92-4CCC-9D21-0015135FA1F2}" type="presOf" srcId="{37E02DEE-D6BD-4EF9-8601-D5683FCEB1FD}" destId="{BDEF8731-0750-4209-A3D5-189EE8741F4C}" srcOrd="0" destOrd="0" presId="urn:microsoft.com/office/officeart/2005/8/layout/lProcess3"/>
@@ -7951,6 +10314,1023 @@
     <dgm:cxn modelId="{C26A2107-59D4-4EAB-8196-49EB5DE615AA}" type="presParOf" srcId="{2E1E9B7F-AF51-4985-AF48-B00B3DC040C2}" destId="{6613041E-FB1A-4E48-A891-F8C9ED006240}" srcOrd="0" destOrd="0" presId="urn:microsoft.com/office/officeart/2005/8/layout/process3"/>
     <dgm:cxn modelId="{063DA4B3-D565-49DF-84FD-08C9178EC897}" type="presParOf" srcId="{2E1E9B7F-AF51-4985-AF48-B00B3DC040C2}" destId="{A846DABC-20C8-4BE8-B319-F031703CEA23}" srcOrd="1" destOrd="0" presId="urn:microsoft.com/office/officeart/2005/8/layout/process3"/>
     <dgm:cxn modelId="{37FC3C40-E371-4197-B1D7-EC93692E0B73}" type="presParOf" srcId="{2E1E9B7F-AF51-4985-AF48-B00B3DC040C2}" destId="{3C691E95-ED6C-43D8-AA33-A4D4B0485E10}" srcOrd="2" destOrd="0" presId="urn:microsoft.com/office/officeart/2005/8/layout/process3"/>
+  </dgm:cxnLst>
+  <dgm:bg/>
+  <dgm:whole/>
+  <dgm:extLst>
+    <a:ext uri="http://schemas.microsoft.com/office/drawing/2008/diagram">
+      <dsp:dataModelExt xmlns:dsp="http://schemas.microsoft.com/office/drawing/2008/diagram" relId="rId16" minVer="http://schemas.openxmlformats.org/drawingml/2006/diagram"/>
+    </a:ext>
+  </dgm:extLst>
+</dgm:dataModel>
+</file>
+
+<file path=ppt/diagrams/data4.xml><?xml version="1.0" encoding="utf-8"?>
+<dgm:dataModel xmlns:dgm="http://schemas.openxmlformats.org/drawingml/2006/diagram" xmlns:a="http://schemas.openxmlformats.org/drawingml/2006/main">
+  <dgm:ptLst>
+    <dgm:pt modelId="{6DCE9A2F-68A3-4FC4-A6A2-1723864425D8}" type="doc">
+      <dgm:prSet loTypeId="urn:microsoft.com/office/officeart/2005/8/layout/lProcess3" loCatId="process" qsTypeId="urn:microsoft.com/office/officeart/2005/8/quickstyle/simple3" qsCatId="simple" csTypeId="urn:microsoft.com/office/officeart/2005/8/colors/accent1_2" csCatId="accent1" phldr="1"/>
+      <dgm:spPr/>
+      <dgm:t>
+        <a:bodyPr/>
+        <a:lstStyle/>
+        <a:p>
+          <a:endParaRPr lang="en-US"/>
+        </a:p>
+      </dgm:t>
+    </dgm:pt>
+    <dgm:pt modelId="{42CA1C21-58FF-42C3-B352-FA38811AC95C}">
+      <dgm:prSet phldrT="[Text]"/>
+      <dgm:spPr/>
+      <dgm:t>
+        <a:bodyPr/>
+        <a:lstStyle/>
+        <a:p>
+          <a:r>
+            <a:rPr lang="en-US" smtClean="0"/>
+            <a:t>Initialize Decoy</a:t>
+          </a:r>
+          <a:endParaRPr lang="en-US"/>
+        </a:p>
+      </dgm:t>
+    </dgm:pt>
+    <dgm:pt modelId="{BE3F3C55-45AB-48E5-AD28-B5ABC2FB687E}" type="parTrans" cxnId="{C05275AB-B9A2-4352-9D41-A97BBF7C7BBB}">
+      <dgm:prSet/>
+      <dgm:spPr/>
+      <dgm:t>
+        <a:bodyPr/>
+        <a:lstStyle/>
+        <a:p>
+          <a:endParaRPr lang="en-US"/>
+        </a:p>
+      </dgm:t>
+    </dgm:pt>
+    <dgm:pt modelId="{5EADDE2A-ADFC-420B-B20E-BC809C3AD909}" type="sibTrans" cxnId="{C05275AB-B9A2-4352-9D41-A97BBF7C7BBB}">
+      <dgm:prSet/>
+      <dgm:spPr/>
+      <dgm:t>
+        <a:bodyPr/>
+        <a:lstStyle/>
+        <a:p>
+          <a:endParaRPr lang="en-US"/>
+        </a:p>
+      </dgm:t>
+    </dgm:pt>
+    <dgm:pt modelId="{E14EC32A-4450-4C32-BE39-3F1C17C74B64}">
+      <dgm:prSet/>
+      <dgm:spPr/>
+      <dgm:t>
+        <a:bodyPr/>
+        <a:lstStyle/>
+        <a:p>
+          <a:r>
+            <a:rPr lang="en-US" smtClean="0"/>
+            <a:t>Simulated Annealing</a:t>
+          </a:r>
+          <a:endParaRPr lang="en-US" dirty="0" smtClean="0"/>
+        </a:p>
+      </dgm:t>
+    </dgm:pt>
+    <dgm:pt modelId="{6B637C09-E3C5-41B3-B04E-B63902739182}" type="parTrans" cxnId="{981BD852-E0CB-41CE-856B-0F6F299622F2}">
+      <dgm:prSet/>
+      <dgm:spPr/>
+      <dgm:t>
+        <a:bodyPr/>
+        <a:lstStyle/>
+        <a:p>
+          <a:endParaRPr lang="en-US"/>
+        </a:p>
+      </dgm:t>
+    </dgm:pt>
+    <dgm:pt modelId="{C0B94013-047F-4E01-B2DE-0582D5120C82}" type="sibTrans" cxnId="{981BD852-E0CB-41CE-856B-0F6F299622F2}">
+      <dgm:prSet/>
+      <dgm:spPr/>
+      <dgm:t>
+        <a:bodyPr/>
+        <a:lstStyle/>
+        <a:p>
+          <a:endParaRPr lang="en-US"/>
+        </a:p>
+      </dgm:t>
+    </dgm:pt>
+    <dgm:pt modelId="{A67D9117-922A-43AD-8F50-FC93F5C9DF2D}">
+      <dgm:prSet/>
+      <dgm:spPr/>
+      <dgm:t>
+        <a:bodyPr/>
+        <a:lstStyle/>
+        <a:p>
+          <a:r>
+            <a:rPr lang="en-US" smtClean="0"/>
+            <a:t>Select Neighbor</a:t>
+          </a:r>
+          <a:endParaRPr lang="en-US" dirty="0" smtClean="0"/>
+        </a:p>
+      </dgm:t>
+    </dgm:pt>
+    <dgm:pt modelId="{EA602E21-36C8-43B9-9BF5-23FF61DB1AA6}" type="parTrans" cxnId="{5A1E4216-6228-422D-9A18-BB7119F141CB}">
+      <dgm:prSet/>
+      <dgm:spPr/>
+      <dgm:t>
+        <a:bodyPr/>
+        <a:lstStyle/>
+        <a:p>
+          <a:endParaRPr lang="en-US"/>
+        </a:p>
+      </dgm:t>
+    </dgm:pt>
+    <dgm:pt modelId="{84EC448D-EB56-457A-B9BA-23FDB0320694}" type="sibTrans" cxnId="{5A1E4216-6228-422D-9A18-BB7119F141CB}">
+      <dgm:prSet/>
+      <dgm:spPr/>
+      <dgm:t>
+        <a:bodyPr/>
+        <a:lstStyle/>
+        <a:p>
+          <a:endParaRPr lang="en-US"/>
+        </a:p>
+      </dgm:t>
+    </dgm:pt>
+    <dgm:pt modelId="{D8985794-857C-4998-8555-F4874A26D9E9}">
+      <dgm:prSet/>
+      <dgm:spPr/>
+      <dgm:t>
+        <a:bodyPr/>
+        <a:lstStyle/>
+        <a:p>
+          <a:r>
+            <a:rPr lang="en-US" smtClean="0"/>
+            <a:t>Compare scores</a:t>
+          </a:r>
+          <a:endParaRPr lang="en-US" dirty="0" smtClean="0"/>
+        </a:p>
+      </dgm:t>
+    </dgm:pt>
+    <dgm:pt modelId="{C9DC9331-CE0F-4FF8-970C-1046CAE871C7}" type="parTrans" cxnId="{22783E7C-846F-45A8-B66C-3DEA1BA46A2D}">
+      <dgm:prSet/>
+      <dgm:spPr/>
+      <dgm:t>
+        <a:bodyPr/>
+        <a:lstStyle/>
+        <a:p>
+          <a:endParaRPr lang="en-US"/>
+        </a:p>
+      </dgm:t>
+    </dgm:pt>
+    <dgm:pt modelId="{A3FBDFF5-EB36-4CB3-B78E-A8C19F89EF33}" type="sibTrans" cxnId="{22783E7C-846F-45A8-B66C-3DEA1BA46A2D}">
+      <dgm:prSet/>
+      <dgm:spPr/>
+      <dgm:t>
+        <a:bodyPr/>
+        <a:lstStyle/>
+        <a:p>
+          <a:endParaRPr lang="en-US"/>
+        </a:p>
+      </dgm:t>
+    </dgm:pt>
+    <dgm:pt modelId="{401623E2-2AA8-4502-9D51-7EF44838916F}">
+      <dgm:prSet/>
+      <dgm:spPr/>
+      <dgm:t>
+        <a:bodyPr/>
+        <a:lstStyle/>
+        <a:p>
+          <a:r>
+            <a:rPr lang="en-US" smtClean="0"/>
+            <a:t>Accept/Reject</a:t>
+          </a:r>
+          <a:endParaRPr lang="en-US" dirty="0" smtClean="0"/>
+        </a:p>
+      </dgm:t>
+    </dgm:pt>
+    <dgm:pt modelId="{C2EB3181-B899-481D-907F-6D81103FAE5A}" type="parTrans" cxnId="{8B7AF6F7-FA55-4600-8174-013A3536E13C}">
+      <dgm:prSet/>
+      <dgm:spPr/>
+      <dgm:t>
+        <a:bodyPr/>
+        <a:lstStyle/>
+        <a:p>
+          <a:endParaRPr lang="en-US"/>
+        </a:p>
+      </dgm:t>
+    </dgm:pt>
+    <dgm:pt modelId="{D8FF0D9E-DCFF-4231-9A01-510B333858E8}" type="sibTrans" cxnId="{8B7AF6F7-FA55-4600-8174-013A3536E13C}">
+      <dgm:prSet/>
+      <dgm:spPr/>
+      <dgm:t>
+        <a:bodyPr/>
+        <a:lstStyle/>
+        <a:p>
+          <a:endParaRPr lang="en-US"/>
+        </a:p>
+      </dgm:t>
+    </dgm:pt>
+    <dgm:pt modelId="{E7659000-716C-4A3C-869C-A7AD7AD6882C}">
+      <dgm:prSet/>
+      <dgm:spPr/>
+      <dgm:t>
+        <a:bodyPr/>
+        <a:lstStyle/>
+        <a:p>
+          <a:r>
+            <a:rPr lang="en-US" smtClean="0"/>
+            <a:t>Repeat until cool</a:t>
+          </a:r>
+          <a:endParaRPr lang="en-US" dirty="0" smtClean="0"/>
+        </a:p>
+      </dgm:t>
+    </dgm:pt>
+    <dgm:pt modelId="{635231BE-56B5-47AE-8522-F75607B02F51}" type="parTrans" cxnId="{94C763EF-7D3A-4D33-9B7E-722EDC45E0F2}">
+      <dgm:prSet/>
+      <dgm:spPr/>
+      <dgm:t>
+        <a:bodyPr/>
+        <a:lstStyle/>
+        <a:p>
+          <a:endParaRPr lang="en-US"/>
+        </a:p>
+      </dgm:t>
+    </dgm:pt>
+    <dgm:pt modelId="{62A7984B-246A-4FD5-A610-B3DC8CFCD7B6}" type="sibTrans" cxnId="{94C763EF-7D3A-4D33-9B7E-722EDC45E0F2}">
+      <dgm:prSet/>
+      <dgm:spPr/>
+      <dgm:t>
+        <a:bodyPr/>
+        <a:lstStyle/>
+        <a:p>
+          <a:endParaRPr lang="en-US"/>
+        </a:p>
+      </dgm:t>
+    </dgm:pt>
+    <dgm:pt modelId="{37E02DEE-D6BD-4EF9-8601-D5683FCEB1FD}">
+      <dgm:prSet/>
+      <dgm:spPr/>
+      <dgm:t>
+        <a:bodyPr vert="horz"/>
+        <a:lstStyle/>
+        <a:p>
+          <a:r>
+            <a:rPr lang="en-US" smtClean="0"/>
+            <a:t>Add to list of decoys</a:t>
+          </a:r>
+          <a:endParaRPr lang="en-US" dirty="0" smtClean="0"/>
+        </a:p>
+      </dgm:t>
+    </dgm:pt>
+    <dgm:pt modelId="{B30D0F5E-50AA-43AF-A58A-81DA86CB9AD6}" type="parTrans" cxnId="{007A0F4F-39AB-450C-A6CF-94F3AC9C910E}">
+      <dgm:prSet/>
+      <dgm:spPr/>
+      <dgm:t>
+        <a:bodyPr/>
+        <a:lstStyle/>
+        <a:p>
+          <a:endParaRPr lang="en-US"/>
+        </a:p>
+      </dgm:t>
+    </dgm:pt>
+    <dgm:pt modelId="{C1962595-136B-42E9-AD9D-CB61E7C8EEC8}" type="sibTrans" cxnId="{007A0F4F-39AB-450C-A6CF-94F3AC9C910E}">
+      <dgm:prSet/>
+      <dgm:spPr/>
+      <dgm:t>
+        <a:bodyPr/>
+        <a:lstStyle/>
+        <a:p>
+          <a:endParaRPr lang="en-US"/>
+        </a:p>
+      </dgm:t>
+    </dgm:pt>
+    <dgm:pt modelId="{1054CB6F-31D8-4EA2-94F8-F1A1E40950CE}" type="pres">
+      <dgm:prSet presAssocID="{6DCE9A2F-68A3-4FC4-A6A2-1723864425D8}" presName="Name0" presStyleCnt="0">
+        <dgm:presLayoutVars>
+          <dgm:chPref val="3"/>
+          <dgm:dir/>
+          <dgm:animLvl val="lvl"/>
+          <dgm:resizeHandles/>
+        </dgm:presLayoutVars>
+      </dgm:prSet>
+      <dgm:spPr/>
+      <dgm:t>
+        <a:bodyPr/>
+        <a:lstStyle/>
+        <a:p>
+          <a:endParaRPr lang="en-US"/>
+        </a:p>
+      </dgm:t>
+    </dgm:pt>
+    <dgm:pt modelId="{F2B86460-2792-4D76-82E2-A6560A296B24}" type="pres">
+      <dgm:prSet presAssocID="{42CA1C21-58FF-42C3-B352-FA38811AC95C}" presName="horFlow" presStyleCnt="0"/>
+      <dgm:spPr/>
+    </dgm:pt>
+    <dgm:pt modelId="{3179E677-4E5D-4DE2-999F-36859368CC84}" type="pres">
+      <dgm:prSet presAssocID="{42CA1C21-58FF-42C3-B352-FA38811AC95C}" presName="bigChev" presStyleLbl="node1" presStyleIdx="0" presStyleCnt="3"/>
+      <dgm:spPr/>
+      <dgm:t>
+        <a:bodyPr/>
+        <a:lstStyle/>
+        <a:p>
+          <a:endParaRPr lang="en-US"/>
+        </a:p>
+      </dgm:t>
+    </dgm:pt>
+    <dgm:pt modelId="{F327D508-9B55-49A4-BB39-F5CDBB139B55}" type="pres">
+      <dgm:prSet presAssocID="{42CA1C21-58FF-42C3-B352-FA38811AC95C}" presName="vSp" presStyleCnt="0"/>
+      <dgm:spPr/>
+    </dgm:pt>
+    <dgm:pt modelId="{E892A933-23AE-4DE9-927D-1FFB5CAC3A0C}" type="pres">
+      <dgm:prSet presAssocID="{E14EC32A-4450-4C32-BE39-3F1C17C74B64}" presName="horFlow" presStyleCnt="0"/>
+      <dgm:spPr/>
+    </dgm:pt>
+    <dgm:pt modelId="{BFFCCB52-61F7-4AEC-93FC-D8A8B0FFF248}" type="pres">
+      <dgm:prSet presAssocID="{E14EC32A-4450-4C32-BE39-3F1C17C74B64}" presName="bigChev" presStyleLbl="node1" presStyleIdx="1" presStyleCnt="3"/>
+      <dgm:spPr/>
+      <dgm:t>
+        <a:bodyPr/>
+        <a:lstStyle/>
+        <a:p>
+          <a:endParaRPr lang="en-US"/>
+        </a:p>
+      </dgm:t>
+    </dgm:pt>
+    <dgm:pt modelId="{DF862222-3626-4F15-9533-9C6E9E7879E0}" type="pres">
+      <dgm:prSet presAssocID="{EA602E21-36C8-43B9-9BF5-23FF61DB1AA6}" presName="parTrans" presStyleCnt="0"/>
+      <dgm:spPr/>
+    </dgm:pt>
+    <dgm:pt modelId="{195104EC-1F94-47CC-BF85-520C1FFAF437}" type="pres">
+      <dgm:prSet presAssocID="{A67D9117-922A-43AD-8F50-FC93F5C9DF2D}" presName="node" presStyleLbl="alignAccFollowNode1" presStyleIdx="0" presStyleCnt="4">
+        <dgm:presLayoutVars>
+          <dgm:bulletEnabled val="1"/>
+        </dgm:presLayoutVars>
+      </dgm:prSet>
+      <dgm:spPr/>
+      <dgm:t>
+        <a:bodyPr/>
+        <a:lstStyle/>
+        <a:p>
+          <a:endParaRPr lang="en-US"/>
+        </a:p>
+      </dgm:t>
+    </dgm:pt>
+    <dgm:pt modelId="{838E9F44-790D-43DC-8086-FAA927C1EA89}" type="pres">
+      <dgm:prSet presAssocID="{84EC448D-EB56-457A-B9BA-23FDB0320694}" presName="sibTrans" presStyleCnt="0"/>
+      <dgm:spPr/>
+    </dgm:pt>
+    <dgm:pt modelId="{EA8D1806-CAEE-4346-8E6D-92B2C3273859}" type="pres">
+      <dgm:prSet presAssocID="{D8985794-857C-4998-8555-F4874A26D9E9}" presName="node" presStyleLbl="alignAccFollowNode1" presStyleIdx="1" presStyleCnt="4">
+        <dgm:presLayoutVars>
+          <dgm:bulletEnabled val="1"/>
+        </dgm:presLayoutVars>
+      </dgm:prSet>
+      <dgm:spPr/>
+      <dgm:t>
+        <a:bodyPr/>
+        <a:lstStyle/>
+        <a:p>
+          <a:endParaRPr lang="en-US"/>
+        </a:p>
+      </dgm:t>
+    </dgm:pt>
+    <dgm:pt modelId="{CF8C3636-5DBE-4BB0-B0CF-862135E6F97B}" type="pres">
+      <dgm:prSet presAssocID="{A3FBDFF5-EB36-4CB3-B78E-A8C19F89EF33}" presName="sibTrans" presStyleCnt="0"/>
+      <dgm:spPr/>
+    </dgm:pt>
+    <dgm:pt modelId="{E8AEBF80-7DA8-4505-B00B-9C6BAC7A9D58}" type="pres">
+      <dgm:prSet presAssocID="{401623E2-2AA8-4502-9D51-7EF44838916F}" presName="node" presStyleLbl="alignAccFollowNode1" presStyleIdx="2" presStyleCnt="4">
+        <dgm:presLayoutVars>
+          <dgm:bulletEnabled val="1"/>
+        </dgm:presLayoutVars>
+      </dgm:prSet>
+      <dgm:spPr/>
+      <dgm:t>
+        <a:bodyPr/>
+        <a:lstStyle/>
+        <a:p>
+          <a:endParaRPr lang="en-US"/>
+        </a:p>
+      </dgm:t>
+    </dgm:pt>
+    <dgm:pt modelId="{35A402D6-49A0-4B77-B62C-53C47D860A47}" type="pres">
+      <dgm:prSet presAssocID="{D8FF0D9E-DCFF-4231-9A01-510B333858E8}" presName="sibTrans" presStyleCnt="0"/>
+      <dgm:spPr/>
+    </dgm:pt>
+    <dgm:pt modelId="{77E12061-C52D-44EC-B12B-E60073B0BA79}" type="pres">
+      <dgm:prSet presAssocID="{E7659000-716C-4A3C-869C-A7AD7AD6882C}" presName="node" presStyleLbl="alignAccFollowNode1" presStyleIdx="3" presStyleCnt="4">
+        <dgm:presLayoutVars>
+          <dgm:bulletEnabled val="1"/>
+        </dgm:presLayoutVars>
+      </dgm:prSet>
+      <dgm:spPr/>
+      <dgm:t>
+        <a:bodyPr/>
+        <a:lstStyle/>
+        <a:p>
+          <a:endParaRPr lang="en-US"/>
+        </a:p>
+      </dgm:t>
+    </dgm:pt>
+    <dgm:pt modelId="{C026D695-4D65-4062-8EE9-C786A2E4A3AC}" type="pres">
+      <dgm:prSet presAssocID="{E14EC32A-4450-4C32-BE39-3F1C17C74B64}" presName="vSp" presStyleCnt="0"/>
+      <dgm:spPr/>
+    </dgm:pt>
+    <dgm:pt modelId="{516AA239-75B7-4F6E-9510-37F797B30826}" type="pres">
+      <dgm:prSet presAssocID="{37E02DEE-D6BD-4EF9-8601-D5683FCEB1FD}" presName="horFlow" presStyleCnt="0"/>
+      <dgm:spPr/>
+    </dgm:pt>
+    <dgm:pt modelId="{BDEF8731-0750-4209-A3D5-189EE8741F4C}" type="pres">
+      <dgm:prSet presAssocID="{37E02DEE-D6BD-4EF9-8601-D5683FCEB1FD}" presName="bigChev" presStyleLbl="node1" presStyleIdx="2" presStyleCnt="3" custAng="0"/>
+      <dgm:spPr/>
+      <dgm:t>
+        <a:bodyPr/>
+        <a:lstStyle/>
+        <a:p>
+          <a:endParaRPr lang="en-US"/>
+        </a:p>
+      </dgm:t>
+    </dgm:pt>
+  </dgm:ptLst>
+  <dgm:cxnLst>
+    <dgm:cxn modelId="{2C801434-759B-4CEE-A874-0E6E354A64B6}" type="presOf" srcId="{E14EC32A-4450-4C32-BE39-3F1C17C74B64}" destId="{BFFCCB52-61F7-4AEC-93FC-D8A8B0FFF248}" srcOrd="0" destOrd="0" presId="urn:microsoft.com/office/officeart/2005/8/layout/lProcess3"/>
+    <dgm:cxn modelId="{981BD852-E0CB-41CE-856B-0F6F299622F2}" srcId="{6DCE9A2F-68A3-4FC4-A6A2-1723864425D8}" destId="{E14EC32A-4450-4C32-BE39-3F1C17C74B64}" srcOrd="1" destOrd="0" parTransId="{6B637C09-E3C5-41B3-B04E-B63902739182}" sibTransId="{C0B94013-047F-4E01-B2DE-0582D5120C82}"/>
+    <dgm:cxn modelId="{CDB11A2E-6675-4F9E-BFDA-057F81B3F55A}" type="presOf" srcId="{42CA1C21-58FF-42C3-B352-FA38811AC95C}" destId="{3179E677-4E5D-4DE2-999F-36859368CC84}" srcOrd="0" destOrd="0" presId="urn:microsoft.com/office/officeart/2005/8/layout/lProcess3"/>
+    <dgm:cxn modelId="{15A63BC0-D794-4DDC-894B-F5F4AC910DAA}" type="presOf" srcId="{D8985794-857C-4998-8555-F4874A26D9E9}" destId="{EA8D1806-CAEE-4346-8E6D-92B2C3273859}" srcOrd="0" destOrd="0" presId="urn:microsoft.com/office/officeart/2005/8/layout/lProcess3"/>
+    <dgm:cxn modelId="{C05275AB-B9A2-4352-9D41-A97BBF7C7BBB}" srcId="{6DCE9A2F-68A3-4FC4-A6A2-1723864425D8}" destId="{42CA1C21-58FF-42C3-B352-FA38811AC95C}" srcOrd="0" destOrd="0" parTransId="{BE3F3C55-45AB-48E5-AD28-B5ABC2FB687E}" sibTransId="{5EADDE2A-ADFC-420B-B20E-BC809C3AD909}"/>
+    <dgm:cxn modelId="{5A1E4216-6228-422D-9A18-BB7119F141CB}" srcId="{E14EC32A-4450-4C32-BE39-3F1C17C74B64}" destId="{A67D9117-922A-43AD-8F50-FC93F5C9DF2D}" srcOrd="0" destOrd="0" parTransId="{EA602E21-36C8-43B9-9BF5-23FF61DB1AA6}" sibTransId="{84EC448D-EB56-457A-B9BA-23FDB0320694}"/>
+    <dgm:cxn modelId="{007A0F4F-39AB-450C-A6CF-94F3AC9C910E}" srcId="{6DCE9A2F-68A3-4FC4-A6A2-1723864425D8}" destId="{37E02DEE-D6BD-4EF9-8601-D5683FCEB1FD}" srcOrd="2" destOrd="0" parTransId="{B30D0F5E-50AA-43AF-A58A-81DA86CB9AD6}" sibTransId="{C1962595-136B-42E9-AD9D-CB61E7C8EEC8}"/>
+    <dgm:cxn modelId="{89D6764D-1698-4B04-9037-43CEF1E5EF2E}" type="presOf" srcId="{37E02DEE-D6BD-4EF9-8601-D5683FCEB1FD}" destId="{BDEF8731-0750-4209-A3D5-189EE8741F4C}" srcOrd="0" destOrd="0" presId="urn:microsoft.com/office/officeart/2005/8/layout/lProcess3"/>
+    <dgm:cxn modelId="{BCBF7A1C-7D13-4D7F-97EF-D15F79A500CB}" type="presOf" srcId="{401623E2-2AA8-4502-9D51-7EF44838916F}" destId="{E8AEBF80-7DA8-4505-B00B-9C6BAC7A9D58}" srcOrd="0" destOrd="0" presId="urn:microsoft.com/office/officeart/2005/8/layout/lProcess3"/>
+    <dgm:cxn modelId="{96B99AF2-B644-4E4C-9E3A-11A96D926DC5}" type="presOf" srcId="{A67D9117-922A-43AD-8F50-FC93F5C9DF2D}" destId="{195104EC-1F94-47CC-BF85-520C1FFAF437}" srcOrd="0" destOrd="0" presId="urn:microsoft.com/office/officeart/2005/8/layout/lProcess3"/>
+    <dgm:cxn modelId="{8B7AF6F7-FA55-4600-8174-013A3536E13C}" srcId="{E14EC32A-4450-4C32-BE39-3F1C17C74B64}" destId="{401623E2-2AA8-4502-9D51-7EF44838916F}" srcOrd="2" destOrd="0" parTransId="{C2EB3181-B899-481D-907F-6D81103FAE5A}" sibTransId="{D8FF0D9E-DCFF-4231-9A01-510B333858E8}"/>
+    <dgm:cxn modelId="{33EA0347-E085-4F23-B68C-4771AE60810E}" type="presOf" srcId="{E7659000-716C-4A3C-869C-A7AD7AD6882C}" destId="{77E12061-C52D-44EC-B12B-E60073B0BA79}" srcOrd="0" destOrd="0" presId="urn:microsoft.com/office/officeart/2005/8/layout/lProcess3"/>
+    <dgm:cxn modelId="{22783E7C-846F-45A8-B66C-3DEA1BA46A2D}" srcId="{E14EC32A-4450-4C32-BE39-3F1C17C74B64}" destId="{D8985794-857C-4998-8555-F4874A26D9E9}" srcOrd="1" destOrd="0" parTransId="{C9DC9331-CE0F-4FF8-970C-1046CAE871C7}" sibTransId="{A3FBDFF5-EB36-4CB3-B78E-A8C19F89EF33}"/>
+    <dgm:cxn modelId="{94C763EF-7D3A-4D33-9B7E-722EDC45E0F2}" srcId="{E14EC32A-4450-4C32-BE39-3F1C17C74B64}" destId="{E7659000-716C-4A3C-869C-A7AD7AD6882C}" srcOrd="3" destOrd="0" parTransId="{635231BE-56B5-47AE-8522-F75607B02F51}" sibTransId="{62A7984B-246A-4FD5-A610-B3DC8CFCD7B6}"/>
+    <dgm:cxn modelId="{17044CBC-8889-4765-A074-6BB57AA26501}" type="presOf" srcId="{6DCE9A2F-68A3-4FC4-A6A2-1723864425D8}" destId="{1054CB6F-31D8-4EA2-94F8-F1A1E40950CE}" srcOrd="0" destOrd="0" presId="urn:microsoft.com/office/officeart/2005/8/layout/lProcess3"/>
+    <dgm:cxn modelId="{2E6BC499-EF7F-4C7E-BCC2-29A30CA847D5}" type="presParOf" srcId="{1054CB6F-31D8-4EA2-94F8-F1A1E40950CE}" destId="{F2B86460-2792-4D76-82E2-A6560A296B24}" srcOrd="0" destOrd="0" presId="urn:microsoft.com/office/officeart/2005/8/layout/lProcess3"/>
+    <dgm:cxn modelId="{7235206D-02AB-4901-AD17-2B167222A1EF}" type="presParOf" srcId="{F2B86460-2792-4D76-82E2-A6560A296B24}" destId="{3179E677-4E5D-4DE2-999F-36859368CC84}" srcOrd="0" destOrd="0" presId="urn:microsoft.com/office/officeart/2005/8/layout/lProcess3"/>
+    <dgm:cxn modelId="{76FF6F45-8B2A-47E3-91A4-4B381322DAB5}" type="presParOf" srcId="{1054CB6F-31D8-4EA2-94F8-F1A1E40950CE}" destId="{F327D508-9B55-49A4-BB39-F5CDBB139B55}" srcOrd="1" destOrd="0" presId="urn:microsoft.com/office/officeart/2005/8/layout/lProcess3"/>
+    <dgm:cxn modelId="{BC856A72-EF38-4015-9F69-679E6B7FDD59}" type="presParOf" srcId="{1054CB6F-31D8-4EA2-94F8-F1A1E40950CE}" destId="{E892A933-23AE-4DE9-927D-1FFB5CAC3A0C}" srcOrd="2" destOrd="0" presId="urn:microsoft.com/office/officeart/2005/8/layout/lProcess3"/>
+    <dgm:cxn modelId="{852F849A-FF5D-4E80-BF66-0E3A02D0BAE4}" type="presParOf" srcId="{E892A933-23AE-4DE9-927D-1FFB5CAC3A0C}" destId="{BFFCCB52-61F7-4AEC-93FC-D8A8B0FFF248}" srcOrd="0" destOrd="0" presId="urn:microsoft.com/office/officeart/2005/8/layout/lProcess3"/>
+    <dgm:cxn modelId="{887EFC14-F8DF-4EC8-A218-9647D910B4FB}" type="presParOf" srcId="{E892A933-23AE-4DE9-927D-1FFB5CAC3A0C}" destId="{DF862222-3626-4F15-9533-9C6E9E7879E0}" srcOrd="1" destOrd="0" presId="urn:microsoft.com/office/officeart/2005/8/layout/lProcess3"/>
+    <dgm:cxn modelId="{D4CEFC3B-7AE0-4705-B51C-4CEA30CD89B7}" type="presParOf" srcId="{E892A933-23AE-4DE9-927D-1FFB5CAC3A0C}" destId="{195104EC-1F94-47CC-BF85-520C1FFAF437}" srcOrd="2" destOrd="0" presId="urn:microsoft.com/office/officeart/2005/8/layout/lProcess3"/>
+    <dgm:cxn modelId="{ABA8D526-B826-4787-B57C-9CD809ABABA6}" type="presParOf" srcId="{E892A933-23AE-4DE9-927D-1FFB5CAC3A0C}" destId="{838E9F44-790D-43DC-8086-FAA927C1EA89}" srcOrd="3" destOrd="0" presId="urn:microsoft.com/office/officeart/2005/8/layout/lProcess3"/>
+    <dgm:cxn modelId="{EA6416F0-F444-4FF3-B7E6-3EF31EF25970}" type="presParOf" srcId="{E892A933-23AE-4DE9-927D-1FFB5CAC3A0C}" destId="{EA8D1806-CAEE-4346-8E6D-92B2C3273859}" srcOrd="4" destOrd="0" presId="urn:microsoft.com/office/officeart/2005/8/layout/lProcess3"/>
+    <dgm:cxn modelId="{FC8E76F6-ACAD-4918-9028-ADAE1F77B1FD}" type="presParOf" srcId="{E892A933-23AE-4DE9-927D-1FFB5CAC3A0C}" destId="{CF8C3636-5DBE-4BB0-B0CF-862135E6F97B}" srcOrd="5" destOrd="0" presId="urn:microsoft.com/office/officeart/2005/8/layout/lProcess3"/>
+    <dgm:cxn modelId="{66353192-2BA2-4640-8253-969CEAF20100}" type="presParOf" srcId="{E892A933-23AE-4DE9-927D-1FFB5CAC3A0C}" destId="{E8AEBF80-7DA8-4505-B00B-9C6BAC7A9D58}" srcOrd="6" destOrd="0" presId="urn:microsoft.com/office/officeart/2005/8/layout/lProcess3"/>
+    <dgm:cxn modelId="{94CB8C5C-1FAB-4C2A-B768-B0C5AD50E136}" type="presParOf" srcId="{E892A933-23AE-4DE9-927D-1FFB5CAC3A0C}" destId="{35A402D6-49A0-4B77-B62C-53C47D860A47}" srcOrd="7" destOrd="0" presId="urn:microsoft.com/office/officeart/2005/8/layout/lProcess3"/>
+    <dgm:cxn modelId="{C730D841-2784-4F05-9020-6FE47C6C9B54}" type="presParOf" srcId="{E892A933-23AE-4DE9-927D-1FFB5CAC3A0C}" destId="{77E12061-C52D-44EC-B12B-E60073B0BA79}" srcOrd="8" destOrd="0" presId="urn:microsoft.com/office/officeart/2005/8/layout/lProcess3"/>
+    <dgm:cxn modelId="{403FEB8D-2969-4E53-9B79-B05D26EF1AF1}" type="presParOf" srcId="{1054CB6F-31D8-4EA2-94F8-F1A1E40950CE}" destId="{C026D695-4D65-4062-8EE9-C786A2E4A3AC}" srcOrd="3" destOrd="0" presId="urn:microsoft.com/office/officeart/2005/8/layout/lProcess3"/>
+    <dgm:cxn modelId="{F3CC5A7E-30F8-4598-BD2F-220EC9123ED6}" type="presParOf" srcId="{1054CB6F-31D8-4EA2-94F8-F1A1E40950CE}" destId="{516AA239-75B7-4F6E-9510-37F797B30826}" srcOrd="4" destOrd="0" presId="urn:microsoft.com/office/officeart/2005/8/layout/lProcess3"/>
+    <dgm:cxn modelId="{0A8D4B8C-6DE3-41FD-8502-47DBEF3A02E8}" type="presParOf" srcId="{516AA239-75B7-4F6E-9510-37F797B30826}" destId="{BDEF8731-0750-4209-A3D5-189EE8741F4C}" srcOrd="0" destOrd="0" presId="urn:microsoft.com/office/officeart/2005/8/layout/lProcess3"/>
+  </dgm:cxnLst>
+  <dgm:bg/>
+  <dgm:whole/>
+  <dgm:extLst>
+    <a:ext uri="http://schemas.microsoft.com/office/drawing/2008/diagram">
+      <dsp:dataModelExt xmlns:dsp="http://schemas.microsoft.com/office/drawing/2008/diagram" relId="rId6" minVer="http://schemas.openxmlformats.org/drawingml/2006/diagram"/>
+    </a:ext>
+  </dgm:extLst>
+</dgm:dataModel>
+</file>
+
+<file path=ppt/diagrams/data5.xml><?xml version="1.0" encoding="utf-8"?>
+<dgm:dataModel xmlns:dgm="http://schemas.openxmlformats.org/drawingml/2006/diagram" xmlns:a="http://schemas.openxmlformats.org/drawingml/2006/main">
+  <dgm:ptLst>
+    <dgm:pt modelId="{4400E540-E772-43A2-A3D3-7F120C82F2CA}" type="doc">
+      <dgm:prSet loTypeId="urn:microsoft.com/office/officeart/2005/8/layout/chevron1" loCatId="process" qsTypeId="urn:microsoft.com/office/officeart/2005/8/quickstyle/simple1" qsCatId="simple" csTypeId="urn:microsoft.com/office/officeart/2005/8/colors/accent6_3" csCatId="accent6" phldr="1"/>
+      <dgm:spPr/>
+      <dgm:t>
+        <a:bodyPr/>
+        <a:lstStyle/>
+        <a:p>
+          <a:endParaRPr lang="en-US"/>
+        </a:p>
+      </dgm:t>
+    </dgm:pt>
+    <dgm:pt modelId="{C79A39E4-174A-4799-AC0D-72269752F613}">
+      <dgm:prSet phldrT="[Text]"/>
+      <dgm:spPr/>
+      <dgm:t>
+        <a:bodyPr/>
+        <a:lstStyle/>
+        <a:p>
+          <a:r>
+            <a:rPr lang="en-US" dirty="0" smtClean="0"/>
+            <a:t>Load in PDBs</a:t>
+          </a:r>
+          <a:endParaRPr lang="en-US" dirty="0"/>
+        </a:p>
+      </dgm:t>
+    </dgm:pt>
+    <dgm:pt modelId="{B0C8E0E7-7EF6-4ED3-A422-15D81BB51952}" type="parTrans" cxnId="{E3042876-BE18-47BC-B136-51030449666F}">
+      <dgm:prSet/>
+      <dgm:spPr/>
+      <dgm:t>
+        <a:bodyPr/>
+        <a:lstStyle/>
+        <a:p>
+          <a:endParaRPr lang="en-US"/>
+        </a:p>
+      </dgm:t>
+    </dgm:pt>
+    <dgm:pt modelId="{FE2A3EAB-9C47-4848-9614-63A107A20715}" type="sibTrans" cxnId="{E3042876-BE18-47BC-B136-51030449666F}">
+      <dgm:prSet/>
+      <dgm:spPr/>
+      <dgm:t>
+        <a:bodyPr/>
+        <a:lstStyle/>
+        <a:p>
+          <a:endParaRPr lang="en-US"/>
+        </a:p>
+      </dgm:t>
+    </dgm:pt>
+    <dgm:pt modelId="{A0EF2B06-D79E-49EE-A41A-FF70CD3D626A}">
+      <dgm:prSet phldrT="[Text]"/>
+      <dgm:spPr/>
+      <dgm:t>
+        <a:bodyPr/>
+        <a:lstStyle/>
+        <a:p>
+          <a:r>
+            <a:rPr lang="en-US" dirty="0" smtClean="0"/>
+            <a:t>Create fragments</a:t>
+          </a:r>
+          <a:endParaRPr lang="en-US" dirty="0"/>
+        </a:p>
+      </dgm:t>
+    </dgm:pt>
+    <dgm:pt modelId="{E7879C63-15CC-4889-8E13-830D37EB3829}" type="parTrans" cxnId="{91683B57-1DDF-4118-8689-E518A7FFAE7C}">
+      <dgm:prSet/>
+      <dgm:spPr/>
+      <dgm:t>
+        <a:bodyPr/>
+        <a:lstStyle/>
+        <a:p>
+          <a:endParaRPr lang="en-US"/>
+        </a:p>
+      </dgm:t>
+    </dgm:pt>
+    <dgm:pt modelId="{56390224-70A9-4A6C-AA91-433A0C2574E2}" type="sibTrans" cxnId="{91683B57-1DDF-4118-8689-E518A7FFAE7C}">
+      <dgm:prSet/>
+      <dgm:spPr/>
+      <dgm:t>
+        <a:bodyPr/>
+        <a:lstStyle/>
+        <a:p>
+          <a:endParaRPr lang="en-US"/>
+        </a:p>
+      </dgm:t>
+    </dgm:pt>
+    <dgm:pt modelId="{BFD41821-8D74-4C66-BA9E-A0C6D9A1B751}">
+      <dgm:prSet phldrT="[Text]"/>
+      <dgm:spPr/>
+      <dgm:t>
+        <a:bodyPr/>
+        <a:lstStyle/>
+        <a:p>
+          <a:r>
+            <a:rPr lang="en-US" dirty="0" smtClean="0"/>
+            <a:t>Convert to dihedrals</a:t>
+          </a:r>
+          <a:endParaRPr lang="en-US" dirty="0"/>
+        </a:p>
+      </dgm:t>
+    </dgm:pt>
+    <dgm:pt modelId="{9157A3C0-855C-475F-AD05-629885FE6299}" type="parTrans" cxnId="{D8EE7F63-1FB4-4E52-AD34-324188BC0CA5}">
+      <dgm:prSet/>
+      <dgm:spPr/>
+      <dgm:t>
+        <a:bodyPr/>
+        <a:lstStyle/>
+        <a:p>
+          <a:endParaRPr lang="en-US"/>
+        </a:p>
+      </dgm:t>
+    </dgm:pt>
+    <dgm:pt modelId="{AA1B450F-0019-4F4D-A093-D24F55730030}" type="sibTrans" cxnId="{D8EE7F63-1FB4-4E52-AD34-324188BC0CA5}">
+      <dgm:prSet/>
+      <dgm:spPr/>
+      <dgm:t>
+        <a:bodyPr/>
+        <a:lstStyle/>
+        <a:p>
+          <a:endParaRPr lang="en-US"/>
+        </a:p>
+      </dgm:t>
+    </dgm:pt>
+    <dgm:pt modelId="{0FC0C798-C1BB-4DBB-BD73-5D3DFC2E5FBD}">
+      <dgm:prSet phldrT="[Text]"/>
+      <dgm:spPr/>
+      <dgm:t>
+        <a:bodyPr/>
+        <a:lstStyle/>
+        <a:p>
+          <a:r>
+            <a:rPr lang="en-US" dirty="0" smtClean="0"/>
+            <a:t>Store in DB</a:t>
+          </a:r>
+          <a:endParaRPr lang="en-US" dirty="0"/>
+        </a:p>
+      </dgm:t>
+    </dgm:pt>
+    <dgm:pt modelId="{B74DD82F-22F8-428C-A8AB-3289AA12C08C}" type="parTrans" cxnId="{53CEF7AA-373A-4C43-940D-9B86B1BACA58}">
+      <dgm:prSet/>
+      <dgm:spPr/>
+      <dgm:t>
+        <a:bodyPr/>
+        <a:lstStyle/>
+        <a:p>
+          <a:endParaRPr lang="en-US"/>
+        </a:p>
+      </dgm:t>
+    </dgm:pt>
+    <dgm:pt modelId="{811D74CA-9D2E-4FCC-A2B2-F8713663BE7B}" type="sibTrans" cxnId="{53CEF7AA-373A-4C43-940D-9B86B1BACA58}">
+      <dgm:prSet/>
+      <dgm:spPr/>
+      <dgm:t>
+        <a:bodyPr/>
+        <a:lstStyle/>
+        <a:p>
+          <a:endParaRPr lang="en-US"/>
+        </a:p>
+      </dgm:t>
+    </dgm:pt>
+    <dgm:pt modelId="{4FE1CDBC-0160-4FC0-B96F-827B39775619}" type="pres">
+      <dgm:prSet presAssocID="{4400E540-E772-43A2-A3D3-7F120C82F2CA}" presName="Name0" presStyleCnt="0">
+        <dgm:presLayoutVars>
+          <dgm:dir/>
+          <dgm:animLvl val="lvl"/>
+          <dgm:resizeHandles val="exact"/>
+        </dgm:presLayoutVars>
+      </dgm:prSet>
+      <dgm:spPr/>
+      <dgm:t>
+        <a:bodyPr/>
+        <a:lstStyle/>
+        <a:p>
+          <a:endParaRPr lang="en-US"/>
+        </a:p>
+      </dgm:t>
+    </dgm:pt>
+    <dgm:pt modelId="{5292AAAD-FE35-48A6-A026-3195E7CE5BCA}" type="pres">
+      <dgm:prSet presAssocID="{C79A39E4-174A-4799-AC0D-72269752F613}" presName="parTxOnly" presStyleLbl="node1" presStyleIdx="0" presStyleCnt="4">
+        <dgm:presLayoutVars>
+          <dgm:chMax val="0"/>
+          <dgm:chPref val="0"/>
+          <dgm:bulletEnabled val="1"/>
+        </dgm:presLayoutVars>
+      </dgm:prSet>
+      <dgm:spPr/>
+      <dgm:t>
+        <a:bodyPr/>
+        <a:lstStyle/>
+        <a:p>
+          <a:endParaRPr lang="en-US"/>
+        </a:p>
+      </dgm:t>
+    </dgm:pt>
+    <dgm:pt modelId="{C6E6F5E5-F77D-42D5-870E-537014FC070D}" type="pres">
+      <dgm:prSet presAssocID="{FE2A3EAB-9C47-4848-9614-63A107A20715}" presName="parTxOnlySpace" presStyleCnt="0"/>
+      <dgm:spPr/>
+    </dgm:pt>
+    <dgm:pt modelId="{594D59BB-6DD5-4C71-A809-7040351CBA1E}" type="pres">
+      <dgm:prSet presAssocID="{BFD41821-8D74-4C66-BA9E-A0C6D9A1B751}" presName="parTxOnly" presStyleLbl="node1" presStyleIdx="1" presStyleCnt="4">
+        <dgm:presLayoutVars>
+          <dgm:chMax val="0"/>
+          <dgm:chPref val="0"/>
+          <dgm:bulletEnabled val="1"/>
+        </dgm:presLayoutVars>
+      </dgm:prSet>
+      <dgm:spPr/>
+      <dgm:t>
+        <a:bodyPr/>
+        <a:lstStyle/>
+        <a:p>
+          <a:endParaRPr lang="en-US"/>
+        </a:p>
+      </dgm:t>
+    </dgm:pt>
+    <dgm:pt modelId="{350F8066-FECB-4A0D-A87C-4FD3BFA08E5C}" type="pres">
+      <dgm:prSet presAssocID="{AA1B450F-0019-4F4D-A093-D24F55730030}" presName="parTxOnlySpace" presStyleCnt="0"/>
+      <dgm:spPr/>
+    </dgm:pt>
+    <dgm:pt modelId="{CD6D8B89-912E-4CDE-8547-CACF3A1E0D3E}" type="pres">
+      <dgm:prSet presAssocID="{A0EF2B06-D79E-49EE-A41A-FF70CD3D626A}" presName="parTxOnly" presStyleLbl="node1" presStyleIdx="2" presStyleCnt="4">
+        <dgm:presLayoutVars>
+          <dgm:chMax val="0"/>
+          <dgm:chPref val="0"/>
+          <dgm:bulletEnabled val="1"/>
+        </dgm:presLayoutVars>
+      </dgm:prSet>
+      <dgm:spPr/>
+      <dgm:t>
+        <a:bodyPr/>
+        <a:lstStyle/>
+        <a:p>
+          <a:endParaRPr lang="en-US"/>
+        </a:p>
+      </dgm:t>
+    </dgm:pt>
+    <dgm:pt modelId="{A7F36071-1E15-47A6-BA9D-ADAC313AEFB5}" type="pres">
+      <dgm:prSet presAssocID="{56390224-70A9-4A6C-AA91-433A0C2574E2}" presName="parTxOnlySpace" presStyleCnt="0"/>
+      <dgm:spPr/>
+    </dgm:pt>
+    <dgm:pt modelId="{E3285919-594E-4279-8082-BB35709866D9}" type="pres">
+      <dgm:prSet presAssocID="{0FC0C798-C1BB-4DBB-BD73-5D3DFC2E5FBD}" presName="parTxOnly" presStyleLbl="node1" presStyleIdx="3" presStyleCnt="4">
+        <dgm:presLayoutVars>
+          <dgm:chMax val="0"/>
+          <dgm:chPref val="0"/>
+          <dgm:bulletEnabled val="1"/>
+        </dgm:presLayoutVars>
+      </dgm:prSet>
+      <dgm:spPr/>
+      <dgm:t>
+        <a:bodyPr/>
+        <a:lstStyle/>
+        <a:p>
+          <a:endParaRPr lang="en-US"/>
+        </a:p>
+      </dgm:t>
+    </dgm:pt>
+  </dgm:ptLst>
+  <dgm:cxnLst>
+    <dgm:cxn modelId="{E3042876-BE18-47BC-B136-51030449666F}" srcId="{4400E540-E772-43A2-A3D3-7F120C82F2CA}" destId="{C79A39E4-174A-4799-AC0D-72269752F613}" srcOrd="0" destOrd="0" parTransId="{B0C8E0E7-7EF6-4ED3-A422-15D81BB51952}" sibTransId="{FE2A3EAB-9C47-4848-9614-63A107A20715}"/>
+    <dgm:cxn modelId="{DD71C374-13E0-4CC5-AEBD-91EDA85956EE}" type="presOf" srcId="{A0EF2B06-D79E-49EE-A41A-FF70CD3D626A}" destId="{CD6D8B89-912E-4CDE-8547-CACF3A1E0D3E}" srcOrd="0" destOrd="0" presId="urn:microsoft.com/office/officeart/2005/8/layout/chevron1"/>
+    <dgm:cxn modelId="{269E202B-CC68-44F2-A9B9-2D2A7A49BE62}" type="presOf" srcId="{BFD41821-8D74-4C66-BA9E-A0C6D9A1B751}" destId="{594D59BB-6DD5-4C71-A809-7040351CBA1E}" srcOrd="0" destOrd="0" presId="urn:microsoft.com/office/officeart/2005/8/layout/chevron1"/>
+    <dgm:cxn modelId="{53CEF7AA-373A-4C43-940D-9B86B1BACA58}" srcId="{4400E540-E772-43A2-A3D3-7F120C82F2CA}" destId="{0FC0C798-C1BB-4DBB-BD73-5D3DFC2E5FBD}" srcOrd="3" destOrd="0" parTransId="{B74DD82F-22F8-428C-A8AB-3289AA12C08C}" sibTransId="{811D74CA-9D2E-4FCC-A2B2-F8713663BE7B}"/>
+    <dgm:cxn modelId="{D8EE7F63-1FB4-4E52-AD34-324188BC0CA5}" srcId="{4400E540-E772-43A2-A3D3-7F120C82F2CA}" destId="{BFD41821-8D74-4C66-BA9E-A0C6D9A1B751}" srcOrd="1" destOrd="0" parTransId="{9157A3C0-855C-475F-AD05-629885FE6299}" sibTransId="{AA1B450F-0019-4F4D-A093-D24F55730030}"/>
+    <dgm:cxn modelId="{44F9E3C3-EEFF-4E35-9E92-11D882D16385}" type="presOf" srcId="{0FC0C798-C1BB-4DBB-BD73-5D3DFC2E5FBD}" destId="{E3285919-594E-4279-8082-BB35709866D9}" srcOrd="0" destOrd="0" presId="urn:microsoft.com/office/officeart/2005/8/layout/chevron1"/>
+    <dgm:cxn modelId="{27F44F4E-0AA7-4F37-B1D3-FB916093D264}" type="presOf" srcId="{4400E540-E772-43A2-A3D3-7F120C82F2CA}" destId="{4FE1CDBC-0160-4FC0-B96F-827B39775619}" srcOrd="0" destOrd="0" presId="urn:microsoft.com/office/officeart/2005/8/layout/chevron1"/>
+    <dgm:cxn modelId="{2B816D58-B6A5-4DEF-AA8F-701844821E58}" type="presOf" srcId="{C79A39E4-174A-4799-AC0D-72269752F613}" destId="{5292AAAD-FE35-48A6-A026-3195E7CE5BCA}" srcOrd="0" destOrd="0" presId="urn:microsoft.com/office/officeart/2005/8/layout/chevron1"/>
+    <dgm:cxn modelId="{91683B57-1DDF-4118-8689-E518A7FFAE7C}" srcId="{4400E540-E772-43A2-A3D3-7F120C82F2CA}" destId="{A0EF2B06-D79E-49EE-A41A-FF70CD3D626A}" srcOrd="2" destOrd="0" parTransId="{E7879C63-15CC-4889-8E13-830D37EB3829}" sibTransId="{56390224-70A9-4A6C-AA91-433A0C2574E2}"/>
+    <dgm:cxn modelId="{95ABF553-DF72-4837-91CD-E3F87CA9637F}" type="presParOf" srcId="{4FE1CDBC-0160-4FC0-B96F-827B39775619}" destId="{5292AAAD-FE35-48A6-A026-3195E7CE5BCA}" srcOrd="0" destOrd="0" presId="urn:microsoft.com/office/officeart/2005/8/layout/chevron1"/>
+    <dgm:cxn modelId="{0F3D9641-609A-4135-9A0C-075B0D8228C8}" type="presParOf" srcId="{4FE1CDBC-0160-4FC0-B96F-827B39775619}" destId="{C6E6F5E5-F77D-42D5-870E-537014FC070D}" srcOrd="1" destOrd="0" presId="urn:microsoft.com/office/officeart/2005/8/layout/chevron1"/>
+    <dgm:cxn modelId="{3D78BCE5-FDAE-43E0-A647-460FDF5F3B58}" type="presParOf" srcId="{4FE1CDBC-0160-4FC0-B96F-827B39775619}" destId="{594D59BB-6DD5-4C71-A809-7040351CBA1E}" srcOrd="2" destOrd="0" presId="urn:microsoft.com/office/officeart/2005/8/layout/chevron1"/>
+    <dgm:cxn modelId="{C3E6DBDD-57D9-455E-AE28-FA4F1CEB7BEC}" type="presParOf" srcId="{4FE1CDBC-0160-4FC0-B96F-827B39775619}" destId="{350F8066-FECB-4A0D-A87C-4FD3BFA08E5C}" srcOrd="3" destOrd="0" presId="urn:microsoft.com/office/officeart/2005/8/layout/chevron1"/>
+    <dgm:cxn modelId="{77DC1688-9BE4-46FC-A3B2-9C8761FFC2E2}" type="presParOf" srcId="{4FE1CDBC-0160-4FC0-B96F-827B39775619}" destId="{CD6D8B89-912E-4CDE-8547-CACF3A1E0D3E}" srcOrd="4" destOrd="0" presId="urn:microsoft.com/office/officeart/2005/8/layout/chevron1"/>
+    <dgm:cxn modelId="{6A8F1CE3-FBD3-4F21-9A11-444C15025F2A}" type="presParOf" srcId="{4FE1CDBC-0160-4FC0-B96F-827B39775619}" destId="{A7F36071-1E15-47A6-BA9D-ADAC313AEFB5}" srcOrd="5" destOrd="0" presId="urn:microsoft.com/office/officeart/2005/8/layout/chevron1"/>
+    <dgm:cxn modelId="{F4F36F90-C353-44EF-853C-113FF0F34735}" type="presParOf" srcId="{4FE1CDBC-0160-4FC0-B96F-827B39775619}" destId="{E3285919-594E-4279-8082-BB35709866D9}" srcOrd="6" destOrd="0" presId="urn:microsoft.com/office/officeart/2005/8/layout/chevron1"/>
+  </dgm:cxnLst>
+  <dgm:bg/>
+  <dgm:whole/>
+  <dgm:extLst>
+    <a:ext uri="http://schemas.microsoft.com/office/drawing/2008/diagram">
+      <dsp:dataModelExt xmlns:dsp="http://schemas.microsoft.com/office/drawing/2008/diagram" relId="rId11" minVer="http://schemas.openxmlformats.org/drawingml/2006/diagram"/>
+    </a:ext>
+  </dgm:extLst>
+</dgm:dataModel>
+</file>
+
+<file path=ppt/diagrams/data6.xml><?xml version="1.0" encoding="utf-8"?>
+<dgm:dataModel xmlns:dgm="http://schemas.openxmlformats.org/drawingml/2006/diagram" xmlns:a="http://schemas.openxmlformats.org/drawingml/2006/main">
+  <dgm:ptLst>
+    <dgm:pt modelId="{B6C81FFA-7B81-4C3F-BC87-1766E8F7D872}" type="doc">
+      <dgm:prSet loTypeId="urn:microsoft.com/office/officeart/2005/8/layout/process1" loCatId="process" qsTypeId="urn:microsoft.com/office/officeart/2005/8/quickstyle/simple1" qsCatId="simple" csTypeId="urn:microsoft.com/office/officeart/2005/8/colors/accent3_2" csCatId="accent3" phldr="1"/>
+      <dgm:spPr/>
+      <dgm:t>
+        <a:bodyPr/>
+        <a:lstStyle/>
+        <a:p>
+          <a:endParaRPr lang="en-US"/>
+        </a:p>
+      </dgm:t>
+    </dgm:pt>
+    <dgm:pt modelId="{2BC30D8A-BD7B-48A3-987B-E002B3FBEBB7}">
+      <dgm:prSet phldrT="[Text]"/>
+      <dgm:spPr/>
+      <dgm:t>
+        <a:bodyPr/>
+        <a:lstStyle/>
+        <a:p>
+          <a:r>
+            <a:rPr lang="en-US" dirty="0" smtClean="0"/>
+            <a:t>Convert to PDB</a:t>
+          </a:r>
+          <a:endParaRPr lang="en-US" dirty="0"/>
+        </a:p>
+      </dgm:t>
+    </dgm:pt>
+    <dgm:pt modelId="{F61E34C6-EC5F-4AA2-96BB-DC30758C790A}" type="parTrans" cxnId="{DE654FB2-8A86-480F-A2DA-0CAA11FD73CD}">
+      <dgm:prSet/>
+      <dgm:spPr/>
+      <dgm:t>
+        <a:bodyPr/>
+        <a:lstStyle/>
+        <a:p>
+          <a:endParaRPr lang="en-US"/>
+        </a:p>
+      </dgm:t>
+    </dgm:pt>
+    <dgm:pt modelId="{F94C123F-85B8-49D8-B851-1B6603A66C6B}" type="sibTrans" cxnId="{DE654FB2-8A86-480F-A2DA-0CAA11FD73CD}">
+      <dgm:prSet/>
+      <dgm:spPr/>
+      <dgm:t>
+        <a:bodyPr/>
+        <a:lstStyle/>
+        <a:p>
+          <a:endParaRPr lang="en-US"/>
+        </a:p>
+      </dgm:t>
+    </dgm:pt>
+    <dgm:pt modelId="{7BD1C587-0058-4EA7-A7CA-1F4C0F02A798}">
+      <dgm:prSet phldrT="[Text]"/>
+      <dgm:spPr/>
+      <dgm:t>
+        <a:bodyPr/>
+        <a:lstStyle/>
+        <a:p>
+          <a:r>
+            <a:rPr lang="en-US" dirty="0" err="1" smtClean="0"/>
+            <a:t>Dfire</a:t>
+          </a:r>
+          <a:r>
+            <a:rPr lang="en-US" dirty="0" smtClean="0"/>
+            <a:t> Score PDB</a:t>
+          </a:r>
+          <a:endParaRPr lang="en-US" dirty="0"/>
+        </a:p>
+      </dgm:t>
+    </dgm:pt>
+    <dgm:pt modelId="{0EEB4097-0A04-4573-B9AC-F1B366EE69AD}" type="parTrans" cxnId="{8AA6BE5C-078F-48DB-A6D3-5F1559D1A11C}">
+      <dgm:prSet/>
+      <dgm:spPr/>
+      <dgm:t>
+        <a:bodyPr/>
+        <a:lstStyle/>
+        <a:p>
+          <a:endParaRPr lang="en-US"/>
+        </a:p>
+      </dgm:t>
+    </dgm:pt>
+    <dgm:pt modelId="{AE1E220D-F46C-4B62-9B58-942F28FFAF81}" type="sibTrans" cxnId="{8AA6BE5C-078F-48DB-A6D3-5F1559D1A11C}">
+      <dgm:prSet/>
+      <dgm:spPr/>
+      <dgm:t>
+        <a:bodyPr/>
+        <a:lstStyle/>
+        <a:p>
+          <a:endParaRPr lang="en-US"/>
+        </a:p>
+      </dgm:t>
+    </dgm:pt>
+    <dgm:pt modelId="{E96CEB6B-D408-4673-BABF-8F1709B8D065}">
+      <dgm:prSet phldrT="[Text]"/>
+      <dgm:spPr/>
+      <dgm:t>
+        <a:bodyPr/>
+        <a:lstStyle/>
+        <a:p>
+          <a:r>
+            <a:rPr lang="en-US" dirty="0" smtClean="0"/>
+            <a:t>Return score</a:t>
+          </a:r>
+          <a:endParaRPr lang="en-US" dirty="0"/>
+        </a:p>
+      </dgm:t>
+    </dgm:pt>
+    <dgm:pt modelId="{CE1DD90C-41E0-4F3D-8A7B-1CF20655ABB7}" type="parTrans" cxnId="{A4C37180-F556-4599-A3DD-7815D9EBFA6F}">
+      <dgm:prSet/>
+      <dgm:spPr/>
+      <dgm:t>
+        <a:bodyPr/>
+        <a:lstStyle/>
+        <a:p>
+          <a:endParaRPr lang="en-US"/>
+        </a:p>
+      </dgm:t>
+    </dgm:pt>
+    <dgm:pt modelId="{E2E376F3-8608-4BA5-9A5B-FDA3F8DB7525}" type="sibTrans" cxnId="{A4C37180-F556-4599-A3DD-7815D9EBFA6F}">
+      <dgm:prSet/>
+      <dgm:spPr/>
+      <dgm:t>
+        <a:bodyPr/>
+        <a:lstStyle/>
+        <a:p>
+          <a:endParaRPr lang="en-US"/>
+        </a:p>
+      </dgm:t>
+    </dgm:pt>
+    <dgm:pt modelId="{9E090667-5B9B-48D5-942D-F2DE43B3E39F}" type="pres">
+      <dgm:prSet presAssocID="{B6C81FFA-7B81-4C3F-BC87-1766E8F7D872}" presName="Name0" presStyleCnt="0">
+        <dgm:presLayoutVars>
+          <dgm:dir/>
+          <dgm:resizeHandles val="exact"/>
+        </dgm:presLayoutVars>
+      </dgm:prSet>
+      <dgm:spPr/>
+      <dgm:t>
+        <a:bodyPr/>
+        <a:lstStyle/>
+        <a:p>
+          <a:endParaRPr lang="en-US"/>
+        </a:p>
+      </dgm:t>
+    </dgm:pt>
+    <dgm:pt modelId="{87CFF53C-DF75-4A3C-976A-1C934E44DBD3}" type="pres">
+      <dgm:prSet presAssocID="{2BC30D8A-BD7B-48A3-987B-E002B3FBEBB7}" presName="node" presStyleLbl="node1" presStyleIdx="0" presStyleCnt="3">
+        <dgm:presLayoutVars>
+          <dgm:bulletEnabled val="1"/>
+        </dgm:presLayoutVars>
+      </dgm:prSet>
+      <dgm:spPr/>
+      <dgm:t>
+        <a:bodyPr/>
+        <a:lstStyle/>
+        <a:p>
+          <a:endParaRPr lang="en-US"/>
+        </a:p>
+      </dgm:t>
+    </dgm:pt>
+    <dgm:pt modelId="{89420B10-3746-42A9-B161-A8F4B5F2EA5B}" type="pres">
+      <dgm:prSet presAssocID="{F94C123F-85B8-49D8-B851-1B6603A66C6B}" presName="sibTrans" presStyleLbl="sibTrans2D1" presStyleIdx="0" presStyleCnt="2"/>
+      <dgm:spPr/>
+      <dgm:t>
+        <a:bodyPr/>
+        <a:lstStyle/>
+        <a:p>
+          <a:endParaRPr lang="en-US"/>
+        </a:p>
+      </dgm:t>
+    </dgm:pt>
+    <dgm:pt modelId="{55FA191B-ED7C-4F30-B18B-D403FE68B450}" type="pres">
+      <dgm:prSet presAssocID="{F94C123F-85B8-49D8-B851-1B6603A66C6B}" presName="connectorText" presStyleLbl="sibTrans2D1" presStyleIdx="0" presStyleCnt="2"/>
+      <dgm:spPr/>
+      <dgm:t>
+        <a:bodyPr/>
+        <a:lstStyle/>
+        <a:p>
+          <a:endParaRPr lang="en-US"/>
+        </a:p>
+      </dgm:t>
+    </dgm:pt>
+    <dgm:pt modelId="{C30F8E4B-6373-4958-A793-C505CDA2CD52}" type="pres">
+      <dgm:prSet presAssocID="{7BD1C587-0058-4EA7-A7CA-1F4C0F02A798}" presName="node" presStyleLbl="node1" presStyleIdx="1" presStyleCnt="3">
+        <dgm:presLayoutVars>
+          <dgm:bulletEnabled val="1"/>
+        </dgm:presLayoutVars>
+      </dgm:prSet>
+      <dgm:spPr/>
+      <dgm:t>
+        <a:bodyPr/>
+        <a:lstStyle/>
+        <a:p>
+          <a:endParaRPr lang="en-US"/>
+        </a:p>
+      </dgm:t>
+    </dgm:pt>
+    <dgm:pt modelId="{A4F60CE4-9E78-47A5-BCA1-3822F7F099FC}" type="pres">
+      <dgm:prSet presAssocID="{AE1E220D-F46C-4B62-9B58-942F28FFAF81}" presName="sibTrans" presStyleLbl="sibTrans2D1" presStyleIdx="1" presStyleCnt="2"/>
+      <dgm:spPr/>
+      <dgm:t>
+        <a:bodyPr/>
+        <a:lstStyle/>
+        <a:p>
+          <a:endParaRPr lang="en-US"/>
+        </a:p>
+      </dgm:t>
+    </dgm:pt>
+    <dgm:pt modelId="{351833C6-2903-40DF-9258-3DB8F8AC1F60}" type="pres">
+      <dgm:prSet presAssocID="{AE1E220D-F46C-4B62-9B58-942F28FFAF81}" presName="connectorText" presStyleLbl="sibTrans2D1" presStyleIdx="1" presStyleCnt="2"/>
+      <dgm:spPr/>
+      <dgm:t>
+        <a:bodyPr/>
+        <a:lstStyle/>
+        <a:p>
+          <a:endParaRPr lang="en-US"/>
+        </a:p>
+      </dgm:t>
+    </dgm:pt>
+    <dgm:pt modelId="{9458F47F-D435-4A08-99E2-817F4045D2A7}" type="pres">
+      <dgm:prSet presAssocID="{E96CEB6B-D408-4673-BABF-8F1709B8D065}" presName="node" presStyleLbl="node1" presStyleIdx="2" presStyleCnt="3">
+        <dgm:presLayoutVars>
+          <dgm:bulletEnabled val="1"/>
+        </dgm:presLayoutVars>
+      </dgm:prSet>
+      <dgm:spPr/>
+      <dgm:t>
+        <a:bodyPr/>
+        <a:lstStyle/>
+        <a:p>
+          <a:endParaRPr lang="en-US"/>
+        </a:p>
+      </dgm:t>
+    </dgm:pt>
+  </dgm:ptLst>
+  <dgm:cxnLst>
+    <dgm:cxn modelId="{BF71C1EE-5B5D-484C-9632-1B9A58407FDE}" type="presOf" srcId="{F94C123F-85B8-49D8-B851-1B6603A66C6B}" destId="{55FA191B-ED7C-4F30-B18B-D403FE68B450}" srcOrd="1" destOrd="0" presId="urn:microsoft.com/office/officeart/2005/8/layout/process1"/>
+    <dgm:cxn modelId="{A4C37180-F556-4599-A3DD-7815D9EBFA6F}" srcId="{B6C81FFA-7B81-4C3F-BC87-1766E8F7D872}" destId="{E96CEB6B-D408-4673-BABF-8F1709B8D065}" srcOrd="2" destOrd="0" parTransId="{CE1DD90C-41E0-4F3D-8A7B-1CF20655ABB7}" sibTransId="{E2E376F3-8608-4BA5-9A5B-FDA3F8DB7525}"/>
+    <dgm:cxn modelId="{EF4174A0-6630-4234-A9DD-34100E9C5C3A}" type="presOf" srcId="{B6C81FFA-7B81-4C3F-BC87-1766E8F7D872}" destId="{9E090667-5B9B-48D5-942D-F2DE43B3E39F}" srcOrd="0" destOrd="0" presId="urn:microsoft.com/office/officeart/2005/8/layout/process1"/>
+    <dgm:cxn modelId="{ED0B9352-7B8C-44AA-AA61-678A459B5013}" type="presOf" srcId="{7BD1C587-0058-4EA7-A7CA-1F4C0F02A798}" destId="{C30F8E4B-6373-4958-A793-C505CDA2CD52}" srcOrd="0" destOrd="0" presId="urn:microsoft.com/office/officeart/2005/8/layout/process1"/>
+    <dgm:cxn modelId="{3B47806B-EAAD-46BE-A0C5-F8CC1C8E1947}" type="presOf" srcId="{AE1E220D-F46C-4B62-9B58-942F28FFAF81}" destId="{A4F60CE4-9E78-47A5-BCA1-3822F7F099FC}" srcOrd="0" destOrd="0" presId="urn:microsoft.com/office/officeart/2005/8/layout/process1"/>
+    <dgm:cxn modelId="{8F0792B2-CCF0-4FCC-B67B-DFFF4509D8BE}" type="presOf" srcId="{F94C123F-85B8-49D8-B851-1B6603A66C6B}" destId="{89420B10-3746-42A9-B161-A8F4B5F2EA5B}" srcOrd="0" destOrd="0" presId="urn:microsoft.com/office/officeart/2005/8/layout/process1"/>
+    <dgm:cxn modelId="{8AA6BE5C-078F-48DB-A6D3-5F1559D1A11C}" srcId="{B6C81FFA-7B81-4C3F-BC87-1766E8F7D872}" destId="{7BD1C587-0058-4EA7-A7CA-1F4C0F02A798}" srcOrd="1" destOrd="0" parTransId="{0EEB4097-0A04-4573-B9AC-F1B366EE69AD}" sibTransId="{AE1E220D-F46C-4B62-9B58-942F28FFAF81}"/>
+    <dgm:cxn modelId="{DE654FB2-8A86-480F-A2DA-0CAA11FD73CD}" srcId="{B6C81FFA-7B81-4C3F-BC87-1766E8F7D872}" destId="{2BC30D8A-BD7B-48A3-987B-E002B3FBEBB7}" srcOrd="0" destOrd="0" parTransId="{F61E34C6-EC5F-4AA2-96BB-DC30758C790A}" sibTransId="{F94C123F-85B8-49D8-B851-1B6603A66C6B}"/>
+    <dgm:cxn modelId="{97FCC7A4-E2A1-4E4F-8AB1-051D0890BE21}" type="presOf" srcId="{2BC30D8A-BD7B-48A3-987B-E002B3FBEBB7}" destId="{87CFF53C-DF75-4A3C-976A-1C934E44DBD3}" srcOrd="0" destOrd="0" presId="urn:microsoft.com/office/officeart/2005/8/layout/process1"/>
+    <dgm:cxn modelId="{0092003D-2DE1-4948-9152-40D1E324D088}" type="presOf" srcId="{AE1E220D-F46C-4B62-9B58-942F28FFAF81}" destId="{351833C6-2903-40DF-9258-3DB8F8AC1F60}" srcOrd="1" destOrd="0" presId="urn:microsoft.com/office/officeart/2005/8/layout/process1"/>
+    <dgm:cxn modelId="{C67CF58A-0247-45F2-BB1A-62873F3F6781}" type="presOf" srcId="{E96CEB6B-D408-4673-BABF-8F1709B8D065}" destId="{9458F47F-D435-4A08-99E2-817F4045D2A7}" srcOrd="0" destOrd="0" presId="urn:microsoft.com/office/officeart/2005/8/layout/process1"/>
+    <dgm:cxn modelId="{4D527B60-7F0F-406A-94EA-D4F41A2A3794}" type="presParOf" srcId="{9E090667-5B9B-48D5-942D-F2DE43B3E39F}" destId="{87CFF53C-DF75-4A3C-976A-1C934E44DBD3}" srcOrd="0" destOrd="0" presId="urn:microsoft.com/office/officeart/2005/8/layout/process1"/>
+    <dgm:cxn modelId="{8D6B326B-3732-477C-AF24-7369E518E131}" type="presParOf" srcId="{9E090667-5B9B-48D5-942D-F2DE43B3E39F}" destId="{89420B10-3746-42A9-B161-A8F4B5F2EA5B}" srcOrd="1" destOrd="0" presId="urn:microsoft.com/office/officeart/2005/8/layout/process1"/>
+    <dgm:cxn modelId="{11D37C07-F96B-4036-ACDF-09F4BE5923A6}" type="presParOf" srcId="{89420B10-3746-42A9-B161-A8F4B5F2EA5B}" destId="{55FA191B-ED7C-4F30-B18B-D403FE68B450}" srcOrd="0" destOrd="0" presId="urn:microsoft.com/office/officeart/2005/8/layout/process1"/>
+    <dgm:cxn modelId="{9ED1C046-1E0B-419F-9519-85534C66DB32}" type="presParOf" srcId="{9E090667-5B9B-48D5-942D-F2DE43B3E39F}" destId="{C30F8E4B-6373-4958-A793-C505CDA2CD52}" srcOrd="2" destOrd="0" presId="urn:microsoft.com/office/officeart/2005/8/layout/process1"/>
+    <dgm:cxn modelId="{4F636F3E-B0A4-4499-8C12-57450593021B}" type="presParOf" srcId="{9E090667-5B9B-48D5-942D-F2DE43B3E39F}" destId="{A4F60CE4-9E78-47A5-BCA1-3822F7F099FC}" srcOrd="3" destOrd="0" presId="urn:microsoft.com/office/officeart/2005/8/layout/process1"/>
+    <dgm:cxn modelId="{ADE9B24A-2018-4191-9F34-587C612A4CDC}" type="presParOf" srcId="{A4F60CE4-9E78-47A5-BCA1-3822F7F099FC}" destId="{351833C6-2903-40DF-9258-3DB8F8AC1F60}" srcOrd="0" destOrd="0" presId="urn:microsoft.com/office/officeart/2005/8/layout/process1"/>
+    <dgm:cxn modelId="{1A1EFB1A-A2AC-47E8-BE0B-405F78E0142A}" type="presParOf" srcId="{9E090667-5B9B-48D5-942D-F2DE43B3E39F}" destId="{9458F47F-D435-4A08-99E2-817F4045D2A7}" srcOrd="4" destOrd="0" presId="urn:microsoft.com/office/officeart/2005/8/layout/process1"/>
   </dgm:cxnLst>
   <dgm:bg/>
   <dgm:whole/>
@@ -9741,6 +13121,1370 @@
 </dsp:drawing>
 </file>
 
+<file path=ppt/diagrams/drawing4.xml><?xml version="1.0" encoding="utf-8"?>
+<dsp:drawing xmlns:dgm="http://schemas.openxmlformats.org/drawingml/2006/diagram" xmlns:dsp="http://schemas.microsoft.com/office/drawing/2008/diagram" xmlns:a="http://schemas.openxmlformats.org/drawingml/2006/main">
+  <dsp:spTree>
+    <dsp:nvGrpSpPr>
+      <dsp:cNvPr id="0" name=""/>
+      <dsp:cNvGrpSpPr/>
+    </dsp:nvGrpSpPr>
+    <dsp:grpSpPr/>
+    <dsp:sp modelId="{3179E677-4E5D-4DE2-999F-36859368CC84}">
+      <dsp:nvSpPr>
+        <dsp:cNvPr id="0" name=""/>
+        <dsp:cNvSpPr/>
+      </dsp:nvSpPr>
+      <dsp:spPr>
+        <a:xfrm>
+          <a:off x="1059" y="216768"/>
+          <a:ext cx="2115343" cy="846137"/>
+        </a:xfrm>
+        <a:prstGeom prst="chevron">
+          <a:avLst/>
+        </a:prstGeom>
+        <a:gradFill rotWithShape="0">
+          <a:gsLst>
+            <a:gs pos="0">
+              <a:schemeClr val="accent1">
+                <a:hueOff val="0"/>
+                <a:satOff val="0"/>
+                <a:lumOff val="0"/>
+                <a:alphaOff val="0"/>
+                <a:tint val="65000"/>
+                <a:shade val="92000"/>
+                <a:satMod val="130000"/>
+              </a:schemeClr>
+            </a:gs>
+            <a:gs pos="45000">
+              <a:schemeClr val="accent1">
+                <a:hueOff val="0"/>
+                <a:satOff val="0"/>
+                <a:lumOff val="0"/>
+                <a:alphaOff val="0"/>
+                <a:tint val="60000"/>
+                <a:shade val="99000"/>
+                <a:satMod val="120000"/>
+              </a:schemeClr>
+            </a:gs>
+            <a:gs pos="100000">
+              <a:schemeClr val="accent1">
+                <a:hueOff val="0"/>
+                <a:satOff val="0"/>
+                <a:lumOff val="0"/>
+                <a:alphaOff val="0"/>
+                <a:tint val="55000"/>
+                <a:satMod val="140000"/>
+              </a:schemeClr>
+            </a:gs>
+          </a:gsLst>
+          <a:path path="circle">
+            <a:fillToRect l="100000" t="100000" r="100000" b="100000"/>
+          </a:path>
+        </a:gradFill>
+        <a:ln>
+          <a:noFill/>
+        </a:ln>
+        <a:effectLst/>
+        <a:scene3d>
+          <a:camera prst="orthographicFront"/>
+          <a:lightRig rig="flat" dir="t"/>
+        </a:scene3d>
+        <a:sp3d prstMaterial="dkEdge">
+          <a:bevelT w="8200" h="38100"/>
+        </a:sp3d>
+      </dsp:spPr>
+      <dsp:style>
+        <a:lnRef idx="0">
+          <a:scrgbClr r="0" g="0" b="0"/>
+        </a:lnRef>
+        <a:fillRef idx="2">
+          <a:scrgbClr r="0" g="0" b="0"/>
+        </a:fillRef>
+        <a:effectRef idx="1">
+          <a:scrgbClr r="0" g="0" b="0"/>
+        </a:effectRef>
+        <a:fontRef idx="minor">
+          <a:schemeClr val="dk1"/>
+        </a:fontRef>
+      </dsp:style>
+      <dsp:txBody>
+        <a:bodyPr spcFirstLastPara="0" vert="horz" wrap="square" lIns="29210" tIns="14605" rIns="0" bIns="14605" numCol="1" spcCol="1270" anchor="ctr" anchorCtr="0">
+          <a:noAutofit/>
+        </a:bodyPr>
+        <a:lstStyle/>
+        <a:p>
+          <a:pPr lvl="0" algn="ctr" defTabSz="1022350">
+            <a:lnSpc>
+              <a:spcPct val="90000"/>
+            </a:lnSpc>
+            <a:spcBef>
+              <a:spcPct val="0"/>
+            </a:spcBef>
+            <a:spcAft>
+              <a:spcPct val="35000"/>
+            </a:spcAft>
+          </a:pPr>
+          <a:r>
+            <a:rPr lang="en-US" sz="2300" kern="1200" smtClean="0"/>
+            <a:t>Initialize Decoy</a:t>
+          </a:r>
+          <a:endParaRPr lang="en-US" sz="2300" kern="1200"/>
+        </a:p>
+      </dsp:txBody>
+      <dsp:txXfrm>
+        <a:off x="424128" y="216768"/>
+        <a:ext cx="1269206" cy="846137"/>
+      </dsp:txXfrm>
+    </dsp:sp>
+    <dsp:sp modelId="{BFFCCB52-61F7-4AEC-93FC-D8A8B0FFF248}">
+      <dsp:nvSpPr>
+        <dsp:cNvPr id="0" name=""/>
+        <dsp:cNvSpPr/>
+      </dsp:nvSpPr>
+      <dsp:spPr>
+        <a:xfrm>
+          <a:off x="1059" y="1181364"/>
+          <a:ext cx="2115343" cy="846137"/>
+        </a:xfrm>
+        <a:prstGeom prst="chevron">
+          <a:avLst/>
+        </a:prstGeom>
+        <a:gradFill rotWithShape="0">
+          <a:gsLst>
+            <a:gs pos="0">
+              <a:schemeClr val="accent1">
+                <a:hueOff val="0"/>
+                <a:satOff val="0"/>
+                <a:lumOff val="0"/>
+                <a:alphaOff val="0"/>
+                <a:tint val="65000"/>
+                <a:shade val="92000"/>
+                <a:satMod val="130000"/>
+              </a:schemeClr>
+            </a:gs>
+            <a:gs pos="45000">
+              <a:schemeClr val="accent1">
+                <a:hueOff val="0"/>
+                <a:satOff val="0"/>
+                <a:lumOff val="0"/>
+                <a:alphaOff val="0"/>
+                <a:tint val="60000"/>
+                <a:shade val="99000"/>
+                <a:satMod val="120000"/>
+              </a:schemeClr>
+            </a:gs>
+            <a:gs pos="100000">
+              <a:schemeClr val="accent1">
+                <a:hueOff val="0"/>
+                <a:satOff val="0"/>
+                <a:lumOff val="0"/>
+                <a:alphaOff val="0"/>
+                <a:tint val="55000"/>
+                <a:satMod val="140000"/>
+              </a:schemeClr>
+            </a:gs>
+          </a:gsLst>
+          <a:path path="circle">
+            <a:fillToRect l="100000" t="100000" r="100000" b="100000"/>
+          </a:path>
+        </a:gradFill>
+        <a:ln>
+          <a:noFill/>
+        </a:ln>
+        <a:effectLst/>
+        <a:scene3d>
+          <a:camera prst="orthographicFront"/>
+          <a:lightRig rig="flat" dir="t"/>
+        </a:scene3d>
+        <a:sp3d prstMaterial="dkEdge">
+          <a:bevelT w="8200" h="38100"/>
+        </a:sp3d>
+      </dsp:spPr>
+      <dsp:style>
+        <a:lnRef idx="0">
+          <a:scrgbClr r="0" g="0" b="0"/>
+        </a:lnRef>
+        <a:fillRef idx="2">
+          <a:scrgbClr r="0" g="0" b="0"/>
+        </a:fillRef>
+        <a:effectRef idx="1">
+          <a:scrgbClr r="0" g="0" b="0"/>
+        </a:effectRef>
+        <a:fontRef idx="minor">
+          <a:schemeClr val="dk1"/>
+        </a:fontRef>
+      </dsp:style>
+      <dsp:txBody>
+        <a:bodyPr spcFirstLastPara="0" vert="horz" wrap="square" lIns="29210" tIns="14605" rIns="0" bIns="14605" numCol="1" spcCol="1270" anchor="ctr" anchorCtr="0">
+          <a:noAutofit/>
+        </a:bodyPr>
+        <a:lstStyle/>
+        <a:p>
+          <a:pPr lvl="0" algn="ctr" defTabSz="1022350">
+            <a:lnSpc>
+              <a:spcPct val="90000"/>
+            </a:lnSpc>
+            <a:spcBef>
+              <a:spcPct val="0"/>
+            </a:spcBef>
+            <a:spcAft>
+              <a:spcPct val="35000"/>
+            </a:spcAft>
+          </a:pPr>
+          <a:r>
+            <a:rPr lang="en-US" sz="2300" kern="1200" smtClean="0"/>
+            <a:t>Simulated Annealing</a:t>
+          </a:r>
+          <a:endParaRPr lang="en-US" sz="2300" kern="1200" dirty="0" smtClean="0"/>
+        </a:p>
+      </dsp:txBody>
+      <dsp:txXfrm>
+        <a:off x="424128" y="1181364"/>
+        <a:ext cx="1269206" cy="846137"/>
+      </dsp:txXfrm>
+    </dsp:sp>
+    <dsp:sp modelId="{195104EC-1F94-47CC-BF85-520C1FFAF437}">
+      <dsp:nvSpPr>
+        <dsp:cNvPr id="0" name=""/>
+        <dsp:cNvSpPr/>
+      </dsp:nvSpPr>
+      <dsp:spPr>
+        <a:xfrm>
+          <a:off x="1841408" y="1253286"/>
+          <a:ext cx="1755735" cy="702294"/>
+        </a:xfrm>
+        <a:prstGeom prst="chevron">
+          <a:avLst/>
+        </a:prstGeom>
+        <a:solidFill>
+          <a:schemeClr val="accent1">
+            <a:alpha val="90000"/>
+            <a:tint val="40000"/>
+            <a:hueOff val="0"/>
+            <a:satOff val="0"/>
+            <a:lumOff val="0"/>
+            <a:alphaOff val="0"/>
+          </a:schemeClr>
+        </a:solidFill>
+        <a:ln w="12700" cap="flat" cmpd="sng" algn="ctr">
+          <a:solidFill>
+            <a:schemeClr val="accent1">
+              <a:alpha val="90000"/>
+              <a:tint val="40000"/>
+              <a:hueOff val="0"/>
+              <a:satOff val="0"/>
+              <a:lumOff val="0"/>
+              <a:alphaOff val="0"/>
+            </a:schemeClr>
+          </a:solidFill>
+          <a:prstDash val="solid"/>
+        </a:ln>
+        <a:effectLst/>
+      </dsp:spPr>
+      <dsp:style>
+        <a:lnRef idx="1">
+          <a:scrgbClr r="0" g="0" b="0"/>
+        </a:lnRef>
+        <a:fillRef idx="1">
+          <a:scrgbClr r="0" g="0" b="0"/>
+        </a:fillRef>
+        <a:effectRef idx="0">
+          <a:scrgbClr r="0" g="0" b="0"/>
+        </a:effectRef>
+        <a:fontRef idx="minor"/>
+      </dsp:style>
+      <dsp:txBody>
+        <a:bodyPr spcFirstLastPara="0" vert="horz" wrap="square" lIns="17780" tIns="8890" rIns="0" bIns="8890" numCol="1" spcCol="1270" anchor="ctr" anchorCtr="0">
+          <a:noAutofit/>
+        </a:bodyPr>
+        <a:lstStyle/>
+        <a:p>
+          <a:pPr lvl="0" algn="ctr" defTabSz="622300">
+            <a:lnSpc>
+              <a:spcPct val="90000"/>
+            </a:lnSpc>
+            <a:spcBef>
+              <a:spcPct val="0"/>
+            </a:spcBef>
+            <a:spcAft>
+              <a:spcPct val="35000"/>
+            </a:spcAft>
+          </a:pPr>
+          <a:r>
+            <a:rPr lang="en-US" sz="1400" kern="1200" smtClean="0"/>
+            <a:t>Select Neighbor</a:t>
+          </a:r>
+          <a:endParaRPr lang="en-US" sz="1400" kern="1200" dirty="0" smtClean="0"/>
+        </a:p>
+      </dsp:txBody>
+      <dsp:txXfrm>
+        <a:off x="2192555" y="1253286"/>
+        <a:ext cx="1053441" cy="702294"/>
+      </dsp:txXfrm>
+    </dsp:sp>
+    <dsp:sp modelId="{EA8D1806-CAEE-4346-8E6D-92B2C3273859}">
+      <dsp:nvSpPr>
+        <dsp:cNvPr id="0" name=""/>
+        <dsp:cNvSpPr/>
+      </dsp:nvSpPr>
+      <dsp:spPr>
+        <a:xfrm>
+          <a:off x="3351340" y="1253286"/>
+          <a:ext cx="1755735" cy="702294"/>
+        </a:xfrm>
+        <a:prstGeom prst="chevron">
+          <a:avLst/>
+        </a:prstGeom>
+        <a:solidFill>
+          <a:schemeClr val="accent1">
+            <a:alpha val="90000"/>
+            <a:tint val="40000"/>
+            <a:hueOff val="0"/>
+            <a:satOff val="0"/>
+            <a:lumOff val="0"/>
+            <a:alphaOff val="0"/>
+          </a:schemeClr>
+        </a:solidFill>
+        <a:ln w="12700" cap="flat" cmpd="sng" algn="ctr">
+          <a:solidFill>
+            <a:schemeClr val="accent1">
+              <a:alpha val="90000"/>
+              <a:tint val="40000"/>
+              <a:hueOff val="0"/>
+              <a:satOff val="0"/>
+              <a:lumOff val="0"/>
+              <a:alphaOff val="0"/>
+            </a:schemeClr>
+          </a:solidFill>
+          <a:prstDash val="solid"/>
+        </a:ln>
+        <a:effectLst/>
+      </dsp:spPr>
+      <dsp:style>
+        <a:lnRef idx="1">
+          <a:scrgbClr r="0" g="0" b="0"/>
+        </a:lnRef>
+        <a:fillRef idx="1">
+          <a:scrgbClr r="0" g="0" b="0"/>
+        </a:fillRef>
+        <a:effectRef idx="0">
+          <a:scrgbClr r="0" g="0" b="0"/>
+        </a:effectRef>
+        <a:fontRef idx="minor"/>
+      </dsp:style>
+      <dsp:txBody>
+        <a:bodyPr spcFirstLastPara="0" vert="horz" wrap="square" lIns="17780" tIns="8890" rIns="0" bIns="8890" numCol="1" spcCol="1270" anchor="ctr" anchorCtr="0">
+          <a:noAutofit/>
+        </a:bodyPr>
+        <a:lstStyle/>
+        <a:p>
+          <a:pPr lvl="0" algn="ctr" defTabSz="622300">
+            <a:lnSpc>
+              <a:spcPct val="90000"/>
+            </a:lnSpc>
+            <a:spcBef>
+              <a:spcPct val="0"/>
+            </a:spcBef>
+            <a:spcAft>
+              <a:spcPct val="35000"/>
+            </a:spcAft>
+          </a:pPr>
+          <a:r>
+            <a:rPr lang="en-US" sz="1400" kern="1200" smtClean="0"/>
+            <a:t>Compare scores</a:t>
+          </a:r>
+          <a:endParaRPr lang="en-US" sz="1400" kern="1200" dirty="0" smtClean="0"/>
+        </a:p>
+      </dsp:txBody>
+      <dsp:txXfrm>
+        <a:off x="3702487" y="1253286"/>
+        <a:ext cx="1053441" cy="702294"/>
+      </dsp:txXfrm>
+    </dsp:sp>
+    <dsp:sp modelId="{E8AEBF80-7DA8-4505-B00B-9C6BAC7A9D58}">
+      <dsp:nvSpPr>
+        <dsp:cNvPr id="0" name=""/>
+        <dsp:cNvSpPr/>
+      </dsp:nvSpPr>
+      <dsp:spPr>
+        <a:xfrm>
+          <a:off x="4861273" y="1253286"/>
+          <a:ext cx="1755735" cy="702294"/>
+        </a:xfrm>
+        <a:prstGeom prst="chevron">
+          <a:avLst/>
+        </a:prstGeom>
+        <a:solidFill>
+          <a:schemeClr val="accent1">
+            <a:alpha val="90000"/>
+            <a:tint val="40000"/>
+            <a:hueOff val="0"/>
+            <a:satOff val="0"/>
+            <a:lumOff val="0"/>
+            <a:alphaOff val="0"/>
+          </a:schemeClr>
+        </a:solidFill>
+        <a:ln w="12700" cap="flat" cmpd="sng" algn="ctr">
+          <a:solidFill>
+            <a:schemeClr val="accent1">
+              <a:alpha val="90000"/>
+              <a:tint val="40000"/>
+              <a:hueOff val="0"/>
+              <a:satOff val="0"/>
+              <a:lumOff val="0"/>
+              <a:alphaOff val="0"/>
+            </a:schemeClr>
+          </a:solidFill>
+          <a:prstDash val="solid"/>
+        </a:ln>
+        <a:effectLst/>
+      </dsp:spPr>
+      <dsp:style>
+        <a:lnRef idx="1">
+          <a:scrgbClr r="0" g="0" b="0"/>
+        </a:lnRef>
+        <a:fillRef idx="1">
+          <a:scrgbClr r="0" g="0" b="0"/>
+        </a:fillRef>
+        <a:effectRef idx="0">
+          <a:scrgbClr r="0" g="0" b="0"/>
+        </a:effectRef>
+        <a:fontRef idx="minor"/>
+      </dsp:style>
+      <dsp:txBody>
+        <a:bodyPr spcFirstLastPara="0" vert="horz" wrap="square" lIns="17780" tIns="8890" rIns="0" bIns="8890" numCol="1" spcCol="1270" anchor="ctr" anchorCtr="0">
+          <a:noAutofit/>
+        </a:bodyPr>
+        <a:lstStyle/>
+        <a:p>
+          <a:pPr lvl="0" algn="ctr" defTabSz="622300">
+            <a:lnSpc>
+              <a:spcPct val="90000"/>
+            </a:lnSpc>
+            <a:spcBef>
+              <a:spcPct val="0"/>
+            </a:spcBef>
+            <a:spcAft>
+              <a:spcPct val="35000"/>
+            </a:spcAft>
+          </a:pPr>
+          <a:r>
+            <a:rPr lang="en-US" sz="1400" kern="1200" smtClean="0"/>
+            <a:t>Accept/Reject</a:t>
+          </a:r>
+          <a:endParaRPr lang="en-US" sz="1400" kern="1200" dirty="0" smtClean="0"/>
+        </a:p>
+      </dsp:txBody>
+      <dsp:txXfrm>
+        <a:off x="5212420" y="1253286"/>
+        <a:ext cx="1053441" cy="702294"/>
+      </dsp:txXfrm>
+    </dsp:sp>
+    <dsp:sp modelId="{77E12061-C52D-44EC-B12B-E60073B0BA79}">
+      <dsp:nvSpPr>
+        <dsp:cNvPr id="0" name=""/>
+        <dsp:cNvSpPr/>
+      </dsp:nvSpPr>
+      <dsp:spPr>
+        <a:xfrm>
+          <a:off x="6371205" y="1253286"/>
+          <a:ext cx="1755735" cy="702294"/>
+        </a:xfrm>
+        <a:prstGeom prst="chevron">
+          <a:avLst/>
+        </a:prstGeom>
+        <a:solidFill>
+          <a:schemeClr val="accent1">
+            <a:alpha val="90000"/>
+            <a:tint val="40000"/>
+            <a:hueOff val="0"/>
+            <a:satOff val="0"/>
+            <a:lumOff val="0"/>
+            <a:alphaOff val="0"/>
+          </a:schemeClr>
+        </a:solidFill>
+        <a:ln w="12700" cap="flat" cmpd="sng" algn="ctr">
+          <a:solidFill>
+            <a:schemeClr val="accent1">
+              <a:alpha val="90000"/>
+              <a:tint val="40000"/>
+              <a:hueOff val="0"/>
+              <a:satOff val="0"/>
+              <a:lumOff val="0"/>
+              <a:alphaOff val="0"/>
+            </a:schemeClr>
+          </a:solidFill>
+          <a:prstDash val="solid"/>
+        </a:ln>
+        <a:effectLst/>
+      </dsp:spPr>
+      <dsp:style>
+        <a:lnRef idx="1">
+          <a:scrgbClr r="0" g="0" b="0"/>
+        </a:lnRef>
+        <a:fillRef idx="1">
+          <a:scrgbClr r="0" g="0" b="0"/>
+        </a:fillRef>
+        <a:effectRef idx="0">
+          <a:scrgbClr r="0" g="0" b="0"/>
+        </a:effectRef>
+        <a:fontRef idx="minor"/>
+      </dsp:style>
+      <dsp:txBody>
+        <a:bodyPr spcFirstLastPara="0" vert="horz" wrap="square" lIns="17780" tIns="8890" rIns="0" bIns="8890" numCol="1" spcCol="1270" anchor="ctr" anchorCtr="0">
+          <a:noAutofit/>
+        </a:bodyPr>
+        <a:lstStyle/>
+        <a:p>
+          <a:pPr lvl="0" algn="ctr" defTabSz="622300">
+            <a:lnSpc>
+              <a:spcPct val="90000"/>
+            </a:lnSpc>
+            <a:spcBef>
+              <a:spcPct val="0"/>
+            </a:spcBef>
+            <a:spcAft>
+              <a:spcPct val="35000"/>
+            </a:spcAft>
+          </a:pPr>
+          <a:r>
+            <a:rPr lang="en-US" sz="1400" kern="1200" smtClean="0"/>
+            <a:t>Repeat until cool</a:t>
+          </a:r>
+          <a:endParaRPr lang="en-US" sz="1400" kern="1200" dirty="0" smtClean="0"/>
+        </a:p>
+      </dsp:txBody>
+      <dsp:txXfrm>
+        <a:off x="6722352" y="1253286"/>
+        <a:ext cx="1053441" cy="702294"/>
+      </dsp:txXfrm>
+    </dsp:sp>
+    <dsp:sp modelId="{BDEF8731-0750-4209-A3D5-189EE8741F4C}">
+      <dsp:nvSpPr>
+        <dsp:cNvPr id="0" name=""/>
+        <dsp:cNvSpPr/>
+      </dsp:nvSpPr>
+      <dsp:spPr>
+        <a:xfrm>
+          <a:off x="1059" y="2145961"/>
+          <a:ext cx="2115343" cy="846137"/>
+        </a:xfrm>
+        <a:prstGeom prst="chevron">
+          <a:avLst/>
+        </a:prstGeom>
+        <a:gradFill rotWithShape="0">
+          <a:gsLst>
+            <a:gs pos="0">
+              <a:schemeClr val="accent1">
+                <a:hueOff val="0"/>
+                <a:satOff val="0"/>
+                <a:lumOff val="0"/>
+                <a:alphaOff val="0"/>
+                <a:tint val="65000"/>
+                <a:shade val="92000"/>
+                <a:satMod val="130000"/>
+              </a:schemeClr>
+            </a:gs>
+            <a:gs pos="45000">
+              <a:schemeClr val="accent1">
+                <a:hueOff val="0"/>
+                <a:satOff val="0"/>
+                <a:lumOff val="0"/>
+                <a:alphaOff val="0"/>
+                <a:tint val="60000"/>
+                <a:shade val="99000"/>
+                <a:satMod val="120000"/>
+              </a:schemeClr>
+            </a:gs>
+            <a:gs pos="100000">
+              <a:schemeClr val="accent1">
+                <a:hueOff val="0"/>
+                <a:satOff val="0"/>
+                <a:lumOff val="0"/>
+                <a:alphaOff val="0"/>
+                <a:tint val="55000"/>
+                <a:satMod val="140000"/>
+              </a:schemeClr>
+            </a:gs>
+          </a:gsLst>
+          <a:path path="circle">
+            <a:fillToRect l="100000" t="100000" r="100000" b="100000"/>
+          </a:path>
+        </a:gradFill>
+        <a:ln>
+          <a:noFill/>
+        </a:ln>
+        <a:effectLst/>
+        <a:scene3d>
+          <a:camera prst="orthographicFront"/>
+          <a:lightRig rig="flat" dir="t"/>
+        </a:scene3d>
+        <a:sp3d prstMaterial="dkEdge">
+          <a:bevelT w="8200" h="38100"/>
+        </a:sp3d>
+      </dsp:spPr>
+      <dsp:style>
+        <a:lnRef idx="0">
+          <a:scrgbClr r="0" g="0" b="0"/>
+        </a:lnRef>
+        <a:fillRef idx="2">
+          <a:scrgbClr r="0" g="0" b="0"/>
+        </a:fillRef>
+        <a:effectRef idx="1">
+          <a:scrgbClr r="0" g="0" b="0"/>
+        </a:effectRef>
+        <a:fontRef idx="minor">
+          <a:schemeClr val="dk1"/>
+        </a:fontRef>
+      </dsp:style>
+      <dsp:txBody>
+        <a:bodyPr spcFirstLastPara="0" vert="horz" wrap="square" lIns="29210" tIns="14605" rIns="0" bIns="14605" numCol="1" spcCol="1270" anchor="ctr" anchorCtr="0">
+          <a:noAutofit/>
+        </a:bodyPr>
+        <a:lstStyle/>
+        <a:p>
+          <a:pPr lvl="0" algn="ctr" defTabSz="1022350">
+            <a:lnSpc>
+              <a:spcPct val="90000"/>
+            </a:lnSpc>
+            <a:spcBef>
+              <a:spcPct val="0"/>
+            </a:spcBef>
+            <a:spcAft>
+              <a:spcPct val="35000"/>
+            </a:spcAft>
+          </a:pPr>
+          <a:r>
+            <a:rPr lang="en-US" sz="2300" kern="1200" smtClean="0"/>
+            <a:t>Add to list of decoys</a:t>
+          </a:r>
+          <a:endParaRPr lang="en-US" sz="2300" kern="1200" dirty="0" smtClean="0"/>
+        </a:p>
+      </dsp:txBody>
+      <dsp:txXfrm>
+        <a:off x="424128" y="2145961"/>
+        <a:ext cx="1269206" cy="846137"/>
+      </dsp:txXfrm>
+    </dsp:sp>
+  </dsp:spTree>
+</dsp:drawing>
+</file>
+
+<file path=ppt/diagrams/drawing5.xml><?xml version="1.0" encoding="utf-8"?>
+<dsp:drawing xmlns:dgm="http://schemas.openxmlformats.org/drawingml/2006/diagram" xmlns:dsp="http://schemas.microsoft.com/office/drawing/2008/diagram" xmlns:a="http://schemas.openxmlformats.org/drawingml/2006/main">
+  <dsp:spTree>
+    <dsp:nvGrpSpPr>
+      <dsp:cNvPr id="0" name=""/>
+      <dsp:cNvGrpSpPr/>
+    </dsp:nvGrpSpPr>
+    <dsp:grpSpPr/>
+    <dsp:sp modelId="{5292AAAD-FE35-48A6-A026-3195E7CE5BCA}">
+      <dsp:nvSpPr>
+        <dsp:cNvPr id="0" name=""/>
+        <dsp:cNvSpPr/>
+      </dsp:nvSpPr>
+      <dsp:spPr>
+        <a:xfrm>
+          <a:off x="2450" y="40653"/>
+          <a:ext cx="1426567" cy="570626"/>
+        </a:xfrm>
+        <a:prstGeom prst="chevron">
+          <a:avLst/>
+        </a:prstGeom>
+        <a:solidFill>
+          <a:schemeClr val="accent6">
+            <a:shade val="80000"/>
+            <a:hueOff val="0"/>
+            <a:satOff val="0"/>
+            <a:lumOff val="0"/>
+            <a:alphaOff val="0"/>
+          </a:schemeClr>
+        </a:solidFill>
+        <a:ln w="15875" cap="flat" cmpd="sng" algn="ctr">
+          <a:solidFill>
+            <a:schemeClr val="lt1">
+              <a:hueOff val="0"/>
+              <a:satOff val="0"/>
+              <a:lumOff val="0"/>
+              <a:alphaOff val="0"/>
+            </a:schemeClr>
+          </a:solidFill>
+          <a:prstDash val="solid"/>
+        </a:ln>
+        <a:effectLst/>
+      </dsp:spPr>
+      <dsp:style>
+        <a:lnRef idx="2">
+          <a:scrgbClr r="0" g="0" b="0"/>
+        </a:lnRef>
+        <a:fillRef idx="1">
+          <a:scrgbClr r="0" g="0" b="0"/>
+        </a:fillRef>
+        <a:effectRef idx="0">
+          <a:scrgbClr r="0" g="0" b="0"/>
+        </a:effectRef>
+        <a:fontRef idx="minor">
+          <a:schemeClr val="lt1"/>
+        </a:fontRef>
+      </dsp:style>
+      <dsp:txBody>
+        <a:bodyPr spcFirstLastPara="0" vert="horz" wrap="square" lIns="56007" tIns="18669" rIns="18669" bIns="18669" numCol="1" spcCol="1270" anchor="ctr" anchorCtr="0">
+          <a:noAutofit/>
+        </a:bodyPr>
+        <a:lstStyle/>
+        <a:p>
+          <a:pPr lvl="0" algn="ctr" defTabSz="622300">
+            <a:lnSpc>
+              <a:spcPct val="90000"/>
+            </a:lnSpc>
+            <a:spcBef>
+              <a:spcPct val="0"/>
+            </a:spcBef>
+            <a:spcAft>
+              <a:spcPct val="35000"/>
+            </a:spcAft>
+          </a:pPr>
+          <a:r>
+            <a:rPr lang="en-US" sz="1400" kern="1200" dirty="0" smtClean="0"/>
+            <a:t>Load in PDBs</a:t>
+          </a:r>
+          <a:endParaRPr lang="en-US" sz="1400" kern="1200" dirty="0"/>
+        </a:p>
+      </dsp:txBody>
+      <dsp:txXfrm>
+        <a:off x="287763" y="40653"/>
+        <a:ext cx="855941" cy="570626"/>
+      </dsp:txXfrm>
+    </dsp:sp>
+    <dsp:sp modelId="{594D59BB-6DD5-4C71-A809-7040351CBA1E}">
+      <dsp:nvSpPr>
+        <dsp:cNvPr id="0" name=""/>
+        <dsp:cNvSpPr/>
+      </dsp:nvSpPr>
+      <dsp:spPr>
+        <a:xfrm>
+          <a:off x="1286361" y="40653"/>
+          <a:ext cx="1426567" cy="570626"/>
+        </a:xfrm>
+        <a:prstGeom prst="chevron">
+          <a:avLst/>
+        </a:prstGeom>
+        <a:solidFill>
+          <a:schemeClr val="accent6">
+            <a:shade val="80000"/>
+            <a:hueOff val="18370"/>
+            <a:satOff val="90"/>
+            <a:lumOff val="7230"/>
+            <a:alphaOff val="0"/>
+          </a:schemeClr>
+        </a:solidFill>
+        <a:ln w="15875" cap="flat" cmpd="sng" algn="ctr">
+          <a:solidFill>
+            <a:schemeClr val="lt1">
+              <a:hueOff val="0"/>
+              <a:satOff val="0"/>
+              <a:lumOff val="0"/>
+              <a:alphaOff val="0"/>
+            </a:schemeClr>
+          </a:solidFill>
+          <a:prstDash val="solid"/>
+        </a:ln>
+        <a:effectLst/>
+      </dsp:spPr>
+      <dsp:style>
+        <a:lnRef idx="2">
+          <a:scrgbClr r="0" g="0" b="0"/>
+        </a:lnRef>
+        <a:fillRef idx="1">
+          <a:scrgbClr r="0" g="0" b="0"/>
+        </a:fillRef>
+        <a:effectRef idx="0">
+          <a:scrgbClr r="0" g="0" b="0"/>
+        </a:effectRef>
+        <a:fontRef idx="minor">
+          <a:schemeClr val="lt1"/>
+        </a:fontRef>
+      </dsp:style>
+      <dsp:txBody>
+        <a:bodyPr spcFirstLastPara="0" vert="horz" wrap="square" lIns="56007" tIns="18669" rIns="18669" bIns="18669" numCol="1" spcCol="1270" anchor="ctr" anchorCtr="0">
+          <a:noAutofit/>
+        </a:bodyPr>
+        <a:lstStyle/>
+        <a:p>
+          <a:pPr lvl="0" algn="ctr" defTabSz="622300">
+            <a:lnSpc>
+              <a:spcPct val="90000"/>
+            </a:lnSpc>
+            <a:spcBef>
+              <a:spcPct val="0"/>
+            </a:spcBef>
+            <a:spcAft>
+              <a:spcPct val="35000"/>
+            </a:spcAft>
+          </a:pPr>
+          <a:r>
+            <a:rPr lang="en-US" sz="1400" kern="1200" dirty="0" smtClean="0"/>
+            <a:t>Convert to dihedrals</a:t>
+          </a:r>
+          <a:endParaRPr lang="en-US" sz="1400" kern="1200" dirty="0"/>
+        </a:p>
+      </dsp:txBody>
+      <dsp:txXfrm>
+        <a:off x="1571674" y="40653"/>
+        <a:ext cx="855941" cy="570626"/>
+      </dsp:txXfrm>
+    </dsp:sp>
+    <dsp:sp modelId="{CD6D8B89-912E-4CDE-8547-CACF3A1E0D3E}">
+      <dsp:nvSpPr>
+        <dsp:cNvPr id="0" name=""/>
+        <dsp:cNvSpPr/>
+      </dsp:nvSpPr>
+      <dsp:spPr>
+        <a:xfrm>
+          <a:off x="2570271" y="40653"/>
+          <a:ext cx="1426567" cy="570626"/>
+        </a:xfrm>
+        <a:prstGeom prst="chevron">
+          <a:avLst/>
+        </a:prstGeom>
+        <a:solidFill>
+          <a:schemeClr val="accent6">
+            <a:shade val="80000"/>
+            <a:hueOff val="36741"/>
+            <a:satOff val="181"/>
+            <a:lumOff val="14460"/>
+            <a:alphaOff val="0"/>
+          </a:schemeClr>
+        </a:solidFill>
+        <a:ln w="15875" cap="flat" cmpd="sng" algn="ctr">
+          <a:solidFill>
+            <a:schemeClr val="lt1">
+              <a:hueOff val="0"/>
+              <a:satOff val="0"/>
+              <a:lumOff val="0"/>
+              <a:alphaOff val="0"/>
+            </a:schemeClr>
+          </a:solidFill>
+          <a:prstDash val="solid"/>
+        </a:ln>
+        <a:effectLst/>
+      </dsp:spPr>
+      <dsp:style>
+        <a:lnRef idx="2">
+          <a:scrgbClr r="0" g="0" b="0"/>
+        </a:lnRef>
+        <a:fillRef idx="1">
+          <a:scrgbClr r="0" g="0" b="0"/>
+        </a:fillRef>
+        <a:effectRef idx="0">
+          <a:scrgbClr r="0" g="0" b="0"/>
+        </a:effectRef>
+        <a:fontRef idx="minor">
+          <a:schemeClr val="lt1"/>
+        </a:fontRef>
+      </dsp:style>
+      <dsp:txBody>
+        <a:bodyPr spcFirstLastPara="0" vert="horz" wrap="square" lIns="56007" tIns="18669" rIns="18669" bIns="18669" numCol="1" spcCol="1270" anchor="ctr" anchorCtr="0">
+          <a:noAutofit/>
+        </a:bodyPr>
+        <a:lstStyle/>
+        <a:p>
+          <a:pPr lvl="0" algn="ctr" defTabSz="622300">
+            <a:lnSpc>
+              <a:spcPct val="90000"/>
+            </a:lnSpc>
+            <a:spcBef>
+              <a:spcPct val="0"/>
+            </a:spcBef>
+            <a:spcAft>
+              <a:spcPct val="35000"/>
+            </a:spcAft>
+          </a:pPr>
+          <a:r>
+            <a:rPr lang="en-US" sz="1400" kern="1200" dirty="0" smtClean="0"/>
+            <a:t>Create fragments</a:t>
+          </a:r>
+          <a:endParaRPr lang="en-US" sz="1400" kern="1200" dirty="0"/>
+        </a:p>
+      </dsp:txBody>
+      <dsp:txXfrm>
+        <a:off x="2855584" y="40653"/>
+        <a:ext cx="855941" cy="570626"/>
+      </dsp:txXfrm>
+    </dsp:sp>
+    <dsp:sp modelId="{E3285919-594E-4279-8082-BB35709866D9}">
+      <dsp:nvSpPr>
+        <dsp:cNvPr id="0" name=""/>
+        <dsp:cNvSpPr/>
+      </dsp:nvSpPr>
+      <dsp:spPr>
+        <a:xfrm>
+          <a:off x="3854182" y="40653"/>
+          <a:ext cx="1426567" cy="570626"/>
+        </a:xfrm>
+        <a:prstGeom prst="chevron">
+          <a:avLst/>
+        </a:prstGeom>
+        <a:solidFill>
+          <a:schemeClr val="accent6">
+            <a:shade val="80000"/>
+            <a:hueOff val="55111"/>
+            <a:satOff val="271"/>
+            <a:lumOff val="21690"/>
+            <a:alphaOff val="0"/>
+          </a:schemeClr>
+        </a:solidFill>
+        <a:ln w="15875" cap="flat" cmpd="sng" algn="ctr">
+          <a:solidFill>
+            <a:schemeClr val="lt1">
+              <a:hueOff val="0"/>
+              <a:satOff val="0"/>
+              <a:lumOff val="0"/>
+              <a:alphaOff val="0"/>
+            </a:schemeClr>
+          </a:solidFill>
+          <a:prstDash val="solid"/>
+        </a:ln>
+        <a:effectLst/>
+      </dsp:spPr>
+      <dsp:style>
+        <a:lnRef idx="2">
+          <a:scrgbClr r="0" g="0" b="0"/>
+        </a:lnRef>
+        <a:fillRef idx="1">
+          <a:scrgbClr r="0" g="0" b="0"/>
+        </a:fillRef>
+        <a:effectRef idx="0">
+          <a:scrgbClr r="0" g="0" b="0"/>
+        </a:effectRef>
+        <a:fontRef idx="minor">
+          <a:schemeClr val="lt1"/>
+        </a:fontRef>
+      </dsp:style>
+      <dsp:txBody>
+        <a:bodyPr spcFirstLastPara="0" vert="horz" wrap="square" lIns="56007" tIns="18669" rIns="18669" bIns="18669" numCol="1" spcCol="1270" anchor="ctr" anchorCtr="0">
+          <a:noAutofit/>
+        </a:bodyPr>
+        <a:lstStyle/>
+        <a:p>
+          <a:pPr lvl="0" algn="ctr" defTabSz="622300">
+            <a:lnSpc>
+              <a:spcPct val="90000"/>
+            </a:lnSpc>
+            <a:spcBef>
+              <a:spcPct val="0"/>
+            </a:spcBef>
+            <a:spcAft>
+              <a:spcPct val="35000"/>
+            </a:spcAft>
+          </a:pPr>
+          <a:r>
+            <a:rPr lang="en-US" sz="1400" kern="1200" dirty="0" smtClean="0"/>
+            <a:t>Store in DB</a:t>
+          </a:r>
+          <a:endParaRPr lang="en-US" sz="1400" kern="1200" dirty="0"/>
+        </a:p>
+      </dsp:txBody>
+      <dsp:txXfrm>
+        <a:off x="4139495" y="40653"/>
+        <a:ext cx="855941" cy="570626"/>
+      </dsp:txXfrm>
+    </dsp:sp>
+  </dsp:spTree>
+</dsp:drawing>
+</file>
+
+<file path=ppt/diagrams/drawing6.xml><?xml version="1.0" encoding="utf-8"?>
+<dsp:drawing xmlns:dgm="http://schemas.openxmlformats.org/drawingml/2006/diagram" xmlns:dsp="http://schemas.microsoft.com/office/drawing/2008/diagram" xmlns:a="http://schemas.openxmlformats.org/drawingml/2006/main">
+  <dsp:spTree>
+    <dsp:nvGrpSpPr>
+      <dsp:cNvPr id="0" name=""/>
+      <dsp:cNvGrpSpPr/>
+    </dsp:nvGrpSpPr>
+    <dsp:grpSpPr/>
+    <dsp:sp modelId="{87CFF53C-DF75-4A3C-976A-1C934E44DBD3}">
+      <dsp:nvSpPr>
+        <dsp:cNvPr id="0" name=""/>
+        <dsp:cNvSpPr/>
+      </dsp:nvSpPr>
+      <dsp:spPr>
+        <a:xfrm>
+          <a:off x="4518" y="0"/>
+          <a:ext cx="1350402" cy="499533"/>
+        </a:xfrm>
+        <a:prstGeom prst="roundRect">
+          <a:avLst>
+            <a:gd name="adj" fmla="val 10000"/>
+          </a:avLst>
+        </a:prstGeom>
+        <a:solidFill>
+          <a:schemeClr val="accent3">
+            <a:hueOff val="0"/>
+            <a:satOff val="0"/>
+            <a:lumOff val="0"/>
+            <a:alphaOff val="0"/>
+          </a:schemeClr>
+        </a:solidFill>
+        <a:ln w="15875" cap="flat" cmpd="sng" algn="ctr">
+          <a:solidFill>
+            <a:schemeClr val="lt1">
+              <a:hueOff val="0"/>
+              <a:satOff val="0"/>
+              <a:lumOff val="0"/>
+              <a:alphaOff val="0"/>
+            </a:schemeClr>
+          </a:solidFill>
+          <a:prstDash val="solid"/>
+        </a:ln>
+        <a:effectLst/>
+      </dsp:spPr>
+      <dsp:style>
+        <a:lnRef idx="2">
+          <a:scrgbClr r="0" g="0" b="0"/>
+        </a:lnRef>
+        <a:fillRef idx="1">
+          <a:scrgbClr r="0" g="0" b="0"/>
+        </a:fillRef>
+        <a:effectRef idx="0">
+          <a:scrgbClr r="0" g="0" b="0"/>
+        </a:effectRef>
+        <a:fontRef idx="minor">
+          <a:schemeClr val="lt1"/>
+        </a:fontRef>
+      </dsp:style>
+      <dsp:txBody>
+        <a:bodyPr spcFirstLastPara="0" vert="horz" wrap="square" lIns="53340" tIns="53340" rIns="53340" bIns="53340" numCol="1" spcCol="1270" anchor="ctr" anchorCtr="0">
+          <a:noAutofit/>
+        </a:bodyPr>
+        <a:lstStyle/>
+        <a:p>
+          <a:pPr lvl="0" algn="ctr" defTabSz="622300">
+            <a:lnSpc>
+              <a:spcPct val="90000"/>
+            </a:lnSpc>
+            <a:spcBef>
+              <a:spcPct val="0"/>
+            </a:spcBef>
+            <a:spcAft>
+              <a:spcPct val="35000"/>
+            </a:spcAft>
+          </a:pPr>
+          <a:r>
+            <a:rPr lang="en-US" sz="1400" kern="1200" dirty="0" smtClean="0"/>
+            <a:t>Convert to PDB</a:t>
+          </a:r>
+          <a:endParaRPr lang="en-US" sz="1400" kern="1200" dirty="0"/>
+        </a:p>
+      </dsp:txBody>
+      <dsp:txXfrm>
+        <a:off x="19149" y="14631"/>
+        <a:ext cx="1321140" cy="470271"/>
+      </dsp:txXfrm>
+    </dsp:sp>
+    <dsp:sp modelId="{89420B10-3746-42A9-B161-A8F4B5F2EA5B}">
+      <dsp:nvSpPr>
+        <dsp:cNvPr id="0" name=""/>
+        <dsp:cNvSpPr/>
+      </dsp:nvSpPr>
+      <dsp:spPr>
+        <a:xfrm>
+          <a:off x="1489961" y="82316"/>
+          <a:ext cx="286285" cy="334899"/>
+        </a:xfrm>
+        <a:prstGeom prst="rightArrow">
+          <a:avLst>
+            <a:gd name="adj1" fmla="val 60000"/>
+            <a:gd name="adj2" fmla="val 50000"/>
+          </a:avLst>
+        </a:prstGeom>
+        <a:solidFill>
+          <a:schemeClr val="accent3">
+            <a:tint val="60000"/>
+            <a:hueOff val="0"/>
+            <a:satOff val="0"/>
+            <a:lumOff val="0"/>
+            <a:alphaOff val="0"/>
+          </a:schemeClr>
+        </a:solidFill>
+        <a:ln>
+          <a:noFill/>
+        </a:ln>
+        <a:effectLst/>
+      </dsp:spPr>
+      <dsp:style>
+        <a:lnRef idx="0">
+          <a:scrgbClr r="0" g="0" b="0"/>
+        </a:lnRef>
+        <a:fillRef idx="1">
+          <a:scrgbClr r="0" g="0" b="0"/>
+        </a:fillRef>
+        <a:effectRef idx="0">
+          <a:scrgbClr r="0" g="0" b="0"/>
+        </a:effectRef>
+        <a:fontRef idx="minor">
+          <a:schemeClr val="lt1"/>
+        </a:fontRef>
+      </dsp:style>
+      <dsp:txBody>
+        <a:bodyPr spcFirstLastPara="0" vert="horz" wrap="square" lIns="0" tIns="0" rIns="0" bIns="0" numCol="1" spcCol="1270" anchor="ctr" anchorCtr="0">
+          <a:noAutofit/>
+        </a:bodyPr>
+        <a:lstStyle/>
+        <a:p>
+          <a:pPr lvl="0" algn="ctr" defTabSz="488950">
+            <a:lnSpc>
+              <a:spcPct val="90000"/>
+            </a:lnSpc>
+            <a:spcBef>
+              <a:spcPct val="0"/>
+            </a:spcBef>
+            <a:spcAft>
+              <a:spcPct val="35000"/>
+            </a:spcAft>
+          </a:pPr>
+          <a:endParaRPr lang="en-US" sz="1100" kern="1200"/>
+        </a:p>
+      </dsp:txBody>
+      <dsp:txXfrm>
+        <a:off x="1489961" y="149296"/>
+        <a:ext cx="200400" cy="200939"/>
+      </dsp:txXfrm>
+    </dsp:sp>
+    <dsp:sp modelId="{C30F8E4B-6373-4958-A793-C505CDA2CD52}">
+      <dsp:nvSpPr>
+        <dsp:cNvPr id="0" name=""/>
+        <dsp:cNvSpPr/>
+      </dsp:nvSpPr>
+      <dsp:spPr>
+        <a:xfrm>
+          <a:off x="1895082" y="0"/>
+          <a:ext cx="1350402" cy="499533"/>
+        </a:xfrm>
+        <a:prstGeom prst="roundRect">
+          <a:avLst>
+            <a:gd name="adj" fmla="val 10000"/>
+          </a:avLst>
+        </a:prstGeom>
+        <a:solidFill>
+          <a:schemeClr val="accent3">
+            <a:hueOff val="0"/>
+            <a:satOff val="0"/>
+            <a:lumOff val="0"/>
+            <a:alphaOff val="0"/>
+          </a:schemeClr>
+        </a:solidFill>
+        <a:ln w="15875" cap="flat" cmpd="sng" algn="ctr">
+          <a:solidFill>
+            <a:schemeClr val="lt1">
+              <a:hueOff val="0"/>
+              <a:satOff val="0"/>
+              <a:lumOff val="0"/>
+              <a:alphaOff val="0"/>
+            </a:schemeClr>
+          </a:solidFill>
+          <a:prstDash val="solid"/>
+        </a:ln>
+        <a:effectLst/>
+      </dsp:spPr>
+      <dsp:style>
+        <a:lnRef idx="2">
+          <a:scrgbClr r="0" g="0" b="0"/>
+        </a:lnRef>
+        <a:fillRef idx="1">
+          <a:scrgbClr r="0" g="0" b="0"/>
+        </a:fillRef>
+        <a:effectRef idx="0">
+          <a:scrgbClr r="0" g="0" b="0"/>
+        </a:effectRef>
+        <a:fontRef idx="minor">
+          <a:schemeClr val="lt1"/>
+        </a:fontRef>
+      </dsp:style>
+      <dsp:txBody>
+        <a:bodyPr spcFirstLastPara="0" vert="horz" wrap="square" lIns="53340" tIns="53340" rIns="53340" bIns="53340" numCol="1" spcCol="1270" anchor="ctr" anchorCtr="0">
+          <a:noAutofit/>
+        </a:bodyPr>
+        <a:lstStyle/>
+        <a:p>
+          <a:pPr lvl="0" algn="ctr" defTabSz="622300">
+            <a:lnSpc>
+              <a:spcPct val="90000"/>
+            </a:lnSpc>
+            <a:spcBef>
+              <a:spcPct val="0"/>
+            </a:spcBef>
+            <a:spcAft>
+              <a:spcPct val="35000"/>
+            </a:spcAft>
+          </a:pPr>
+          <a:r>
+            <a:rPr lang="en-US" sz="1400" kern="1200" dirty="0" err="1" smtClean="0"/>
+            <a:t>Dfire</a:t>
+          </a:r>
+          <a:r>
+            <a:rPr lang="en-US" sz="1400" kern="1200" dirty="0" smtClean="0"/>
+            <a:t> Score PDB</a:t>
+          </a:r>
+          <a:endParaRPr lang="en-US" sz="1400" kern="1200" dirty="0"/>
+        </a:p>
+      </dsp:txBody>
+      <dsp:txXfrm>
+        <a:off x="1909713" y="14631"/>
+        <a:ext cx="1321140" cy="470271"/>
+      </dsp:txXfrm>
+    </dsp:sp>
+    <dsp:sp modelId="{A4F60CE4-9E78-47A5-BCA1-3822F7F099FC}">
+      <dsp:nvSpPr>
+        <dsp:cNvPr id="0" name=""/>
+        <dsp:cNvSpPr/>
+      </dsp:nvSpPr>
+      <dsp:spPr>
+        <a:xfrm>
+          <a:off x="3380525" y="82316"/>
+          <a:ext cx="286285" cy="334899"/>
+        </a:xfrm>
+        <a:prstGeom prst="rightArrow">
+          <a:avLst>
+            <a:gd name="adj1" fmla="val 60000"/>
+            <a:gd name="adj2" fmla="val 50000"/>
+          </a:avLst>
+        </a:prstGeom>
+        <a:solidFill>
+          <a:schemeClr val="accent3">
+            <a:tint val="60000"/>
+            <a:hueOff val="0"/>
+            <a:satOff val="0"/>
+            <a:lumOff val="0"/>
+            <a:alphaOff val="0"/>
+          </a:schemeClr>
+        </a:solidFill>
+        <a:ln>
+          <a:noFill/>
+        </a:ln>
+        <a:effectLst/>
+      </dsp:spPr>
+      <dsp:style>
+        <a:lnRef idx="0">
+          <a:scrgbClr r="0" g="0" b="0"/>
+        </a:lnRef>
+        <a:fillRef idx="1">
+          <a:scrgbClr r="0" g="0" b="0"/>
+        </a:fillRef>
+        <a:effectRef idx="0">
+          <a:scrgbClr r="0" g="0" b="0"/>
+        </a:effectRef>
+        <a:fontRef idx="minor">
+          <a:schemeClr val="lt1"/>
+        </a:fontRef>
+      </dsp:style>
+      <dsp:txBody>
+        <a:bodyPr spcFirstLastPara="0" vert="horz" wrap="square" lIns="0" tIns="0" rIns="0" bIns="0" numCol="1" spcCol="1270" anchor="ctr" anchorCtr="0">
+          <a:noAutofit/>
+        </a:bodyPr>
+        <a:lstStyle/>
+        <a:p>
+          <a:pPr lvl="0" algn="ctr" defTabSz="488950">
+            <a:lnSpc>
+              <a:spcPct val="90000"/>
+            </a:lnSpc>
+            <a:spcBef>
+              <a:spcPct val="0"/>
+            </a:spcBef>
+            <a:spcAft>
+              <a:spcPct val="35000"/>
+            </a:spcAft>
+          </a:pPr>
+          <a:endParaRPr lang="en-US" sz="1100" kern="1200"/>
+        </a:p>
+      </dsp:txBody>
+      <dsp:txXfrm>
+        <a:off x="3380525" y="149296"/>
+        <a:ext cx="200400" cy="200939"/>
+      </dsp:txXfrm>
+    </dsp:sp>
+    <dsp:sp modelId="{9458F47F-D435-4A08-99E2-817F4045D2A7}">
+      <dsp:nvSpPr>
+        <dsp:cNvPr id="0" name=""/>
+        <dsp:cNvSpPr/>
+      </dsp:nvSpPr>
+      <dsp:spPr>
+        <a:xfrm>
+          <a:off x="3785646" y="0"/>
+          <a:ext cx="1350402" cy="499533"/>
+        </a:xfrm>
+        <a:prstGeom prst="roundRect">
+          <a:avLst>
+            <a:gd name="adj" fmla="val 10000"/>
+          </a:avLst>
+        </a:prstGeom>
+        <a:solidFill>
+          <a:schemeClr val="accent3">
+            <a:hueOff val="0"/>
+            <a:satOff val="0"/>
+            <a:lumOff val="0"/>
+            <a:alphaOff val="0"/>
+          </a:schemeClr>
+        </a:solidFill>
+        <a:ln w="15875" cap="flat" cmpd="sng" algn="ctr">
+          <a:solidFill>
+            <a:schemeClr val="lt1">
+              <a:hueOff val="0"/>
+              <a:satOff val="0"/>
+              <a:lumOff val="0"/>
+              <a:alphaOff val="0"/>
+            </a:schemeClr>
+          </a:solidFill>
+          <a:prstDash val="solid"/>
+        </a:ln>
+        <a:effectLst/>
+      </dsp:spPr>
+      <dsp:style>
+        <a:lnRef idx="2">
+          <a:scrgbClr r="0" g="0" b="0"/>
+        </a:lnRef>
+        <a:fillRef idx="1">
+          <a:scrgbClr r="0" g="0" b="0"/>
+        </a:fillRef>
+        <a:effectRef idx="0">
+          <a:scrgbClr r="0" g="0" b="0"/>
+        </a:effectRef>
+        <a:fontRef idx="minor">
+          <a:schemeClr val="lt1"/>
+        </a:fontRef>
+      </dsp:style>
+      <dsp:txBody>
+        <a:bodyPr spcFirstLastPara="0" vert="horz" wrap="square" lIns="53340" tIns="53340" rIns="53340" bIns="53340" numCol="1" spcCol="1270" anchor="ctr" anchorCtr="0">
+          <a:noAutofit/>
+        </a:bodyPr>
+        <a:lstStyle/>
+        <a:p>
+          <a:pPr lvl="0" algn="ctr" defTabSz="622300">
+            <a:lnSpc>
+              <a:spcPct val="90000"/>
+            </a:lnSpc>
+            <a:spcBef>
+              <a:spcPct val="0"/>
+            </a:spcBef>
+            <a:spcAft>
+              <a:spcPct val="35000"/>
+            </a:spcAft>
+          </a:pPr>
+          <a:r>
+            <a:rPr lang="en-US" sz="1400" kern="1200" dirty="0" smtClean="0"/>
+            <a:t>Return score</a:t>
+          </a:r>
+          <a:endParaRPr lang="en-US" sz="1400" kern="1200" dirty="0"/>
+        </a:p>
+      </dsp:txBody>
+      <dsp:txXfrm>
+        <a:off x="3800277" y="14631"/>
+        <a:ext cx="1321140" cy="470271"/>
+      </dsp:txXfrm>
+    </dsp:sp>
+  </dsp:spTree>
+</dsp:drawing>
+</file>
+
 <file path=ppt/diagrams/layout1.xml><?xml version="1.0" encoding="utf-8"?>
 <dgm:layoutDef xmlns:dgm="http://schemas.openxmlformats.org/drawingml/2006/diagram" xmlns:a="http://schemas.openxmlformats.org/drawingml/2006/main" uniqueId="urn:microsoft.com/office/officeart/2005/8/layout/lProcess3">
   <dgm:title val=""/>
@@ -10606,6 +15350,716 @@
 </dgm:layoutDef>
 </file>
 
+<file path=ppt/diagrams/layout4.xml><?xml version="1.0" encoding="utf-8"?>
+<dgm:layoutDef xmlns:dgm="http://schemas.openxmlformats.org/drawingml/2006/diagram" xmlns:a="http://schemas.openxmlformats.org/drawingml/2006/main" uniqueId="urn:microsoft.com/office/officeart/2005/8/layout/lProcess3">
+  <dgm:title val=""/>
+  <dgm:desc val=""/>
+  <dgm:catLst>
+    <dgm:cat type="process" pri="11000"/>
+    <dgm:cat type="convert" pri="12000"/>
+  </dgm:catLst>
+  <dgm:sampData>
+    <dgm:dataModel>
+      <dgm:ptLst>
+        <dgm:pt modelId="0" type="doc"/>
+        <dgm:pt modelId="1">
+          <dgm:prSet phldr="1"/>
+        </dgm:pt>
+        <dgm:pt modelId="11">
+          <dgm:prSet phldr="1"/>
+        </dgm:pt>
+        <dgm:pt modelId="12">
+          <dgm:prSet phldr="1"/>
+        </dgm:pt>
+        <dgm:pt modelId="2">
+          <dgm:prSet phldr="1"/>
+        </dgm:pt>
+        <dgm:pt modelId="21">
+          <dgm:prSet phldr="1"/>
+        </dgm:pt>
+        <dgm:pt modelId="22">
+          <dgm:prSet phldr="1"/>
+        </dgm:pt>
+        <dgm:pt modelId="3">
+          <dgm:prSet phldr="1"/>
+        </dgm:pt>
+        <dgm:pt modelId="31">
+          <dgm:prSet phldr="1"/>
+        </dgm:pt>
+        <dgm:pt modelId="32">
+          <dgm:prSet phldr="1"/>
+        </dgm:pt>
+      </dgm:ptLst>
+      <dgm:cxnLst>
+        <dgm:cxn modelId="4" srcId="0" destId="1" srcOrd="0" destOrd="0"/>
+        <dgm:cxn modelId="5" srcId="0" destId="2" srcOrd="1" destOrd="0"/>
+        <dgm:cxn modelId="6" srcId="0" destId="3" srcOrd="2" destOrd="0"/>
+        <dgm:cxn modelId="41" srcId="1" destId="11" srcOrd="0" destOrd="0"/>
+        <dgm:cxn modelId="42" srcId="1" destId="12" srcOrd="1" destOrd="0"/>
+        <dgm:cxn modelId="51" srcId="2" destId="21" srcOrd="0" destOrd="0"/>
+        <dgm:cxn modelId="52" srcId="2" destId="22" srcOrd="1" destOrd="0"/>
+        <dgm:cxn modelId="61" srcId="3" destId="31" srcOrd="0" destOrd="0"/>
+        <dgm:cxn modelId="62" srcId="3" destId="32" srcOrd="1" destOrd="0"/>
+      </dgm:cxnLst>
+      <dgm:bg/>
+      <dgm:whole/>
+    </dgm:dataModel>
+  </dgm:sampData>
+  <dgm:styleData>
+    <dgm:dataModel>
+      <dgm:ptLst>
+        <dgm:pt modelId="0" type="doc"/>
+        <dgm:pt modelId="1"/>
+        <dgm:pt modelId="2"/>
+      </dgm:ptLst>
+      <dgm:cxnLst>
+        <dgm:cxn modelId="4" srcId="0" destId="1" srcOrd="0" destOrd="0"/>
+        <dgm:cxn modelId="5" srcId="1" destId="2" srcOrd="0" destOrd="0"/>
+      </dgm:cxnLst>
+      <dgm:bg/>
+      <dgm:whole/>
+    </dgm:dataModel>
+  </dgm:styleData>
+  <dgm:clrData>
+    <dgm:dataModel>
+      <dgm:ptLst>
+        <dgm:pt modelId="0" type="doc"/>
+        <dgm:pt modelId="1"/>
+        <dgm:pt modelId="11"/>
+        <dgm:pt modelId="2"/>
+        <dgm:pt modelId="21"/>
+        <dgm:pt modelId="3"/>
+        <dgm:pt modelId="31"/>
+        <dgm:pt modelId="4"/>
+        <dgm:pt modelId="41"/>
+      </dgm:ptLst>
+      <dgm:cxnLst>
+        <dgm:cxn modelId="5" srcId="0" destId="1" srcOrd="0" destOrd="0"/>
+        <dgm:cxn modelId="6" srcId="0" destId="2" srcOrd="1" destOrd="0"/>
+        <dgm:cxn modelId="7" srcId="0" destId="3" srcOrd="2" destOrd="0"/>
+        <dgm:cxn modelId="8" srcId="0" destId="4" srcOrd="3" destOrd="0"/>
+        <dgm:cxn modelId="51" srcId="1" destId="11" srcOrd="0" destOrd="0"/>
+        <dgm:cxn modelId="61" srcId="2" destId="21" srcOrd="0" destOrd="0"/>
+        <dgm:cxn modelId="71" srcId="3" destId="31" srcOrd="0" destOrd="0"/>
+        <dgm:cxn modelId="81" srcId="4" destId="41" srcOrd="0" destOrd="0"/>
+      </dgm:cxnLst>
+      <dgm:bg/>
+      <dgm:whole/>
+    </dgm:dataModel>
+  </dgm:clrData>
+  <dgm:layoutNode name="Name0">
+    <dgm:varLst>
+      <dgm:chPref val="3"/>
+      <dgm:dir/>
+      <dgm:animLvl val="lvl"/>
+      <dgm:resizeHandles/>
+    </dgm:varLst>
+    <dgm:choose name="Name1">
+      <dgm:if name="Name2" func="var" arg="dir" op="equ" val="norm">
+        <dgm:alg type="lin">
+          <dgm:param type="linDir" val="fromT"/>
+          <dgm:param type="vertAlign" val="mid"/>
+          <dgm:param type="nodeHorzAlign" val="l"/>
+          <dgm:param type="nodeVertAlign" val="t"/>
+          <dgm:param type="fallback" val="2D"/>
+        </dgm:alg>
+      </dgm:if>
+      <dgm:else name="Name3">
+        <dgm:alg type="lin">
+          <dgm:param type="linDir" val="fromT"/>
+          <dgm:param type="vertAlign" val="mid"/>
+          <dgm:param type="nodeHorzAlign" val="r"/>
+          <dgm:param type="nodeVertAlign" val="t"/>
+          <dgm:param type="fallback" val="2D"/>
+        </dgm:alg>
+      </dgm:else>
+    </dgm:choose>
+    <dgm:shape xmlns:r="http://schemas.openxmlformats.org/officeDocument/2006/relationships" r:blip="">
+      <dgm:adjLst/>
+    </dgm:shape>
+    <dgm:presOf/>
+    <dgm:constrLst>
+      <dgm:constr type="w" for="des" forName="bigChev" refType="w"/>
+      <dgm:constr type="h" for="des" forName="bigChev" refType="w" refFor="des" refForName="bigChev" op="equ" fact="0.4"/>
+      <dgm:constr type="w" for="des" forName="node" refType="w" refFor="des" refForName="bigChev" fact="0.83"/>
+      <dgm:constr type="h" for="des" forName="node" refType="w" refFor="des" refForName="node" op="equ" fact="0.4"/>
+      <dgm:constr type="w" for="des" forName="parTrans" refType="w" refFor="des" refForName="bigChev" op="equ" fact="-0.13"/>
+      <dgm:constr type="w" for="des" forName="sibTrans" refType="w" refFor="des" refForName="node" op="equ" fact="-0.14"/>
+      <dgm:constr type="h" for="ch" forName="vSp" refType="h" refFor="des" refForName="bigChev" op="equ" fact="0.14"/>
+      <dgm:constr type="primFontSz" for="des" forName="node" op="equ"/>
+      <dgm:constr type="primFontSz" for="des" forName="bigChev" op="equ"/>
+    </dgm:constrLst>
+    <dgm:ruleLst/>
+    <dgm:forEach name="Name4" axis="ch" ptType="node">
+      <dgm:layoutNode name="horFlow">
+        <dgm:choose name="Name5">
+          <dgm:if name="Name6" func="var" arg="dir" op="equ" val="norm">
+            <dgm:alg type="lin">
+              <dgm:param type="linDir" val="fromL"/>
+              <dgm:param type="nodeHorzAlign" val="l"/>
+              <dgm:param type="nodeVertAlign" val="mid"/>
+              <dgm:param type="fallback" val="2D"/>
+            </dgm:alg>
+          </dgm:if>
+          <dgm:else name="Name7">
+            <dgm:alg type="lin">
+              <dgm:param type="linDir" val="fromR"/>
+              <dgm:param type="nodeHorzAlign" val="r"/>
+              <dgm:param type="nodeVertAlign" val="mid"/>
+              <dgm:param type="fallback" val="2D"/>
+            </dgm:alg>
+          </dgm:else>
+        </dgm:choose>
+        <dgm:shape xmlns:r="http://schemas.openxmlformats.org/officeDocument/2006/relationships" r:blip="">
+          <dgm:adjLst/>
+        </dgm:shape>
+        <dgm:presOf/>
+        <dgm:constrLst/>
+        <dgm:ruleLst/>
+        <dgm:layoutNode name="bigChev" styleLbl="node1">
+          <dgm:alg type="tx"/>
+          <dgm:choose name="Name8">
+            <dgm:if name="Name9" func="var" arg="dir" op="equ" val="norm">
+              <dgm:shape xmlns:r="http://schemas.openxmlformats.org/officeDocument/2006/relationships" type="chevron" r:blip="">
+                <dgm:adjLst/>
+              </dgm:shape>
+              <dgm:presOf axis="self"/>
+              <dgm:constrLst>
+                <dgm:constr type="primFontSz" val="65"/>
+                <dgm:constr type="rMarg"/>
+                <dgm:constr type="lMarg" refType="primFontSz" fact="0.1"/>
+                <dgm:constr type="tMarg" refType="primFontSz" fact="0.05"/>
+                <dgm:constr type="bMarg" refType="primFontSz" fact="0.05"/>
+              </dgm:constrLst>
+            </dgm:if>
+            <dgm:else name="Name10">
+              <dgm:shape xmlns:r="http://schemas.openxmlformats.org/officeDocument/2006/relationships" rot="180" type="chevron" r:blip="">
+                <dgm:adjLst/>
+              </dgm:shape>
+              <dgm:presOf axis="self"/>
+              <dgm:constrLst>
+                <dgm:constr type="primFontSz" val="65"/>
+                <dgm:constr type="lMarg"/>
+                <dgm:constr type="rMarg" refType="primFontSz" fact="0.1"/>
+                <dgm:constr type="tMarg" refType="primFontSz" fact="0.05"/>
+                <dgm:constr type="bMarg" refType="primFontSz" fact="0.05"/>
+              </dgm:constrLst>
+            </dgm:else>
+          </dgm:choose>
+          <dgm:ruleLst>
+            <dgm:rule type="primFontSz" val="5" fact="NaN" max="NaN"/>
+          </dgm:ruleLst>
+        </dgm:layoutNode>
+        <dgm:forEach name="parTransForEach" axis="ch" ptType="parTrans" cnt="1">
+          <dgm:layoutNode name="parTrans">
+            <dgm:alg type="sp"/>
+            <dgm:shape xmlns:r="http://schemas.openxmlformats.org/officeDocument/2006/relationships" r:blip="">
+              <dgm:adjLst/>
+            </dgm:shape>
+            <dgm:presOf/>
+            <dgm:constrLst/>
+            <dgm:ruleLst/>
+          </dgm:layoutNode>
+        </dgm:forEach>
+        <dgm:forEach name="Name11" axis="ch" ptType="node">
+          <dgm:layoutNode name="node" styleLbl="alignAccFollowNode1">
+            <dgm:varLst>
+              <dgm:bulletEnabled val="1"/>
+            </dgm:varLst>
+            <dgm:alg type="tx"/>
+            <dgm:choose name="Name12">
+              <dgm:if name="Name13" func="var" arg="dir" op="equ" val="norm">
+                <dgm:shape xmlns:r="http://schemas.openxmlformats.org/officeDocument/2006/relationships" type="chevron" r:blip="">
+                  <dgm:adjLst/>
+                </dgm:shape>
+                <dgm:presOf axis="desOrSelf" ptType="node"/>
+                <dgm:constrLst>
+                  <dgm:constr type="primFontSz" val="65"/>
+                  <dgm:constr type="rMarg"/>
+                  <dgm:constr type="lMarg" refType="primFontSz" fact="0.1"/>
+                  <dgm:constr type="tMarg" refType="primFontSz" fact="0.05"/>
+                  <dgm:constr type="bMarg" refType="primFontSz" fact="0.05"/>
+                </dgm:constrLst>
+              </dgm:if>
+              <dgm:else name="Name14">
+                <dgm:shape xmlns:r="http://schemas.openxmlformats.org/officeDocument/2006/relationships" rot="180" type="chevron" r:blip="">
+                  <dgm:adjLst/>
+                </dgm:shape>
+                <dgm:presOf axis="desOrSelf" ptType="node"/>
+                <dgm:constrLst>
+                  <dgm:constr type="primFontSz" val="65"/>
+                  <dgm:constr type="lMarg"/>
+                  <dgm:constr type="rMarg" refType="primFontSz" fact="0.1"/>
+                  <dgm:constr type="tMarg" refType="primFontSz" fact="0.05"/>
+                  <dgm:constr type="bMarg" refType="primFontSz" fact="0.05"/>
+                </dgm:constrLst>
+              </dgm:else>
+            </dgm:choose>
+            <dgm:ruleLst>
+              <dgm:rule type="primFontSz" val="5" fact="NaN" max="NaN"/>
+            </dgm:ruleLst>
+          </dgm:layoutNode>
+          <dgm:forEach name="sibTransForEach" axis="followSib" ptType="sibTrans" cnt="1">
+            <dgm:layoutNode name="sibTrans">
+              <dgm:alg type="sp"/>
+              <dgm:shape xmlns:r="http://schemas.openxmlformats.org/officeDocument/2006/relationships" r:blip="">
+                <dgm:adjLst/>
+              </dgm:shape>
+              <dgm:presOf/>
+              <dgm:constrLst/>
+              <dgm:ruleLst/>
+            </dgm:layoutNode>
+          </dgm:forEach>
+        </dgm:forEach>
+      </dgm:layoutNode>
+      <dgm:choose name="Name15">
+        <dgm:if name="Name16" axis="self" ptType="node" func="revPos" op="gte" val="2">
+          <dgm:layoutNode name="vSp">
+            <dgm:alg type="sp"/>
+            <dgm:shape xmlns:r="http://schemas.openxmlformats.org/officeDocument/2006/relationships" r:blip="">
+              <dgm:adjLst/>
+            </dgm:shape>
+            <dgm:presOf/>
+            <dgm:constrLst/>
+            <dgm:ruleLst/>
+          </dgm:layoutNode>
+        </dgm:if>
+        <dgm:else name="Name17"/>
+      </dgm:choose>
+    </dgm:forEach>
+  </dgm:layoutNode>
+</dgm:layoutDef>
+</file>
+
+<file path=ppt/diagrams/layout5.xml><?xml version="1.0" encoding="utf-8"?>
+<dgm:layoutDef xmlns:dgm="http://schemas.openxmlformats.org/drawingml/2006/diagram" xmlns:a="http://schemas.openxmlformats.org/drawingml/2006/main" uniqueId="urn:microsoft.com/office/officeart/2005/8/layout/chevron1">
+  <dgm:title val=""/>
+  <dgm:desc val=""/>
+  <dgm:catLst>
+    <dgm:cat type="process" pri="9000"/>
+  </dgm:catLst>
+  <dgm:sampData useDef="1">
+    <dgm:dataModel>
+      <dgm:ptLst/>
+      <dgm:bg/>
+      <dgm:whole/>
+    </dgm:dataModel>
+  </dgm:sampData>
+  <dgm:styleData>
+    <dgm:dataModel>
+      <dgm:ptLst>
+        <dgm:pt modelId="0" type="doc"/>
+        <dgm:pt modelId="1"/>
+        <dgm:pt modelId="2"/>
+      </dgm:ptLst>
+      <dgm:cxnLst>
+        <dgm:cxn modelId="3" srcId="0" destId="1" srcOrd="0" destOrd="0"/>
+        <dgm:cxn modelId="4" srcId="0" destId="2" srcOrd="1" destOrd="0"/>
+      </dgm:cxnLst>
+      <dgm:bg/>
+      <dgm:whole/>
+    </dgm:dataModel>
+  </dgm:styleData>
+  <dgm:clrData>
+    <dgm:dataModel>
+      <dgm:ptLst>
+        <dgm:pt modelId="0" type="doc"/>
+        <dgm:pt modelId="1"/>
+        <dgm:pt modelId="2"/>
+        <dgm:pt modelId="3"/>
+        <dgm:pt modelId="4"/>
+      </dgm:ptLst>
+      <dgm:cxnLst>
+        <dgm:cxn modelId="5" srcId="0" destId="1" srcOrd="0" destOrd="0"/>
+        <dgm:cxn modelId="6" srcId="0" destId="2" srcOrd="1" destOrd="0"/>
+        <dgm:cxn modelId="7" srcId="0" destId="3" srcOrd="2" destOrd="0"/>
+        <dgm:cxn modelId="8" srcId="0" destId="4" srcOrd="3" destOrd="0"/>
+      </dgm:cxnLst>
+      <dgm:bg/>
+      <dgm:whole/>
+    </dgm:dataModel>
+  </dgm:clrData>
+  <dgm:layoutNode name="Name0">
+    <dgm:varLst>
+      <dgm:dir/>
+      <dgm:animLvl val="lvl"/>
+      <dgm:resizeHandles val="exact"/>
+    </dgm:varLst>
+    <dgm:choose name="Name1">
+      <dgm:if name="Name2" func="var" arg="dir" op="equ" val="norm">
+        <dgm:alg type="lin"/>
+      </dgm:if>
+      <dgm:else name="Name3">
+        <dgm:alg type="lin">
+          <dgm:param type="linDir" val="fromR"/>
+        </dgm:alg>
+      </dgm:else>
+    </dgm:choose>
+    <dgm:shape xmlns:r="http://schemas.openxmlformats.org/officeDocument/2006/relationships" r:blip="">
+      <dgm:adjLst/>
+    </dgm:shape>
+    <dgm:presOf/>
+    <dgm:choose name="Name4">
+      <dgm:if name="Name5" axis="des" func="maxDepth" op="gte" val="2">
+        <dgm:constrLst>
+          <dgm:constr type="h" for="ch" forName="composite" refType="h"/>
+          <dgm:constr type="w" for="ch" forName="composite" refType="w"/>
+          <dgm:constr type="w" for="des" forName="parTx"/>
+          <dgm:constr type="h" for="des" forName="parTx" op="equ"/>
+          <dgm:constr type="w" for="des" forName="desTx"/>
+          <dgm:constr type="h" for="des" forName="desTx" op="equ"/>
+          <dgm:constr type="primFontSz" for="des" forName="parTx" val="65"/>
+          <dgm:constr type="secFontSz" for="des" forName="desTx" refType="primFontSz" refFor="des" refForName="parTx" op="equ"/>
+          <dgm:constr type="h" for="des" forName="parTx" refType="primFontSz" refFor="des" refForName="parTx" fact="1.5"/>
+          <dgm:constr type="h" for="des" forName="desTx" refType="primFontSz" refFor="des" refForName="parTx" fact="0.5"/>
+          <dgm:constr type="w" for="ch" forName="space" op="equ" val="-6"/>
+        </dgm:constrLst>
+        <dgm:ruleLst>
+          <dgm:rule type="w" for="ch" forName="composite" val="0" fact="NaN" max="NaN"/>
+          <dgm:rule type="primFontSz" for="des" forName="parTx" val="5" fact="NaN" max="NaN"/>
+        </dgm:ruleLst>
+        <dgm:forEach name="Name6" axis="ch" ptType="node">
+          <dgm:layoutNode name="composite">
+            <dgm:alg type="composite"/>
+            <dgm:shape xmlns:r="http://schemas.openxmlformats.org/officeDocument/2006/relationships" r:blip="">
+              <dgm:adjLst/>
+            </dgm:shape>
+            <dgm:presOf/>
+            <dgm:choose name="Name7">
+              <dgm:if name="Name8" func="var" arg="dir" op="equ" val="norm">
+                <dgm:constrLst>
+                  <dgm:constr type="l" for="ch" forName="parTx"/>
+                  <dgm:constr type="w" for="ch" forName="parTx" refType="w"/>
+                  <dgm:constr type="t" for="ch" forName="parTx"/>
+                  <dgm:constr type="l" for="ch" forName="desTx"/>
+                  <dgm:constr type="w" for="ch" forName="desTx" refType="w" refFor="ch" refForName="parTx" fact="0.8"/>
+                  <dgm:constr type="t" for="ch" forName="desTx" refType="h" refFor="ch" refForName="parTx" fact="1.125"/>
+                </dgm:constrLst>
+              </dgm:if>
+              <dgm:else name="Name9">
+                <dgm:constrLst>
+                  <dgm:constr type="l" for="ch" forName="parTx"/>
+                  <dgm:constr type="w" for="ch" forName="parTx" refType="w"/>
+                  <dgm:constr type="t" for="ch" forName="parTx"/>
+                  <dgm:constr type="l" for="ch" forName="desTx" refType="w" fact="0.2"/>
+                  <dgm:constr type="w" for="ch" forName="desTx" refType="w" refFor="ch" refForName="parTx" fact="0.8"/>
+                  <dgm:constr type="t" for="ch" forName="desTx" refType="h" refFor="ch" refForName="parTx" fact="1.125"/>
+                </dgm:constrLst>
+              </dgm:else>
+            </dgm:choose>
+            <dgm:ruleLst>
+              <dgm:rule type="h" val="INF" fact="NaN" max="NaN"/>
+            </dgm:ruleLst>
+            <dgm:layoutNode name="parTx">
+              <dgm:varLst>
+                <dgm:chMax val="0"/>
+                <dgm:chPref val="0"/>
+                <dgm:bulletEnabled val="1"/>
+              </dgm:varLst>
+              <dgm:alg type="tx"/>
+              <dgm:choose name="Name10">
+                <dgm:if name="Name11" func="var" arg="dir" op="equ" val="norm">
+                  <dgm:shape xmlns:r="http://schemas.openxmlformats.org/officeDocument/2006/relationships" type="chevron" r:blip="">
+                    <dgm:adjLst/>
+                  </dgm:shape>
+                </dgm:if>
+                <dgm:else name="Name12">
+                  <dgm:shape xmlns:r="http://schemas.openxmlformats.org/officeDocument/2006/relationships" rot="180" type="chevron" r:blip="">
+                    <dgm:adjLst/>
+                  </dgm:shape>
+                </dgm:else>
+              </dgm:choose>
+              <dgm:presOf axis="self" ptType="node"/>
+              <dgm:choose name="Name13">
+                <dgm:if name="Name14" func="var" arg="dir" op="equ" val="norm">
+                  <dgm:constrLst>
+                    <dgm:constr type="h" refType="w" op="lte" fact="0.4"/>
+                    <dgm:constr type="h"/>
+                    <dgm:constr type="tMarg" refType="primFontSz" fact="0.105"/>
+                    <dgm:constr type="bMarg" refType="primFontSz" fact="0.105"/>
+                    <dgm:constr type="lMarg" refType="primFontSz" fact="0.315"/>
+                    <dgm:constr type="rMarg" refType="primFontSz" fact="0.105"/>
+                  </dgm:constrLst>
+                </dgm:if>
+                <dgm:else name="Name15">
+                  <dgm:constrLst>
+                    <dgm:constr type="h" refType="w" op="lte" fact="0.4"/>
+                    <dgm:constr type="h"/>
+                    <dgm:constr type="tMarg" refType="primFontSz" fact="0.105"/>
+                    <dgm:constr type="bMarg" refType="primFontSz" fact="0.105"/>
+                    <dgm:constr type="lMarg" refType="primFontSz" fact="0.105"/>
+                    <dgm:constr type="rMarg" refType="primFontSz" fact="0.315"/>
+                  </dgm:constrLst>
+                </dgm:else>
+              </dgm:choose>
+              <dgm:ruleLst>
+                <dgm:rule type="h" val="INF" fact="NaN" max="NaN"/>
+              </dgm:ruleLst>
+            </dgm:layoutNode>
+            <dgm:layoutNode name="desTx" styleLbl="revTx">
+              <dgm:varLst>
+                <dgm:bulletEnabled val="1"/>
+              </dgm:varLst>
+              <dgm:alg type="tx">
+                <dgm:param type="stBulletLvl" val="1"/>
+              </dgm:alg>
+              <dgm:choose name="Name16">
+                <dgm:if name="Name17" axis="ch" ptType="node" func="cnt" op="gte" val="1">
+                  <dgm:shape xmlns:r="http://schemas.openxmlformats.org/officeDocument/2006/relationships" type="rect" r:blip="">
+                    <dgm:adjLst/>
+                  </dgm:shape>
+                </dgm:if>
+                <dgm:else name="Name18">
+                  <dgm:shape xmlns:r="http://schemas.openxmlformats.org/officeDocument/2006/relationships" type="rect" r:blip="" hideGeom="1">
+                    <dgm:adjLst/>
+                  </dgm:shape>
+                </dgm:else>
+              </dgm:choose>
+              <dgm:presOf axis="des" ptType="node"/>
+              <dgm:constrLst>
+                <dgm:constr type="secFontSz" val="65"/>
+                <dgm:constr type="primFontSz" refType="secFontSz"/>
+                <dgm:constr type="h"/>
+                <dgm:constr type="tMarg"/>
+                <dgm:constr type="bMarg"/>
+                <dgm:constr type="rMarg"/>
+                <dgm:constr type="lMarg"/>
+              </dgm:constrLst>
+              <dgm:ruleLst>
+                <dgm:rule type="h" val="INF" fact="NaN" max="NaN"/>
+              </dgm:ruleLst>
+            </dgm:layoutNode>
+          </dgm:layoutNode>
+          <dgm:forEach name="Name19" axis="followSib" ptType="sibTrans" cnt="1">
+            <dgm:layoutNode name="space">
+              <dgm:alg type="sp"/>
+              <dgm:shape xmlns:r="http://schemas.openxmlformats.org/officeDocument/2006/relationships" r:blip="">
+                <dgm:adjLst/>
+              </dgm:shape>
+              <dgm:presOf/>
+              <dgm:constrLst/>
+              <dgm:ruleLst/>
+            </dgm:layoutNode>
+          </dgm:forEach>
+        </dgm:forEach>
+      </dgm:if>
+      <dgm:else name="Name20">
+        <dgm:constrLst>
+          <dgm:constr type="w" for="ch" forName="parTxOnly" refType="w"/>
+          <dgm:constr type="h" for="des" forName="parTxOnly" op="equ"/>
+          <dgm:constr type="primFontSz" for="des" forName="parTxOnly" op="equ" val="65"/>
+          <dgm:constr type="w" for="ch" forName="parTxOnlySpace" refType="w" refFor="ch" refForName="parTxOnly" fact="-0.1"/>
+        </dgm:constrLst>
+        <dgm:ruleLst/>
+        <dgm:forEach name="Name21" axis="ch" ptType="node">
+          <dgm:layoutNode name="parTxOnly">
+            <dgm:varLst>
+              <dgm:chMax val="0"/>
+              <dgm:chPref val="0"/>
+              <dgm:bulletEnabled val="1"/>
+            </dgm:varLst>
+            <dgm:alg type="tx"/>
+            <dgm:choose name="Name22">
+              <dgm:if name="Name23" func="var" arg="dir" op="equ" val="norm">
+                <dgm:shape xmlns:r="http://schemas.openxmlformats.org/officeDocument/2006/relationships" type="chevron" r:blip="">
+                  <dgm:adjLst/>
+                </dgm:shape>
+              </dgm:if>
+              <dgm:else name="Name24">
+                <dgm:shape xmlns:r="http://schemas.openxmlformats.org/officeDocument/2006/relationships" rot="180" type="chevron" r:blip="">
+                  <dgm:adjLst/>
+                </dgm:shape>
+              </dgm:else>
+            </dgm:choose>
+            <dgm:presOf axis="self" ptType="node"/>
+            <dgm:choose name="Name25">
+              <dgm:if name="Name26" func="var" arg="dir" op="equ" val="norm">
+                <dgm:constrLst>
+                  <dgm:constr type="h" refType="w" op="equ" fact="0.4"/>
+                  <dgm:constr type="tMarg" refType="primFontSz" fact="0.105"/>
+                  <dgm:constr type="bMarg" refType="primFontSz" fact="0.105"/>
+                  <dgm:constr type="lMarg" refType="primFontSz" fact="0.315"/>
+                  <dgm:constr type="rMarg" refType="primFontSz" fact="0.105"/>
+                </dgm:constrLst>
+              </dgm:if>
+              <dgm:else name="Name27">
+                <dgm:constrLst>
+                  <dgm:constr type="h" refType="w" op="equ" fact="0.4"/>
+                  <dgm:constr type="tMarg" refType="primFontSz" fact="0.105"/>
+                  <dgm:constr type="bMarg" refType="primFontSz" fact="0.105"/>
+                  <dgm:constr type="lMarg" refType="primFontSz" fact="0.105"/>
+                  <dgm:constr type="rMarg" refType="primFontSz" fact="0.315"/>
+                </dgm:constrLst>
+              </dgm:else>
+            </dgm:choose>
+            <dgm:ruleLst>
+              <dgm:rule type="primFontSz" val="5" fact="NaN" max="NaN"/>
+            </dgm:ruleLst>
+          </dgm:layoutNode>
+          <dgm:forEach name="Name28" axis="followSib" ptType="sibTrans" cnt="1">
+            <dgm:layoutNode name="parTxOnlySpace">
+              <dgm:alg type="sp"/>
+              <dgm:shape xmlns:r="http://schemas.openxmlformats.org/officeDocument/2006/relationships" r:blip="">
+                <dgm:adjLst/>
+              </dgm:shape>
+              <dgm:presOf/>
+              <dgm:constrLst/>
+              <dgm:ruleLst/>
+            </dgm:layoutNode>
+          </dgm:forEach>
+        </dgm:forEach>
+      </dgm:else>
+    </dgm:choose>
+  </dgm:layoutNode>
+</dgm:layoutDef>
+</file>
+
+<file path=ppt/diagrams/layout6.xml><?xml version="1.0" encoding="utf-8"?>
+<dgm:layoutDef xmlns:dgm="http://schemas.openxmlformats.org/drawingml/2006/diagram" xmlns:a="http://schemas.openxmlformats.org/drawingml/2006/main" uniqueId="urn:microsoft.com/office/officeart/2005/8/layout/process1">
+  <dgm:title val=""/>
+  <dgm:desc val=""/>
+  <dgm:catLst>
+    <dgm:cat type="process" pri="1000"/>
+    <dgm:cat type="convert" pri="15000"/>
+  </dgm:catLst>
+  <dgm:sampData useDef="1">
+    <dgm:dataModel>
+      <dgm:ptLst/>
+      <dgm:bg/>
+      <dgm:whole/>
+    </dgm:dataModel>
+  </dgm:sampData>
+  <dgm:styleData>
+    <dgm:dataModel>
+      <dgm:ptLst>
+        <dgm:pt modelId="0" type="doc"/>
+        <dgm:pt modelId="1"/>
+        <dgm:pt modelId="2"/>
+      </dgm:ptLst>
+      <dgm:cxnLst>
+        <dgm:cxn modelId="3" srcId="0" destId="1" srcOrd="0" destOrd="0"/>
+        <dgm:cxn modelId="4" srcId="0" destId="2" srcOrd="1" destOrd="0"/>
+      </dgm:cxnLst>
+      <dgm:bg/>
+      <dgm:whole/>
+    </dgm:dataModel>
+  </dgm:styleData>
+  <dgm:clrData>
+    <dgm:dataModel>
+      <dgm:ptLst>
+        <dgm:pt modelId="0" type="doc"/>
+        <dgm:pt modelId="1"/>
+        <dgm:pt modelId="2"/>
+        <dgm:pt modelId="3"/>
+        <dgm:pt modelId="4"/>
+      </dgm:ptLst>
+      <dgm:cxnLst>
+        <dgm:cxn modelId="5" srcId="0" destId="1" srcOrd="0" destOrd="0"/>
+        <dgm:cxn modelId="6" srcId="0" destId="2" srcOrd="1" destOrd="0"/>
+        <dgm:cxn modelId="7" srcId="0" destId="3" srcOrd="2" destOrd="0"/>
+        <dgm:cxn modelId="8" srcId="0" destId="4" srcOrd="3" destOrd="0"/>
+      </dgm:cxnLst>
+      <dgm:bg/>
+      <dgm:whole/>
+    </dgm:dataModel>
+  </dgm:clrData>
+  <dgm:layoutNode name="Name0">
+    <dgm:varLst>
+      <dgm:dir/>
+      <dgm:resizeHandles val="exact"/>
+    </dgm:varLst>
+    <dgm:choose name="Name1">
+      <dgm:if name="Name2" func="var" arg="dir" op="equ" val="norm">
+        <dgm:alg type="lin"/>
+      </dgm:if>
+      <dgm:else name="Name3">
+        <dgm:alg type="lin">
+          <dgm:param type="linDir" val="fromR"/>
+        </dgm:alg>
+      </dgm:else>
+    </dgm:choose>
+    <dgm:shape xmlns:r="http://schemas.openxmlformats.org/officeDocument/2006/relationships" r:blip="">
+      <dgm:adjLst/>
+    </dgm:shape>
+    <dgm:presOf/>
+    <dgm:constrLst>
+      <dgm:constr type="w" for="ch" ptType="node" refType="w"/>
+      <dgm:constr type="h" for="ch" ptType="node" op="equ"/>
+      <dgm:constr type="primFontSz" for="ch" ptType="node" op="equ" val="65"/>
+      <dgm:constr type="w" for="ch" ptType="sibTrans" refType="w" refFor="ch" refPtType="node" op="equ" fact="0.4"/>
+      <dgm:constr type="h" for="ch" ptType="sibTrans" op="equ"/>
+      <dgm:constr type="primFontSz" for="des" forName="connectorText" op="equ" val="55"/>
+      <dgm:constr type="primFontSz" for="des" forName="connectorText" refType="primFontSz" refFor="ch" refPtType="node" op="lte" fact="0.8"/>
+    </dgm:constrLst>
+    <dgm:ruleLst/>
+    <dgm:forEach name="nodesForEach" axis="ch" ptType="node">
+      <dgm:layoutNode name="node">
+        <dgm:varLst>
+          <dgm:bulletEnabled val="1"/>
+        </dgm:varLst>
+        <dgm:alg type="tx"/>
+        <dgm:shape xmlns:r="http://schemas.openxmlformats.org/officeDocument/2006/relationships" type="roundRect" r:blip="">
+          <dgm:adjLst>
+            <dgm:adj idx="1" val="0.1"/>
+          </dgm:adjLst>
+        </dgm:shape>
+        <dgm:presOf axis="desOrSelf" ptType="node"/>
+        <dgm:constrLst>
+          <dgm:constr type="h" refType="w" fact="0.6"/>
+          <dgm:constr type="tMarg" refType="primFontSz" fact="0.3"/>
+          <dgm:constr type="bMarg" refType="primFontSz" fact="0.3"/>
+          <dgm:constr type="lMarg" refType="primFontSz" fact="0.3"/>
+          <dgm:constr type="rMarg" refType="primFontSz" fact="0.3"/>
+        </dgm:constrLst>
+        <dgm:ruleLst>
+          <dgm:rule type="primFontSz" val="18" fact="NaN" max="NaN"/>
+          <dgm:rule type="h" val="NaN" fact="1.5" max="NaN"/>
+          <dgm:rule type="primFontSz" val="5" fact="NaN" max="NaN"/>
+          <dgm:rule type="h" val="INF" fact="NaN" max="NaN"/>
+        </dgm:ruleLst>
+      </dgm:layoutNode>
+      <dgm:forEach name="sibTransForEach" axis="followSib" ptType="sibTrans" cnt="1">
+        <dgm:layoutNode name="sibTrans">
+          <dgm:alg type="conn">
+            <dgm:param type="begPts" val="auto"/>
+            <dgm:param type="endPts" val="auto"/>
+          </dgm:alg>
+          <dgm:shape xmlns:r="http://schemas.openxmlformats.org/officeDocument/2006/relationships" type="conn" r:blip="">
+            <dgm:adjLst/>
+          </dgm:shape>
+          <dgm:presOf axis="self"/>
+          <dgm:constrLst>
+            <dgm:constr type="h" refType="w" fact="0.62"/>
+            <dgm:constr type="connDist"/>
+            <dgm:constr type="begPad" refType="connDist" fact="0.25"/>
+            <dgm:constr type="endPad" refType="connDist" fact="0.22"/>
+          </dgm:constrLst>
+          <dgm:ruleLst/>
+          <dgm:layoutNode name="connectorText">
+            <dgm:alg type="tx">
+              <dgm:param type="autoTxRot" val="grav"/>
+            </dgm:alg>
+            <dgm:shape xmlns:r="http://schemas.openxmlformats.org/officeDocument/2006/relationships" type="conn" r:blip="" hideGeom="1">
+              <dgm:adjLst/>
+            </dgm:shape>
+            <dgm:presOf axis="self"/>
+            <dgm:constrLst>
+              <dgm:constr type="lMarg"/>
+              <dgm:constr type="rMarg"/>
+              <dgm:constr type="tMarg"/>
+              <dgm:constr type="bMarg"/>
+            </dgm:constrLst>
+            <dgm:ruleLst>
+              <dgm:rule type="primFontSz" val="5" fact="NaN" max="NaN"/>
+            </dgm:ruleLst>
+          </dgm:layoutNode>
+        </dgm:layoutNode>
+      </dgm:forEach>
+    </dgm:forEach>
+  </dgm:layoutNode>
+</dgm:layoutDef>
+</file>
+
 <file path=ppt/diagrams/quickStyle1.xml><?xml version="1.0" encoding="utf-8"?>
 <dgm:styleDef xmlns:dgm="http://schemas.openxmlformats.org/drawingml/2006/diagram" xmlns:a="http://schemas.openxmlformats.org/drawingml/2006/main" uniqueId="urn:microsoft.com/office/officeart/2005/8/quickstyle/simple3">
   <dgm:title val=""/>
@@ -12701,6 +18155,3134 @@
 </file>
 
 <file path=ppt/diagrams/quickStyle3.xml><?xml version="1.0" encoding="utf-8"?>
+<dgm:styleDef xmlns:dgm="http://schemas.openxmlformats.org/drawingml/2006/diagram" xmlns:a="http://schemas.openxmlformats.org/drawingml/2006/main" uniqueId="urn:microsoft.com/office/officeart/2005/8/quickstyle/simple1">
+  <dgm:title val=""/>
+  <dgm:desc val=""/>
+  <dgm:catLst>
+    <dgm:cat type="simple" pri="10100"/>
+  </dgm:catLst>
+  <dgm:scene3d>
+    <a:camera prst="orthographicFront"/>
+    <a:lightRig rig="threePt" dir="t"/>
+  </dgm:scene3d>
+  <dgm:styleLbl name="node0">
+    <dgm:scene3d>
+      <a:camera prst="orthographicFront"/>
+      <a:lightRig rig="threePt" dir="t"/>
+    </dgm:scene3d>
+    <dgm:sp3d/>
+    <dgm:txPr/>
+    <dgm:style>
+      <a:lnRef idx="2">
+        <a:scrgbClr r="0" g="0" b="0"/>
+      </a:lnRef>
+      <a:fillRef idx="1">
+        <a:scrgbClr r="0" g="0" b="0"/>
+      </a:fillRef>
+      <a:effectRef idx="0">
+        <a:scrgbClr r="0" g="0" b="0"/>
+      </a:effectRef>
+      <a:fontRef idx="minor">
+        <a:schemeClr val="lt1"/>
+      </a:fontRef>
+    </dgm:style>
+  </dgm:styleLbl>
+  <dgm:styleLbl name="lnNode1">
+    <dgm:scene3d>
+      <a:camera prst="orthographicFront"/>
+      <a:lightRig rig="threePt" dir="t"/>
+    </dgm:scene3d>
+    <dgm:sp3d/>
+    <dgm:txPr/>
+    <dgm:style>
+      <a:lnRef idx="2">
+        <a:scrgbClr r="0" g="0" b="0"/>
+      </a:lnRef>
+      <a:fillRef idx="1">
+        <a:scrgbClr r="0" g="0" b="0"/>
+      </a:fillRef>
+      <a:effectRef idx="0">
+        <a:scrgbClr r="0" g="0" b="0"/>
+      </a:effectRef>
+      <a:fontRef idx="minor">
+        <a:schemeClr val="lt1"/>
+      </a:fontRef>
+    </dgm:style>
+  </dgm:styleLbl>
+  <dgm:styleLbl name="vennNode1">
+    <dgm:scene3d>
+      <a:camera prst="orthographicFront"/>
+      <a:lightRig rig="threePt" dir="t"/>
+    </dgm:scene3d>
+    <dgm:sp3d/>
+    <dgm:txPr/>
+    <dgm:style>
+      <a:lnRef idx="2">
+        <a:scrgbClr r="0" g="0" b="0"/>
+      </a:lnRef>
+      <a:fillRef idx="1">
+        <a:scrgbClr r="0" g="0" b="0"/>
+      </a:fillRef>
+      <a:effectRef idx="0">
+        <a:scrgbClr r="0" g="0" b="0"/>
+      </a:effectRef>
+      <a:fontRef idx="minor">
+        <a:schemeClr val="tx1"/>
+      </a:fontRef>
+    </dgm:style>
+  </dgm:styleLbl>
+  <dgm:styleLbl name="alignNode1">
+    <dgm:scene3d>
+      <a:camera prst="orthographicFront"/>
+      <a:lightRig rig="threePt" dir="t"/>
+    </dgm:scene3d>
+    <dgm:sp3d/>
+    <dgm:txPr/>
+    <dgm:style>
+      <a:lnRef idx="2">
+        <a:scrgbClr r="0" g="0" b="0"/>
+      </a:lnRef>
+      <a:fillRef idx="1">
+        <a:scrgbClr r="0" g="0" b="0"/>
+      </a:fillRef>
+      <a:effectRef idx="0">
+        <a:scrgbClr r="0" g="0" b="0"/>
+      </a:effectRef>
+      <a:fontRef idx="minor">
+        <a:schemeClr val="lt1"/>
+      </a:fontRef>
+    </dgm:style>
+  </dgm:styleLbl>
+  <dgm:styleLbl name="node1">
+    <dgm:scene3d>
+      <a:camera prst="orthographicFront"/>
+      <a:lightRig rig="threePt" dir="t"/>
+    </dgm:scene3d>
+    <dgm:sp3d/>
+    <dgm:txPr/>
+    <dgm:style>
+      <a:lnRef idx="2">
+        <a:scrgbClr r="0" g="0" b="0"/>
+      </a:lnRef>
+      <a:fillRef idx="1">
+        <a:scrgbClr r="0" g="0" b="0"/>
+      </a:fillRef>
+      <a:effectRef idx="0">
+        <a:scrgbClr r="0" g="0" b="0"/>
+      </a:effectRef>
+      <a:fontRef idx="minor">
+        <a:schemeClr val="lt1"/>
+      </a:fontRef>
+    </dgm:style>
+  </dgm:styleLbl>
+  <dgm:styleLbl name="node2">
+    <dgm:scene3d>
+      <a:camera prst="orthographicFront"/>
+      <a:lightRig rig="threePt" dir="t"/>
+    </dgm:scene3d>
+    <dgm:sp3d/>
+    <dgm:txPr/>
+    <dgm:style>
+      <a:lnRef idx="2">
+        <a:scrgbClr r="0" g="0" b="0"/>
+      </a:lnRef>
+      <a:fillRef idx="1">
+        <a:scrgbClr r="0" g="0" b="0"/>
+      </a:fillRef>
+      <a:effectRef idx="0">
+        <a:scrgbClr r="0" g="0" b="0"/>
+      </a:effectRef>
+      <a:fontRef idx="minor">
+        <a:schemeClr val="lt1"/>
+      </a:fontRef>
+    </dgm:style>
+  </dgm:styleLbl>
+  <dgm:styleLbl name="node3">
+    <dgm:scene3d>
+      <a:camera prst="orthographicFront"/>
+      <a:lightRig rig="threePt" dir="t"/>
+    </dgm:scene3d>
+    <dgm:sp3d/>
+    <dgm:txPr/>
+    <dgm:style>
+      <a:lnRef idx="2">
+        <a:scrgbClr r="0" g="0" b="0"/>
+      </a:lnRef>
+      <a:fillRef idx="1">
+        <a:scrgbClr r="0" g="0" b="0"/>
+      </a:fillRef>
+      <a:effectRef idx="0">
+        <a:scrgbClr r="0" g="0" b="0"/>
+      </a:effectRef>
+      <a:fontRef idx="minor">
+        <a:schemeClr val="lt1"/>
+      </a:fontRef>
+    </dgm:style>
+  </dgm:styleLbl>
+  <dgm:styleLbl name="node4">
+    <dgm:scene3d>
+      <a:camera prst="orthographicFront"/>
+      <a:lightRig rig="threePt" dir="t"/>
+    </dgm:scene3d>
+    <dgm:sp3d/>
+    <dgm:txPr/>
+    <dgm:style>
+      <a:lnRef idx="2">
+        <a:scrgbClr r="0" g="0" b="0"/>
+      </a:lnRef>
+      <a:fillRef idx="1">
+        <a:scrgbClr r="0" g="0" b="0"/>
+      </a:fillRef>
+      <a:effectRef idx="0">
+        <a:scrgbClr r="0" g="0" b="0"/>
+      </a:effectRef>
+      <a:fontRef idx="minor">
+        <a:schemeClr val="lt1"/>
+      </a:fontRef>
+    </dgm:style>
+  </dgm:styleLbl>
+  <dgm:styleLbl name="fgImgPlace1">
+    <dgm:scene3d>
+      <a:camera prst="orthographicFront"/>
+      <a:lightRig rig="threePt" dir="t"/>
+    </dgm:scene3d>
+    <dgm:sp3d/>
+    <dgm:txPr/>
+    <dgm:style>
+      <a:lnRef idx="2">
+        <a:scrgbClr r="0" g="0" b="0"/>
+      </a:lnRef>
+      <a:fillRef idx="1">
+        <a:scrgbClr r="0" g="0" b="0"/>
+      </a:fillRef>
+      <a:effectRef idx="0">
+        <a:scrgbClr r="0" g="0" b="0"/>
+      </a:effectRef>
+      <a:fontRef idx="minor"/>
+    </dgm:style>
+  </dgm:styleLbl>
+  <dgm:styleLbl name="alignImgPlace1">
+    <dgm:scene3d>
+      <a:camera prst="orthographicFront"/>
+      <a:lightRig rig="threePt" dir="t"/>
+    </dgm:scene3d>
+    <dgm:sp3d/>
+    <dgm:txPr/>
+    <dgm:style>
+      <a:lnRef idx="2">
+        <a:scrgbClr r="0" g="0" b="0"/>
+      </a:lnRef>
+      <a:fillRef idx="1">
+        <a:scrgbClr r="0" g="0" b="0"/>
+      </a:fillRef>
+      <a:effectRef idx="0">
+        <a:scrgbClr r="0" g="0" b="0"/>
+      </a:effectRef>
+      <a:fontRef idx="minor"/>
+    </dgm:style>
+  </dgm:styleLbl>
+  <dgm:styleLbl name="bgImgPlace1">
+    <dgm:scene3d>
+      <a:camera prst="orthographicFront"/>
+      <a:lightRig rig="threePt" dir="t"/>
+    </dgm:scene3d>
+    <dgm:sp3d/>
+    <dgm:txPr/>
+    <dgm:style>
+      <a:lnRef idx="2">
+        <a:scrgbClr r="0" g="0" b="0"/>
+      </a:lnRef>
+      <a:fillRef idx="1">
+        <a:scrgbClr r="0" g="0" b="0"/>
+      </a:fillRef>
+      <a:effectRef idx="0">
+        <a:scrgbClr r="0" g="0" b="0"/>
+      </a:effectRef>
+      <a:fontRef idx="minor"/>
+    </dgm:style>
+  </dgm:styleLbl>
+  <dgm:styleLbl name="sibTrans2D1">
+    <dgm:scene3d>
+      <a:camera prst="orthographicFront"/>
+      <a:lightRig rig="threePt" dir="t"/>
+    </dgm:scene3d>
+    <dgm:sp3d/>
+    <dgm:txPr/>
+    <dgm:style>
+      <a:lnRef idx="0">
+        <a:scrgbClr r="0" g="0" b="0"/>
+      </a:lnRef>
+      <a:fillRef idx="1">
+        <a:scrgbClr r="0" g="0" b="0"/>
+      </a:fillRef>
+      <a:effectRef idx="0">
+        <a:scrgbClr r="0" g="0" b="0"/>
+      </a:effectRef>
+      <a:fontRef idx="minor">
+        <a:schemeClr val="lt1"/>
+      </a:fontRef>
+    </dgm:style>
+  </dgm:styleLbl>
+  <dgm:styleLbl name="fgSibTrans2D1">
+    <dgm:scene3d>
+      <a:camera prst="orthographicFront"/>
+      <a:lightRig rig="threePt" dir="t"/>
+    </dgm:scene3d>
+    <dgm:sp3d/>
+    <dgm:txPr/>
+    <dgm:style>
+      <a:lnRef idx="0">
+        <a:scrgbClr r="0" g="0" b="0"/>
+      </a:lnRef>
+      <a:fillRef idx="1">
+        <a:scrgbClr r="0" g="0" b="0"/>
+      </a:fillRef>
+      <a:effectRef idx="0">
+        <a:scrgbClr r="0" g="0" b="0"/>
+      </a:effectRef>
+      <a:fontRef idx="minor">
+        <a:schemeClr val="lt1"/>
+      </a:fontRef>
+    </dgm:style>
+  </dgm:styleLbl>
+  <dgm:styleLbl name="bgSibTrans2D1">
+    <dgm:scene3d>
+      <a:camera prst="orthographicFront"/>
+      <a:lightRig rig="threePt" dir="t"/>
+    </dgm:scene3d>
+    <dgm:sp3d/>
+    <dgm:txPr/>
+    <dgm:style>
+      <a:lnRef idx="0">
+        <a:scrgbClr r="0" g="0" b="0"/>
+      </a:lnRef>
+      <a:fillRef idx="1">
+        <a:scrgbClr r="0" g="0" b="0"/>
+      </a:fillRef>
+      <a:effectRef idx="0">
+        <a:scrgbClr r="0" g="0" b="0"/>
+      </a:effectRef>
+      <a:fontRef idx="minor">
+        <a:schemeClr val="lt1"/>
+      </a:fontRef>
+    </dgm:style>
+  </dgm:styleLbl>
+  <dgm:styleLbl name="sibTrans1D1">
+    <dgm:scene3d>
+      <a:camera prst="orthographicFront"/>
+      <a:lightRig rig="threePt" dir="t"/>
+    </dgm:scene3d>
+    <dgm:sp3d/>
+    <dgm:txPr/>
+    <dgm:style>
+      <a:lnRef idx="1">
+        <a:scrgbClr r="0" g="0" b="0"/>
+      </a:lnRef>
+      <a:fillRef idx="0">
+        <a:scrgbClr r="0" g="0" b="0"/>
+      </a:fillRef>
+      <a:effectRef idx="0">
+        <a:scrgbClr r="0" g="0" b="0"/>
+      </a:effectRef>
+      <a:fontRef idx="minor"/>
+    </dgm:style>
+  </dgm:styleLbl>
+  <dgm:styleLbl name="callout">
+    <dgm:scene3d>
+      <a:camera prst="orthographicFront"/>
+      <a:lightRig rig="threePt" dir="t"/>
+    </dgm:scene3d>
+    <dgm:sp3d/>
+    <dgm:txPr/>
+    <dgm:style>
+      <a:lnRef idx="2">
+        <a:scrgbClr r="0" g="0" b="0"/>
+      </a:lnRef>
+      <a:fillRef idx="1">
+        <a:scrgbClr r="0" g="0" b="0"/>
+      </a:fillRef>
+      <a:effectRef idx="0">
+        <a:scrgbClr r="0" g="0" b="0"/>
+      </a:effectRef>
+      <a:fontRef idx="minor"/>
+    </dgm:style>
+  </dgm:styleLbl>
+  <dgm:styleLbl name="asst0">
+    <dgm:scene3d>
+      <a:camera prst="orthographicFront"/>
+      <a:lightRig rig="threePt" dir="t"/>
+    </dgm:scene3d>
+    <dgm:sp3d/>
+    <dgm:txPr/>
+    <dgm:style>
+      <a:lnRef idx="2">
+        <a:scrgbClr r="0" g="0" b="0"/>
+      </a:lnRef>
+      <a:fillRef idx="1">
+        <a:scrgbClr r="0" g="0" b="0"/>
+      </a:fillRef>
+      <a:effectRef idx="0">
+        <a:scrgbClr r="0" g="0" b="0"/>
+      </a:effectRef>
+      <a:fontRef idx="minor">
+        <a:schemeClr val="lt1"/>
+      </a:fontRef>
+    </dgm:style>
+  </dgm:styleLbl>
+  <dgm:styleLbl name="asst1">
+    <dgm:scene3d>
+      <a:camera prst="orthographicFront"/>
+      <a:lightRig rig="threePt" dir="t"/>
+    </dgm:scene3d>
+    <dgm:sp3d/>
+    <dgm:txPr/>
+    <dgm:style>
+      <a:lnRef idx="2">
+        <a:scrgbClr r="0" g="0" b="0"/>
+      </a:lnRef>
+      <a:fillRef idx="1">
+        <a:scrgbClr r="0" g="0" b="0"/>
+      </a:fillRef>
+      <a:effectRef idx="0">
+        <a:scrgbClr r="0" g="0" b="0"/>
+      </a:effectRef>
+      <a:fontRef idx="minor">
+        <a:schemeClr val="lt1"/>
+      </a:fontRef>
+    </dgm:style>
+  </dgm:styleLbl>
+  <dgm:styleLbl name="asst2">
+    <dgm:scene3d>
+      <a:camera prst="orthographicFront"/>
+      <a:lightRig rig="threePt" dir="t"/>
+    </dgm:scene3d>
+    <dgm:sp3d/>
+    <dgm:txPr/>
+    <dgm:style>
+      <a:lnRef idx="2">
+        <a:scrgbClr r="0" g="0" b="0"/>
+      </a:lnRef>
+      <a:fillRef idx="1">
+        <a:scrgbClr r="0" g="0" b="0"/>
+      </a:fillRef>
+      <a:effectRef idx="0">
+        <a:scrgbClr r="0" g="0" b="0"/>
+      </a:effectRef>
+      <a:fontRef idx="minor">
+        <a:schemeClr val="lt1"/>
+      </a:fontRef>
+    </dgm:style>
+  </dgm:styleLbl>
+  <dgm:styleLbl name="asst3">
+    <dgm:scene3d>
+      <a:camera prst="orthographicFront"/>
+      <a:lightRig rig="threePt" dir="t"/>
+    </dgm:scene3d>
+    <dgm:sp3d/>
+    <dgm:txPr/>
+    <dgm:style>
+      <a:lnRef idx="2">
+        <a:scrgbClr r="0" g="0" b="0"/>
+      </a:lnRef>
+      <a:fillRef idx="1">
+        <a:scrgbClr r="0" g="0" b="0"/>
+      </a:fillRef>
+      <a:effectRef idx="0">
+        <a:scrgbClr r="0" g="0" b="0"/>
+      </a:effectRef>
+      <a:fontRef idx="minor">
+        <a:schemeClr val="lt1"/>
+      </a:fontRef>
+    </dgm:style>
+  </dgm:styleLbl>
+  <dgm:styleLbl name="asst4">
+    <dgm:scene3d>
+      <a:camera prst="orthographicFront"/>
+      <a:lightRig rig="threePt" dir="t"/>
+    </dgm:scene3d>
+    <dgm:sp3d/>
+    <dgm:txPr/>
+    <dgm:style>
+      <a:lnRef idx="2">
+        <a:scrgbClr r="0" g="0" b="0"/>
+      </a:lnRef>
+      <a:fillRef idx="1">
+        <a:scrgbClr r="0" g="0" b="0"/>
+      </a:fillRef>
+      <a:effectRef idx="0">
+        <a:scrgbClr r="0" g="0" b="0"/>
+      </a:effectRef>
+      <a:fontRef idx="minor">
+        <a:schemeClr val="lt1"/>
+      </a:fontRef>
+    </dgm:style>
+  </dgm:styleLbl>
+  <dgm:styleLbl name="parChTrans2D1">
+    <dgm:scene3d>
+      <a:camera prst="orthographicFront"/>
+      <a:lightRig rig="threePt" dir="t"/>
+    </dgm:scene3d>
+    <dgm:sp3d/>
+    <dgm:txPr/>
+    <dgm:style>
+      <a:lnRef idx="2">
+        <a:scrgbClr r="0" g="0" b="0"/>
+      </a:lnRef>
+      <a:fillRef idx="1">
+        <a:scrgbClr r="0" g="0" b="0"/>
+      </a:fillRef>
+      <a:effectRef idx="0">
+        <a:scrgbClr r="0" g="0" b="0"/>
+      </a:effectRef>
+      <a:fontRef idx="minor">
+        <a:schemeClr val="lt1"/>
+      </a:fontRef>
+    </dgm:style>
+  </dgm:styleLbl>
+  <dgm:styleLbl name="parChTrans2D2">
+    <dgm:scene3d>
+      <a:camera prst="orthographicFront"/>
+      <a:lightRig rig="threePt" dir="t"/>
+    </dgm:scene3d>
+    <dgm:sp3d/>
+    <dgm:txPr/>
+    <dgm:style>
+      <a:lnRef idx="2">
+        <a:scrgbClr r="0" g="0" b="0"/>
+      </a:lnRef>
+      <a:fillRef idx="1">
+        <a:scrgbClr r="0" g="0" b="0"/>
+      </a:fillRef>
+      <a:effectRef idx="0">
+        <a:scrgbClr r="0" g="0" b="0"/>
+      </a:effectRef>
+      <a:fontRef idx="minor">
+        <a:schemeClr val="lt1"/>
+      </a:fontRef>
+    </dgm:style>
+  </dgm:styleLbl>
+  <dgm:styleLbl name="parChTrans2D3">
+    <dgm:scene3d>
+      <a:camera prst="orthographicFront"/>
+      <a:lightRig rig="threePt" dir="t"/>
+    </dgm:scene3d>
+    <dgm:sp3d/>
+    <dgm:txPr/>
+    <dgm:style>
+      <a:lnRef idx="2">
+        <a:scrgbClr r="0" g="0" b="0"/>
+      </a:lnRef>
+      <a:fillRef idx="1">
+        <a:scrgbClr r="0" g="0" b="0"/>
+      </a:fillRef>
+      <a:effectRef idx="0">
+        <a:scrgbClr r="0" g="0" b="0"/>
+      </a:effectRef>
+      <a:fontRef idx="minor">
+        <a:schemeClr val="lt1"/>
+      </a:fontRef>
+    </dgm:style>
+  </dgm:styleLbl>
+  <dgm:styleLbl name="parChTrans2D4">
+    <dgm:scene3d>
+      <a:camera prst="orthographicFront"/>
+      <a:lightRig rig="threePt" dir="t"/>
+    </dgm:scene3d>
+    <dgm:sp3d/>
+    <dgm:txPr/>
+    <dgm:style>
+      <a:lnRef idx="2">
+        <a:scrgbClr r="0" g="0" b="0"/>
+      </a:lnRef>
+      <a:fillRef idx="1">
+        <a:scrgbClr r="0" g="0" b="0"/>
+      </a:fillRef>
+      <a:effectRef idx="0">
+        <a:scrgbClr r="0" g="0" b="0"/>
+      </a:effectRef>
+      <a:fontRef idx="minor">
+        <a:schemeClr val="lt1"/>
+      </a:fontRef>
+    </dgm:style>
+  </dgm:styleLbl>
+  <dgm:styleLbl name="parChTrans1D1">
+    <dgm:scene3d>
+      <a:camera prst="orthographicFront"/>
+      <a:lightRig rig="threePt" dir="t"/>
+    </dgm:scene3d>
+    <dgm:sp3d/>
+    <dgm:txPr/>
+    <dgm:style>
+      <a:lnRef idx="2">
+        <a:scrgbClr r="0" g="0" b="0"/>
+      </a:lnRef>
+      <a:fillRef idx="0">
+        <a:scrgbClr r="0" g="0" b="0"/>
+      </a:fillRef>
+      <a:effectRef idx="0">
+        <a:scrgbClr r="0" g="0" b="0"/>
+      </a:effectRef>
+      <a:fontRef idx="minor"/>
+    </dgm:style>
+  </dgm:styleLbl>
+  <dgm:styleLbl name="parChTrans1D2">
+    <dgm:scene3d>
+      <a:camera prst="orthographicFront"/>
+      <a:lightRig rig="threePt" dir="t"/>
+    </dgm:scene3d>
+    <dgm:sp3d/>
+    <dgm:txPr/>
+    <dgm:style>
+      <a:lnRef idx="2">
+        <a:scrgbClr r="0" g="0" b="0"/>
+      </a:lnRef>
+      <a:fillRef idx="0">
+        <a:scrgbClr r="0" g="0" b="0"/>
+      </a:fillRef>
+      <a:effectRef idx="0">
+        <a:scrgbClr r="0" g="0" b="0"/>
+      </a:effectRef>
+      <a:fontRef idx="minor"/>
+    </dgm:style>
+  </dgm:styleLbl>
+  <dgm:styleLbl name="parChTrans1D3">
+    <dgm:scene3d>
+      <a:camera prst="orthographicFront"/>
+      <a:lightRig rig="threePt" dir="t"/>
+    </dgm:scene3d>
+    <dgm:sp3d/>
+    <dgm:txPr/>
+    <dgm:style>
+      <a:lnRef idx="2">
+        <a:scrgbClr r="0" g="0" b="0"/>
+      </a:lnRef>
+      <a:fillRef idx="0">
+        <a:scrgbClr r="0" g="0" b="0"/>
+      </a:fillRef>
+      <a:effectRef idx="0">
+        <a:scrgbClr r="0" g="0" b="0"/>
+      </a:effectRef>
+      <a:fontRef idx="minor"/>
+    </dgm:style>
+  </dgm:styleLbl>
+  <dgm:styleLbl name="parChTrans1D4">
+    <dgm:scene3d>
+      <a:camera prst="orthographicFront"/>
+      <a:lightRig rig="threePt" dir="t"/>
+    </dgm:scene3d>
+    <dgm:sp3d/>
+    <dgm:txPr/>
+    <dgm:style>
+      <a:lnRef idx="2">
+        <a:scrgbClr r="0" g="0" b="0"/>
+      </a:lnRef>
+      <a:fillRef idx="0">
+        <a:scrgbClr r="0" g="0" b="0"/>
+      </a:fillRef>
+      <a:effectRef idx="0">
+        <a:scrgbClr r="0" g="0" b="0"/>
+      </a:effectRef>
+      <a:fontRef idx="minor"/>
+    </dgm:style>
+  </dgm:styleLbl>
+  <dgm:styleLbl name="fgAcc1">
+    <dgm:scene3d>
+      <a:camera prst="orthographicFront"/>
+      <a:lightRig rig="threePt" dir="t"/>
+    </dgm:scene3d>
+    <dgm:sp3d/>
+    <dgm:txPr/>
+    <dgm:style>
+      <a:lnRef idx="2">
+        <a:scrgbClr r="0" g="0" b="0"/>
+      </a:lnRef>
+      <a:fillRef idx="1">
+        <a:scrgbClr r="0" g="0" b="0"/>
+      </a:fillRef>
+      <a:effectRef idx="0">
+        <a:scrgbClr r="0" g="0" b="0"/>
+      </a:effectRef>
+      <a:fontRef idx="minor"/>
+    </dgm:style>
+  </dgm:styleLbl>
+  <dgm:styleLbl name="conFgAcc1">
+    <dgm:scene3d>
+      <a:camera prst="orthographicFront"/>
+      <a:lightRig rig="threePt" dir="t"/>
+    </dgm:scene3d>
+    <dgm:sp3d/>
+    <dgm:txPr/>
+    <dgm:style>
+      <a:lnRef idx="2">
+        <a:scrgbClr r="0" g="0" b="0"/>
+      </a:lnRef>
+      <a:fillRef idx="1">
+        <a:scrgbClr r="0" g="0" b="0"/>
+      </a:fillRef>
+      <a:effectRef idx="0">
+        <a:scrgbClr r="0" g="0" b="0"/>
+      </a:effectRef>
+      <a:fontRef idx="minor"/>
+    </dgm:style>
+  </dgm:styleLbl>
+  <dgm:styleLbl name="alignAcc1">
+    <dgm:scene3d>
+      <a:camera prst="orthographicFront"/>
+      <a:lightRig rig="threePt" dir="t"/>
+    </dgm:scene3d>
+    <dgm:sp3d/>
+    <dgm:txPr/>
+    <dgm:style>
+      <a:lnRef idx="2">
+        <a:scrgbClr r="0" g="0" b="0"/>
+      </a:lnRef>
+      <a:fillRef idx="1">
+        <a:scrgbClr r="0" g="0" b="0"/>
+      </a:fillRef>
+      <a:effectRef idx="0">
+        <a:scrgbClr r="0" g="0" b="0"/>
+      </a:effectRef>
+      <a:fontRef idx="minor"/>
+    </dgm:style>
+  </dgm:styleLbl>
+  <dgm:styleLbl name="trAlignAcc1">
+    <dgm:scene3d>
+      <a:camera prst="orthographicFront"/>
+      <a:lightRig rig="threePt" dir="t"/>
+    </dgm:scene3d>
+    <dgm:sp3d/>
+    <dgm:txPr/>
+    <dgm:style>
+      <a:lnRef idx="1">
+        <a:scrgbClr r="0" g="0" b="0"/>
+      </a:lnRef>
+      <a:fillRef idx="1">
+        <a:scrgbClr r="0" g="0" b="0"/>
+      </a:fillRef>
+      <a:effectRef idx="0">
+        <a:scrgbClr r="0" g="0" b="0"/>
+      </a:effectRef>
+      <a:fontRef idx="minor"/>
+    </dgm:style>
+  </dgm:styleLbl>
+  <dgm:styleLbl name="bgAcc1">
+    <dgm:scene3d>
+      <a:camera prst="orthographicFront"/>
+      <a:lightRig rig="threePt" dir="t"/>
+    </dgm:scene3d>
+    <dgm:sp3d/>
+    <dgm:txPr/>
+    <dgm:style>
+      <a:lnRef idx="2">
+        <a:scrgbClr r="0" g="0" b="0"/>
+      </a:lnRef>
+      <a:fillRef idx="1">
+        <a:scrgbClr r="0" g="0" b="0"/>
+      </a:fillRef>
+      <a:effectRef idx="0">
+        <a:scrgbClr r="0" g="0" b="0"/>
+      </a:effectRef>
+      <a:fontRef idx="minor"/>
+    </dgm:style>
+  </dgm:styleLbl>
+  <dgm:styleLbl name="solidFgAcc1">
+    <dgm:scene3d>
+      <a:camera prst="orthographicFront"/>
+      <a:lightRig rig="threePt" dir="t"/>
+    </dgm:scene3d>
+    <dgm:sp3d/>
+    <dgm:txPr/>
+    <dgm:style>
+      <a:lnRef idx="2">
+        <a:scrgbClr r="0" g="0" b="0"/>
+      </a:lnRef>
+      <a:fillRef idx="1">
+        <a:scrgbClr r="0" g="0" b="0"/>
+      </a:fillRef>
+      <a:effectRef idx="0">
+        <a:scrgbClr r="0" g="0" b="0"/>
+      </a:effectRef>
+      <a:fontRef idx="minor"/>
+    </dgm:style>
+  </dgm:styleLbl>
+  <dgm:styleLbl name="solidAlignAcc1">
+    <dgm:scene3d>
+      <a:camera prst="orthographicFront"/>
+      <a:lightRig rig="threePt" dir="t"/>
+    </dgm:scene3d>
+    <dgm:sp3d/>
+    <dgm:txPr/>
+    <dgm:style>
+      <a:lnRef idx="2">
+        <a:scrgbClr r="0" g="0" b="0"/>
+      </a:lnRef>
+      <a:fillRef idx="1">
+        <a:scrgbClr r="0" g="0" b="0"/>
+      </a:fillRef>
+      <a:effectRef idx="0">
+        <a:scrgbClr r="0" g="0" b="0"/>
+      </a:effectRef>
+      <a:fontRef idx="minor"/>
+    </dgm:style>
+  </dgm:styleLbl>
+  <dgm:styleLbl name="solidBgAcc1">
+    <dgm:scene3d>
+      <a:camera prst="orthographicFront"/>
+      <a:lightRig rig="threePt" dir="t"/>
+    </dgm:scene3d>
+    <dgm:sp3d/>
+    <dgm:txPr/>
+    <dgm:style>
+      <a:lnRef idx="2">
+        <a:scrgbClr r="0" g="0" b="0"/>
+      </a:lnRef>
+      <a:fillRef idx="1">
+        <a:scrgbClr r="0" g="0" b="0"/>
+      </a:fillRef>
+      <a:effectRef idx="0">
+        <a:scrgbClr r="0" g="0" b="0"/>
+      </a:effectRef>
+      <a:fontRef idx="minor"/>
+    </dgm:style>
+  </dgm:styleLbl>
+  <dgm:styleLbl name="fgAccFollowNode1">
+    <dgm:scene3d>
+      <a:camera prst="orthographicFront"/>
+      <a:lightRig rig="threePt" dir="t"/>
+    </dgm:scene3d>
+    <dgm:sp3d/>
+    <dgm:txPr/>
+    <dgm:style>
+      <a:lnRef idx="2">
+        <a:scrgbClr r="0" g="0" b="0"/>
+      </a:lnRef>
+      <a:fillRef idx="1">
+        <a:scrgbClr r="0" g="0" b="0"/>
+      </a:fillRef>
+      <a:effectRef idx="0">
+        <a:scrgbClr r="0" g="0" b="0"/>
+      </a:effectRef>
+      <a:fontRef idx="minor"/>
+    </dgm:style>
+  </dgm:styleLbl>
+  <dgm:styleLbl name="alignAccFollowNode1">
+    <dgm:scene3d>
+      <a:camera prst="orthographicFront"/>
+      <a:lightRig rig="threePt" dir="t"/>
+    </dgm:scene3d>
+    <dgm:sp3d/>
+    <dgm:txPr/>
+    <dgm:style>
+      <a:lnRef idx="2">
+        <a:scrgbClr r="0" g="0" b="0"/>
+      </a:lnRef>
+      <a:fillRef idx="1">
+        <a:scrgbClr r="0" g="0" b="0"/>
+      </a:fillRef>
+      <a:effectRef idx="0">
+        <a:scrgbClr r="0" g="0" b="0"/>
+      </a:effectRef>
+      <a:fontRef idx="minor"/>
+    </dgm:style>
+  </dgm:styleLbl>
+  <dgm:styleLbl name="bgAccFollowNode1">
+    <dgm:scene3d>
+      <a:camera prst="orthographicFront"/>
+      <a:lightRig rig="threePt" dir="t"/>
+    </dgm:scene3d>
+    <dgm:sp3d/>
+    <dgm:txPr/>
+    <dgm:style>
+      <a:lnRef idx="2">
+        <a:scrgbClr r="0" g="0" b="0"/>
+      </a:lnRef>
+      <a:fillRef idx="1">
+        <a:scrgbClr r="0" g="0" b="0"/>
+      </a:fillRef>
+      <a:effectRef idx="0">
+        <a:scrgbClr r="0" g="0" b="0"/>
+      </a:effectRef>
+      <a:fontRef idx="minor"/>
+    </dgm:style>
+  </dgm:styleLbl>
+  <dgm:styleLbl name="fgAcc0">
+    <dgm:scene3d>
+      <a:camera prst="orthographicFront"/>
+      <a:lightRig rig="threePt" dir="t"/>
+    </dgm:scene3d>
+    <dgm:sp3d/>
+    <dgm:txPr/>
+    <dgm:style>
+      <a:lnRef idx="2">
+        <a:scrgbClr r="0" g="0" b="0"/>
+      </a:lnRef>
+      <a:fillRef idx="1">
+        <a:scrgbClr r="0" g="0" b="0"/>
+      </a:fillRef>
+      <a:effectRef idx="0">
+        <a:scrgbClr r="0" g="0" b="0"/>
+      </a:effectRef>
+      <a:fontRef idx="minor"/>
+    </dgm:style>
+  </dgm:styleLbl>
+  <dgm:styleLbl name="fgAcc2">
+    <dgm:scene3d>
+      <a:camera prst="orthographicFront"/>
+      <a:lightRig rig="threePt" dir="t"/>
+    </dgm:scene3d>
+    <dgm:sp3d/>
+    <dgm:txPr/>
+    <dgm:style>
+      <a:lnRef idx="2">
+        <a:scrgbClr r="0" g="0" b="0"/>
+      </a:lnRef>
+      <a:fillRef idx="1">
+        <a:scrgbClr r="0" g="0" b="0"/>
+      </a:fillRef>
+      <a:effectRef idx="0">
+        <a:scrgbClr r="0" g="0" b="0"/>
+      </a:effectRef>
+      <a:fontRef idx="minor"/>
+    </dgm:style>
+  </dgm:styleLbl>
+  <dgm:styleLbl name="fgAcc3">
+    <dgm:scene3d>
+      <a:camera prst="orthographicFront"/>
+      <a:lightRig rig="threePt" dir="t"/>
+    </dgm:scene3d>
+    <dgm:sp3d/>
+    <dgm:txPr/>
+    <dgm:style>
+      <a:lnRef idx="2">
+        <a:scrgbClr r="0" g="0" b="0"/>
+      </a:lnRef>
+      <a:fillRef idx="1">
+        <a:scrgbClr r="0" g="0" b="0"/>
+      </a:fillRef>
+      <a:effectRef idx="0">
+        <a:scrgbClr r="0" g="0" b="0"/>
+      </a:effectRef>
+      <a:fontRef idx="minor"/>
+    </dgm:style>
+  </dgm:styleLbl>
+  <dgm:styleLbl name="fgAcc4">
+    <dgm:scene3d>
+      <a:camera prst="orthographicFront"/>
+      <a:lightRig rig="threePt" dir="t"/>
+    </dgm:scene3d>
+    <dgm:sp3d/>
+    <dgm:txPr/>
+    <dgm:style>
+      <a:lnRef idx="2">
+        <a:scrgbClr r="0" g="0" b="0"/>
+      </a:lnRef>
+      <a:fillRef idx="1">
+        <a:scrgbClr r="0" g="0" b="0"/>
+      </a:fillRef>
+      <a:effectRef idx="0">
+        <a:scrgbClr r="0" g="0" b="0"/>
+      </a:effectRef>
+      <a:fontRef idx="minor"/>
+    </dgm:style>
+  </dgm:styleLbl>
+  <dgm:styleLbl name="bgShp">
+    <dgm:scene3d>
+      <a:camera prst="orthographicFront"/>
+      <a:lightRig rig="threePt" dir="t"/>
+    </dgm:scene3d>
+    <dgm:sp3d/>
+    <dgm:txPr/>
+    <dgm:style>
+      <a:lnRef idx="0">
+        <a:scrgbClr r="0" g="0" b="0"/>
+      </a:lnRef>
+      <a:fillRef idx="1">
+        <a:scrgbClr r="0" g="0" b="0"/>
+      </a:fillRef>
+      <a:effectRef idx="0">
+        <a:scrgbClr r="0" g="0" b="0"/>
+      </a:effectRef>
+      <a:fontRef idx="minor"/>
+    </dgm:style>
+  </dgm:styleLbl>
+  <dgm:styleLbl name="dkBgShp">
+    <dgm:scene3d>
+      <a:camera prst="orthographicFront"/>
+      <a:lightRig rig="threePt" dir="t"/>
+    </dgm:scene3d>
+    <dgm:sp3d/>
+    <dgm:txPr/>
+    <dgm:style>
+      <a:lnRef idx="0">
+        <a:scrgbClr r="0" g="0" b="0"/>
+      </a:lnRef>
+      <a:fillRef idx="1">
+        <a:scrgbClr r="0" g="0" b="0"/>
+      </a:fillRef>
+      <a:effectRef idx="0">
+        <a:scrgbClr r="0" g="0" b="0"/>
+      </a:effectRef>
+      <a:fontRef idx="minor"/>
+    </dgm:style>
+  </dgm:styleLbl>
+  <dgm:styleLbl name="trBgShp">
+    <dgm:scene3d>
+      <a:camera prst="orthographicFront"/>
+      <a:lightRig rig="threePt" dir="t"/>
+    </dgm:scene3d>
+    <dgm:sp3d/>
+    <dgm:txPr/>
+    <dgm:style>
+      <a:lnRef idx="0">
+        <a:scrgbClr r="0" g="0" b="0"/>
+      </a:lnRef>
+      <a:fillRef idx="1">
+        <a:scrgbClr r="0" g="0" b="0"/>
+      </a:fillRef>
+      <a:effectRef idx="0">
+        <a:scrgbClr r="0" g="0" b="0"/>
+      </a:effectRef>
+      <a:fontRef idx="minor"/>
+    </dgm:style>
+  </dgm:styleLbl>
+  <dgm:styleLbl name="fgShp">
+    <dgm:scene3d>
+      <a:camera prst="orthographicFront"/>
+      <a:lightRig rig="threePt" dir="t"/>
+    </dgm:scene3d>
+    <dgm:sp3d/>
+    <dgm:txPr/>
+    <dgm:style>
+      <a:lnRef idx="2">
+        <a:scrgbClr r="0" g="0" b="0"/>
+      </a:lnRef>
+      <a:fillRef idx="1">
+        <a:scrgbClr r="0" g="0" b="0"/>
+      </a:fillRef>
+      <a:effectRef idx="0">
+        <a:scrgbClr r="0" g="0" b="0"/>
+      </a:effectRef>
+      <a:fontRef idx="minor"/>
+    </dgm:style>
+  </dgm:styleLbl>
+  <dgm:styleLbl name="revTx">
+    <dgm:scene3d>
+      <a:camera prst="orthographicFront"/>
+      <a:lightRig rig="threePt" dir="t"/>
+    </dgm:scene3d>
+    <dgm:sp3d/>
+    <dgm:txPr/>
+    <dgm:style>
+      <a:lnRef idx="0">
+        <a:scrgbClr r="0" g="0" b="0"/>
+      </a:lnRef>
+      <a:fillRef idx="0">
+        <a:scrgbClr r="0" g="0" b="0"/>
+      </a:fillRef>
+      <a:effectRef idx="0">
+        <a:scrgbClr r="0" g="0" b="0"/>
+      </a:effectRef>
+      <a:fontRef idx="minor"/>
+    </dgm:style>
+  </dgm:styleLbl>
+</dgm:styleDef>
+</file>
+
+<file path=ppt/diagrams/quickStyle4.xml><?xml version="1.0" encoding="utf-8"?>
+<dgm:styleDef xmlns:dgm="http://schemas.openxmlformats.org/drawingml/2006/diagram" xmlns:a="http://schemas.openxmlformats.org/drawingml/2006/main" uniqueId="urn:microsoft.com/office/officeart/2005/8/quickstyle/simple3">
+  <dgm:title val=""/>
+  <dgm:desc val=""/>
+  <dgm:catLst>
+    <dgm:cat type="simple" pri="10300"/>
+  </dgm:catLst>
+  <dgm:scene3d>
+    <a:camera prst="orthographicFront"/>
+    <a:lightRig rig="threePt" dir="t"/>
+  </dgm:scene3d>
+  <dgm:styleLbl name="node0">
+    <dgm:scene3d>
+      <a:camera prst="orthographicFront"/>
+      <a:lightRig rig="flat" dir="t"/>
+    </dgm:scene3d>
+    <dgm:sp3d prstMaterial="dkEdge">
+      <a:bevelT w="8200" h="38100"/>
+    </dgm:sp3d>
+    <dgm:txPr/>
+    <dgm:style>
+      <a:lnRef idx="0">
+        <a:scrgbClr r="0" g="0" b="0"/>
+      </a:lnRef>
+      <a:fillRef idx="2">
+        <a:scrgbClr r="0" g="0" b="0"/>
+      </a:fillRef>
+      <a:effectRef idx="1">
+        <a:scrgbClr r="0" g="0" b="0"/>
+      </a:effectRef>
+      <a:fontRef idx="minor">
+        <a:schemeClr val="dk1"/>
+      </a:fontRef>
+    </dgm:style>
+  </dgm:styleLbl>
+  <dgm:styleLbl name="lnNode1">
+    <dgm:scene3d>
+      <a:camera prst="orthographicFront"/>
+      <a:lightRig rig="flat" dir="t"/>
+    </dgm:scene3d>
+    <dgm:sp3d prstMaterial="dkEdge">
+      <a:bevelT w="8200" h="38100"/>
+    </dgm:sp3d>
+    <dgm:txPr/>
+    <dgm:style>
+      <a:lnRef idx="1">
+        <a:scrgbClr r="0" g="0" b="0"/>
+      </a:lnRef>
+      <a:fillRef idx="2">
+        <a:scrgbClr r="0" g="0" b="0"/>
+      </a:fillRef>
+      <a:effectRef idx="0">
+        <a:scrgbClr r="0" g="0" b="0"/>
+      </a:effectRef>
+      <a:fontRef idx="minor">
+        <a:schemeClr val="dk1"/>
+      </a:fontRef>
+    </dgm:style>
+  </dgm:styleLbl>
+  <dgm:styleLbl name="vennNode1">
+    <dgm:scene3d>
+      <a:camera prst="orthographicFront"/>
+      <a:lightRig rig="flat" dir="t"/>
+    </dgm:scene3d>
+    <dgm:sp3d prstMaterial="dkEdge">
+      <a:bevelT w="8200" h="38100"/>
+    </dgm:sp3d>
+    <dgm:txPr/>
+    <dgm:style>
+      <a:lnRef idx="0">
+        <a:scrgbClr r="0" g="0" b="0"/>
+      </a:lnRef>
+      <a:fillRef idx="2">
+        <a:scrgbClr r="0" g="0" b="0"/>
+      </a:fillRef>
+      <a:effectRef idx="0">
+        <a:scrgbClr r="0" g="0" b="0"/>
+      </a:effectRef>
+      <a:fontRef idx="minor">
+        <a:schemeClr val="tx1"/>
+      </a:fontRef>
+    </dgm:style>
+  </dgm:styleLbl>
+  <dgm:styleLbl name="alignNode1">
+    <dgm:scene3d>
+      <a:camera prst="orthographicFront"/>
+      <a:lightRig rig="threePt" dir="t"/>
+    </dgm:scene3d>
+    <dgm:sp3d/>
+    <dgm:txPr/>
+    <dgm:style>
+      <a:lnRef idx="1">
+        <a:scrgbClr r="0" g="0" b="0"/>
+      </a:lnRef>
+      <a:fillRef idx="2">
+        <a:scrgbClr r="0" g="0" b="0"/>
+      </a:fillRef>
+      <a:effectRef idx="1">
+        <a:scrgbClr r="0" g="0" b="0"/>
+      </a:effectRef>
+      <a:fontRef idx="minor">
+        <a:schemeClr val="dk1"/>
+      </a:fontRef>
+    </dgm:style>
+  </dgm:styleLbl>
+  <dgm:styleLbl name="node1">
+    <dgm:scene3d>
+      <a:camera prst="orthographicFront"/>
+      <a:lightRig rig="flat" dir="t"/>
+    </dgm:scene3d>
+    <dgm:sp3d prstMaterial="dkEdge">
+      <a:bevelT w="8200" h="38100"/>
+    </dgm:sp3d>
+    <dgm:txPr/>
+    <dgm:style>
+      <a:lnRef idx="0">
+        <a:scrgbClr r="0" g="0" b="0"/>
+      </a:lnRef>
+      <a:fillRef idx="2">
+        <a:scrgbClr r="0" g="0" b="0"/>
+      </a:fillRef>
+      <a:effectRef idx="1">
+        <a:scrgbClr r="0" g="0" b="0"/>
+      </a:effectRef>
+      <a:fontRef idx="minor">
+        <a:schemeClr val="dk1"/>
+      </a:fontRef>
+    </dgm:style>
+  </dgm:styleLbl>
+  <dgm:styleLbl name="node2">
+    <dgm:scene3d>
+      <a:camera prst="orthographicFront"/>
+      <a:lightRig rig="flat" dir="t"/>
+    </dgm:scene3d>
+    <dgm:sp3d prstMaterial="dkEdge">
+      <a:bevelT w="8200" h="38100"/>
+    </dgm:sp3d>
+    <dgm:txPr/>
+    <dgm:style>
+      <a:lnRef idx="0">
+        <a:scrgbClr r="0" g="0" b="0"/>
+      </a:lnRef>
+      <a:fillRef idx="2">
+        <a:scrgbClr r="0" g="0" b="0"/>
+      </a:fillRef>
+      <a:effectRef idx="1">
+        <a:scrgbClr r="0" g="0" b="0"/>
+      </a:effectRef>
+      <a:fontRef idx="minor">
+        <a:schemeClr val="dk1"/>
+      </a:fontRef>
+    </dgm:style>
+  </dgm:styleLbl>
+  <dgm:styleLbl name="node3">
+    <dgm:scene3d>
+      <a:camera prst="orthographicFront"/>
+      <a:lightRig rig="flat" dir="t"/>
+    </dgm:scene3d>
+    <dgm:sp3d prstMaterial="dkEdge">
+      <a:bevelT w="8200" h="38100"/>
+    </dgm:sp3d>
+    <dgm:txPr/>
+    <dgm:style>
+      <a:lnRef idx="0">
+        <a:scrgbClr r="0" g="0" b="0"/>
+      </a:lnRef>
+      <a:fillRef idx="2">
+        <a:scrgbClr r="0" g="0" b="0"/>
+      </a:fillRef>
+      <a:effectRef idx="1">
+        <a:scrgbClr r="0" g="0" b="0"/>
+      </a:effectRef>
+      <a:fontRef idx="minor">
+        <a:schemeClr val="dk1"/>
+      </a:fontRef>
+    </dgm:style>
+  </dgm:styleLbl>
+  <dgm:styleLbl name="node4">
+    <dgm:scene3d>
+      <a:camera prst="orthographicFront"/>
+      <a:lightRig rig="flat" dir="t"/>
+    </dgm:scene3d>
+    <dgm:sp3d prstMaterial="dkEdge">
+      <a:bevelT w="8200" h="38100"/>
+    </dgm:sp3d>
+    <dgm:txPr/>
+    <dgm:style>
+      <a:lnRef idx="0">
+        <a:scrgbClr r="0" g="0" b="0"/>
+      </a:lnRef>
+      <a:fillRef idx="2">
+        <a:scrgbClr r="0" g="0" b="0"/>
+      </a:fillRef>
+      <a:effectRef idx="1">
+        <a:scrgbClr r="0" g="0" b="0"/>
+      </a:effectRef>
+      <a:fontRef idx="minor">
+        <a:schemeClr val="dk1"/>
+      </a:fontRef>
+    </dgm:style>
+  </dgm:styleLbl>
+  <dgm:styleLbl name="fgImgPlace1">
+    <dgm:scene3d>
+      <a:camera prst="orthographicFront"/>
+      <a:lightRig rig="threePt" dir="t"/>
+    </dgm:scene3d>
+    <dgm:sp3d/>
+    <dgm:txPr/>
+    <dgm:style>
+      <a:lnRef idx="1">
+        <a:scrgbClr r="0" g="0" b="0"/>
+      </a:lnRef>
+      <a:fillRef idx="1">
+        <a:scrgbClr r="0" g="0" b="0"/>
+      </a:fillRef>
+      <a:effectRef idx="1">
+        <a:scrgbClr r="0" g="0" b="0"/>
+      </a:effectRef>
+      <a:fontRef idx="minor"/>
+    </dgm:style>
+  </dgm:styleLbl>
+  <dgm:styleLbl name="alignImgPlace1">
+    <dgm:scene3d>
+      <a:camera prst="orthographicFront"/>
+      <a:lightRig rig="threePt" dir="t"/>
+    </dgm:scene3d>
+    <dgm:sp3d/>
+    <dgm:txPr/>
+    <dgm:style>
+      <a:lnRef idx="1">
+        <a:scrgbClr r="0" g="0" b="0"/>
+      </a:lnRef>
+      <a:fillRef idx="1">
+        <a:scrgbClr r="0" g="0" b="0"/>
+      </a:fillRef>
+      <a:effectRef idx="1">
+        <a:scrgbClr r="0" g="0" b="0"/>
+      </a:effectRef>
+      <a:fontRef idx="minor"/>
+    </dgm:style>
+  </dgm:styleLbl>
+  <dgm:styleLbl name="bgImgPlace1">
+    <dgm:scene3d>
+      <a:camera prst="orthographicFront"/>
+      <a:lightRig rig="threePt" dir="t"/>
+    </dgm:scene3d>
+    <dgm:sp3d/>
+    <dgm:txPr/>
+    <dgm:style>
+      <a:lnRef idx="1">
+        <a:scrgbClr r="0" g="0" b="0"/>
+      </a:lnRef>
+      <a:fillRef idx="1">
+        <a:scrgbClr r="0" g="0" b="0"/>
+      </a:fillRef>
+      <a:effectRef idx="1">
+        <a:scrgbClr r="0" g="0" b="0"/>
+      </a:effectRef>
+      <a:fontRef idx="minor"/>
+    </dgm:style>
+  </dgm:styleLbl>
+  <dgm:styleLbl name="sibTrans2D1">
+    <dgm:scene3d>
+      <a:camera prst="orthographicFront"/>
+      <a:lightRig rig="threePt" dir="t"/>
+    </dgm:scene3d>
+    <dgm:sp3d/>
+    <dgm:txPr/>
+    <dgm:style>
+      <a:lnRef idx="0">
+        <a:scrgbClr r="0" g="0" b="0"/>
+      </a:lnRef>
+      <a:fillRef idx="2">
+        <a:scrgbClr r="0" g="0" b="0"/>
+      </a:fillRef>
+      <a:effectRef idx="1">
+        <a:scrgbClr r="0" g="0" b="0"/>
+      </a:effectRef>
+      <a:fontRef idx="minor">
+        <a:schemeClr val="dk1"/>
+      </a:fontRef>
+    </dgm:style>
+  </dgm:styleLbl>
+  <dgm:styleLbl name="fgSibTrans2D1">
+    <dgm:scene3d>
+      <a:camera prst="orthographicFront"/>
+      <a:lightRig rig="threePt" dir="t"/>
+    </dgm:scene3d>
+    <dgm:sp3d/>
+    <dgm:txPr/>
+    <dgm:style>
+      <a:lnRef idx="0">
+        <a:scrgbClr r="0" g="0" b="0"/>
+      </a:lnRef>
+      <a:fillRef idx="2">
+        <a:scrgbClr r="0" g="0" b="0"/>
+      </a:fillRef>
+      <a:effectRef idx="1">
+        <a:scrgbClr r="0" g="0" b="0"/>
+      </a:effectRef>
+      <a:fontRef idx="minor">
+        <a:schemeClr val="dk1"/>
+      </a:fontRef>
+    </dgm:style>
+  </dgm:styleLbl>
+  <dgm:styleLbl name="bgSibTrans2D1">
+    <dgm:scene3d>
+      <a:camera prst="orthographicFront"/>
+      <a:lightRig rig="threePt" dir="t"/>
+    </dgm:scene3d>
+    <dgm:sp3d/>
+    <dgm:txPr/>
+    <dgm:style>
+      <a:lnRef idx="0">
+        <a:scrgbClr r="0" g="0" b="0"/>
+      </a:lnRef>
+      <a:fillRef idx="2">
+        <a:scrgbClr r="0" g="0" b="0"/>
+      </a:fillRef>
+      <a:effectRef idx="1">
+        <a:scrgbClr r="0" g="0" b="0"/>
+      </a:effectRef>
+      <a:fontRef idx="minor">
+        <a:schemeClr val="dk1"/>
+      </a:fontRef>
+    </dgm:style>
+  </dgm:styleLbl>
+  <dgm:styleLbl name="sibTrans1D1">
+    <dgm:scene3d>
+      <a:camera prst="orthographicFront"/>
+      <a:lightRig rig="threePt" dir="t"/>
+    </dgm:scene3d>
+    <dgm:sp3d/>
+    <dgm:txPr/>
+    <dgm:style>
+      <a:lnRef idx="1">
+        <a:scrgbClr r="0" g="0" b="0"/>
+      </a:lnRef>
+      <a:fillRef idx="0">
+        <a:scrgbClr r="0" g="0" b="0"/>
+      </a:fillRef>
+      <a:effectRef idx="0">
+        <a:scrgbClr r="0" g="0" b="0"/>
+      </a:effectRef>
+      <a:fontRef idx="minor"/>
+    </dgm:style>
+  </dgm:styleLbl>
+  <dgm:styleLbl name="callout">
+    <dgm:scene3d>
+      <a:camera prst="orthographicFront"/>
+      <a:lightRig rig="threePt" dir="t"/>
+    </dgm:scene3d>
+    <dgm:sp3d/>
+    <dgm:txPr/>
+    <dgm:style>
+      <a:lnRef idx="1">
+        <a:scrgbClr r="0" g="0" b="0"/>
+      </a:lnRef>
+      <a:fillRef idx="2">
+        <a:scrgbClr r="0" g="0" b="0"/>
+      </a:fillRef>
+      <a:effectRef idx="1">
+        <a:scrgbClr r="0" g="0" b="0"/>
+      </a:effectRef>
+      <a:fontRef idx="minor"/>
+    </dgm:style>
+  </dgm:styleLbl>
+  <dgm:styleLbl name="asst0">
+    <dgm:scene3d>
+      <a:camera prst="orthographicFront"/>
+      <a:lightRig rig="flat" dir="t"/>
+    </dgm:scene3d>
+    <dgm:sp3d prstMaterial="dkEdge">
+      <a:bevelT w="8200" h="38100"/>
+    </dgm:sp3d>
+    <dgm:txPr/>
+    <dgm:style>
+      <a:lnRef idx="0">
+        <a:scrgbClr r="0" g="0" b="0"/>
+      </a:lnRef>
+      <a:fillRef idx="2">
+        <a:scrgbClr r="0" g="0" b="0"/>
+      </a:fillRef>
+      <a:effectRef idx="1">
+        <a:scrgbClr r="0" g="0" b="0"/>
+      </a:effectRef>
+      <a:fontRef idx="minor">
+        <a:schemeClr val="dk1"/>
+      </a:fontRef>
+    </dgm:style>
+  </dgm:styleLbl>
+  <dgm:styleLbl name="asst1">
+    <dgm:scene3d>
+      <a:camera prst="orthographicFront"/>
+      <a:lightRig rig="flat" dir="t"/>
+    </dgm:scene3d>
+    <dgm:sp3d prstMaterial="dkEdge">
+      <a:bevelT w="8200" h="38100"/>
+    </dgm:sp3d>
+    <dgm:txPr/>
+    <dgm:style>
+      <a:lnRef idx="0">
+        <a:scrgbClr r="0" g="0" b="0"/>
+      </a:lnRef>
+      <a:fillRef idx="2">
+        <a:scrgbClr r="0" g="0" b="0"/>
+      </a:fillRef>
+      <a:effectRef idx="1">
+        <a:scrgbClr r="0" g="0" b="0"/>
+      </a:effectRef>
+      <a:fontRef idx="minor">
+        <a:schemeClr val="dk1"/>
+      </a:fontRef>
+    </dgm:style>
+  </dgm:styleLbl>
+  <dgm:styleLbl name="asst2">
+    <dgm:scene3d>
+      <a:camera prst="orthographicFront"/>
+      <a:lightRig rig="flat" dir="t"/>
+    </dgm:scene3d>
+    <dgm:sp3d prstMaterial="dkEdge">
+      <a:bevelT w="8200" h="38100"/>
+    </dgm:sp3d>
+    <dgm:txPr/>
+    <dgm:style>
+      <a:lnRef idx="0">
+        <a:scrgbClr r="0" g="0" b="0"/>
+      </a:lnRef>
+      <a:fillRef idx="2">
+        <a:scrgbClr r="0" g="0" b="0"/>
+      </a:fillRef>
+      <a:effectRef idx="1">
+        <a:scrgbClr r="0" g="0" b="0"/>
+      </a:effectRef>
+      <a:fontRef idx="minor">
+        <a:schemeClr val="dk1"/>
+      </a:fontRef>
+    </dgm:style>
+  </dgm:styleLbl>
+  <dgm:styleLbl name="asst3">
+    <dgm:scene3d>
+      <a:camera prst="orthographicFront"/>
+      <a:lightRig rig="flat" dir="t"/>
+    </dgm:scene3d>
+    <dgm:sp3d prstMaterial="dkEdge">
+      <a:bevelT w="8200" h="38100"/>
+    </dgm:sp3d>
+    <dgm:txPr/>
+    <dgm:style>
+      <a:lnRef idx="0">
+        <a:scrgbClr r="0" g="0" b="0"/>
+      </a:lnRef>
+      <a:fillRef idx="2">
+        <a:scrgbClr r="0" g="0" b="0"/>
+      </a:fillRef>
+      <a:effectRef idx="1">
+        <a:scrgbClr r="0" g="0" b="0"/>
+      </a:effectRef>
+      <a:fontRef idx="minor">
+        <a:schemeClr val="dk1"/>
+      </a:fontRef>
+    </dgm:style>
+  </dgm:styleLbl>
+  <dgm:styleLbl name="asst4">
+    <dgm:scene3d>
+      <a:camera prst="orthographicFront"/>
+      <a:lightRig rig="flat" dir="t"/>
+    </dgm:scene3d>
+    <dgm:sp3d prstMaterial="dkEdge">
+      <a:bevelT w="8200" h="38100"/>
+    </dgm:sp3d>
+    <dgm:txPr/>
+    <dgm:style>
+      <a:lnRef idx="0">
+        <a:scrgbClr r="0" g="0" b="0"/>
+      </a:lnRef>
+      <a:fillRef idx="2">
+        <a:scrgbClr r="0" g="0" b="0"/>
+      </a:fillRef>
+      <a:effectRef idx="1">
+        <a:scrgbClr r="0" g="0" b="0"/>
+      </a:effectRef>
+      <a:fontRef idx="minor">
+        <a:schemeClr val="dk1"/>
+      </a:fontRef>
+    </dgm:style>
+  </dgm:styleLbl>
+  <dgm:styleLbl name="parChTrans2D1">
+    <dgm:scene3d>
+      <a:camera prst="orthographicFront"/>
+      <a:lightRig rig="threePt" dir="t"/>
+    </dgm:scene3d>
+    <dgm:sp3d/>
+    <dgm:txPr/>
+    <dgm:style>
+      <a:lnRef idx="1">
+        <a:scrgbClr r="0" g="0" b="0"/>
+      </a:lnRef>
+      <a:fillRef idx="2">
+        <a:scrgbClr r="0" g="0" b="0"/>
+      </a:fillRef>
+      <a:effectRef idx="1">
+        <a:scrgbClr r="0" g="0" b="0"/>
+      </a:effectRef>
+      <a:fontRef idx="minor">
+        <a:schemeClr val="dk1"/>
+      </a:fontRef>
+    </dgm:style>
+  </dgm:styleLbl>
+  <dgm:styleLbl name="parChTrans2D2">
+    <dgm:scene3d>
+      <a:camera prst="orthographicFront"/>
+      <a:lightRig rig="threePt" dir="t"/>
+    </dgm:scene3d>
+    <dgm:sp3d/>
+    <dgm:txPr/>
+    <dgm:style>
+      <a:lnRef idx="1">
+        <a:scrgbClr r="0" g="0" b="0"/>
+      </a:lnRef>
+      <a:fillRef idx="2">
+        <a:scrgbClr r="0" g="0" b="0"/>
+      </a:fillRef>
+      <a:effectRef idx="1">
+        <a:scrgbClr r="0" g="0" b="0"/>
+      </a:effectRef>
+      <a:fontRef idx="minor">
+        <a:schemeClr val="dk1"/>
+      </a:fontRef>
+    </dgm:style>
+  </dgm:styleLbl>
+  <dgm:styleLbl name="parChTrans2D3">
+    <dgm:scene3d>
+      <a:camera prst="orthographicFront"/>
+      <a:lightRig rig="threePt" dir="t"/>
+    </dgm:scene3d>
+    <dgm:sp3d/>
+    <dgm:txPr/>
+    <dgm:style>
+      <a:lnRef idx="1">
+        <a:scrgbClr r="0" g="0" b="0"/>
+      </a:lnRef>
+      <a:fillRef idx="2">
+        <a:scrgbClr r="0" g="0" b="0"/>
+      </a:fillRef>
+      <a:effectRef idx="1">
+        <a:scrgbClr r="0" g="0" b="0"/>
+      </a:effectRef>
+      <a:fontRef idx="minor">
+        <a:schemeClr val="dk1"/>
+      </a:fontRef>
+    </dgm:style>
+  </dgm:styleLbl>
+  <dgm:styleLbl name="parChTrans2D4">
+    <dgm:scene3d>
+      <a:camera prst="orthographicFront"/>
+      <a:lightRig rig="threePt" dir="t"/>
+    </dgm:scene3d>
+    <dgm:sp3d/>
+    <dgm:txPr/>
+    <dgm:style>
+      <a:lnRef idx="1">
+        <a:scrgbClr r="0" g="0" b="0"/>
+      </a:lnRef>
+      <a:fillRef idx="2">
+        <a:scrgbClr r="0" g="0" b="0"/>
+      </a:fillRef>
+      <a:effectRef idx="1">
+        <a:scrgbClr r="0" g="0" b="0"/>
+      </a:effectRef>
+      <a:fontRef idx="minor">
+        <a:schemeClr val="dk1"/>
+      </a:fontRef>
+    </dgm:style>
+  </dgm:styleLbl>
+  <dgm:styleLbl name="parChTrans1D1">
+    <dgm:scene3d>
+      <a:camera prst="orthographicFront"/>
+      <a:lightRig rig="threePt" dir="t"/>
+    </dgm:scene3d>
+    <dgm:sp3d/>
+    <dgm:txPr/>
+    <dgm:style>
+      <a:lnRef idx="2">
+        <a:scrgbClr r="0" g="0" b="0"/>
+      </a:lnRef>
+      <a:fillRef idx="0">
+        <a:scrgbClr r="0" g="0" b="0"/>
+      </a:fillRef>
+      <a:effectRef idx="0">
+        <a:scrgbClr r="0" g="0" b="0"/>
+      </a:effectRef>
+      <a:fontRef idx="minor"/>
+    </dgm:style>
+  </dgm:styleLbl>
+  <dgm:styleLbl name="parChTrans1D2">
+    <dgm:scene3d>
+      <a:camera prst="orthographicFront"/>
+      <a:lightRig rig="threePt" dir="t"/>
+    </dgm:scene3d>
+    <dgm:sp3d/>
+    <dgm:txPr/>
+    <dgm:style>
+      <a:lnRef idx="2">
+        <a:scrgbClr r="0" g="0" b="0"/>
+      </a:lnRef>
+      <a:fillRef idx="0">
+        <a:scrgbClr r="0" g="0" b="0"/>
+      </a:fillRef>
+      <a:effectRef idx="0">
+        <a:scrgbClr r="0" g="0" b="0"/>
+      </a:effectRef>
+      <a:fontRef idx="minor"/>
+    </dgm:style>
+  </dgm:styleLbl>
+  <dgm:styleLbl name="parChTrans1D3">
+    <dgm:scene3d>
+      <a:camera prst="orthographicFront"/>
+      <a:lightRig rig="threePt" dir="t"/>
+    </dgm:scene3d>
+    <dgm:sp3d/>
+    <dgm:txPr/>
+    <dgm:style>
+      <a:lnRef idx="2">
+        <a:scrgbClr r="0" g="0" b="0"/>
+      </a:lnRef>
+      <a:fillRef idx="0">
+        <a:scrgbClr r="0" g="0" b="0"/>
+      </a:fillRef>
+      <a:effectRef idx="0">
+        <a:scrgbClr r="0" g="0" b="0"/>
+      </a:effectRef>
+      <a:fontRef idx="minor"/>
+    </dgm:style>
+  </dgm:styleLbl>
+  <dgm:styleLbl name="parChTrans1D4">
+    <dgm:scene3d>
+      <a:camera prst="orthographicFront"/>
+      <a:lightRig rig="threePt" dir="t"/>
+    </dgm:scene3d>
+    <dgm:sp3d/>
+    <dgm:txPr/>
+    <dgm:style>
+      <a:lnRef idx="2">
+        <a:scrgbClr r="0" g="0" b="0"/>
+      </a:lnRef>
+      <a:fillRef idx="0">
+        <a:scrgbClr r="0" g="0" b="0"/>
+      </a:fillRef>
+      <a:effectRef idx="0">
+        <a:scrgbClr r="0" g="0" b="0"/>
+      </a:effectRef>
+      <a:fontRef idx="minor"/>
+    </dgm:style>
+  </dgm:styleLbl>
+  <dgm:styleLbl name="fgAcc1">
+    <dgm:scene3d>
+      <a:camera prst="orthographicFront"/>
+      <a:lightRig rig="threePt" dir="t"/>
+    </dgm:scene3d>
+    <dgm:sp3d/>
+    <dgm:txPr/>
+    <dgm:style>
+      <a:lnRef idx="1">
+        <a:scrgbClr r="0" g="0" b="0"/>
+      </a:lnRef>
+      <a:fillRef idx="1">
+        <a:scrgbClr r="0" g="0" b="0"/>
+      </a:fillRef>
+      <a:effectRef idx="0">
+        <a:scrgbClr r="0" g="0" b="0"/>
+      </a:effectRef>
+      <a:fontRef idx="minor"/>
+    </dgm:style>
+  </dgm:styleLbl>
+  <dgm:styleLbl name="conFgAcc1">
+    <dgm:scene3d>
+      <a:camera prst="orthographicFront"/>
+      <a:lightRig rig="threePt" dir="t"/>
+    </dgm:scene3d>
+    <dgm:sp3d/>
+    <dgm:txPr/>
+    <dgm:style>
+      <a:lnRef idx="1">
+        <a:scrgbClr r="0" g="0" b="0"/>
+      </a:lnRef>
+      <a:fillRef idx="1">
+        <a:scrgbClr r="0" g="0" b="0"/>
+      </a:fillRef>
+      <a:effectRef idx="0">
+        <a:scrgbClr r="0" g="0" b="0"/>
+      </a:effectRef>
+      <a:fontRef idx="minor"/>
+    </dgm:style>
+  </dgm:styleLbl>
+  <dgm:styleLbl name="alignAcc1">
+    <dgm:scene3d>
+      <a:camera prst="orthographicFront"/>
+      <a:lightRig rig="threePt" dir="t"/>
+    </dgm:scene3d>
+    <dgm:sp3d/>
+    <dgm:txPr/>
+    <dgm:style>
+      <a:lnRef idx="1">
+        <a:scrgbClr r="0" g="0" b="0"/>
+      </a:lnRef>
+      <a:fillRef idx="1">
+        <a:scrgbClr r="0" g="0" b="0"/>
+      </a:fillRef>
+      <a:effectRef idx="0">
+        <a:scrgbClr r="0" g="0" b="0"/>
+      </a:effectRef>
+      <a:fontRef idx="minor"/>
+    </dgm:style>
+  </dgm:styleLbl>
+  <dgm:styleLbl name="trAlignAcc1">
+    <dgm:scene3d>
+      <a:camera prst="orthographicFront"/>
+      <a:lightRig rig="threePt" dir="t"/>
+    </dgm:scene3d>
+    <dgm:sp3d/>
+    <dgm:txPr/>
+    <dgm:style>
+      <a:lnRef idx="1">
+        <a:scrgbClr r="0" g="0" b="0"/>
+      </a:lnRef>
+      <a:fillRef idx="1">
+        <a:scrgbClr r="0" g="0" b="0"/>
+      </a:fillRef>
+      <a:effectRef idx="0">
+        <a:scrgbClr r="0" g="0" b="0"/>
+      </a:effectRef>
+      <a:fontRef idx="minor"/>
+    </dgm:style>
+  </dgm:styleLbl>
+  <dgm:styleLbl name="bgAcc1">
+    <dgm:scene3d>
+      <a:camera prst="orthographicFront"/>
+      <a:lightRig rig="threePt" dir="t"/>
+    </dgm:scene3d>
+    <dgm:sp3d/>
+    <dgm:txPr/>
+    <dgm:style>
+      <a:lnRef idx="1">
+        <a:scrgbClr r="0" g="0" b="0"/>
+      </a:lnRef>
+      <a:fillRef idx="1">
+        <a:scrgbClr r="0" g="0" b="0"/>
+      </a:fillRef>
+      <a:effectRef idx="0">
+        <a:scrgbClr r="0" g="0" b="0"/>
+      </a:effectRef>
+      <a:fontRef idx="minor"/>
+    </dgm:style>
+  </dgm:styleLbl>
+  <dgm:styleLbl name="solidFgAcc1">
+    <dgm:scene3d>
+      <a:camera prst="orthographicFront"/>
+      <a:lightRig rig="threePt" dir="t"/>
+    </dgm:scene3d>
+    <dgm:sp3d/>
+    <dgm:txPr/>
+    <dgm:style>
+      <a:lnRef idx="1">
+        <a:scrgbClr r="0" g="0" b="0"/>
+      </a:lnRef>
+      <a:fillRef idx="2">
+        <a:scrgbClr r="0" g="0" b="0"/>
+      </a:fillRef>
+      <a:effectRef idx="0">
+        <a:scrgbClr r="0" g="0" b="0"/>
+      </a:effectRef>
+      <a:fontRef idx="minor"/>
+    </dgm:style>
+  </dgm:styleLbl>
+  <dgm:styleLbl name="solidAlignAcc1">
+    <dgm:scene3d>
+      <a:camera prst="orthographicFront"/>
+      <a:lightRig rig="threePt" dir="t"/>
+    </dgm:scene3d>
+    <dgm:sp3d/>
+    <dgm:txPr/>
+    <dgm:style>
+      <a:lnRef idx="1">
+        <a:scrgbClr r="0" g="0" b="0"/>
+      </a:lnRef>
+      <a:fillRef idx="1">
+        <a:scrgbClr r="0" g="0" b="0"/>
+      </a:fillRef>
+      <a:effectRef idx="0">
+        <a:scrgbClr r="0" g="0" b="0"/>
+      </a:effectRef>
+      <a:fontRef idx="minor"/>
+    </dgm:style>
+  </dgm:styleLbl>
+  <dgm:styleLbl name="solidBgAcc1">
+    <dgm:scene3d>
+      <a:camera prst="orthographicFront"/>
+      <a:lightRig rig="threePt" dir="t"/>
+    </dgm:scene3d>
+    <dgm:sp3d/>
+    <dgm:txPr/>
+    <dgm:style>
+      <a:lnRef idx="1">
+        <a:scrgbClr r="0" g="0" b="0"/>
+      </a:lnRef>
+      <a:fillRef idx="1">
+        <a:scrgbClr r="0" g="0" b="0"/>
+      </a:fillRef>
+      <a:effectRef idx="0">
+        <a:scrgbClr r="0" g="0" b="0"/>
+      </a:effectRef>
+      <a:fontRef idx="minor"/>
+    </dgm:style>
+  </dgm:styleLbl>
+  <dgm:styleLbl name="fgAccFollowNode1">
+    <dgm:scene3d>
+      <a:camera prst="orthographicFront"/>
+      <a:lightRig rig="threePt" dir="t"/>
+    </dgm:scene3d>
+    <dgm:sp3d/>
+    <dgm:txPr/>
+    <dgm:style>
+      <a:lnRef idx="1">
+        <a:scrgbClr r="0" g="0" b="0"/>
+      </a:lnRef>
+      <a:fillRef idx="1">
+        <a:scrgbClr r="0" g="0" b="0"/>
+      </a:fillRef>
+      <a:effectRef idx="0">
+        <a:scrgbClr r="0" g="0" b="0"/>
+      </a:effectRef>
+      <a:fontRef idx="minor"/>
+    </dgm:style>
+  </dgm:styleLbl>
+  <dgm:styleLbl name="alignAccFollowNode1">
+    <dgm:scene3d>
+      <a:camera prst="orthographicFront"/>
+      <a:lightRig rig="threePt" dir="t"/>
+    </dgm:scene3d>
+    <dgm:sp3d/>
+    <dgm:txPr/>
+    <dgm:style>
+      <a:lnRef idx="1">
+        <a:scrgbClr r="0" g="0" b="0"/>
+      </a:lnRef>
+      <a:fillRef idx="1">
+        <a:scrgbClr r="0" g="0" b="0"/>
+      </a:fillRef>
+      <a:effectRef idx="0">
+        <a:scrgbClr r="0" g="0" b="0"/>
+      </a:effectRef>
+      <a:fontRef idx="minor"/>
+    </dgm:style>
+  </dgm:styleLbl>
+  <dgm:styleLbl name="bgAccFollowNode1">
+    <dgm:scene3d>
+      <a:camera prst="orthographicFront"/>
+      <a:lightRig rig="threePt" dir="t"/>
+    </dgm:scene3d>
+    <dgm:sp3d/>
+    <dgm:txPr/>
+    <dgm:style>
+      <a:lnRef idx="1">
+        <a:scrgbClr r="0" g="0" b="0"/>
+      </a:lnRef>
+      <a:fillRef idx="1">
+        <a:scrgbClr r="0" g="0" b="0"/>
+      </a:fillRef>
+      <a:effectRef idx="0">
+        <a:scrgbClr r="0" g="0" b="0"/>
+      </a:effectRef>
+      <a:fontRef idx="minor"/>
+    </dgm:style>
+  </dgm:styleLbl>
+  <dgm:styleLbl name="fgAcc0">
+    <dgm:scene3d>
+      <a:camera prst="orthographicFront"/>
+      <a:lightRig rig="threePt" dir="t"/>
+    </dgm:scene3d>
+    <dgm:sp3d/>
+    <dgm:txPr/>
+    <dgm:style>
+      <a:lnRef idx="1">
+        <a:scrgbClr r="0" g="0" b="0"/>
+      </a:lnRef>
+      <a:fillRef idx="1">
+        <a:scrgbClr r="0" g="0" b="0"/>
+      </a:fillRef>
+      <a:effectRef idx="0">
+        <a:scrgbClr r="0" g="0" b="0"/>
+      </a:effectRef>
+      <a:fontRef idx="minor"/>
+    </dgm:style>
+  </dgm:styleLbl>
+  <dgm:styleLbl name="fgAcc2">
+    <dgm:scene3d>
+      <a:camera prst="orthographicFront"/>
+      <a:lightRig rig="threePt" dir="t"/>
+    </dgm:scene3d>
+    <dgm:sp3d/>
+    <dgm:txPr/>
+    <dgm:style>
+      <a:lnRef idx="1">
+        <a:scrgbClr r="0" g="0" b="0"/>
+      </a:lnRef>
+      <a:fillRef idx="1">
+        <a:scrgbClr r="0" g="0" b="0"/>
+      </a:fillRef>
+      <a:effectRef idx="0">
+        <a:scrgbClr r="0" g="0" b="0"/>
+      </a:effectRef>
+      <a:fontRef idx="minor"/>
+    </dgm:style>
+  </dgm:styleLbl>
+  <dgm:styleLbl name="fgAcc3">
+    <dgm:scene3d>
+      <a:camera prst="orthographicFront"/>
+      <a:lightRig rig="threePt" dir="t"/>
+    </dgm:scene3d>
+    <dgm:sp3d/>
+    <dgm:txPr/>
+    <dgm:style>
+      <a:lnRef idx="1">
+        <a:scrgbClr r="0" g="0" b="0"/>
+      </a:lnRef>
+      <a:fillRef idx="1">
+        <a:scrgbClr r="0" g="0" b="0"/>
+      </a:fillRef>
+      <a:effectRef idx="0">
+        <a:scrgbClr r="0" g="0" b="0"/>
+      </a:effectRef>
+      <a:fontRef idx="minor"/>
+    </dgm:style>
+  </dgm:styleLbl>
+  <dgm:styleLbl name="fgAcc4">
+    <dgm:scene3d>
+      <a:camera prst="orthographicFront"/>
+      <a:lightRig rig="threePt" dir="t"/>
+    </dgm:scene3d>
+    <dgm:sp3d/>
+    <dgm:txPr/>
+    <dgm:style>
+      <a:lnRef idx="1">
+        <a:scrgbClr r="0" g="0" b="0"/>
+      </a:lnRef>
+      <a:fillRef idx="1">
+        <a:scrgbClr r="0" g="0" b="0"/>
+      </a:fillRef>
+      <a:effectRef idx="0">
+        <a:scrgbClr r="0" g="0" b="0"/>
+      </a:effectRef>
+      <a:fontRef idx="minor"/>
+    </dgm:style>
+  </dgm:styleLbl>
+  <dgm:styleLbl name="bgShp">
+    <dgm:scene3d>
+      <a:camera prst="orthographicFront"/>
+      <a:lightRig rig="threePt" dir="t"/>
+    </dgm:scene3d>
+    <dgm:sp3d/>
+    <dgm:txPr/>
+    <dgm:style>
+      <a:lnRef idx="0">
+        <a:scrgbClr r="0" g="0" b="0"/>
+      </a:lnRef>
+      <a:fillRef idx="1">
+        <a:scrgbClr r="0" g="0" b="0"/>
+      </a:fillRef>
+      <a:effectRef idx="1">
+        <a:scrgbClr r="0" g="0" b="0"/>
+      </a:effectRef>
+      <a:fontRef idx="minor"/>
+    </dgm:style>
+  </dgm:styleLbl>
+  <dgm:styleLbl name="dkBgShp">
+    <dgm:scene3d>
+      <a:camera prst="orthographicFront"/>
+      <a:lightRig rig="threePt" dir="t"/>
+    </dgm:scene3d>
+    <dgm:sp3d/>
+    <dgm:txPr/>
+    <dgm:style>
+      <a:lnRef idx="0">
+        <a:scrgbClr r="0" g="0" b="0"/>
+      </a:lnRef>
+      <a:fillRef idx="1">
+        <a:scrgbClr r="0" g="0" b="0"/>
+      </a:fillRef>
+      <a:effectRef idx="1">
+        <a:scrgbClr r="0" g="0" b="0"/>
+      </a:effectRef>
+      <a:fontRef idx="minor"/>
+    </dgm:style>
+  </dgm:styleLbl>
+  <dgm:styleLbl name="trBgShp">
+    <dgm:scene3d>
+      <a:camera prst="orthographicFront"/>
+      <a:lightRig rig="threePt" dir="t"/>
+    </dgm:scene3d>
+    <dgm:sp3d/>
+    <dgm:txPr/>
+    <dgm:style>
+      <a:lnRef idx="0">
+        <a:scrgbClr r="0" g="0" b="0"/>
+      </a:lnRef>
+      <a:fillRef idx="1">
+        <a:scrgbClr r="0" g="0" b="0"/>
+      </a:fillRef>
+      <a:effectRef idx="0">
+        <a:scrgbClr r="0" g="0" b="0"/>
+      </a:effectRef>
+      <a:fontRef idx="minor"/>
+    </dgm:style>
+  </dgm:styleLbl>
+  <dgm:styleLbl name="fgShp">
+    <dgm:scene3d>
+      <a:camera prst="orthographicFront"/>
+      <a:lightRig rig="flat" dir="t"/>
+    </dgm:scene3d>
+    <dgm:sp3d prstMaterial="dkEdge">
+      <a:bevelT w="8200" h="38100"/>
+    </dgm:sp3d>
+    <dgm:txPr/>
+    <dgm:style>
+      <a:lnRef idx="1">
+        <a:scrgbClr r="0" g="0" b="0"/>
+      </a:lnRef>
+      <a:fillRef idx="2">
+        <a:scrgbClr r="0" g="0" b="0"/>
+      </a:fillRef>
+      <a:effectRef idx="1">
+        <a:scrgbClr r="0" g="0" b="0"/>
+      </a:effectRef>
+      <a:fontRef idx="minor"/>
+    </dgm:style>
+  </dgm:styleLbl>
+  <dgm:styleLbl name="revTx">
+    <dgm:scene3d>
+      <a:camera prst="orthographicFront"/>
+      <a:lightRig rig="threePt" dir="t"/>
+    </dgm:scene3d>
+    <dgm:sp3d/>
+    <dgm:txPr/>
+    <dgm:style>
+      <a:lnRef idx="0">
+        <a:scrgbClr r="0" g="0" b="0"/>
+      </a:lnRef>
+      <a:fillRef idx="0">
+        <a:scrgbClr r="0" g="0" b="0"/>
+      </a:fillRef>
+      <a:effectRef idx="0">
+        <a:scrgbClr r="0" g="0" b="0"/>
+      </a:effectRef>
+      <a:fontRef idx="minor"/>
+    </dgm:style>
+  </dgm:styleLbl>
+</dgm:styleDef>
+</file>
+
+<file path=ppt/diagrams/quickStyle5.xml><?xml version="1.0" encoding="utf-8"?>
+<dgm:styleDef xmlns:dgm="http://schemas.openxmlformats.org/drawingml/2006/diagram" xmlns:a="http://schemas.openxmlformats.org/drawingml/2006/main" uniqueId="urn:microsoft.com/office/officeart/2005/8/quickstyle/simple1">
+  <dgm:title val=""/>
+  <dgm:desc val=""/>
+  <dgm:catLst>
+    <dgm:cat type="simple" pri="10100"/>
+  </dgm:catLst>
+  <dgm:scene3d>
+    <a:camera prst="orthographicFront"/>
+    <a:lightRig rig="threePt" dir="t"/>
+  </dgm:scene3d>
+  <dgm:styleLbl name="node0">
+    <dgm:scene3d>
+      <a:camera prst="orthographicFront"/>
+      <a:lightRig rig="threePt" dir="t"/>
+    </dgm:scene3d>
+    <dgm:sp3d/>
+    <dgm:txPr/>
+    <dgm:style>
+      <a:lnRef idx="2">
+        <a:scrgbClr r="0" g="0" b="0"/>
+      </a:lnRef>
+      <a:fillRef idx="1">
+        <a:scrgbClr r="0" g="0" b="0"/>
+      </a:fillRef>
+      <a:effectRef idx="0">
+        <a:scrgbClr r="0" g="0" b="0"/>
+      </a:effectRef>
+      <a:fontRef idx="minor">
+        <a:schemeClr val="lt1"/>
+      </a:fontRef>
+    </dgm:style>
+  </dgm:styleLbl>
+  <dgm:styleLbl name="lnNode1">
+    <dgm:scene3d>
+      <a:camera prst="orthographicFront"/>
+      <a:lightRig rig="threePt" dir="t"/>
+    </dgm:scene3d>
+    <dgm:sp3d/>
+    <dgm:txPr/>
+    <dgm:style>
+      <a:lnRef idx="2">
+        <a:scrgbClr r="0" g="0" b="0"/>
+      </a:lnRef>
+      <a:fillRef idx="1">
+        <a:scrgbClr r="0" g="0" b="0"/>
+      </a:fillRef>
+      <a:effectRef idx="0">
+        <a:scrgbClr r="0" g="0" b="0"/>
+      </a:effectRef>
+      <a:fontRef idx="minor">
+        <a:schemeClr val="lt1"/>
+      </a:fontRef>
+    </dgm:style>
+  </dgm:styleLbl>
+  <dgm:styleLbl name="vennNode1">
+    <dgm:scene3d>
+      <a:camera prst="orthographicFront"/>
+      <a:lightRig rig="threePt" dir="t"/>
+    </dgm:scene3d>
+    <dgm:sp3d/>
+    <dgm:txPr/>
+    <dgm:style>
+      <a:lnRef idx="2">
+        <a:scrgbClr r="0" g="0" b="0"/>
+      </a:lnRef>
+      <a:fillRef idx="1">
+        <a:scrgbClr r="0" g="0" b="0"/>
+      </a:fillRef>
+      <a:effectRef idx="0">
+        <a:scrgbClr r="0" g="0" b="0"/>
+      </a:effectRef>
+      <a:fontRef idx="minor">
+        <a:schemeClr val="tx1"/>
+      </a:fontRef>
+    </dgm:style>
+  </dgm:styleLbl>
+  <dgm:styleLbl name="alignNode1">
+    <dgm:scene3d>
+      <a:camera prst="orthographicFront"/>
+      <a:lightRig rig="threePt" dir="t"/>
+    </dgm:scene3d>
+    <dgm:sp3d/>
+    <dgm:txPr/>
+    <dgm:style>
+      <a:lnRef idx="2">
+        <a:scrgbClr r="0" g="0" b="0"/>
+      </a:lnRef>
+      <a:fillRef idx="1">
+        <a:scrgbClr r="0" g="0" b="0"/>
+      </a:fillRef>
+      <a:effectRef idx="0">
+        <a:scrgbClr r="0" g="0" b="0"/>
+      </a:effectRef>
+      <a:fontRef idx="minor">
+        <a:schemeClr val="lt1"/>
+      </a:fontRef>
+    </dgm:style>
+  </dgm:styleLbl>
+  <dgm:styleLbl name="node1">
+    <dgm:scene3d>
+      <a:camera prst="orthographicFront"/>
+      <a:lightRig rig="threePt" dir="t"/>
+    </dgm:scene3d>
+    <dgm:sp3d/>
+    <dgm:txPr/>
+    <dgm:style>
+      <a:lnRef idx="2">
+        <a:scrgbClr r="0" g="0" b="0"/>
+      </a:lnRef>
+      <a:fillRef idx="1">
+        <a:scrgbClr r="0" g="0" b="0"/>
+      </a:fillRef>
+      <a:effectRef idx="0">
+        <a:scrgbClr r="0" g="0" b="0"/>
+      </a:effectRef>
+      <a:fontRef idx="minor">
+        <a:schemeClr val="lt1"/>
+      </a:fontRef>
+    </dgm:style>
+  </dgm:styleLbl>
+  <dgm:styleLbl name="node2">
+    <dgm:scene3d>
+      <a:camera prst="orthographicFront"/>
+      <a:lightRig rig="threePt" dir="t"/>
+    </dgm:scene3d>
+    <dgm:sp3d/>
+    <dgm:txPr/>
+    <dgm:style>
+      <a:lnRef idx="2">
+        <a:scrgbClr r="0" g="0" b="0"/>
+      </a:lnRef>
+      <a:fillRef idx="1">
+        <a:scrgbClr r="0" g="0" b="0"/>
+      </a:fillRef>
+      <a:effectRef idx="0">
+        <a:scrgbClr r="0" g="0" b="0"/>
+      </a:effectRef>
+      <a:fontRef idx="minor">
+        <a:schemeClr val="lt1"/>
+      </a:fontRef>
+    </dgm:style>
+  </dgm:styleLbl>
+  <dgm:styleLbl name="node3">
+    <dgm:scene3d>
+      <a:camera prst="orthographicFront"/>
+      <a:lightRig rig="threePt" dir="t"/>
+    </dgm:scene3d>
+    <dgm:sp3d/>
+    <dgm:txPr/>
+    <dgm:style>
+      <a:lnRef idx="2">
+        <a:scrgbClr r="0" g="0" b="0"/>
+      </a:lnRef>
+      <a:fillRef idx="1">
+        <a:scrgbClr r="0" g="0" b="0"/>
+      </a:fillRef>
+      <a:effectRef idx="0">
+        <a:scrgbClr r="0" g="0" b="0"/>
+      </a:effectRef>
+      <a:fontRef idx="minor">
+        <a:schemeClr val="lt1"/>
+      </a:fontRef>
+    </dgm:style>
+  </dgm:styleLbl>
+  <dgm:styleLbl name="node4">
+    <dgm:scene3d>
+      <a:camera prst="orthographicFront"/>
+      <a:lightRig rig="threePt" dir="t"/>
+    </dgm:scene3d>
+    <dgm:sp3d/>
+    <dgm:txPr/>
+    <dgm:style>
+      <a:lnRef idx="2">
+        <a:scrgbClr r="0" g="0" b="0"/>
+      </a:lnRef>
+      <a:fillRef idx="1">
+        <a:scrgbClr r="0" g="0" b="0"/>
+      </a:fillRef>
+      <a:effectRef idx="0">
+        <a:scrgbClr r="0" g="0" b="0"/>
+      </a:effectRef>
+      <a:fontRef idx="minor">
+        <a:schemeClr val="lt1"/>
+      </a:fontRef>
+    </dgm:style>
+  </dgm:styleLbl>
+  <dgm:styleLbl name="fgImgPlace1">
+    <dgm:scene3d>
+      <a:camera prst="orthographicFront"/>
+      <a:lightRig rig="threePt" dir="t"/>
+    </dgm:scene3d>
+    <dgm:sp3d/>
+    <dgm:txPr/>
+    <dgm:style>
+      <a:lnRef idx="2">
+        <a:scrgbClr r="0" g="0" b="0"/>
+      </a:lnRef>
+      <a:fillRef idx="1">
+        <a:scrgbClr r="0" g="0" b="0"/>
+      </a:fillRef>
+      <a:effectRef idx="0">
+        <a:scrgbClr r="0" g="0" b="0"/>
+      </a:effectRef>
+      <a:fontRef idx="minor"/>
+    </dgm:style>
+  </dgm:styleLbl>
+  <dgm:styleLbl name="alignImgPlace1">
+    <dgm:scene3d>
+      <a:camera prst="orthographicFront"/>
+      <a:lightRig rig="threePt" dir="t"/>
+    </dgm:scene3d>
+    <dgm:sp3d/>
+    <dgm:txPr/>
+    <dgm:style>
+      <a:lnRef idx="2">
+        <a:scrgbClr r="0" g="0" b="0"/>
+      </a:lnRef>
+      <a:fillRef idx="1">
+        <a:scrgbClr r="0" g="0" b="0"/>
+      </a:fillRef>
+      <a:effectRef idx="0">
+        <a:scrgbClr r="0" g="0" b="0"/>
+      </a:effectRef>
+      <a:fontRef idx="minor"/>
+    </dgm:style>
+  </dgm:styleLbl>
+  <dgm:styleLbl name="bgImgPlace1">
+    <dgm:scene3d>
+      <a:camera prst="orthographicFront"/>
+      <a:lightRig rig="threePt" dir="t"/>
+    </dgm:scene3d>
+    <dgm:sp3d/>
+    <dgm:txPr/>
+    <dgm:style>
+      <a:lnRef idx="2">
+        <a:scrgbClr r="0" g="0" b="0"/>
+      </a:lnRef>
+      <a:fillRef idx="1">
+        <a:scrgbClr r="0" g="0" b="0"/>
+      </a:fillRef>
+      <a:effectRef idx="0">
+        <a:scrgbClr r="0" g="0" b="0"/>
+      </a:effectRef>
+      <a:fontRef idx="minor"/>
+    </dgm:style>
+  </dgm:styleLbl>
+  <dgm:styleLbl name="sibTrans2D1">
+    <dgm:scene3d>
+      <a:camera prst="orthographicFront"/>
+      <a:lightRig rig="threePt" dir="t"/>
+    </dgm:scene3d>
+    <dgm:sp3d/>
+    <dgm:txPr/>
+    <dgm:style>
+      <a:lnRef idx="0">
+        <a:scrgbClr r="0" g="0" b="0"/>
+      </a:lnRef>
+      <a:fillRef idx="1">
+        <a:scrgbClr r="0" g="0" b="0"/>
+      </a:fillRef>
+      <a:effectRef idx="0">
+        <a:scrgbClr r="0" g="0" b="0"/>
+      </a:effectRef>
+      <a:fontRef idx="minor">
+        <a:schemeClr val="lt1"/>
+      </a:fontRef>
+    </dgm:style>
+  </dgm:styleLbl>
+  <dgm:styleLbl name="fgSibTrans2D1">
+    <dgm:scene3d>
+      <a:camera prst="orthographicFront"/>
+      <a:lightRig rig="threePt" dir="t"/>
+    </dgm:scene3d>
+    <dgm:sp3d/>
+    <dgm:txPr/>
+    <dgm:style>
+      <a:lnRef idx="0">
+        <a:scrgbClr r="0" g="0" b="0"/>
+      </a:lnRef>
+      <a:fillRef idx="1">
+        <a:scrgbClr r="0" g="0" b="0"/>
+      </a:fillRef>
+      <a:effectRef idx="0">
+        <a:scrgbClr r="0" g="0" b="0"/>
+      </a:effectRef>
+      <a:fontRef idx="minor">
+        <a:schemeClr val="lt1"/>
+      </a:fontRef>
+    </dgm:style>
+  </dgm:styleLbl>
+  <dgm:styleLbl name="bgSibTrans2D1">
+    <dgm:scene3d>
+      <a:camera prst="orthographicFront"/>
+      <a:lightRig rig="threePt" dir="t"/>
+    </dgm:scene3d>
+    <dgm:sp3d/>
+    <dgm:txPr/>
+    <dgm:style>
+      <a:lnRef idx="0">
+        <a:scrgbClr r="0" g="0" b="0"/>
+      </a:lnRef>
+      <a:fillRef idx="1">
+        <a:scrgbClr r="0" g="0" b="0"/>
+      </a:fillRef>
+      <a:effectRef idx="0">
+        <a:scrgbClr r="0" g="0" b="0"/>
+      </a:effectRef>
+      <a:fontRef idx="minor">
+        <a:schemeClr val="lt1"/>
+      </a:fontRef>
+    </dgm:style>
+  </dgm:styleLbl>
+  <dgm:styleLbl name="sibTrans1D1">
+    <dgm:scene3d>
+      <a:camera prst="orthographicFront"/>
+      <a:lightRig rig="threePt" dir="t"/>
+    </dgm:scene3d>
+    <dgm:sp3d/>
+    <dgm:txPr/>
+    <dgm:style>
+      <a:lnRef idx="1">
+        <a:scrgbClr r="0" g="0" b="0"/>
+      </a:lnRef>
+      <a:fillRef idx="0">
+        <a:scrgbClr r="0" g="0" b="0"/>
+      </a:fillRef>
+      <a:effectRef idx="0">
+        <a:scrgbClr r="0" g="0" b="0"/>
+      </a:effectRef>
+      <a:fontRef idx="minor"/>
+    </dgm:style>
+  </dgm:styleLbl>
+  <dgm:styleLbl name="callout">
+    <dgm:scene3d>
+      <a:camera prst="orthographicFront"/>
+      <a:lightRig rig="threePt" dir="t"/>
+    </dgm:scene3d>
+    <dgm:sp3d/>
+    <dgm:txPr/>
+    <dgm:style>
+      <a:lnRef idx="2">
+        <a:scrgbClr r="0" g="0" b="0"/>
+      </a:lnRef>
+      <a:fillRef idx="1">
+        <a:scrgbClr r="0" g="0" b="0"/>
+      </a:fillRef>
+      <a:effectRef idx="0">
+        <a:scrgbClr r="0" g="0" b="0"/>
+      </a:effectRef>
+      <a:fontRef idx="minor"/>
+    </dgm:style>
+  </dgm:styleLbl>
+  <dgm:styleLbl name="asst0">
+    <dgm:scene3d>
+      <a:camera prst="orthographicFront"/>
+      <a:lightRig rig="threePt" dir="t"/>
+    </dgm:scene3d>
+    <dgm:sp3d/>
+    <dgm:txPr/>
+    <dgm:style>
+      <a:lnRef idx="2">
+        <a:scrgbClr r="0" g="0" b="0"/>
+      </a:lnRef>
+      <a:fillRef idx="1">
+        <a:scrgbClr r="0" g="0" b="0"/>
+      </a:fillRef>
+      <a:effectRef idx="0">
+        <a:scrgbClr r="0" g="0" b="0"/>
+      </a:effectRef>
+      <a:fontRef idx="minor">
+        <a:schemeClr val="lt1"/>
+      </a:fontRef>
+    </dgm:style>
+  </dgm:styleLbl>
+  <dgm:styleLbl name="asst1">
+    <dgm:scene3d>
+      <a:camera prst="orthographicFront"/>
+      <a:lightRig rig="threePt" dir="t"/>
+    </dgm:scene3d>
+    <dgm:sp3d/>
+    <dgm:txPr/>
+    <dgm:style>
+      <a:lnRef idx="2">
+        <a:scrgbClr r="0" g="0" b="0"/>
+      </a:lnRef>
+      <a:fillRef idx="1">
+        <a:scrgbClr r="0" g="0" b="0"/>
+      </a:fillRef>
+      <a:effectRef idx="0">
+        <a:scrgbClr r="0" g="0" b="0"/>
+      </a:effectRef>
+      <a:fontRef idx="minor">
+        <a:schemeClr val="lt1"/>
+      </a:fontRef>
+    </dgm:style>
+  </dgm:styleLbl>
+  <dgm:styleLbl name="asst2">
+    <dgm:scene3d>
+      <a:camera prst="orthographicFront"/>
+      <a:lightRig rig="threePt" dir="t"/>
+    </dgm:scene3d>
+    <dgm:sp3d/>
+    <dgm:txPr/>
+    <dgm:style>
+      <a:lnRef idx="2">
+        <a:scrgbClr r="0" g="0" b="0"/>
+      </a:lnRef>
+      <a:fillRef idx="1">
+        <a:scrgbClr r="0" g="0" b="0"/>
+      </a:fillRef>
+      <a:effectRef idx="0">
+        <a:scrgbClr r="0" g="0" b="0"/>
+      </a:effectRef>
+      <a:fontRef idx="minor">
+        <a:schemeClr val="lt1"/>
+      </a:fontRef>
+    </dgm:style>
+  </dgm:styleLbl>
+  <dgm:styleLbl name="asst3">
+    <dgm:scene3d>
+      <a:camera prst="orthographicFront"/>
+      <a:lightRig rig="threePt" dir="t"/>
+    </dgm:scene3d>
+    <dgm:sp3d/>
+    <dgm:txPr/>
+    <dgm:style>
+      <a:lnRef idx="2">
+        <a:scrgbClr r="0" g="0" b="0"/>
+      </a:lnRef>
+      <a:fillRef idx="1">
+        <a:scrgbClr r="0" g="0" b="0"/>
+      </a:fillRef>
+      <a:effectRef idx="0">
+        <a:scrgbClr r="0" g="0" b="0"/>
+      </a:effectRef>
+      <a:fontRef idx="minor">
+        <a:schemeClr val="lt1"/>
+      </a:fontRef>
+    </dgm:style>
+  </dgm:styleLbl>
+  <dgm:styleLbl name="asst4">
+    <dgm:scene3d>
+      <a:camera prst="orthographicFront"/>
+      <a:lightRig rig="threePt" dir="t"/>
+    </dgm:scene3d>
+    <dgm:sp3d/>
+    <dgm:txPr/>
+    <dgm:style>
+      <a:lnRef idx="2">
+        <a:scrgbClr r="0" g="0" b="0"/>
+      </a:lnRef>
+      <a:fillRef idx="1">
+        <a:scrgbClr r="0" g="0" b="0"/>
+      </a:fillRef>
+      <a:effectRef idx="0">
+        <a:scrgbClr r="0" g="0" b="0"/>
+      </a:effectRef>
+      <a:fontRef idx="minor">
+        <a:schemeClr val="lt1"/>
+      </a:fontRef>
+    </dgm:style>
+  </dgm:styleLbl>
+  <dgm:styleLbl name="parChTrans2D1">
+    <dgm:scene3d>
+      <a:camera prst="orthographicFront"/>
+      <a:lightRig rig="threePt" dir="t"/>
+    </dgm:scene3d>
+    <dgm:sp3d/>
+    <dgm:txPr/>
+    <dgm:style>
+      <a:lnRef idx="2">
+        <a:scrgbClr r="0" g="0" b="0"/>
+      </a:lnRef>
+      <a:fillRef idx="1">
+        <a:scrgbClr r="0" g="0" b="0"/>
+      </a:fillRef>
+      <a:effectRef idx="0">
+        <a:scrgbClr r="0" g="0" b="0"/>
+      </a:effectRef>
+      <a:fontRef idx="minor">
+        <a:schemeClr val="lt1"/>
+      </a:fontRef>
+    </dgm:style>
+  </dgm:styleLbl>
+  <dgm:styleLbl name="parChTrans2D2">
+    <dgm:scene3d>
+      <a:camera prst="orthographicFront"/>
+      <a:lightRig rig="threePt" dir="t"/>
+    </dgm:scene3d>
+    <dgm:sp3d/>
+    <dgm:txPr/>
+    <dgm:style>
+      <a:lnRef idx="2">
+        <a:scrgbClr r="0" g="0" b="0"/>
+      </a:lnRef>
+      <a:fillRef idx="1">
+        <a:scrgbClr r="0" g="0" b="0"/>
+      </a:fillRef>
+      <a:effectRef idx="0">
+        <a:scrgbClr r="0" g="0" b="0"/>
+      </a:effectRef>
+      <a:fontRef idx="minor">
+        <a:schemeClr val="lt1"/>
+      </a:fontRef>
+    </dgm:style>
+  </dgm:styleLbl>
+  <dgm:styleLbl name="parChTrans2D3">
+    <dgm:scene3d>
+      <a:camera prst="orthographicFront"/>
+      <a:lightRig rig="threePt" dir="t"/>
+    </dgm:scene3d>
+    <dgm:sp3d/>
+    <dgm:txPr/>
+    <dgm:style>
+      <a:lnRef idx="2">
+        <a:scrgbClr r="0" g="0" b="0"/>
+      </a:lnRef>
+      <a:fillRef idx="1">
+        <a:scrgbClr r="0" g="0" b="0"/>
+      </a:fillRef>
+      <a:effectRef idx="0">
+        <a:scrgbClr r="0" g="0" b="0"/>
+      </a:effectRef>
+      <a:fontRef idx="minor">
+        <a:schemeClr val="lt1"/>
+      </a:fontRef>
+    </dgm:style>
+  </dgm:styleLbl>
+  <dgm:styleLbl name="parChTrans2D4">
+    <dgm:scene3d>
+      <a:camera prst="orthographicFront"/>
+      <a:lightRig rig="threePt" dir="t"/>
+    </dgm:scene3d>
+    <dgm:sp3d/>
+    <dgm:txPr/>
+    <dgm:style>
+      <a:lnRef idx="2">
+        <a:scrgbClr r="0" g="0" b="0"/>
+      </a:lnRef>
+      <a:fillRef idx="1">
+        <a:scrgbClr r="0" g="0" b="0"/>
+      </a:fillRef>
+      <a:effectRef idx="0">
+        <a:scrgbClr r="0" g="0" b="0"/>
+      </a:effectRef>
+      <a:fontRef idx="minor">
+        <a:schemeClr val="lt1"/>
+      </a:fontRef>
+    </dgm:style>
+  </dgm:styleLbl>
+  <dgm:styleLbl name="parChTrans1D1">
+    <dgm:scene3d>
+      <a:camera prst="orthographicFront"/>
+      <a:lightRig rig="threePt" dir="t"/>
+    </dgm:scene3d>
+    <dgm:sp3d/>
+    <dgm:txPr/>
+    <dgm:style>
+      <a:lnRef idx="2">
+        <a:scrgbClr r="0" g="0" b="0"/>
+      </a:lnRef>
+      <a:fillRef idx="0">
+        <a:scrgbClr r="0" g="0" b="0"/>
+      </a:fillRef>
+      <a:effectRef idx="0">
+        <a:scrgbClr r="0" g="0" b="0"/>
+      </a:effectRef>
+      <a:fontRef idx="minor"/>
+    </dgm:style>
+  </dgm:styleLbl>
+  <dgm:styleLbl name="parChTrans1D2">
+    <dgm:scene3d>
+      <a:camera prst="orthographicFront"/>
+      <a:lightRig rig="threePt" dir="t"/>
+    </dgm:scene3d>
+    <dgm:sp3d/>
+    <dgm:txPr/>
+    <dgm:style>
+      <a:lnRef idx="2">
+        <a:scrgbClr r="0" g="0" b="0"/>
+      </a:lnRef>
+      <a:fillRef idx="0">
+        <a:scrgbClr r="0" g="0" b="0"/>
+      </a:fillRef>
+      <a:effectRef idx="0">
+        <a:scrgbClr r="0" g="0" b="0"/>
+      </a:effectRef>
+      <a:fontRef idx="minor"/>
+    </dgm:style>
+  </dgm:styleLbl>
+  <dgm:styleLbl name="parChTrans1D3">
+    <dgm:scene3d>
+      <a:camera prst="orthographicFront"/>
+      <a:lightRig rig="threePt" dir="t"/>
+    </dgm:scene3d>
+    <dgm:sp3d/>
+    <dgm:txPr/>
+    <dgm:style>
+      <a:lnRef idx="2">
+        <a:scrgbClr r="0" g="0" b="0"/>
+      </a:lnRef>
+      <a:fillRef idx="0">
+        <a:scrgbClr r="0" g="0" b="0"/>
+      </a:fillRef>
+      <a:effectRef idx="0">
+        <a:scrgbClr r="0" g="0" b="0"/>
+      </a:effectRef>
+      <a:fontRef idx="minor"/>
+    </dgm:style>
+  </dgm:styleLbl>
+  <dgm:styleLbl name="parChTrans1D4">
+    <dgm:scene3d>
+      <a:camera prst="orthographicFront"/>
+      <a:lightRig rig="threePt" dir="t"/>
+    </dgm:scene3d>
+    <dgm:sp3d/>
+    <dgm:txPr/>
+    <dgm:style>
+      <a:lnRef idx="2">
+        <a:scrgbClr r="0" g="0" b="0"/>
+      </a:lnRef>
+      <a:fillRef idx="0">
+        <a:scrgbClr r="0" g="0" b="0"/>
+      </a:fillRef>
+      <a:effectRef idx="0">
+        <a:scrgbClr r="0" g="0" b="0"/>
+      </a:effectRef>
+      <a:fontRef idx="minor"/>
+    </dgm:style>
+  </dgm:styleLbl>
+  <dgm:styleLbl name="fgAcc1">
+    <dgm:scene3d>
+      <a:camera prst="orthographicFront"/>
+      <a:lightRig rig="threePt" dir="t"/>
+    </dgm:scene3d>
+    <dgm:sp3d/>
+    <dgm:txPr/>
+    <dgm:style>
+      <a:lnRef idx="2">
+        <a:scrgbClr r="0" g="0" b="0"/>
+      </a:lnRef>
+      <a:fillRef idx="1">
+        <a:scrgbClr r="0" g="0" b="0"/>
+      </a:fillRef>
+      <a:effectRef idx="0">
+        <a:scrgbClr r="0" g="0" b="0"/>
+      </a:effectRef>
+      <a:fontRef idx="minor"/>
+    </dgm:style>
+  </dgm:styleLbl>
+  <dgm:styleLbl name="conFgAcc1">
+    <dgm:scene3d>
+      <a:camera prst="orthographicFront"/>
+      <a:lightRig rig="threePt" dir="t"/>
+    </dgm:scene3d>
+    <dgm:sp3d/>
+    <dgm:txPr/>
+    <dgm:style>
+      <a:lnRef idx="2">
+        <a:scrgbClr r="0" g="0" b="0"/>
+      </a:lnRef>
+      <a:fillRef idx="1">
+        <a:scrgbClr r="0" g="0" b="0"/>
+      </a:fillRef>
+      <a:effectRef idx="0">
+        <a:scrgbClr r="0" g="0" b="0"/>
+      </a:effectRef>
+      <a:fontRef idx="minor"/>
+    </dgm:style>
+  </dgm:styleLbl>
+  <dgm:styleLbl name="alignAcc1">
+    <dgm:scene3d>
+      <a:camera prst="orthographicFront"/>
+      <a:lightRig rig="threePt" dir="t"/>
+    </dgm:scene3d>
+    <dgm:sp3d/>
+    <dgm:txPr/>
+    <dgm:style>
+      <a:lnRef idx="2">
+        <a:scrgbClr r="0" g="0" b="0"/>
+      </a:lnRef>
+      <a:fillRef idx="1">
+        <a:scrgbClr r="0" g="0" b="0"/>
+      </a:fillRef>
+      <a:effectRef idx="0">
+        <a:scrgbClr r="0" g="0" b="0"/>
+      </a:effectRef>
+      <a:fontRef idx="minor"/>
+    </dgm:style>
+  </dgm:styleLbl>
+  <dgm:styleLbl name="trAlignAcc1">
+    <dgm:scene3d>
+      <a:camera prst="orthographicFront"/>
+      <a:lightRig rig="threePt" dir="t"/>
+    </dgm:scene3d>
+    <dgm:sp3d/>
+    <dgm:txPr/>
+    <dgm:style>
+      <a:lnRef idx="1">
+        <a:scrgbClr r="0" g="0" b="0"/>
+      </a:lnRef>
+      <a:fillRef idx="1">
+        <a:scrgbClr r="0" g="0" b="0"/>
+      </a:fillRef>
+      <a:effectRef idx="0">
+        <a:scrgbClr r="0" g="0" b="0"/>
+      </a:effectRef>
+      <a:fontRef idx="minor"/>
+    </dgm:style>
+  </dgm:styleLbl>
+  <dgm:styleLbl name="bgAcc1">
+    <dgm:scene3d>
+      <a:camera prst="orthographicFront"/>
+      <a:lightRig rig="threePt" dir="t"/>
+    </dgm:scene3d>
+    <dgm:sp3d/>
+    <dgm:txPr/>
+    <dgm:style>
+      <a:lnRef idx="2">
+        <a:scrgbClr r="0" g="0" b="0"/>
+      </a:lnRef>
+      <a:fillRef idx="1">
+        <a:scrgbClr r="0" g="0" b="0"/>
+      </a:fillRef>
+      <a:effectRef idx="0">
+        <a:scrgbClr r="0" g="0" b="0"/>
+      </a:effectRef>
+      <a:fontRef idx="minor"/>
+    </dgm:style>
+  </dgm:styleLbl>
+  <dgm:styleLbl name="solidFgAcc1">
+    <dgm:scene3d>
+      <a:camera prst="orthographicFront"/>
+      <a:lightRig rig="threePt" dir="t"/>
+    </dgm:scene3d>
+    <dgm:sp3d/>
+    <dgm:txPr/>
+    <dgm:style>
+      <a:lnRef idx="2">
+        <a:scrgbClr r="0" g="0" b="0"/>
+      </a:lnRef>
+      <a:fillRef idx="1">
+        <a:scrgbClr r="0" g="0" b="0"/>
+      </a:fillRef>
+      <a:effectRef idx="0">
+        <a:scrgbClr r="0" g="0" b="0"/>
+      </a:effectRef>
+      <a:fontRef idx="minor"/>
+    </dgm:style>
+  </dgm:styleLbl>
+  <dgm:styleLbl name="solidAlignAcc1">
+    <dgm:scene3d>
+      <a:camera prst="orthographicFront"/>
+      <a:lightRig rig="threePt" dir="t"/>
+    </dgm:scene3d>
+    <dgm:sp3d/>
+    <dgm:txPr/>
+    <dgm:style>
+      <a:lnRef idx="2">
+        <a:scrgbClr r="0" g="0" b="0"/>
+      </a:lnRef>
+      <a:fillRef idx="1">
+        <a:scrgbClr r="0" g="0" b="0"/>
+      </a:fillRef>
+      <a:effectRef idx="0">
+        <a:scrgbClr r="0" g="0" b="0"/>
+      </a:effectRef>
+      <a:fontRef idx="minor"/>
+    </dgm:style>
+  </dgm:styleLbl>
+  <dgm:styleLbl name="solidBgAcc1">
+    <dgm:scene3d>
+      <a:camera prst="orthographicFront"/>
+      <a:lightRig rig="threePt" dir="t"/>
+    </dgm:scene3d>
+    <dgm:sp3d/>
+    <dgm:txPr/>
+    <dgm:style>
+      <a:lnRef idx="2">
+        <a:scrgbClr r="0" g="0" b="0"/>
+      </a:lnRef>
+      <a:fillRef idx="1">
+        <a:scrgbClr r="0" g="0" b="0"/>
+      </a:fillRef>
+      <a:effectRef idx="0">
+        <a:scrgbClr r="0" g="0" b="0"/>
+      </a:effectRef>
+      <a:fontRef idx="minor"/>
+    </dgm:style>
+  </dgm:styleLbl>
+  <dgm:styleLbl name="fgAccFollowNode1">
+    <dgm:scene3d>
+      <a:camera prst="orthographicFront"/>
+      <a:lightRig rig="threePt" dir="t"/>
+    </dgm:scene3d>
+    <dgm:sp3d/>
+    <dgm:txPr/>
+    <dgm:style>
+      <a:lnRef idx="2">
+        <a:scrgbClr r="0" g="0" b="0"/>
+      </a:lnRef>
+      <a:fillRef idx="1">
+        <a:scrgbClr r="0" g="0" b="0"/>
+      </a:fillRef>
+      <a:effectRef idx="0">
+        <a:scrgbClr r="0" g="0" b="0"/>
+      </a:effectRef>
+      <a:fontRef idx="minor"/>
+    </dgm:style>
+  </dgm:styleLbl>
+  <dgm:styleLbl name="alignAccFollowNode1">
+    <dgm:scene3d>
+      <a:camera prst="orthographicFront"/>
+      <a:lightRig rig="threePt" dir="t"/>
+    </dgm:scene3d>
+    <dgm:sp3d/>
+    <dgm:txPr/>
+    <dgm:style>
+      <a:lnRef idx="2">
+        <a:scrgbClr r="0" g="0" b="0"/>
+      </a:lnRef>
+      <a:fillRef idx="1">
+        <a:scrgbClr r="0" g="0" b="0"/>
+      </a:fillRef>
+      <a:effectRef idx="0">
+        <a:scrgbClr r="0" g="0" b="0"/>
+      </a:effectRef>
+      <a:fontRef idx="minor"/>
+    </dgm:style>
+  </dgm:styleLbl>
+  <dgm:styleLbl name="bgAccFollowNode1">
+    <dgm:scene3d>
+      <a:camera prst="orthographicFront"/>
+      <a:lightRig rig="threePt" dir="t"/>
+    </dgm:scene3d>
+    <dgm:sp3d/>
+    <dgm:txPr/>
+    <dgm:style>
+      <a:lnRef idx="2">
+        <a:scrgbClr r="0" g="0" b="0"/>
+      </a:lnRef>
+      <a:fillRef idx="1">
+        <a:scrgbClr r="0" g="0" b="0"/>
+      </a:fillRef>
+      <a:effectRef idx="0">
+        <a:scrgbClr r="0" g="0" b="0"/>
+      </a:effectRef>
+      <a:fontRef idx="minor"/>
+    </dgm:style>
+  </dgm:styleLbl>
+  <dgm:styleLbl name="fgAcc0">
+    <dgm:scene3d>
+      <a:camera prst="orthographicFront"/>
+      <a:lightRig rig="threePt" dir="t"/>
+    </dgm:scene3d>
+    <dgm:sp3d/>
+    <dgm:txPr/>
+    <dgm:style>
+      <a:lnRef idx="2">
+        <a:scrgbClr r="0" g="0" b="0"/>
+      </a:lnRef>
+      <a:fillRef idx="1">
+        <a:scrgbClr r="0" g="0" b="0"/>
+      </a:fillRef>
+      <a:effectRef idx="0">
+        <a:scrgbClr r="0" g="0" b="0"/>
+      </a:effectRef>
+      <a:fontRef idx="minor"/>
+    </dgm:style>
+  </dgm:styleLbl>
+  <dgm:styleLbl name="fgAcc2">
+    <dgm:scene3d>
+      <a:camera prst="orthographicFront"/>
+      <a:lightRig rig="threePt" dir="t"/>
+    </dgm:scene3d>
+    <dgm:sp3d/>
+    <dgm:txPr/>
+    <dgm:style>
+      <a:lnRef idx="2">
+        <a:scrgbClr r="0" g="0" b="0"/>
+      </a:lnRef>
+      <a:fillRef idx="1">
+        <a:scrgbClr r="0" g="0" b="0"/>
+      </a:fillRef>
+      <a:effectRef idx="0">
+        <a:scrgbClr r="0" g="0" b="0"/>
+      </a:effectRef>
+      <a:fontRef idx="minor"/>
+    </dgm:style>
+  </dgm:styleLbl>
+  <dgm:styleLbl name="fgAcc3">
+    <dgm:scene3d>
+      <a:camera prst="orthographicFront"/>
+      <a:lightRig rig="threePt" dir="t"/>
+    </dgm:scene3d>
+    <dgm:sp3d/>
+    <dgm:txPr/>
+    <dgm:style>
+      <a:lnRef idx="2">
+        <a:scrgbClr r="0" g="0" b="0"/>
+      </a:lnRef>
+      <a:fillRef idx="1">
+        <a:scrgbClr r="0" g="0" b="0"/>
+      </a:fillRef>
+      <a:effectRef idx="0">
+        <a:scrgbClr r="0" g="0" b="0"/>
+      </a:effectRef>
+      <a:fontRef idx="minor"/>
+    </dgm:style>
+  </dgm:styleLbl>
+  <dgm:styleLbl name="fgAcc4">
+    <dgm:scene3d>
+      <a:camera prst="orthographicFront"/>
+      <a:lightRig rig="threePt" dir="t"/>
+    </dgm:scene3d>
+    <dgm:sp3d/>
+    <dgm:txPr/>
+    <dgm:style>
+      <a:lnRef idx="2">
+        <a:scrgbClr r="0" g="0" b="0"/>
+      </a:lnRef>
+      <a:fillRef idx="1">
+        <a:scrgbClr r="0" g="0" b="0"/>
+      </a:fillRef>
+      <a:effectRef idx="0">
+        <a:scrgbClr r="0" g="0" b="0"/>
+      </a:effectRef>
+      <a:fontRef idx="minor"/>
+    </dgm:style>
+  </dgm:styleLbl>
+  <dgm:styleLbl name="bgShp">
+    <dgm:scene3d>
+      <a:camera prst="orthographicFront"/>
+      <a:lightRig rig="threePt" dir="t"/>
+    </dgm:scene3d>
+    <dgm:sp3d/>
+    <dgm:txPr/>
+    <dgm:style>
+      <a:lnRef idx="0">
+        <a:scrgbClr r="0" g="0" b="0"/>
+      </a:lnRef>
+      <a:fillRef idx="1">
+        <a:scrgbClr r="0" g="0" b="0"/>
+      </a:fillRef>
+      <a:effectRef idx="0">
+        <a:scrgbClr r="0" g="0" b="0"/>
+      </a:effectRef>
+      <a:fontRef idx="minor"/>
+    </dgm:style>
+  </dgm:styleLbl>
+  <dgm:styleLbl name="dkBgShp">
+    <dgm:scene3d>
+      <a:camera prst="orthographicFront"/>
+      <a:lightRig rig="threePt" dir="t"/>
+    </dgm:scene3d>
+    <dgm:sp3d/>
+    <dgm:txPr/>
+    <dgm:style>
+      <a:lnRef idx="0">
+        <a:scrgbClr r="0" g="0" b="0"/>
+      </a:lnRef>
+      <a:fillRef idx="1">
+        <a:scrgbClr r="0" g="0" b="0"/>
+      </a:fillRef>
+      <a:effectRef idx="0">
+        <a:scrgbClr r="0" g="0" b="0"/>
+      </a:effectRef>
+      <a:fontRef idx="minor"/>
+    </dgm:style>
+  </dgm:styleLbl>
+  <dgm:styleLbl name="trBgShp">
+    <dgm:scene3d>
+      <a:camera prst="orthographicFront"/>
+      <a:lightRig rig="threePt" dir="t"/>
+    </dgm:scene3d>
+    <dgm:sp3d/>
+    <dgm:txPr/>
+    <dgm:style>
+      <a:lnRef idx="0">
+        <a:scrgbClr r="0" g="0" b="0"/>
+      </a:lnRef>
+      <a:fillRef idx="1">
+        <a:scrgbClr r="0" g="0" b="0"/>
+      </a:fillRef>
+      <a:effectRef idx="0">
+        <a:scrgbClr r="0" g="0" b="0"/>
+      </a:effectRef>
+      <a:fontRef idx="minor"/>
+    </dgm:style>
+  </dgm:styleLbl>
+  <dgm:styleLbl name="fgShp">
+    <dgm:scene3d>
+      <a:camera prst="orthographicFront"/>
+      <a:lightRig rig="threePt" dir="t"/>
+    </dgm:scene3d>
+    <dgm:sp3d/>
+    <dgm:txPr/>
+    <dgm:style>
+      <a:lnRef idx="2">
+        <a:scrgbClr r="0" g="0" b="0"/>
+      </a:lnRef>
+      <a:fillRef idx="1">
+        <a:scrgbClr r="0" g="0" b="0"/>
+      </a:fillRef>
+      <a:effectRef idx="0">
+        <a:scrgbClr r="0" g="0" b="0"/>
+      </a:effectRef>
+      <a:fontRef idx="minor"/>
+    </dgm:style>
+  </dgm:styleLbl>
+  <dgm:styleLbl name="revTx">
+    <dgm:scene3d>
+      <a:camera prst="orthographicFront"/>
+      <a:lightRig rig="threePt" dir="t"/>
+    </dgm:scene3d>
+    <dgm:sp3d/>
+    <dgm:txPr/>
+    <dgm:style>
+      <a:lnRef idx="0">
+        <a:scrgbClr r="0" g="0" b="0"/>
+      </a:lnRef>
+      <a:fillRef idx="0">
+        <a:scrgbClr r="0" g="0" b="0"/>
+      </a:fillRef>
+      <a:effectRef idx="0">
+        <a:scrgbClr r="0" g="0" b="0"/>
+      </a:effectRef>
+      <a:fontRef idx="minor"/>
+    </dgm:style>
+  </dgm:styleLbl>
+</dgm:styleDef>
+</file>
+
+<file path=ppt/diagrams/quickStyle6.xml><?xml version="1.0" encoding="utf-8"?>
 <dgm:styleDef xmlns:dgm="http://schemas.openxmlformats.org/drawingml/2006/diagram" xmlns:a="http://schemas.openxmlformats.org/drawingml/2006/main" uniqueId="urn:microsoft.com/office/officeart/2005/8/quickstyle/simple1">
   <dgm:title val=""/>
   <dgm:desc val=""/>
@@ -18399,7 +26981,7 @@
 </file>
 
 <file path=ppt/slides/slide15.xml><?xml version="1.0" encoding="utf-8"?>
-<p:sld xmlns:a="http://schemas.openxmlformats.org/drawingml/2006/main" xmlns:r="http://schemas.openxmlformats.org/officeDocument/2006/relationships" xmlns:p="http://schemas.openxmlformats.org/presentationml/2006/main">
+<p:sld xmlns:a="http://schemas.openxmlformats.org/drawingml/2006/main" xmlns:r="http://schemas.openxmlformats.org/officeDocument/2006/relationships" xmlns:p="http://schemas.openxmlformats.org/presentationml/2006/main" show="0">
   <p:cSld>
     <p:spTree>
       <p:nvGrpSpPr>
@@ -18415,24 +26997,61 @@
           <a:chExt cx="0" cy="0"/>
         </a:xfrm>
       </p:grpSpPr>
+      <p:graphicFrame>
+        <p:nvGraphicFramePr>
+          <p:cNvPr id="6" name="Diagram 5"/>
+          <p:cNvGraphicFramePr/>
+          <p:nvPr>
+            <p:extLst/>
+          </p:nvPr>
+        </p:nvGraphicFramePr>
+        <p:xfrm>
+          <a:off x="2209801" y="2472267"/>
+          <a:ext cx="8128000" cy="3208867"/>
+        </p:xfrm>
+        <a:graphic>
+          <a:graphicData uri="http://schemas.openxmlformats.org/drawingml/2006/diagram">
+            <dgm:relIds xmlns:dgm="http://schemas.openxmlformats.org/drawingml/2006/diagram" xmlns:r="http://schemas.openxmlformats.org/officeDocument/2006/relationships" r:dm="rId2" r:lo="rId3" r:qs="rId4" r:cs="rId5"/>
+          </a:graphicData>
+        </a:graphic>
+      </p:graphicFrame>
       <p:sp>
         <p:nvSpPr>
-          <p:cNvPr id="2" name="Title 1"/>
-          <p:cNvSpPr>
-            <a:spLocks noGrp="1"/>
-          </p:cNvSpPr>
-          <p:nvPr>
-            <p:ph type="title"/>
-          </p:nvPr>
+          <p:cNvPr id="7" name="Can 6"/>
+          <p:cNvSpPr/>
+          <p:nvPr/>
         </p:nvSpPr>
-        <p:spPr/>
+        <p:spPr>
+          <a:xfrm>
+            <a:off x="5486401" y="1100667"/>
+            <a:ext cx="1828800" cy="1828800"/>
+          </a:xfrm>
+          <a:prstGeom prst="can">
+            <a:avLst/>
+          </a:prstGeom>
+        </p:spPr>
+        <p:style>
+          <a:lnRef idx="3">
+            <a:schemeClr val="lt1"/>
+          </a:lnRef>
+          <a:fillRef idx="1">
+            <a:schemeClr val="accent6"/>
+          </a:fillRef>
+          <a:effectRef idx="1">
+            <a:schemeClr val="accent6"/>
+          </a:effectRef>
+          <a:fontRef idx="minor">
+            <a:schemeClr val="lt1"/>
+          </a:fontRef>
+        </p:style>
         <p:txBody>
-          <a:bodyPr/>
+          <a:bodyPr rtlCol="0" anchor="ctr"/>
           <a:lstStyle/>
           <a:p>
+            <a:pPr algn="ctr"/>
             <a:r>
               <a:rPr lang="en-US" dirty="0" smtClean="0"/>
-              <a:t>Implementation</a:t>
+              <a:t>Fragment DB</a:t>
             </a:r>
             <a:endParaRPr lang="en-US" dirty="0"/>
           </a:p>
@@ -18440,134 +27059,330 @@
       </p:sp>
       <p:sp>
         <p:nvSpPr>
-          <p:cNvPr id="3" name="Content Placeholder 2"/>
-          <p:cNvSpPr>
-            <a:spLocks noGrp="1"/>
-          </p:cNvSpPr>
-          <p:nvPr>
-            <p:ph idx="1"/>
-          </p:nvPr>
+          <p:cNvPr id="8" name="Curved Left Arrow 7"/>
+          <p:cNvSpPr/>
+          <p:nvPr/>
         </p:nvSpPr>
-        <p:spPr/>
+        <p:spPr>
+          <a:xfrm rot="10800000">
+            <a:off x="685801" y="2777067"/>
+            <a:ext cx="1295400" cy="2438400"/>
+          </a:xfrm>
+          <a:prstGeom prst="curvedLeftArrow">
+            <a:avLst/>
+          </a:prstGeom>
+        </p:spPr>
+        <p:style>
+          <a:lnRef idx="1">
+            <a:schemeClr val="accent3"/>
+          </a:lnRef>
+          <a:fillRef idx="2">
+            <a:schemeClr val="accent3"/>
+          </a:fillRef>
+          <a:effectRef idx="1">
+            <a:schemeClr val="accent3"/>
+          </a:effectRef>
+          <a:fontRef idx="minor">
+            <a:schemeClr val="dk1"/>
+          </a:fontRef>
+        </p:style>
         <p:txBody>
-          <a:bodyPr/>
+          <a:bodyPr vert="vert" rtlCol="0" anchor="ctr"/>
           <a:lstStyle/>
           <a:p>
-            <a:r>
-              <a:rPr lang="en-US" b="1" dirty="0" smtClean="0"/>
-              <a:t>Language</a:t>
-            </a:r>
-            <a:r>
-              <a:rPr lang="en-US" dirty="0" smtClean="0"/>
-              <a:t>: Python 3.3 x86</a:t>
-            </a:r>
+            <a:pPr algn="ctr"/>
+            <a:r>
+              <a:rPr lang="en-US" dirty="0" smtClean="0">
+                <a:solidFill>
+                  <a:schemeClr val="tx1"/>
+                </a:solidFill>
+              </a:rPr>
+              <a:t>100x</a:t>
+            </a:r>
+            <a:endParaRPr lang="en-US" dirty="0">
+              <a:solidFill>
+                <a:schemeClr val="tx1"/>
+              </a:solidFill>
+            </a:endParaRPr>
           </a:p>
+        </p:txBody>
+      </p:sp>
+      <p:cxnSp>
+        <p:nvCxnSpPr>
+          <p:cNvPr id="10" name="Elbow Connector 9"/>
+          <p:cNvCxnSpPr>
+            <a:endCxn id="7" idx="2"/>
+          </p:cNvCxnSpPr>
+          <p:nvPr/>
+        </p:nvCxnSpPr>
+        <p:spPr>
+          <a:xfrm rot="5400000" flipH="1" flipV="1">
+            <a:off x="4343401" y="2624667"/>
+            <a:ext cx="1752600" cy="533400"/>
+          </a:xfrm>
+          <a:prstGeom prst="bentConnector2">
+            <a:avLst/>
+          </a:prstGeom>
+          <a:ln>
+            <a:solidFill>
+              <a:schemeClr val="tx1"/>
+            </a:solidFill>
+            <a:tailEnd type="triangle"/>
+          </a:ln>
+        </p:spPr>
+        <p:style>
+          <a:lnRef idx="1">
+            <a:schemeClr val="accent1"/>
+          </a:lnRef>
+          <a:fillRef idx="0">
+            <a:schemeClr val="accent1"/>
+          </a:fillRef>
+          <a:effectRef idx="0">
+            <a:schemeClr val="accent1"/>
+          </a:effectRef>
+          <a:fontRef idx="minor">
+            <a:schemeClr val="tx1"/>
+          </a:fontRef>
+        </p:style>
+      </p:cxnSp>
+      <p:graphicFrame>
+        <p:nvGraphicFramePr>
+          <p:cNvPr id="17" name="Diagram 16"/>
+          <p:cNvGraphicFramePr/>
+          <p:nvPr>
+            <p:extLst/>
+          </p:nvPr>
+        </p:nvGraphicFramePr>
+        <p:xfrm>
+          <a:off x="1143001" y="1253067"/>
+          <a:ext cx="5283200" cy="651933"/>
+        </p:xfrm>
+        <a:graphic>
+          <a:graphicData uri="http://schemas.openxmlformats.org/drawingml/2006/diagram">
+            <dgm:relIds xmlns:dgm="http://schemas.openxmlformats.org/drawingml/2006/diagram" xmlns:r="http://schemas.openxmlformats.org/officeDocument/2006/relationships" r:dm="rId7" r:lo="rId8" r:qs="rId9" r:cs="rId10"/>
+          </a:graphicData>
+        </a:graphic>
+      </p:graphicFrame>
+      <p:cxnSp>
+        <p:nvCxnSpPr>
+          <p:cNvPr id="19" name="Elbow Connector 18"/>
+          <p:cNvCxnSpPr>
+            <a:endCxn id="7" idx="2"/>
+          </p:cNvCxnSpPr>
+          <p:nvPr/>
+        </p:nvCxnSpPr>
+        <p:spPr>
+          <a:xfrm flipV="1">
+            <a:off x="4267201" y="2015067"/>
+            <a:ext cx="1219200" cy="1066800"/>
+          </a:xfrm>
+          <a:prstGeom prst="bentConnector3">
+            <a:avLst>
+              <a:gd name="adj1" fmla="val 29750"/>
+            </a:avLst>
+          </a:prstGeom>
+          <a:ln>
+            <a:solidFill>
+              <a:schemeClr val="tx1"/>
+            </a:solidFill>
+            <a:tailEnd type="triangle"/>
+          </a:ln>
+        </p:spPr>
+        <p:style>
+          <a:lnRef idx="1">
+            <a:schemeClr val="accent1"/>
+          </a:lnRef>
+          <a:fillRef idx="0">
+            <a:schemeClr val="accent1"/>
+          </a:fillRef>
+          <a:effectRef idx="0">
+            <a:schemeClr val="accent1"/>
+          </a:effectRef>
+          <a:fontRef idx="minor">
+            <a:schemeClr val="tx1"/>
+          </a:fontRef>
+        </p:style>
+      </p:cxnSp>
+      <p:graphicFrame>
+        <p:nvGraphicFramePr>
+          <p:cNvPr id="25" name="Diagram 24"/>
+          <p:cNvGraphicFramePr/>
+          <p:nvPr>
+            <p:extLst>
+              <p:ext uri="{D42A27DB-BD31-4B8C-83A1-F6EECF244321}">
+                <p14:modId xmlns:p14="http://schemas.microsoft.com/office/powerpoint/2010/main" val="29525703"/>
+              </p:ext>
+            </p:extLst>
+          </p:nvPr>
+        </p:nvGraphicFramePr>
+        <p:xfrm>
+          <a:off x="4917833" y="5215467"/>
+          <a:ext cx="5140567" cy="499533"/>
+        </p:xfrm>
+        <a:graphic>
+          <a:graphicData uri="http://schemas.openxmlformats.org/drawingml/2006/diagram">
+            <dgm:relIds xmlns:dgm="http://schemas.openxmlformats.org/drawingml/2006/diagram" xmlns:r="http://schemas.openxmlformats.org/officeDocument/2006/relationships" r:dm="rId12" r:lo="rId13" r:qs="rId14" r:cs="rId15"/>
+          </a:graphicData>
+        </a:graphic>
+      </p:graphicFrame>
+      <p:cxnSp>
+        <p:nvCxnSpPr>
+          <p:cNvPr id="27" name="Curved Connector 26"/>
+          <p:cNvCxnSpPr>
+            <a:endCxn id="25" idx="1"/>
+          </p:cNvCxnSpPr>
+          <p:nvPr/>
+        </p:nvCxnSpPr>
+        <p:spPr>
+          <a:xfrm rot="10800000" flipV="1">
+            <a:off x="4917833" y="4453467"/>
+            <a:ext cx="1322836" cy="1011766"/>
+          </a:xfrm>
+          <a:prstGeom prst="curvedConnector3">
+            <a:avLst>
+              <a:gd name="adj1" fmla="val 117281"/>
+            </a:avLst>
+          </a:prstGeom>
+          <a:ln>
+            <a:solidFill>
+              <a:schemeClr val="tx1"/>
+            </a:solidFill>
+            <a:tailEnd type="triangle"/>
+          </a:ln>
+        </p:spPr>
+        <p:style>
+          <a:lnRef idx="1">
+            <a:schemeClr val="accent1"/>
+          </a:lnRef>
+          <a:fillRef idx="0">
+            <a:schemeClr val="accent1"/>
+          </a:fillRef>
+          <a:effectRef idx="0">
+            <a:schemeClr val="accent1"/>
+          </a:effectRef>
+          <a:fontRef idx="minor">
+            <a:schemeClr val="tx1"/>
+          </a:fontRef>
+        </p:style>
+      </p:cxnSp>
+      <p:cxnSp>
+        <p:nvCxnSpPr>
+          <p:cNvPr id="29" name="Curved Connector 28"/>
+          <p:cNvCxnSpPr>
+            <a:stCxn id="25" idx="3"/>
+          </p:cNvCxnSpPr>
+          <p:nvPr/>
+        </p:nvCxnSpPr>
+        <p:spPr>
+          <a:xfrm flipH="1" flipV="1">
+            <a:off x="6396114" y="4453467"/>
+            <a:ext cx="3662286" cy="1011766"/>
+          </a:xfrm>
+          <a:prstGeom prst="curvedConnector3">
+            <a:avLst>
+              <a:gd name="adj1" fmla="val -6242"/>
+            </a:avLst>
+          </a:prstGeom>
+          <a:ln>
+            <a:solidFill>
+              <a:schemeClr val="tx1"/>
+            </a:solidFill>
+            <a:tailEnd type="triangle"/>
+          </a:ln>
+        </p:spPr>
+        <p:style>
+          <a:lnRef idx="1">
+            <a:schemeClr val="accent1"/>
+          </a:lnRef>
+          <a:fillRef idx="0">
+            <a:schemeClr val="accent1"/>
+          </a:fillRef>
+          <a:effectRef idx="0">
+            <a:schemeClr val="accent1"/>
+          </a:effectRef>
+          <a:fontRef idx="minor">
+            <a:schemeClr val="tx1"/>
+          </a:fontRef>
+        </p:style>
+      </p:cxnSp>
+      <p:sp>
+        <p:nvSpPr>
+          <p:cNvPr id="34" name="TextBox 33"/>
+          <p:cNvSpPr txBox="1"/>
+          <p:nvPr/>
+        </p:nvSpPr>
+        <p:spPr>
+          <a:xfrm>
+            <a:off x="1333500" y="152400"/>
+            <a:ext cx="3200401" cy="830997"/>
+          </a:xfrm>
+          <a:prstGeom prst="rect">
+            <a:avLst/>
+          </a:prstGeom>
+          <a:noFill/>
+        </p:spPr>
+        <p:txBody>
+          <a:bodyPr wrap="square" rtlCol="0">
+            <a:spAutoFit/>
+          </a:bodyPr>
+          <a:lstStyle/>
           <a:p>
             <a:r>
-              <a:rPr lang="en-US" b="1" dirty="0" smtClean="0"/>
-              <a:t>Temperature/Cycles</a:t>
-            </a:r>
-            <a:r>
-              <a:rPr lang="en-US" dirty="0" smtClean="0"/>
-              <a:t>: 25,000/10,000</a:t>
-            </a:r>
-          </a:p>
-          <a:p>
-            <a:r>
-              <a:rPr lang="en-US" b="1" dirty="0" smtClean="0"/>
-              <a:t>Tools</a:t>
-            </a:r>
-            <a:r>
-              <a:rPr lang="en-US" dirty="0" smtClean="0"/>
-              <a:t>: </a:t>
-            </a:r>
-            <a:r>
-              <a:rPr lang="en-US" dirty="0" err="1" smtClean="0"/>
-              <a:t>Dfire</a:t>
-            </a:r>
-            <a:r>
-              <a:rPr lang="en-US" dirty="0" smtClean="0"/>
-              <a:t>, Rosetta, </a:t>
-            </a:r>
-            <a:r>
-              <a:rPr lang="en-US" dirty="0" err="1" smtClean="0"/>
-              <a:t>rama</a:t>
-            </a:r>
-            <a:r>
-              <a:rPr lang="en-US" dirty="0" smtClean="0"/>
-              <a:t>/</a:t>
-            </a:r>
-            <a:r>
-              <a:rPr lang="en-US" dirty="0" err="1" smtClean="0"/>
-              <a:t>lipa</a:t>
-            </a:r>
-            <a:r>
-              <a:rPr lang="en-US" dirty="0"/>
-              <a:t> </a:t>
-            </a:r>
-            <a:r>
-              <a:rPr lang="en-US" dirty="0" smtClean="0"/>
-              <a:t>for torsion angle/</a:t>
-            </a:r>
-            <a:r>
-              <a:rPr lang="en-US" dirty="0" err="1" smtClean="0"/>
-              <a:t>pdb</a:t>
-            </a:r>
-            <a:r>
-              <a:rPr lang="en-US" dirty="0" smtClean="0"/>
-              <a:t> conversion, TM-score, RW-potential</a:t>
-            </a:r>
-          </a:p>
-          <a:p>
-            <a:r>
-              <a:rPr lang="en-US" b="1" dirty="0" smtClean="0"/>
-              <a:t>Libraries</a:t>
-            </a:r>
-            <a:r>
-              <a:rPr lang="en-US" dirty="0" smtClean="0"/>
-              <a:t>: </a:t>
-            </a:r>
-            <a:r>
-              <a:rPr lang="en-US" dirty="0" err="1" smtClean="0"/>
-              <a:t>biopython</a:t>
-            </a:r>
-            <a:r>
-              <a:rPr lang="en-US" dirty="0" smtClean="0"/>
-              <a:t>, </a:t>
-            </a:r>
-            <a:r>
-              <a:rPr lang="en-US" dirty="0" err="1" smtClean="0"/>
-              <a:t>numpy</a:t>
-            </a:r>
-            <a:r>
-              <a:rPr lang="en-US" dirty="0" smtClean="0"/>
-              <a:t>, </a:t>
-            </a:r>
-            <a:r>
-              <a:rPr lang="en-US" dirty="0" err="1" smtClean="0"/>
-              <a:t>scipy</a:t>
-            </a:r>
-            <a:r>
-              <a:rPr lang="en-US" dirty="0" smtClean="0"/>
-              <a:t>, sqlite3</a:t>
-            </a:r>
-            <a:endParaRPr lang="en-US" b="1" dirty="0" smtClean="0"/>
-          </a:p>
-          <a:p>
-            <a:endParaRPr lang="en-US" dirty="0"/>
+              <a:rPr lang="en-US" sz="4800" b="1" dirty="0" smtClean="0">
+                <a:ln w="9525">
+                  <a:solidFill>
+                    <a:schemeClr val="bg1"/>
+                  </a:solidFill>
+                  <a:prstDash val="solid"/>
+                </a:ln>
+                <a:effectLst>
+                  <a:outerShdw blurRad="12700" dist="38100" dir="2700000" algn="tl" rotWithShape="0">
+                    <a:schemeClr val="bg1">
+                      <a:lumMod val="50000"/>
+                    </a:schemeClr>
+                  </a:outerShdw>
+                </a:effectLst>
+                <a:latin typeface="+mj-lt"/>
+              </a:rPr>
+              <a:t>Architecture</a:t>
+            </a:r>
+            <a:endParaRPr lang="en-US" sz="4800" b="1" dirty="0">
+              <a:ln w="9525">
+                <a:solidFill>
+                  <a:schemeClr val="bg1"/>
+                </a:solidFill>
+                <a:prstDash val="solid"/>
+              </a:ln>
+              <a:effectLst>
+                <a:outerShdw blurRad="12700" dist="38100" dir="2700000" algn="tl" rotWithShape="0">
+                  <a:schemeClr val="bg1">
+                    <a:lumMod val="50000"/>
+                  </a:schemeClr>
+                </a:outerShdw>
+              </a:effectLst>
+              <a:latin typeface="+mj-lt"/>
+            </a:endParaRPr>
           </a:p>
         </p:txBody>
       </p:sp>
     </p:spTree>
     <p:extLst>
       <p:ext uri="{BB962C8B-B14F-4D97-AF65-F5344CB8AC3E}">
-        <p14:creationId xmlns:p14="http://schemas.microsoft.com/office/powerpoint/2010/main" val="1830499968"/>
+        <p14:creationId xmlns:p14="http://schemas.microsoft.com/office/powerpoint/2010/main" val="539393841"/>
       </p:ext>
     </p:extLst>
   </p:cSld>
   <p:clrMapOvr>
     <a:masterClrMapping/>
   </p:clrMapOvr>
+  <mc:AlternateContent xmlns:mc="http://schemas.openxmlformats.org/markup-compatibility/2006">
+    <mc:Choice xmlns:p14="http://schemas.microsoft.com/office/powerpoint/2010/main" Requires="p14">
+      <p:transition spd="slow" p14:dur="2000"/>
+    </mc:Choice>
+    <mc:Fallback>
+      <p:transition spd="slow"/>
+    </mc:Fallback>
+  </mc:AlternateContent>
   <p:timing>
     <p:tnLst>
       <p:par>
@@ -18612,6 +27427,186 @@
           <a:p>
             <a:r>
               <a:rPr lang="en-US" dirty="0" smtClean="0"/>
+              <a:t>Implementation</a:t>
+            </a:r>
+            <a:endParaRPr lang="en-US" dirty="0"/>
+          </a:p>
+        </p:txBody>
+      </p:sp>
+      <p:sp>
+        <p:nvSpPr>
+          <p:cNvPr id="3" name="Content Placeholder 2"/>
+          <p:cNvSpPr>
+            <a:spLocks noGrp="1"/>
+          </p:cNvSpPr>
+          <p:nvPr>
+            <p:ph idx="1"/>
+          </p:nvPr>
+        </p:nvSpPr>
+        <p:spPr/>
+        <p:txBody>
+          <a:bodyPr/>
+          <a:lstStyle/>
+          <a:p>
+            <a:r>
+              <a:rPr lang="en-US" b="1" dirty="0" smtClean="0"/>
+              <a:t>Language</a:t>
+            </a:r>
+            <a:r>
+              <a:rPr lang="en-US" dirty="0" smtClean="0"/>
+              <a:t>: Python 3.3 x86</a:t>
+            </a:r>
+          </a:p>
+          <a:p>
+            <a:r>
+              <a:rPr lang="en-US" b="1" dirty="0" smtClean="0"/>
+              <a:t>Temperature/Cycles</a:t>
+            </a:r>
+            <a:r>
+              <a:rPr lang="en-US" dirty="0" smtClean="0"/>
+              <a:t>: 25,000/10,000</a:t>
+            </a:r>
+          </a:p>
+          <a:p>
+            <a:r>
+              <a:rPr lang="en-US" b="1" dirty="0" smtClean="0"/>
+              <a:t>Tools</a:t>
+            </a:r>
+            <a:r>
+              <a:rPr lang="en-US" dirty="0" smtClean="0"/>
+              <a:t>: </a:t>
+            </a:r>
+            <a:r>
+              <a:rPr lang="en-US" dirty="0" err="1" smtClean="0"/>
+              <a:t>Dfire</a:t>
+            </a:r>
+            <a:r>
+              <a:rPr lang="en-US" dirty="0" smtClean="0"/>
+              <a:t>, Rosetta, </a:t>
+            </a:r>
+            <a:r>
+              <a:rPr lang="en-US" dirty="0" err="1" smtClean="0"/>
+              <a:t>rama</a:t>
+            </a:r>
+            <a:r>
+              <a:rPr lang="en-US" dirty="0" smtClean="0"/>
+              <a:t>/</a:t>
+            </a:r>
+            <a:r>
+              <a:rPr lang="en-US" dirty="0" err="1" smtClean="0"/>
+              <a:t>lipa</a:t>
+            </a:r>
+            <a:r>
+              <a:rPr lang="en-US" dirty="0"/>
+              <a:t> </a:t>
+            </a:r>
+            <a:r>
+              <a:rPr lang="en-US" dirty="0" smtClean="0"/>
+              <a:t>for torsion angle/</a:t>
+            </a:r>
+            <a:r>
+              <a:rPr lang="en-US" dirty="0" err="1" smtClean="0"/>
+              <a:t>pdb</a:t>
+            </a:r>
+            <a:r>
+              <a:rPr lang="en-US" dirty="0" smtClean="0"/>
+              <a:t> conversion, TM-score, RW-potential</a:t>
+            </a:r>
+          </a:p>
+          <a:p>
+            <a:r>
+              <a:rPr lang="en-US" b="1" dirty="0" smtClean="0"/>
+              <a:t>Libraries</a:t>
+            </a:r>
+            <a:r>
+              <a:rPr lang="en-US" dirty="0" smtClean="0"/>
+              <a:t>: </a:t>
+            </a:r>
+            <a:r>
+              <a:rPr lang="en-US" dirty="0" err="1" smtClean="0"/>
+              <a:t>biopython</a:t>
+            </a:r>
+            <a:r>
+              <a:rPr lang="en-US" dirty="0" smtClean="0"/>
+              <a:t>, </a:t>
+            </a:r>
+            <a:r>
+              <a:rPr lang="en-US" dirty="0" err="1" smtClean="0"/>
+              <a:t>numpy</a:t>
+            </a:r>
+            <a:r>
+              <a:rPr lang="en-US" dirty="0" smtClean="0"/>
+              <a:t>, </a:t>
+            </a:r>
+            <a:r>
+              <a:rPr lang="en-US" dirty="0" err="1" smtClean="0"/>
+              <a:t>scipy</a:t>
+            </a:r>
+            <a:r>
+              <a:rPr lang="en-US" dirty="0" smtClean="0"/>
+              <a:t>, sqlite3</a:t>
+            </a:r>
+            <a:endParaRPr lang="en-US" b="1" dirty="0" smtClean="0"/>
+          </a:p>
+          <a:p>
+            <a:endParaRPr lang="en-US" dirty="0"/>
+          </a:p>
+        </p:txBody>
+      </p:sp>
+    </p:spTree>
+    <p:extLst>
+      <p:ext uri="{BB962C8B-B14F-4D97-AF65-F5344CB8AC3E}">
+        <p14:creationId xmlns:p14="http://schemas.microsoft.com/office/powerpoint/2010/main" val="1830499968"/>
+      </p:ext>
+    </p:extLst>
+  </p:cSld>
+  <p:clrMapOvr>
+    <a:masterClrMapping/>
+  </p:clrMapOvr>
+  <p:timing>
+    <p:tnLst>
+      <p:par>
+        <p:cTn id="1" dur="indefinite" restart="never" nodeType="tmRoot"/>
+      </p:par>
+    </p:tnLst>
+  </p:timing>
+</p:sld>
+</file>
+
+<file path=ppt/slides/slide17.xml><?xml version="1.0" encoding="utf-8"?>
+<p:sld xmlns:a="http://schemas.openxmlformats.org/drawingml/2006/main" xmlns:r="http://schemas.openxmlformats.org/officeDocument/2006/relationships" xmlns:p="http://schemas.openxmlformats.org/presentationml/2006/main">
+  <p:cSld>
+    <p:spTree>
+      <p:nvGrpSpPr>
+        <p:cNvPr id="1" name=""/>
+        <p:cNvGrpSpPr/>
+        <p:nvPr/>
+      </p:nvGrpSpPr>
+      <p:grpSpPr>
+        <a:xfrm>
+          <a:off x="0" y="0"/>
+          <a:ext cx="0" cy="0"/>
+          <a:chOff x="0" y="0"/>
+          <a:chExt cx="0" cy="0"/>
+        </a:xfrm>
+      </p:grpSpPr>
+      <p:sp>
+        <p:nvSpPr>
+          <p:cNvPr id="2" name="Title 1"/>
+          <p:cNvSpPr>
+            <a:spLocks noGrp="1"/>
+          </p:cNvSpPr>
+          <p:nvPr>
+            <p:ph type="title"/>
+          </p:nvPr>
+        </p:nvSpPr>
+        <p:spPr/>
+        <p:txBody>
+          <a:bodyPr/>
+          <a:lstStyle/>
+          <a:p>
+            <a:r>
+              <a:rPr lang="en-US" dirty="0" smtClean="0"/>
               <a:t>Potential Issues/Solutions</a:t>
             </a:r>
             <a:endParaRPr lang="en-US" dirty="0"/>
@@ -18718,7 +27713,7 @@
 </p:sld>
 </file>
 
-<file path=ppt/slides/slide17.xml><?xml version="1.0" encoding="utf-8"?>
+<file path=ppt/slides/slide18.xml><?xml version="1.0" encoding="utf-8"?>
 <p:sld xmlns:a="http://schemas.openxmlformats.org/drawingml/2006/main" xmlns:r="http://schemas.openxmlformats.org/officeDocument/2006/relationships" xmlns:p="http://schemas.openxmlformats.org/presentationml/2006/main">
   <p:cSld>
     <p:spTree>
@@ -19384,7 +28379,7 @@
 </p:sld>
 </file>
 
-<file path=ppt/slides/slide18.xml><?xml version="1.0" encoding="utf-8"?>
+<file path=ppt/slides/slide19.xml><?xml version="1.0" encoding="utf-8"?>
 <p:sld xmlns:a="http://schemas.openxmlformats.org/drawingml/2006/main" xmlns:r="http://schemas.openxmlformats.org/officeDocument/2006/relationships" xmlns:p="http://schemas.openxmlformats.org/presentationml/2006/main">
   <p:cSld>
     <p:spTree>
@@ -23891,11 +32886,7 @@
             </a:r>
             <a:r>
               <a:rPr lang="en-US" smtClean="0"/>
-              <a:t>e</a:t>
-            </a:r>
-            <a:r>
-              <a:rPr lang="en-US" smtClean="0"/>
-              <a:t>^(change/temperature</a:t>
+              <a:t>e^(change/temperature</a:t>
             </a:r>
             <a:r>
               <a:rPr lang="en-US" dirty="0" smtClean="0"/>
